--- a/12 初轨确定和精密定轨原理.pptx
+++ b/12 初轨确定和精密定轨原理.pptx
@@ -235,7 +235,7 @@
           <a:p>
             <a:fld id="{26DDD1A4-63E9-4C41-BD0C-A6576214358F}" type="datetimeFigureOut">
               <a:rPr kumimoji="1" lang="zh-CN" altLang="en-US" smtClean="0"/>
-              <a:t>2023/7/28</a:t>
+              <a:t>2023/7/31</a:t>
             </a:fld>
             <a:endParaRPr kumimoji="1" lang="zh-CN" altLang="en-US"/>
           </a:p>
@@ -829,7 +829,7 @@
           <a:p>
             <a:fld id="{8664C608-40B1-4030-A28D-5B74BC98ADCE}" type="datetimeFigureOut">
               <a:rPr lang="en-US" smtClean="0"/>
-              <a:t>7/28/2023</a:t>
+              <a:t>7/31/2023</a:t>
             </a:fld>
             <a:endParaRPr lang="en-US" dirty="0"/>
           </a:p>
@@ -2600,13 +2600,13 @@
           <p:nvPr>
             <p:extLst>
               <p:ext uri="{D42A27DB-BD31-4B8C-83A1-F6EECF244321}">
-                <p14:modId xmlns:p14="http://schemas.microsoft.com/office/powerpoint/2010/main" val="1619307314"/>
+                <p14:modId xmlns:p14="http://schemas.microsoft.com/office/powerpoint/2010/main" val="1580251234"/>
               </p:ext>
             </p:extLst>
           </p:nvPr>
         </p:nvGraphicFramePr>
         <p:xfrm>
-          <a:off x="3117794" y="5617850"/>
+          <a:off x="3117794" y="5664716"/>
           <a:ext cx="2882900" cy="400050"/>
         </p:xfrm>
         <a:graphic>
@@ -2640,7 +2640,7 @@
                     </p:blipFill>
                     <p:spPr>
                       <a:xfrm>
-                        <a:off x="3117794" y="5617850"/>
+                        <a:off x="3117794" y="5664716"/>
                         <a:ext cx="2882900" cy="400050"/>
                       </a:xfrm>
                       <a:prstGeom prst="rect">

--- a/12 初轨确定和精密定轨原理.pptx
+++ b/12 初轨确定和精密定轨原理.pptx
@@ -233,7 +233,7 @@
           <a:p>
             <a:fld id="{26DDD1A4-63E9-4C41-BD0C-A6576214358F}" type="datetimeFigureOut">
               <a:rPr kumimoji="1" lang="zh-CN" altLang="en-US" smtClean="0"/>
-              <a:t>2023/8/5</a:t>
+              <a:t>2023/8/7</a:t>
             </a:fld>
             <a:endParaRPr kumimoji="1" lang="zh-CN" altLang="en-US"/>
           </a:p>
@@ -827,7 +827,7 @@
           <a:p>
             <a:fld id="{8664C608-40B1-4030-A28D-5B74BC98ADCE}" type="datetimeFigureOut">
               <a:rPr lang="en-US" smtClean="0"/>
-              <a:t>8/5/2023</a:t>
+              <a:t>8/7/2023</a:t>
             </a:fld>
             <a:endParaRPr lang="en-US" dirty="0"/>
           </a:p>
@@ -7558,13 +7558,13 @@
   <p:clrMapOvr>
     <a:masterClrMapping/>
   </p:clrMapOvr>
-  <mc:AlternateContent xmlns:mc="http://schemas.openxmlformats.org/markup-compatibility/2006">
-    <mc:Choice xmlns:p14="http://schemas.microsoft.com/office/powerpoint/2010/main" Requires="p14">
+  <mc:AlternateContent xmlns:mc="http://schemas.openxmlformats.org/markup-compatibility/2006" xmlns:p14="http://schemas.microsoft.com/office/powerpoint/2010/main">
+    <mc:Choice Requires="p14">
       <p:transition spd="med" p14:dur="700">
         <p:fade/>
       </p:transition>
     </mc:Choice>
-    <mc:Fallback>
+    <mc:Fallback xmlns="">
       <p:transition spd="med">
         <p:fade/>
       </p:transition>
@@ -16298,25 +16298,25 @@
           <p:nvPr>
             <p:extLst>
               <p:ext uri="{D42A27DB-BD31-4B8C-83A1-F6EECF244321}">
-                <p14:modId xmlns:p14="http://schemas.microsoft.com/office/powerpoint/2010/main" val="2137800862"/>
+                <p14:modId xmlns:p14="http://schemas.microsoft.com/office/powerpoint/2010/main" val="3487342482"/>
               </p:ext>
             </p:extLst>
           </p:nvPr>
         </p:nvGraphicFramePr>
         <p:xfrm>
-          <a:off x="1854201" y="5394285"/>
-          <a:ext cx="1571625" cy="381000"/>
+          <a:off x="1863725" y="5394325"/>
+          <a:ext cx="1552575" cy="381000"/>
         </p:xfrm>
         <a:graphic>
           <a:graphicData uri="http://schemas.openxmlformats.org/presentationml/2006/ole">
             <mc:AlternateContent xmlns:mc="http://schemas.openxmlformats.org/markup-compatibility/2006">
               <mc:Choice xmlns:v="urn:schemas-microsoft-com:vml" Requires="v">
-                <p:oleObj name="AxMath" r:id="rId16" imgW="785160" imgH="190440" progId="Equation.AxMath">
+                <p:oleObj name="AxMath" r:id="rId16" imgW="775800" imgH="190440" progId="Equation.AxMath">
                   <p:embed/>
                 </p:oleObj>
               </mc:Choice>
               <mc:Fallback>
-                <p:oleObj name="AxMath" r:id="rId16" imgW="785160" imgH="190440" progId="Equation.AxMath">
+                <p:oleObj name="AxMath" r:id="rId16" imgW="775800" imgH="190440" progId="Equation.AxMath">
                   <p:embed/>
                   <p:pic>
                     <p:nvPicPr>
@@ -16332,8 +16332,8 @@
                     </p:blipFill>
                     <p:spPr>
                       <a:xfrm>
-                        <a:off x="1854201" y="5394285"/>
-                        <a:ext cx="1571625" cy="381000"/>
+                        <a:off x="1863725" y="5394325"/>
+                        <a:ext cx="1552575" cy="381000"/>
                       </a:xfrm>
                       <a:prstGeom prst="rect">
                         <a:avLst/>
@@ -16361,25 +16361,25 @@
           <p:nvPr>
             <p:extLst>
               <p:ext uri="{D42A27DB-BD31-4B8C-83A1-F6EECF244321}">
-                <p14:modId xmlns:p14="http://schemas.microsoft.com/office/powerpoint/2010/main" val="3914019944"/>
+                <p14:modId xmlns:p14="http://schemas.microsoft.com/office/powerpoint/2010/main" val="1547027649"/>
               </p:ext>
             </p:extLst>
           </p:nvPr>
         </p:nvGraphicFramePr>
         <p:xfrm>
-          <a:off x="520223" y="6058256"/>
-          <a:ext cx="4258311" cy="583663"/>
+          <a:off x="571500" y="6057900"/>
+          <a:ext cx="4156075" cy="584200"/>
         </p:xfrm>
         <a:graphic>
           <a:graphicData uri="http://schemas.openxmlformats.org/presentationml/2006/ole">
             <mc:AlternateContent xmlns:mc="http://schemas.openxmlformats.org/markup-compatibility/2006">
               <mc:Choice xmlns:v="urn:schemas-microsoft-com:vml" Requires="v">
-                <p:oleObj name="AxMath" r:id="rId18" imgW="2779200" imgH="380880" progId="Equation.AxMath">
+                <p:oleObj name="AxMath" r:id="rId18" imgW="2713320" imgH="380880" progId="Equation.AxMath">
                   <p:embed/>
                 </p:oleObj>
               </mc:Choice>
               <mc:Fallback>
-                <p:oleObj name="AxMath" r:id="rId18" imgW="2779200" imgH="380880" progId="Equation.AxMath">
+                <p:oleObj name="AxMath" r:id="rId18" imgW="2713320" imgH="380880" progId="Equation.AxMath">
                   <p:embed/>
                   <p:pic>
                     <p:nvPicPr>
@@ -16401,8 +16401,8 @@
                     </p:blipFill>
                     <p:spPr>
                       <a:xfrm>
-                        <a:off x="520223" y="6058256"/>
-                        <a:ext cx="4258311" cy="583663"/>
+                        <a:off x="571500" y="6057900"/>
+                        <a:ext cx="4156075" cy="584200"/>
                       </a:xfrm>
                       <a:prstGeom prst="rect">
                         <a:avLst/>
@@ -18851,13 +18851,13 @@
   <p:clrMapOvr>
     <a:masterClrMapping/>
   </p:clrMapOvr>
-  <mc:AlternateContent xmlns:mc="http://schemas.openxmlformats.org/markup-compatibility/2006">
-    <mc:Choice xmlns:p14="http://schemas.microsoft.com/office/powerpoint/2010/main" Requires="p14">
+  <mc:AlternateContent xmlns:mc="http://schemas.openxmlformats.org/markup-compatibility/2006" xmlns:p14="http://schemas.microsoft.com/office/powerpoint/2010/main">
+    <mc:Choice Requires="p14">
       <p:transition spd="med" p14:dur="700">
         <p:fade/>
       </p:transition>
     </mc:Choice>
-    <mc:Fallback>
+    <mc:Fallback xmlns="">
       <p:transition spd="med">
         <p:fade/>
       </p:transition>

--- a/12 初轨确定和精密定轨原理.pptx
+++ b/12 初轨确定和精密定轨原理.pptx
@@ -235,7 +235,7 @@
           <a:p>
             <a:fld id="{26DDD1A4-63E9-4C41-BD0C-A6576214358F}" type="datetimeFigureOut">
               <a:rPr kumimoji="1" lang="zh-CN" altLang="en-US" smtClean="0"/>
-              <a:t>2023/10/26</a:t>
+              <a:t>2023/11/15</a:t>
             </a:fld>
             <a:endParaRPr kumimoji="1" lang="zh-CN" altLang="en-US"/>
           </a:p>
@@ -829,7 +829,7 @@
           <a:p>
             <a:fld id="{8664C608-40B1-4030-A28D-5B74BC98ADCE}" type="datetimeFigureOut">
               <a:rPr lang="en-US" smtClean="0"/>
-              <a:t>10/26/2023</a:t>
+              <a:t>11/15/2023</a:t>
             </a:fld>
             <a:endParaRPr lang="en-US" dirty="0"/>
           </a:p>
@@ -1391,7 +1391,7 @@
                   <a:latin typeface="微软雅黑" panose="020B0503020204020204" pitchFamily="34" charset="-122"/>
                   <a:ea typeface="微软雅黑" panose="020B0503020204020204" pitchFamily="34" charset="-122"/>
                 </a:rPr>
-                <a:t>11 </a:t>
+                <a:t>12 </a:t>
               </a:r>
               <a:r>
                 <a:rPr lang="zh-CN" altLang="en-US" sz="3600" b="1" dirty="0">

--- a/12 初轨确定和精密定轨原理.pptx
+++ b/12 初轨确定和精密定轨原理.pptx
@@ -235,7 +235,7 @@
           <a:p>
             <a:fld id="{26DDD1A4-63E9-4C41-BD0C-A6576214358F}" type="datetimeFigureOut">
               <a:rPr kumimoji="1" lang="zh-CN" altLang="en-US" smtClean="0"/>
-              <a:t>2023/11/15</a:t>
+              <a:t>2023/12/26</a:t>
             </a:fld>
             <a:endParaRPr kumimoji="1" lang="zh-CN" altLang="en-US"/>
           </a:p>
@@ -829,7 +829,7 @@
           <a:p>
             <a:fld id="{8664C608-40B1-4030-A28D-5B74BC98ADCE}" type="datetimeFigureOut">
               <a:rPr lang="en-US" smtClean="0"/>
-              <a:t>11/15/2023</a:t>
+              <a:t>12/26/2023</a:t>
             </a:fld>
             <a:endParaRPr lang="en-US" dirty="0"/>
           </a:p>
@@ -4090,42 +4090,6 @@
           </a:p>
         </p:txBody>
       </p:sp>
-      <p:pic>
-        <p:nvPicPr>
-          <p:cNvPr id="21" name="图形 20" descr="困惑的脸轮廓 纯色填充">
-            <a:extLst>
-              <a:ext uri="{FF2B5EF4-FFF2-40B4-BE49-F238E27FC236}">
-                <a16:creationId xmlns:a16="http://schemas.microsoft.com/office/drawing/2014/main" id="{DCB20B44-F7E7-70D5-3FF0-631B74FC767F}"/>
-              </a:ext>
-            </a:extLst>
-          </p:cNvPr>
-          <p:cNvPicPr>
-            <a:picLocks noChangeAspect="1"/>
-          </p:cNvPicPr>
-          <p:nvPr/>
-        </p:nvPicPr>
-        <p:blipFill>
-          <a:blip r:embed="rId20">
-            <a:extLst>
-              <a:ext uri="{96DAC541-7B7A-43D3-8B79-37D633B846F1}">
-                <asvg:svgBlip xmlns:asvg="http://schemas.microsoft.com/office/drawing/2016/SVG/main" r:embed="rId21"/>
-              </a:ext>
-            </a:extLst>
-          </a:blip>
-          <a:stretch>
-            <a:fillRect/>
-          </a:stretch>
-        </p:blipFill>
-        <p:spPr>
-          <a:xfrm>
-            <a:off x="0" y="711200"/>
-            <a:ext cx="571360" cy="571360"/>
-          </a:xfrm>
-          <a:prstGeom prst="rect">
-            <a:avLst/>
-          </a:prstGeom>
-        </p:spPr>
-      </p:pic>
       <p:graphicFrame>
         <p:nvGraphicFramePr>
           <p:cNvPr id="23" name="对象 22">
@@ -4154,12 +4118,12 @@
           <a:graphicData uri="http://schemas.openxmlformats.org/presentationml/2006/ole">
             <mc:AlternateContent xmlns:mc="http://schemas.openxmlformats.org/markup-compatibility/2006">
               <mc:Choice xmlns:v="urn:schemas-microsoft-com:vml" Requires="v">
-                <p:oleObj name="AxMath" r:id="rId22" imgW="728280" imgH="354240" progId="Equation.AxMath">
+                <p:oleObj name="AxMath" r:id="rId20" imgW="728280" imgH="354240" progId="Equation.AxMath">
                   <p:embed/>
                 </p:oleObj>
               </mc:Choice>
               <mc:Fallback>
-                <p:oleObj name="AxMath" r:id="rId22" imgW="728280" imgH="354240" progId="Equation.AxMath">
+                <p:oleObj name="AxMath" r:id="rId20" imgW="728280" imgH="354240" progId="Equation.AxMath">
                   <p:embed/>
                   <p:pic>
                     <p:nvPicPr>
@@ -4174,7 +4138,7 @@
                       <p:nvPr/>
                     </p:nvPicPr>
                     <p:blipFill>
-                      <a:blip r:embed="rId23"/>
+                      <a:blip r:embed="rId21"/>
                       <a:stretch>
                         <a:fillRect/>
                       </a:stretch>
@@ -4223,12 +4187,12 @@
           <a:graphicData uri="http://schemas.openxmlformats.org/presentationml/2006/ole">
             <mc:AlternateContent xmlns:mc="http://schemas.openxmlformats.org/markup-compatibility/2006">
               <mc:Choice xmlns:v="urn:schemas-microsoft-com:vml" Requires="v">
-                <p:oleObj name="AxMath" r:id="rId24" imgW="915480" imgH="379080" progId="Equation.AxMath">
+                <p:oleObj name="AxMath" r:id="rId22" imgW="915480" imgH="379080" progId="Equation.AxMath">
                   <p:embed/>
                 </p:oleObj>
               </mc:Choice>
               <mc:Fallback>
-                <p:oleObj name="AxMath" r:id="rId24" imgW="915480" imgH="379080" progId="Equation.AxMath">
+                <p:oleObj name="AxMath" r:id="rId22" imgW="915480" imgH="379080" progId="Equation.AxMath">
                   <p:embed/>
                   <p:pic>
                     <p:nvPicPr>
@@ -4243,7 +4207,7 @@
                       <p:nvPr/>
                     </p:nvPicPr>
                     <p:blipFill>
-                      <a:blip r:embed="rId25"/>
+                      <a:blip r:embed="rId23"/>
                       <a:stretch>
                         <a:fillRect/>
                       </a:stretch>
@@ -4307,6 +4271,42 @@
           </a:p>
         </p:txBody>
       </p:sp>
+      <p:pic>
+        <p:nvPicPr>
+          <p:cNvPr id="24" name="图形 23" descr="紧张的脸轮廓 纯色填充">
+            <a:extLst>
+              <a:ext uri="{FF2B5EF4-FFF2-40B4-BE49-F238E27FC236}">
+                <a16:creationId xmlns:a16="http://schemas.microsoft.com/office/drawing/2014/main" id="{C020CBF4-06A4-5C0C-C724-EED2C5C4C404}"/>
+              </a:ext>
+            </a:extLst>
+          </p:cNvPr>
+          <p:cNvPicPr>
+            <a:picLocks noChangeAspect="1"/>
+          </p:cNvPicPr>
+          <p:nvPr/>
+        </p:nvPicPr>
+        <p:blipFill>
+          <a:blip r:embed="rId24">
+            <a:extLst>
+              <a:ext uri="{96DAC541-7B7A-43D3-8B79-37D633B846F1}">
+                <asvg:svgBlip xmlns:asvg="http://schemas.microsoft.com/office/drawing/2016/SVG/main" r:embed="rId25"/>
+              </a:ext>
+            </a:extLst>
+          </a:blip>
+          <a:stretch>
+            <a:fillRect/>
+          </a:stretch>
+        </p:blipFill>
+        <p:spPr>
+          <a:xfrm>
+            <a:off x="0" y="711200"/>
+            <a:ext cx="571360" cy="571360"/>
+          </a:xfrm>
+          <a:prstGeom prst="rect">
+            <a:avLst/>
+          </a:prstGeom>
+        </p:spPr>
+      </p:pic>
     </p:spTree>
     <p:extLst>
       <p:ext uri="{BB962C8B-B14F-4D97-AF65-F5344CB8AC3E}">
@@ -12081,146 +12081,6 @@
       </p:transition>
     </mc:Fallback>
   </mc:AlternateContent>
-  <p:timing>
-    <p:tnLst>
-      <p:par>
-        <p:cTn id="1" dur="indefinite" restart="never" nodeType="tmRoot">
-          <p:childTnLst>
-            <p:seq concurrent="1" nextAc="seek">
-              <p:cTn id="2" dur="indefinite" nodeType="mainSeq">
-                <p:childTnLst>
-                  <p:par>
-                    <p:cTn id="3" fill="hold">
-                      <p:stCondLst>
-                        <p:cond delay="indefinite"/>
-                      </p:stCondLst>
-                      <p:childTnLst>
-                        <p:par>
-                          <p:cTn id="4" fill="hold">
-                            <p:stCondLst>
-                              <p:cond delay="0"/>
-                            </p:stCondLst>
-                            <p:childTnLst>
-                              <p:par>
-                                <p:cTn id="5" presetID="10" presetClass="entr" presetSubtype="0" fill="hold" grpId="0" nodeType="clickEffect">
-                                  <p:stCondLst>
-                                    <p:cond delay="0"/>
-                                  </p:stCondLst>
-                                  <p:childTnLst>
-                                    <p:set>
-                                      <p:cBhvr>
-                                        <p:cTn id="6" dur="1" fill="hold">
-                                          <p:stCondLst>
-                                            <p:cond delay="0"/>
-                                          </p:stCondLst>
-                                        </p:cTn>
-                                        <p:tgtEl>
-                                          <p:spTgt spid="2"/>
-                                        </p:tgtEl>
-                                        <p:attrNameLst>
-                                          <p:attrName>style.visibility</p:attrName>
-                                        </p:attrNameLst>
-                                      </p:cBhvr>
-                                      <p:to>
-                                        <p:strVal val="visible"/>
-                                      </p:to>
-                                    </p:set>
-                                    <p:animEffect transition="in" filter="fade">
-                                      <p:cBhvr>
-                                        <p:cTn id="7" dur="500"/>
-                                        <p:tgtEl>
-                                          <p:spTgt spid="2"/>
-                                        </p:tgtEl>
-                                      </p:cBhvr>
-                                    </p:animEffect>
-                                  </p:childTnLst>
-                                </p:cTn>
-                              </p:par>
-                            </p:childTnLst>
-                          </p:cTn>
-                        </p:par>
-                      </p:childTnLst>
-                    </p:cTn>
-                  </p:par>
-                  <p:par>
-                    <p:cTn id="8" fill="hold">
-                      <p:stCondLst>
-                        <p:cond delay="indefinite"/>
-                      </p:stCondLst>
-                      <p:childTnLst>
-                        <p:par>
-                          <p:cTn id="9" fill="hold">
-                            <p:stCondLst>
-                              <p:cond delay="0"/>
-                            </p:stCondLst>
-                            <p:childTnLst>
-                              <p:par>
-                                <p:cTn id="10" presetID="10" presetClass="entr" presetSubtype="0" fill="hold" grpId="0" nodeType="clickEffect">
-                                  <p:stCondLst>
-                                    <p:cond delay="0"/>
-                                  </p:stCondLst>
-                                  <p:childTnLst>
-                                    <p:set>
-                                      <p:cBhvr>
-                                        <p:cTn id="11" dur="1" fill="hold">
-                                          <p:stCondLst>
-                                            <p:cond delay="0"/>
-                                          </p:stCondLst>
-                                        </p:cTn>
-                                        <p:tgtEl>
-                                          <p:spTgt spid="4"/>
-                                        </p:tgtEl>
-                                        <p:attrNameLst>
-                                          <p:attrName>style.visibility</p:attrName>
-                                        </p:attrNameLst>
-                                      </p:cBhvr>
-                                      <p:to>
-                                        <p:strVal val="visible"/>
-                                      </p:to>
-                                    </p:set>
-                                    <p:animEffect transition="in" filter="fade">
-                                      <p:cBhvr>
-                                        <p:cTn id="12" dur="500"/>
-                                        <p:tgtEl>
-                                          <p:spTgt spid="4"/>
-                                        </p:tgtEl>
-                                      </p:cBhvr>
-                                    </p:animEffect>
-                                  </p:childTnLst>
-                                </p:cTn>
-                              </p:par>
-                            </p:childTnLst>
-                          </p:cTn>
-                        </p:par>
-                      </p:childTnLst>
-                    </p:cTn>
-                  </p:par>
-                </p:childTnLst>
-              </p:cTn>
-              <p:prevCondLst>
-                <p:cond evt="onPrev" delay="0">
-                  <p:tgtEl>
-                    <p:sldTgt/>
-                  </p:tgtEl>
-                </p:cond>
-              </p:prevCondLst>
-              <p:nextCondLst>
-                <p:cond evt="onNext" delay="0">
-                  <p:tgtEl>
-                    <p:sldTgt/>
-                  </p:tgtEl>
-                </p:cond>
-              </p:nextCondLst>
-            </p:seq>
-          </p:childTnLst>
-        </p:cTn>
-      </p:par>
-    </p:tnLst>
-    <p:bldLst>
-      <p:bldP spid="2" grpId="0"/>
-      <p:bldP spid="4" grpId="0"/>
-    </p:bldLst>
-  </p:timing>
 </p:sld>
 </file>
 
@@ -15156,13 +15016,13 @@
           <p:nvPr>
             <p:extLst>
               <p:ext uri="{D42A27DB-BD31-4B8C-83A1-F6EECF244321}">
-                <p14:modId xmlns:p14="http://schemas.microsoft.com/office/powerpoint/2010/main" val="1282485635"/>
+                <p14:modId xmlns:p14="http://schemas.microsoft.com/office/powerpoint/2010/main" val="2598396429"/>
               </p:ext>
             </p:extLst>
           </p:nvPr>
         </p:nvGraphicFramePr>
         <p:xfrm>
-          <a:off x="7157671" y="4224196"/>
+          <a:off x="7179227" y="4360828"/>
           <a:ext cx="4387850" cy="479425"/>
         </p:xfrm>
         <a:graphic>
@@ -15196,7 +15056,7 @@
                     </p:blipFill>
                     <p:spPr>
                       <a:xfrm>
-                        <a:off x="7157671" y="4224196"/>
+                        <a:off x="7179227" y="4360828"/>
                         <a:ext cx="4387850" cy="479425"/>
                       </a:xfrm>
                       <a:prstGeom prst="rect">
@@ -15415,97 +15275,6 @@
           </a:graphicData>
         </a:graphic>
       </p:graphicFrame>
-      <p:sp>
-        <p:nvSpPr>
-          <p:cNvPr id="27" name="矩形 26">
-            <a:extLst>
-              <a:ext uri="{FF2B5EF4-FFF2-40B4-BE49-F238E27FC236}">
-                <a16:creationId xmlns:a16="http://schemas.microsoft.com/office/drawing/2014/main" id="{5CE7DB37-F6C2-BAAD-B4EB-1D473978896A}"/>
-              </a:ext>
-            </a:extLst>
-          </p:cNvPr>
-          <p:cNvSpPr/>
-          <p:nvPr/>
-        </p:nvSpPr>
-        <p:spPr>
-          <a:xfrm>
-            <a:off x="8064839" y="4782724"/>
-            <a:ext cx="3981008" cy="338554"/>
-          </a:xfrm>
-          <a:prstGeom prst="rect">
-            <a:avLst/>
-          </a:prstGeom>
-        </p:spPr>
-        <p:txBody>
-          <a:bodyPr wrap="square">
-            <a:spAutoFit/>
-          </a:bodyPr>
-          <a:lstStyle/>
-          <a:p>
-            <a:pPr algn="ctr" fontAlgn="auto">
-              <a:spcAft>
-                <a:spcPts val="0"/>
-              </a:spcAft>
-            </a:pPr>
-            <a:r>
-              <a:rPr lang="zh-CN" altLang="en-US" sz="1600" b="1" dirty="0">
-                <a:latin typeface="Times New Roman" panose="02020603050405020304" pitchFamily="18" charset="0"/>
-                <a:ea typeface="微软雅黑" panose="020B0503020204020204" pitchFamily="34" charset="-122"/>
-                <a:cs typeface="Times New Roman" panose="02020603050405020304" pitchFamily="18" charset="0"/>
-              </a:rPr>
-              <a:t>（对于二体问题，</a:t>
-            </a:r>
-            <a:r>
-              <a:rPr lang="en-US" altLang="zh-CN" sz="1600" i="1" dirty="0">
-                <a:latin typeface="Times New Roman" panose="02020603050405020304" pitchFamily="18" charset="0"/>
-                <a:ea typeface="微软雅黑" panose="020B0503020204020204" pitchFamily="34" charset="-122"/>
-                <a:cs typeface="Times New Roman" panose="02020603050405020304" pitchFamily="18" charset="0"/>
-              </a:rPr>
-              <a:t>F</a:t>
-            </a:r>
-            <a:r>
-              <a:rPr lang="en-US" altLang="zh-CN" sz="1600" b="1" i="1" dirty="0">
-                <a:latin typeface="Times New Roman" panose="02020603050405020304" pitchFamily="18" charset="0"/>
-                <a:ea typeface="微软雅黑" panose="020B0503020204020204" pitchFamily="34" charset="-122"/>
-                <a:cs typeface="Times New Roman" panose="02020603050405020304" pitchFamily="18" charset="0"/>
-              </a:rPr>
-              <a:t> </a:t>
-            </a:r>
-            <a:r>
-              <a:rPr lang="zh-CN" altLang="en-US" sz="1600" b="1" dirty="0">
-                <a:latin typeface="Times New Roman" panose="02020603050405020304" pitchFamily="18" charset="0"/>
-                <a:ea typeface="微软雅黑" panose="020B0503020204020204" pitchFamily="34" charset="-122"/>
-                <a:cs typeface="Times New Roman" panose="02020603050405020304" pitchFamily="18" charset="0"/>
-              </a:rPr>
-              <a:t>和</a:t>
-            </a:r>
-            <a:r>
-              <a:rPr lang="en-US" altLang="zh-CN" sz="1600" i="1" dirty="0">
-                <a:latin typeface="Times New Roman" panose="02020603050405020304" pitchFamily="18" charset="0"/>
-                <a:ea typeface="微软雅黑" panose="020B0503020204020204" pitchFamily="34" charset="-122"/>
-                <a:cs typeface="Times New Roman" panose="02020603050405020304" pitchFamily="18" charset="0"/>
-              </a:rPr>
-              <a:t>G</a:t>
-            </a:r>
-            <a:r>
-              <a:rPr lang="en-US" altLang="zh-CN" sz="1600" b="1" i="1" dirty="0">
-                <a:latin typeface="Times New Roman" panose="02020603050405020304" pitchFamily="18" charset="0"/>
-                <a:ea typeface="微软雅黑" panose="020B0503020204020204" pitchFamily="34" charset="-122"/>
-                <a:cs typeface="Times New Roman" panose="02020603050405020304" pitchFamily="18" charset="0"/>
-              </a:rPr>
-              <a:t> </a:t>
-            </a:r>
-            <a:r>
-              <a:rPr lang="zh-CN" altLang="en-US" sz="1600" b="1" dirty="0">
-                <a:latin typeface="Times New Roman" panose="02020603050405020304" pitchFamily="18" charset="0"/>
-                <a:ea typeface="微软雅黑" panose="020B0503020204020204" pitchFamily="34" charset="-122"/>
-                <a:cs typeface="Times New Roman" panose="02020603050405020304" pitchFamily="18" charset="0"/>
-              </a:rPr>
-              <a:t>存在封闭表达式）</a:t>
-            </a:r>
-          </a:p>
-        </p:txBody>
-      </p:sp>
       <p:graphicFrame>
         <p:nvGraphicFramePr>
           <p:cNvPr id="29" name="对象 28">
@@ -15521,13 +15290,13 @@
           <p:nvPr>
             <p:extLst>
               <p:ext uri="{D42A27DB-BD31-4B8C-83A1-F6EECF244321}">
-                <p14:modId xmlns:p14="http://schemas.microsoft.com/office/powerpoint/2010/main" val="1119490103"/>
+                <p14:modId xmlns:p14="http://schemas.microsoft.com/office/powerpoint/2010/main" val="145663469"/>
               </p:ext>
             </p:extLst>
           </p:nvPr>
         </p:nvGraphicFramePr>
         <p:xfrm>
-          <a:off x="6963908" y="5666200"/>
+          <a:off x="7401528" y="5666200"/>
           <a:ext cx="3825875" cy="460375"/>
         </p:xfrm>
         <a:graphic>
@@ -15561,7 +15330,7 @@
                     </p:blipFill>
                     <p:spPr>
                       <a:xfrm>
-                        <a:off x="6963908" y="5666200"/>
+                        <a:off x="7401528" y="5666200"/>
                         <a:ext cx="3825875" cy="460375"/>
                       </a:xfrm>
                       <a:prstGeom prst="rect">
@@ -15589,7 +15358,7 @@
         </p:nvSpPr>
         <p:spPr>
           <a:xfrm>
-            <a:off x="5300757" y="5631064"/>
+            <a:off x="5738377" y="5631064"/>
             <a:ext cx="1627918" cy="461665"/>
           </a:xfrm>
           <a:prstGeom prst="rect">
@@ -15691,7 +15460,7 @@
         </p:nvSpPr>
         <p:spPr>
           <a:xfrm>
-            <a:off x="8365381" y="6130137"/>
+            <a:off x="8803001" y="6130137"/>
             <a:ext cx="1561134" cy="369332"/>
           </a:xfrm>
           <a:prstGeom prst="rect">
@@ -16276,41 +16045,6 @@
                                   </p:childTnLst>
                                 </p:cTn>
                               </p:par>
-                              <p:par>
-                                <p:cTn id="45" presetID="10" presetClass="entr" presetSubtype="0" fill="hold" grpId="0" nodeType="withEffect">
-                                  <p:stCondLst>
-                                    <p:cond delay="0"/>
-                                  </p:stCondLst>
-                                  <p:childTnLst>
-                                    <p:set>
-                                      <p:cBhvr>
-                                        <p:cTn id="46" dur="1" fill="hold">
-                                          <p:stCondLst>
-                                            <p:cond delay="0"/>
-                                          </p:stCondLst>
-                                        </p:cTn>
-                                        <p:tgtEl>
-                                          <p:spTgt spid="27"/>
-                                        </p:tgtEl>
-                                        <p:attrNameLst>
-                                          <p:attrName>style.visibility</p:attrName>
-                                        </p:attrNameLst>
-                                      </p:cBhvr>
-                                      <p:to>
-                                        <p:strVal val="visible"/>
-                                      </p:to>
-                                    </p:set>
-                                    <p:animEffect transition="in" filter="fade">
-                                      <p:cBhvr>
-                                        <p:cTn id="47" dur="500"/>
-                                        <p:tgtEl>
-                                          <p:spTgt spid="27"/>
-                                        </p:tgtEl>
-                                      </p:cBhvr>
-                                    </p:animEffect>
-                                  </p:childTnLst>
-                                </p:cTn>
-                              </p:par>
                             </p:childTnLst>
                           </p:cTn>
                         </p:par>
@@ -16318,26 +16052,26 @@
                     </p:cTn>
                   </p:par>
                   <p:par>
-                    <p:cTn id="48" fill="hold">
+                    <p:cTn id="45" fill="hold">
                       <p:stCondLst>
                         <p:cond delay="indefinite"/>
                       </p:stCondLst>
                       <p:childTnLst>
                         <p:par>
-                          <p:cTn id="49" fill="hold">
+                          <p:cTn id="46" fill="hold">
                             <p:stCondLst>
                               <p:cond delay="0"/>
                             </p:stCondLst>
                             <p:childTnLst>
                               <p:par>
-                                <p:cTn id="50" presetID="10" presetClass="entr" presetSubtype="0" fill="hold" nodeType="clickEffect">
+                                <p:cTn id="47" presetID="10" presetClass="entr" presetSubtype="0" fill="hold" nodeType="clickEffect">
                                   <p:stCondLst>
                                     <p:cond delay="0"/>
                                   </p:stCondLst>
                                   <p:childTnLst>
                                     <p:set>
                                       <p:cBhvr>
-                                        <p:cTn id="51" dur="1" fill="hold">
+                                        <p:cTn id="48" dur="1" fill="hold">
                                           <p:stCondLst>
                                             <p:cond delay="0"/>
                                           </p:stCondLst>
@@ -16355,9 +16089,44 @@
                                     </p:set>
                                     <p:animEffect transition="in" filter="fade">
                                       <p:cBhvr>
+                                        <p:cTn id="49" dur="500"/>
+                                        <p:tgtEl>
+                                          <p:spTgt spid="29"/>
+                                        </p:tgtEl>
+                                      </p:cBhvr>
+                                    </p:animEffect>
+                                  </p:childTnLst>
+                                </p:cTn>
+                              </p:par>
+                              <p:par>
+                                <p:cTn id="50" presetID="10" presetClass="entr" presetSubtype="0" fill="hold" grpId="0" nodeType="withEffect">
+                                  <p:stCondLst>
+                                    <p:cond delay="0"/>
+                                  </p:stCondLst>
+                                  <p:childTnLst>
+                                    <p:set>
+                                      <p:cBhvr>
+                                        <p:cTn id="51" dur="1" fill="hold">
+                                          <p:stCondLst>
+                                            <p:cond delay="0"/>
+                                          </p:stCondLst>
+                                        </p:cTn>
+                                        <p:tgtEl>
+                                          <p:spTgt spid="30"/>
+                                        </p:tgtEl>
+                                        <p:attrNameLst>
+                                          <p:attrName>style.visibility</p:attrName>
+                                        </p:attrNameLst>
+                                      </p:cBhvr>
+                                      <p:to>
+                                        <p:strVal val="visible"/>
+                                      </p:to>
+                                    </p:set>
+                                    <p:animEffect transition="in" filter="fade">
+                                      <p:cBhvr>
                                         <p:cTn id="52" dur="500"/>
                                         <p:tgtEl>
-                                          <p:spTgt spid="29"/>
+                                          <p:spTgt spid="30"/>
                                         </p:tgtEl>
                                       </p:cBhvr>
                                     </p:animEffect>
@@ -16378,7 +16147,7 @@
                                           </p:stCondLst>
                                         </p:cTn>
                                         <p:tgtEl>
-                                          <p:spTgt spid="30"/>
+                                          <p:spTgt spid="33"/>
                                         </p:tgtEl>
                                         <p:attrNameLst>
                                           <p:attrName>style.visibility</p:attrName>
@@ -16392,41 +16161,6 @@
                                       <p:cBhvr>
                                         <p:cTn id="55" dur="500"/>
                                         <p:tgtEl>
-                                          <p:spTgt spid="30"/>
-                                        </p:tgtEl>
-                                      </p:cBhvr>
-                                    </p:animEffect>
-                                  </p:childTnLst>
-                                </p:cTn>
-                              </p:par>
-                              <p:par>
-                                <p:cTn id="56" presetID="10" presetClass="entr" presetSubtype="0" fill="hold" grpId="0" nodeType="withEffect">
-                                  <p:stCondLst>
-                                    <p:cond delay="0"/>
-                                  </p:stCondLst>
-                                  <p:childTnLst>
-                                    <p:set>
-                                      <p:cBhvr>
-                                        <p:cTn id="57" dur="1" fill="hold">
-                                          <p:stCondLst>
-                                            <p:cond delay="0"/>
-                                          </p:stCondLst>
-                                        </p:cTn>
-                                        <p:tgtEl>
-                                          <p:spTgt spid="33"/>
-                                        </p:tgtEl>
-                                        <p:attrNameLst>
-                                          <p:attrName>style.visibility</p:attrName>
-                                        </p:attrNameLst>
-                                      </p:cBhvr>
-                                      <p:to>
-                                        <p:strVal val="visible"/>
-                                      </p:to>
-                                    </p:set>
-                                    <p:animEffect transition="in" filter="fade">
-                                      <p:cBhvr>
-                                        <p:cTn id="58" dur="500"/>
-                                        <p:tgtEl>
                                           <p:spTgt spid="33"/>
                                         </p:tgtEl>
                                       </p:cBhvr>
@@ -16435,14 +16169,14 @@
                                 </p:cTn>
                               </p:par>
                               <p:par>
-                                <p:cTn id="59" presetID="10" presetClass="entr" presetSubtype="0" fill="hold" nodeType="withEffect">
+                                <p:cTn id="56" presetID="10" presetClass="entr" presetSubtype="0" fill="hold" nodeType="withEffect">
                                   <p:stCondLst>
                                     <p:cond delay="0"/>
                                   </p:stCondLst>
                                   <p:childTnLst>
                                     <p:set>
                                       <p:cBhvr>
-                                        <p:cTn id="60" dur="1" fill="hold">
+                                        <p:cTn id="57" dur="1" fill="hold">
                                           <p:stCondLst>
                                             <p:cond delay="0"/>
                                           </p:stCondLst>
@@ -16460,7 +16194,7 @@
                                     </p:set>
                                     <p:animEffect transition="in" filter="fade">
                                       <p:cBhvr>
-                                        <p:cTn id="61" dur="500"/>
+                                        <p:cTn id="58" dur="500"/>
                                         <p:tgtEl>
                                           <p:spTgt spid="32"/>
                                         </p:tgtEl>
@@ -16504,7 +16238,6 @@
       <p:bldP spid="20" grpId="0"/>
       <p:bldP spid="21" grpId="0"/>
       <p:bldP spid="24" grpId="0"/>
-      <p:bldP spid="27" grpId="0"/>
       <p:bldP spid="30" grpId="0"/>
       <p:bldP spid="33" grpId="0"/>
     </p:bldLst>
@@ -16714,7 +16447,7 @@
           <p:nvPr>
             <p:extLst>
               <p:ext uri="{D42A27DB-BD31-4B8C-83A1-F6EECF244321}">
-                <p14:modId xmlns:p14="http://schemas.microsoft.com/office/powerpoint/2010/main" val="2763871613"/>
+                <p14:modId xmlns:p14="http://schemas.microsoft.com/office/powerpoint/2010/main" val="316432635"/>
               </p:ext>
             </p:extLst>
           </p:nvPr>
@@ -17656,6 +17389,69 @@
           </a:p>
         </p:txBody>
       </p:sp>
+      <p:sp>
+        <p:nvSpPr>
+          <p:cNvPr id="13" name="矩形 12">
+            <a:extLst>
+              <a:ext uri="{FF2B5EF4-FFF2-40B4-BE49-F238E27FC236}">
+                <a16:creationId xmlns:a16="http://schemas.microsoft.com/office/drawing/2014/main" id="{37850E65-D3BD-F735-B22B-4BD543EE30D7}"/>
+              </a:ext>
+            </a:extLst>
+          </p:cNvPr>
+          <p:cNvSpPr/>
+          <p:nvPr/>
+        </p:nvSpPr>
+        <p:spPr>
+          <a:xfrm>
+            <a:off x="19645" y="4342853"/>
+            <a:ext cx="1103710" cy="584775"/>
+          </a:xfrm>
+          <a:prstGeom prst="rect">
+            <a:avLst/>
+          </a:prstGeom>
+        </p:spPr>
+        <p:txBody>
+          <a:bodyPr wrap="square">
+            <a:spAutoFit/>
+          </a:bodyPr>
+          <a:lstStyle/>
+          <a:p>
+            <a:pPr algn="ctr" fontAlgn="auto">
+              <a:spcAft>
+                <a:spcPts val="0"/>
+              </a:spcAft>
+            </a:pPr>
+            <a:r>
+              <a:rPr lang="zh-CN" altLang="en-US" sz="1600" b="1" dirty="0">
+                <a:latin typeface="Times New Roman" panose="02020603050405020304" pitchFamily="18" charset="0"/>
+                <a:ea typeface="微软雅黑" panose="020B0503020204020204" pitchFamily="34" charset="-122"/>
+                <a:cs typeface="Times New Roman" panose="02020603050405020304" pitchFamily="18" charset="0"/>
+              </a:rPr>
+              <a:t>二体问题</a:t>
+            </a:r>
+            <a:endParaRPr lang="en-US" altLang="zh-CN" sz="1600" b="1" dirty="0">
+              <a:latin typeface="Times New Roman" panose="02020603050405020304" pitchFamily="18" charset="0"/>
+              <a:ea typeface="微软雅黑" panose="020B0503020204020204" pitchFamily="34" charset="-122"/>
+              <a:cs typeface="Times New Roman" panose="02020603050405020304" pitchFamily="18" charset="0"/>
+            </a:endParaRPr>
+          </a:p>
+          <a:p>
+            <a:pPr algn="ctr" fontAlgn="auto">
+              <a:spcAft>
+                <a:spcPts val="0"/>
+              </a:spcAft>
+            </a:pPr>
+            <a:r>
+              <a:rPr lang="zh-CN" altLang="en-US" sz="1600" b="1" dirty="0">
+                <a:latin typeface="Times New Roman" panose="02020603050405020304" pitchFamily="18" charset="0"/>
+                <a:ea typeface="微软雅黑" panose="020B0503020204020204" pitchFamily="34" charset="-122"/>
+                <a:cs typeface="Times New Roman" panose="02020603050405020304" pitchFamily="18" charset="0"/>
+              </a:rPr>
+              <a:t>存在</a:t>
+            </a:r>
+          </a:p>
+        </p:txBody>
+      </p:sp>
     </p:spTree>
     <p:extLst>
       <p:ext uri="{BB962C8B-B14F-4D97-AF65-F5344CB8AC3E}">
@@ -17873,6 +17669,41 @@
                                   </p:childTnLst>
                                 </p:cTn>
                               </p:par>
+                              <p:par>
+                                <p:cTn id="20" presetID="10" presetClass="entr" presetSubtype="0" fill="hold" grpId="0" nodeType="withEffect">
+                                  <p:stCondLst>
+                                    <p:cond delay="0"/>
+                                  </p:stCondLst>
+                                  <p:childTnLst>
+                                    <p:set>
+                                      <p:cBhvr>
+                                        <p:cTn id="21" dur="1" fill="hold">
+                                          <p:stCondLst>
+                                            <p:cond delay="0"/>
+                                          </p:stCondLst>
+                                        </p:cTn>
+                                        <p:tgtEl>
+                                          <p:spTgt spid="13"/>
+                                        </p:tgtEl>
+                                        <p:attrNameLst>
+                                          <p:attrName>style.visibility</p:attrName>
+                                        </p:attrNameLst>
+                                      </p:cBhvr>
+                                      <p:to>
+                                        <p:strVal val="visible"/>
+                                      </p:to>
+                                    </p:set>
+                                    <p:animEffect transition="in" filter="fade">
+                                      <p:cBhvr>
+                                        <p:cTn id="22" dur="500"/>
+                                        <p:tgtEl>
+                                          <p:spTgt spid="13"/>
+                                        </p:tgtEl>
+                                      </p:cBhvr>
+                                    </p:animEffect>
+                                  </p:childTnLst>
+                                </p:cTn>
+                              </p:par>
                             </p:childTnLst>
                           </p:cTn>
                         </p:par>
@@ -17880,26 +17711,26 @@
                     </p:cTn>
                   </p:par>
                   <p:par>
-                    <p:cTn id="20" fill="hold">
+                    <p:cTn id="23" fill="hold">
                       <p:stCondLst>
                         <p:cond delay="indefinite"/>
                       </p:stCondLst>
                       <p:childTnLst>
                         <p:par>
-                          <p:cTn id="21" fill="hold">
+                          <p:cTn id="24" fill="hold">
                             <p:stCondLst>
                               <p:cond delay="0"/>
                             </p:stCondLst>
                             <p:childTnLst>
                               <p:par>
-                                <p:cTn id="22" presetID="10" presetClass="entr" presetSubtype="0" fill="hold" nodeType="clickEffect">
+                                <p:cTn id="25" presetID="10" presetClass="entr" presetSubtype="0" fill="hold" nodeType="clickEffect">
                                   <p:stCondLst>
                                     <p:cond delay="0"/>
                                   </p:stCondLst>
                                   <p:childTnLst>
                                     <p:set>
                                       <p:cBhvr>
-                                        <p:cTn id="23" dur="1" fill="hold">
+                                        <p:cTn id="26" dur="1" fill="hold">
                                           <p:stCondLst>
                                             <p:cond delay="0"/>
                                           </p:stCondLst>
@@ -17917,44 +17748,9 @@
                                     </p:set>
                                     <p:animEffect transition="in" filter="fade">
                                       <p:cBhvr>
-                                        <p:cTn id="24" dur="500"/>
+                                        <p:cTn id="27" dur="500"/>
                                         <p:tgtEl>
                                           <p:spTgt spid="7"/>
-                                        </p:tgtEl>
-                                      </p:cBhvr>
-                                    </p:animEffect>
-                                  </p:childTnLst>
-                                </p:cTn>
-                              </p:par>
-                              <p:par>
-                                <p:cTn id="25" presetID="10" presetClass="entr" presetSubtype="0" fill="hold" grpId="0" nodeType="withEffect">
-                                  <p:stCondLst>
-                                    <p:cond delay="0"/>
-                                  </p:stCondLst>
-                                  <p:childTnLst>
-                                    <p:set>
-                                      <p:cBhvr>
-                                        <p:cTn id="26" dur="1" fill="hold">
-                                          <p:stCondLst>
-                                            <p:cond delay="0"/>
-                                          </p:stCondLst>
-                                        </p:cTn>
-                                        <p:tgtEl>
-                                          <p:spTgt spid="9"/>
-                                        </p:tgtEl>
-                                        <p:attrNameLst>
-                                          <p:attrName>style.visibility</p:attrName>
-                                        </p:attrNameLst>
-                                      </p:cBhvr>
-                                      <p:to>
-                                        <p:strVal val="visible"/>
-                                      </p:to>
-                                    </p:set>
-                                    <p:animEffect transition="in" filter="fade">
-                                      <p:cBhvr>
-                                        <p:cTn id="27" dur="500"/>
-                                        <p:tgtEl>
-                                          <p:spTgt spid="9"/>
                                         </p:tgtEl>
                                       </p:cBhvr>
                                     </p:animEffect>
@@ -17975,7 +17771,7 @@
                                           </p:stCondLst>
                                         </p:cTn>
                                         <p:tgtEl>
-                                          <p:spTgt spid="20"/>
+                                          <p:spTgt spid="9"/>
                                         </p:tgtEl>
                                         <p:attrNameLst>
                                           <p:attrName>style.visibility</p:attrName>
@@ -17989,6 +17785,41 @@
                                       <p:cBhvr>
                                         <p:cTn id="30" dur="500"/>
                                         <p:tgtEl>
+                                          <p:spTgt spid="9"/>
+                                        </p:tgtEl>
+                                      </p:cBhvr>
+                                    </p:animEffect>
+                                  </p:childTnLst>
+                                </p:cTn>
+                              </p:par>
+                              <p:par>
+                                <p:cTn id="31" presetID="10" presetClass="entr" presetSubtype="0" fill="hold" grpId="0" nodeType="withEffect">
+                                  <p:stCondLst>
+                                    <p:cond delay="0"/>
+                                  </p:stCondLst>
+                                  <p:childTnLst>
+                                    <p:set>
+                                      <p:cBhvr>
+                                        <p:cTn id="32" dur="1" fill="hold">
+                                          <p:stCondLst>
+                                            <p:cond delay="0"/>
+                                          </p:stCondLst>
+                                        </p:cTn>
+                                        <p:tgtEl>
+                                          <p:spTgt spid="20"/>
+                                        </p:tgtEl>
+                                        <p:attrNameLst>
+                                          <p:attrName>style.visibility</p:attrName>
+                                        </p:attrNameLst>
+                                      </p:cBhvr>
+                                      <p:to>
+                                        <p:strVal val="visible"/>
+                                      </p:to>
+                                    </p:set>
+                                    <p:animEffect transition="in" filter="fade">
+                                      <p:cBhvr>
+                                        <p:cTn id="33" dur="500"/>
+                                        <p:tgtEl>
                                           <p:spTgt spid="20"/>
                                         </p:tgtEl>
                                       </p:cBhvr>
@@ -17997,14 +17828,14 @@
                                 </p:cTn>
                               </p:par>
                               <p:par>
-                                <p:cTn id="31" presetID="10" presetClass="entr" presetSubtype="0" fill="hold" nodeType="withEffect">
+                                <p:cTn id="34" presetID="10" presetClass="entr" presetSubtype="0" fill="hold" nodeType="withEffect">
                                   <p:stCondLst>
                                     <p:cond delay="0"/>
                                   </p:stCondLst>
                                   <p:childTnLst>
                                     <p:set>
                                       <p:cBhvr>
-                                        <p:cTn id="32" dur="1" fill="hold">
+                                        <p:cTn id="35" dur="1" fill="hold">
                                           <p:stCondLst>
                                             <p:cond delay="0"/>
                                           </p:stCondLst>
@@ -18022,7 +17853,7 @@
                                     </p:set>
                                     <p:animEffect transition="in" filter="fade">
                                       <p:cBhvr>
-                                        <p:cTn id="33" dur="500"/>
+                                        <p:cTn id="36" dur="500"/>
                                         <p:tgtEl>
                                           <p:spTgt spid="8"/>
                                         </p:tgtEl>
@@ -18063,6 +17894,7 @@
       <p:bldP spid="18" grpId="0"/>
       <p:bldP spid="19" grpId="0"/>
       <p:bldP spid="20" grpId="0"/>
+      <p:bldP spid="13" grpId="0"/>
     </p:bldLst>
   </p:timing>
 </p:sld>
@@ -21902,387 +21734,6 @@
           <a:chExt cx="0" cy="0"/>
         </a:xfrm>
       </p:grpSpPr>
-      <p:sp>
-        <p:nvSpPr>
-          <p:cNvPr id="3" name="矩形 2"/>
-          <p:cNvSpPr/>
-          <p:nvPr/>
-        </p:nvSpPr>
-        <p:spPr>
-          <a:xfrm>
-            <a:off x="407987" y="1052513"/>
-            <a:ext cx="11376025" cy="5463868"/>
-          </a:xfrm>
-          <a:prstGeom prst="rect">
-            <a:avLst/>
-          </a:prstGeom>
-        </p:spPr>
-        <p:txBody>
-          <a:bodyPr wrap="square">
-            <a:spAutoFit/>
-          </a:bodyPr>
-          <a:lstStyle/>
-          <a:p>
-            <a:pPr marL="342900" indent="-342900" fontAlgn="auto">
-              <a:lnSpc>
-                <a:spcPct val="150000"/>
-              </a:lnSpc>
-              <a:spcAft>
-                <a:spcPts val="0"/>
-              </a:spcAft>
-              <a:buFont typeface="Arial" panose="020B0604020202020204" pitchFamily="34" charset="0"/>
-              <a:buChar char="•"/>
-            </a:pPr>
-            <a:r>
-              <a:rPr lang="zh-CN" altLang="en-US" sz="2800" b="1" dirty="0">
-                <a:solidFill>
-                  <a:schemeClr val="tx1"/>
-                </a:solidFill>
-                <a:latin typeface="微软雅黑" panose="020B0503020204020204" pitchFamily="34" charset="-122"/>
-                <a:ea typeface="微软雅黑" panose="020B0503020204020204" pitchFamily="34" charset="-122"/>
-                <a:sym typeface="+mn-ea"/>
-              </a:rPr>
-              <a:t>一些讨论：</a:t>
-            </a:r>
-            <a:endParaRPr lang="en-US" altLang="zh-CN" sz="2800" b="1" dirty="0">
-              <a:solidFill>
-                <a:schemeClr val="tx1"/>
-              </a:solidFill>
-              <a:latin typeface="微软雅黑" panose="020B0503020204020204" pitchFamily="34" charset="-122"/>
-              <a:ea typeface="微软雅黑" panose="020B0503020204020204" pitchFamily="34" charset="-122"/>
-              <a:sym typeface="+mn-ea"/>
-            </a:endParaRPr>
-          </a:p>
-          <a:p>
-            <a:pPr marL="800100" lvl="1" indent="-342900">
-              <a:lnSpc>
-                <a:spcPct val="150000"/>
-              </a:lnSpc>
-              <a:buFont typeface="Arial" panose="020B0604020202020204" pitchFamily="34" charset="0"/>
-              <a:buChar char="•"/>
-            </a:pPr>
-            <a:r>
-              <a:rPr lang="zh-CN" altLang="en-US" sz="2800" b="1" dirty="0">
-                <a:solidFill>
-                  <a:schemeClr val="tx1"/>
-                </a:solidFill>
-                <a:latin typeface="微软雅黑" panose="020B0503020204020204" pitchFamily="34" charset="-122"/>
-                <a:ea typeface="微软雅黑" panose="020B0503020204020204" pitchFamily="34" charset="-122"/>
-                <a:sym typeface="+mn-ea"/>
-              </a:rPr>
-              <a:t>多站测量</a:t>
-            </a:r>
-            <a:endParaRPr lang="en-US" altLang="zh-CN" sz="2800" b="1" dirty="0">
-              <a:solidFill>
-                <a:schemeClr val="tx1"/>
-              </a:solidFill>
-              <a:latin typeface="微软雅黑" panose="020B0503020204020204" pitchFamily="34" charset="-122"/>
-              <a:ea typeface="微软雅黑" panose="020B0503020204020204" pitchFamily="34" charset="-122"/>
-              <a:sym typeface="+mn-ea"/>
-            </a:endParaRPr>
-          </a:p>
-          <a:p>
-            <a:pPr marL="1257300" lvl="2" indent="-342900">
-              <a:lnSpc>
-                <a:spcPct val="150000"/>
-              </a:lnSpc>
-              <a:buFont typeface="Arial" panose="020B0604020202020204" pitchFamily="34" charset="0"/>
-              <a:buChar char="•"/>
-            </a:pPr>
-            <a:r>
-              <a:rPr lang="zh-CN" altLang="en-US" sz="2000" b="1" dirty="0">
-                <a:solidFill>
-                  <a:schemeClr val="tx1"/>
-                </a:solidFill>
-                <a:latin typeface="微软雅黑" panose="020B0503020204020204" pitchFamily="34" charset="-122"/>
-                <a:ea typeface="微软雅黑" panose="020B0503020204020204" pitchFamily="34" charset="-122"/>
-                <a:sym typeface="+mn-ea"/>
-              </a:rPr>
-              <a:t>目标关联问题</a:t>
-            </a:r>
-            <a:endParaRPr lang="en-US" altLang="zh-CN" sz="2000" b="1" dirty="0">
-              <a:solidFill>
-                <a:schemeClr val="tx1"/>
-              </a:solidFill>
-              <a:latin typeface="微软雅黑" panose="020B0503020204020204" pitchFamily="34" charset="-122"/>
-              <a:ea typeface="微软雅黑" panose="020B0503020204020204" pitchFamily="34" charset="-122"/>
-              <a:sym typeface="+mn-ea"/>
-            </a:endParaRPr>
-          </a:p>
-          <a:p>
-            <a:pPr marL="800100" lvl="1" indent="-342900">
-              <a:lnSpc>
-                <a:spcPct val="150000"/>
-              </a:lnSpc>
-              <a:buFont typeface="Arial" panose="020B0604020202020204" pitchFamily="34" charset="0"/>
-              <a:buChar char="•"/>
-            </a:pPr>
-            <a:r>
-              <a:rPr lang="zh-CN" altLang="en-US" sz="2800" b="1" dirty="0">
-                <a:solidFill>
-                  <a:schemeClr val="tx1"/>
-                </a:solidFill>
-                <a:latin typeface="微软雅黑" panose="020B0503020204020204" pitchFamily="34" charset="-122"/>
-                <a:ea typeface="微软雅黑" panose="020B0503020204020204" pitchFamily="34" charset="-122"/>
-                <a:sym typeface="+mn-ea"/>
-              </a:rPr>
-              <a:t>天基测量</a:t>
-            </a:r>
-            <a:endParaRPr lang="en-US" altLang="zh-CN" sz="2800" b="1" dirty="0">
-              <a:solidFill>
-                <a:schemeClr val="tx1"/>
-              </a:solidFill>
-              <a:latin typeface="微软雅黑" panose="020B0503020204020204" pitchFamily="34" charset="-122"/>
-              <a:ea typeface="微软雅黑" panose="020B0503020204020204" pitchFamily="34" charset="-122"/>
-              <a:sym typeface="+mn-ea"/>
-            </a:endParaRPr>
-          </a:p>
-          <a:p>
-            <a:pPr marL="1257300" lvl="2" indent="-342900">
-              <a:lnSpc>
-                <a:spcPct val="150000"/>
-              </a:lnSpc>
-              <a:buFont typeface="Arial" panose="020B0604020202020204" pitchFamily="34" charset="0"/>
-              <a:buChar char="•"/>
-            </a:pPr>
-            <a:r>
-              <a:rPr lang="zh-CN" altLang="en-US" sz="2000" b="1" dirty="0">
-                <a:solidFill>
-                  <a:schemeClr val="tx1"/>
-                </a:solidFill>
-                <a:latin typeface="微软雅黑" panose="020B0503020204020204" pitchFamily="34" charset="-122"/>
-                <a:ea typeface="微软雅黑" panose="020B0503020204020204" pitchFamily="34" charset="-122"/>
-                <a:sym typeface="+mn-ea"/>
-              </a:rPr>
-              <a:t>共面定轨</a:t>
-            </a:r>
-            <a:endParaRPr lang="en-US" altLang="zh-CN" sz="2800" b="1" dirty="0">
-              <a:solidFill>
-                <a:schemeClr val="tx1"/>
-              </a:solidFill>
-              <a:latin typeface="微软雅黑" panose="020B0503020204020204" pitchFamily="34" charset="-122"/>
-              <a:ea typeface="微软雅黑" panose="020B0503020204020204" pitchFamily="34" charset="-122"/>
-              <a:sym typeface="+mn-ea"/>
-            </a:endParaRPr>
-          </a:p>
-          <a:p>
-            <a:pPr marL="800100" lvl="1" indent="-342900">
-              <a:lnSpc>
-                <a:spcPct val="150000"/>
-              </a:lnSpc>
-              <a:buFont typeface="Arial" panose="020B0604020202020204" pitchFamily="34" charset="0"/>
-              <a:buChar char="•"/>
-            </a:pPr>
-            <a:r>
-              <a:rPr lang="zh-CN" altLang="en-US" sz="2800" b="1" dirty="0">
-                <a:solidFill>
-                  <a:schemeClr val="tx1"/>
-                </a:solidFill>
-                <a:latin typeface="微软雅黑" panose="020B0503020204020204" pitchFamily="34" charset="-122"/>
-                <a:ea typeface="微软雅黑" panose="020B0503020204020204" pitchFamily="34" charset="-122"/>
-                <a:sym typeface="+mn-ea"/>
-              </a:rPr>
-              <a:t>雷达测距</a:t>
-            </a:r>
-            <a:r>
-              <a:rPr lang="en-US" altLang="zh-CN" sz="2800" b="1" dirty="0">
-                <a:solidFill>
-                  <a:schemeClr val="tx1"/>
-                </a:solidFill>
-                <a:latin typeface="微软雅黑" panose="020B0503020204020204" pitchFamily="34" charset="-122"/>
-                <a:ea typeface="微软雅黑" panose="020B0503020204020204" pitchFamily="34" charset="-122"/>
-                <a:sym typeface="+mn-ea"/>
-              </a:rPr>
-              <a:t>+</a:t>
-            </a:r>
-            <a:r>
-              <a:rPr lang="zh-CN" altLang="en-US" sz="2800" b="1" dirty="0">
-                <a:solidFill>
-                  <a:schemeClr val="tx1"/>
-                </a:solidFill>
-                <a:latin typeface="微软雅黑" panose="020B0503020204020204" pitchFamily="34" charset="-122"/>
-                <a:ea typeface="微软雅黑" panose="020B0503020204020204" pitchFamily="34" charset="-122"/>
-                <a:sym typeface="+mn-ea"/>
-              </a:rPr>
-              <a:t>测角</a:t>
-            </a:r>
-            <a:endParaRPr lang="en-US" altLang="zh-CN" sz="2800" b="1" dirty="0">
-              <a:solidFill>
-                <a:schemeClr val="tx1"/>
-              </a:solidFill>
-              <a:latin typeface="微软雅黑" panose="020B0503020204020204" pitchFamily="34" charset="-122"/>
-              <a:ea typeface="微软雅黑" panose="020B0503020204020204" pitchFamily="34" charset="-122"/>
-              <a:sym typeface="+mn-ea"/>
-            </a:endParaRPr>
-          </a:p>
-          <a:p>
-            <a:pPr marL="800100" lvl="1" indent="-342900">
-              <a:lnSpc>
-                <a:spcPct val="150000"/>
-              </a:lnSpc>
-              <a:buFont typeface="Arial" panose="020B0604020202020204" pitchFamily="34" charset="0"/>
-              <a:buChar char="•"/>
-            </a:pPr>
-            <a:r>
-              <a:rPr lang="zh-CN" altLang="en-US" sz="2800" b="1" dirty="0">
-                <a:solidFill>
-                  <a:schemeClr val="tx1"/>
-                </a:solidFill>
-                <a:latin typeface="微软雅黑" panose="020B0503020204020204" pitchFamily="34" charset="-122"/>
-                <a:ea typeface="微软雅黑" panose="020B0503020204020204" pitchFamily="34" charset="-122"/>
-                <a:sym typeface="+mn-ea"/>
-              </a:rPr>
-              <a:t>单站测距</a:t>
-            </a:r>
-            <a:endParaRPr lang="en-US" altLang="zh-CN" sz="2800" b="1" dirty="0">
-              <a:solidFill>
-                <a:schemeClr val="tx1"/>
-              </a:solidFill>
-              <a:latin typeface="微软雅黑" panose="020B0503020204020204" pitchFamily="34" charset="-122"/>
-              <a:ea typeface="微软雅黑" panose="020B0503020204020204" pitchFamily="34" charset="-122"/>
-              <a:sym typeface="+mn-ea"/>
-            </a:endParaRPr>
-          </a:p>
-          <a:p>
-            <a:pPr marL="1257300" lvl="2" indent="-342900">
-              <a:lnSpc>
-                <a:spcPct val="150000"/>
-              </a:lnSpc>
-              <a:buFont typeface="Arial" panose="020B0604020202020204" pitchFamily="34" charset="0"/>
-              <a:buChar char="•"/>
-            </a:pPr>
-            <a:r>
-              <a:rPr lang="zh-CN" altLang="en-US" sz="2000" b="1" dirty="0">
-                <a:solidFill>
-                  <a:srgbClr val="FF0000"/>
-                </a:solidFill>
-                <a:latin typeface="微软雅黑" panose="020B0503020204020204" pitchFamily="34" charset="-122"/>
-                <a:ea typeface="微软雅黑" panose="020B0503020204020204" pitchFamily="34" charset="-122"/>
-                <a:sym typeface="+mn-ea"/>
-              </a:rPr>
-              <a:t>理论上</a:t>
-            </a:r>
-            <a:r>
-              <a:rPr lang="zh-CN" altLang="en-US" sz="2000" b="1" dirty="0">
-                <a:solidFill>
-                  <a:schemeClr val="tx1"/>
-                </a:solidFill>
-                <a:latin typeface="微软雅黑" panose="020B0503020204020204" pitchFamily="34" charset="-122"/>
-                <a:ea typeface="微软雅黑" panose="020B0503020204020204" pitchFamily="34" charset="-122"/>
-                <a:sym typeface="+mn-ea"/>
-              </a:rPr>
-              <a:t>不可定轨</a:t>
-            </a:r>
-            <a:endParaRPr lang="en-US" altLang="zh-CN" sz="2800" b="1" dirty="0">
-              <a:solidFill>
-                <a:schemeClr val="tx1"/>
-              </a:solidFill>
-              <a:latin typeface="微软雅黑" panose="020B0503020204020204" pitchFamily="34" charset="-122"/>
-              <a:ea typeface="微软雅黑" panose="020B0503020204020204" pitchFamily="34" charset="-122"/>
-              <a:sym typeface="+mn-ea"/>
-            </a:endParaRPr>
-          </a:p>
-          <a:p>
-            <a:pPr marL="342900" indent="-342900" fontAlgn="auto">
-              <a:lnSpc>
-                <a:spcPct val="150000"/>
-              </a:lnSpc>
-              <a:spcAft>
-                <a:spcPts val="0"/>
-              </a:spcAft>
-              <a:buFont typeface="Arial" panose="020B0604020202020204" pitchFamily="34" charset="0"/>
-              <a:buChar char="•"/>
-            </a:pPr>
-            <a:endParaRPr lang="en-US" altLang="zh-CN" sz="2800" b="1" dirty="0">
-              <a:solidFill>
-                <a:schemeClr val="tx1"/>
-              </a:solidFill>
-              <a:latin typeface="微软雅黑" panose="020B0503020204020204" pitchFamily="34" charset="-122"/>
-              <a:ea typeface="微软雅黑" panose="020B0503020204020204" pitchFamily="34" charset="-122"/>
-              <a:sym typeface="+mn-ea"/>
-            </a:endParaRPr>
-          </a:p>
-        </p:txBody>
-      </p:sp>
-      <p:sp>
-        <p:nvSpPr>
-          <p:cNvPr id="5" name="灯片编号占位符 4"/>
-          <p:cNvSpPr>
-            <a:spLocks noGrp="1"/>
-          </p:cNvSpPr>
-          <p:nvPr>
-            <p:ph type="sldNum" sz="quarter" idx="4"/>
-          </p:nvPr>
-        </p:nvSpPr>
-        <p:spPr/>
-        <p:txBody>
-          <a:bodyPr/>
-          <a:lstStyle/>
-          <a:p>
-            <a:fld id="{5F1D8F20-F945-584B-B149-8CCFBEFE168A}" type="slidenum">
-              <a:rPr kumimoji="1" lang="zh-CN" altLang="en-US" smtClean="0"/>
-              <a:t>8</a:t>
-            </a:fld>
-            <a:endParaRPr kumimoji="1" lang="zh-CN" altLang="en-US"/>
-          </a:p>
-        </p:txBody>
-      </p:sp>
-      <p:sp>
-        <p:nvSpPr>
-          <p:cNvPr id="26" name="标题 1"/>
-          <p:cNvSpPr txBox="1"/>
-          <p:nvPr/>
-        </p:nvSpPr>
-        <p:spPr>
-          <a:xfrm>
-            <a:off x="0" y="0"/>
-            <a:ext cx="12187555" cy="711200"/>
-          </a:xfrm>
-          <a:prstGeom prst="rect">
-            <a:avLst/>
-          </a:prstGeom>
-          <a:noFill/>
-        </p:spPr>
-        <p:txBody>
-          <a:bodyPr vert="horz" lIns="91440" tIns="45720" rIns="91440" bIns="45720" rtlCol="0" anchor="ctr"/>
-          <a:lstStyle/>
-          <a:p>
-            <a:pPr marL="0" marR="0" lvl="0" indent="0" algn="ctr" defTabSz="914400" rtl="0" eaLnBrk="1" fontAlgn="base" latinLnBrk="0" hangingPunct="1">
-              <a:lnSpc>
-                <a:spcPct val="100000"/>
-              </a:lnSpc>
-              <a:spcBef>
-                <a:spcPct val="0"/>
-              </a:spcBef>
-              <a:spcAft>
-                <a:spcPct val="0"/>
-              </a:spcAft>
-              <a:buClrTx/>
-              <a:buSzTx/>
-              <a:buFontTx/>
-              <a:buNone/>
-              <a:defRPr/>
-            </a:pPr>
-            <a:r>
-              <a:rPr kumimoji="0" lang="zh-CN" altLang="en-US" sz="3200" b="1" i="0" u="none" strike="noStrike" kern="1200" cap="none" spc="0" normalizeH="0" baseline="0" noProof="0" dirty="0">
-                <a:ln>
-                  <a:noFill/>
-                </a:ln>
-                <a:solidFill>
-                  <a:schemeClr val="bg1"/>
-                </a:solidFill>
-                <a:effectLst/>
-                <a:uLnTx/>
-                <a:uFillTx/>
-                <a:latin typeface="微软雅黑" panose="020B0503020204020204" pitchFamily="34" charset="-122"/>
-                <a:ea typeface="微软雅黑" panose="020B0503020204020204" pitchFamily="34" charset="-122"/>
-                <a:cs typeface="+mj-cs"/>
-              </a:rPr>
-              <a:t>初轨确定</a:t>
-            </a:r>
-          </a:p>
-        </p:txBody>
-      </p:sp>
       <p:pic>
         <p:nvPicPr>
           <p:cNvPr id="15" name="图片 14" descr="图片包含 华美, 飞行, 水, 黑暗&#10;&#10;描述已自动生成">
@@ -22305,14 +21756,397 @@
         </p:blipFill>
         <p:spPr>
           <a:xfrm>
-            <a:off x="4203958" y="1298177"/>
-            <a:ext cx="7461969" cy="4972539"/>
+            <a:off x="2987813" y="365125"/>
+            <a:ext cx="6783288" cy="4520277"/>
           </a:xfrm>
           <a:prstGeom prst="rect">
             <a:avLst/>
           </a:prstGeom>
         </p:spPr>
       </p:pic>
+      <p:sp>
+        <p:nvSpPr>
+          <p:cNvPr id="3" name="矩形 2"/>
+          <p:cNvSpPr/>
+          <p:nvPr/>
+        </p:nvSpPr>
+        <p:spPr>
+          <a:xfrm>
+            <a:off x="407987" y="1052513"/>
+            <a:ext cx="11376025" cy="5279202"/>
+          </a:xfrm>
+          <a:prstGeom prst="rect">
+            <a:avLst/>
+          </a:prstGeom>
+        </p:spPr>
+        <p:txBody>
+          <a:bodyPr wrap="square">
+            <a:spAutoFit/>
+          </a:bodyPr>
+          <a:lstStyle/>
+          <a:p>
+            <a:pPr marL="342900" indent="-342900" fontAlgn="auto">
+              <a:lnSpc>
+                <a:spcPct val="150000"/>
+              </a:lnSpc>
+              <a:spcAft>
+                <a:spcPts val="0"/>
+              </a:spcAft>
+              <a:buFont typeface="Arial" panose="020B0604020202020204" pitchFamily="34" charset="0"/>
+              <a:buChar char="•"/>
+            </a:pPr>
+            <a:r>
+              <a:rPr lang="zh-CN" altLang="en-US" sz="2800" b="1" dirty="0">
+                <a:solidFill>
+                  <a:schemeClr val="tx1"/>
+                </a:solidFill>
+                <a:latin typeface="微软雅黑" panose="020B0503020204020204" pitchFamily="34" charset="-122"/>
+                <a:ea typeface="微软雅黑" panose="020B0503020204020204" pitchFamily="34" charset="-122"/>
+                <a:sym typeface="+mn-ea"/>
+              </a:rPr>
+              <a:t>一些讨论：</a:t>
+            </a:r>
+            <a:endParaRPr lang="en-US" altLang="zh-CN" sz="2800" b="1" dirty="0">
+              <a:solidFill>
+                <a:schemeClr val="tx1"/>
+              </a:solidFill>
+              <a:latin typeface="微软雅黑" panose="020B0503020204020204" pitchFamily="34" charset="-122"/>
+              <a:ea typeface="微软雅黑" panose="020B0503020204020204" pitchFamily="34" charset="-122"/>
+              <a:sym typeface="+mn-ea"/>
+            </a:endParaRPr>
+          </a:p>
+          <a:p>
+            <a:pPr marL="800100" lvl="1" indent="-342900">
+              <a:lnSpc>
+                <a:spcPct val="150000"/>
+              </a:lnSpc>
+              <a:buFont typeface="Arial" panose="020B0604020202020204" pitchFamily="34" charset="0"/>
+              <a:buChar char="•"/>
+            </a:pPr>
+            <a:r>
+              <a:rPr lang="zh-CN" altLang="en-US" sz="2800" b="1" dirty="0">
+                <a:solidFill>
+                  <a:schemeClr val="tx1"/>
+                </a:solidFill>
+                <a:latin typeface="微软雅黑" panose="020B0503020204020204" pitchFamily="34" charset="-122"/>
+                <a:ea typeface="微软雅黑" panose="020B0503020204020204" pitchFamily="34" charset="-122"/>
+                <a:sym typeface="+mn-ea"/>
+              </a:rPr>
+              <a:t>多站测量</a:t>
+            </a:r>
+            <a:endParaRPr lang="en-US" altLang="zh-CN" sz="2800" b="1" dirty="0">
+              <a:solidFill>
+                <a:schemeClr val="tx1"/>
+              </a:solidFill>
+              <a:latin typeface="微软雅黑" panose="020B0503020204020204" pitchFamily="34" charset="-122"/>
+              <a:ea typeface="微软雅黑" panose="020B0503020204020204" pitchFamily="34" charset="-122"/>
+              <a:sym typeface="+mn-ea"/>
+            </a:endParaRPr>
+          </a:p>
+          <a:p>
+            <a:pPr marL="1257300" lvl="2" indent="-342900">
+              <a:lnSpc>
+                <a:spcPct val="150000"/>
+              </a:lnSpc>
+              <a:buFont typeface="Arial" panose="020B0604020202020204" pitchFamily="34" charset="0"/>
+              <a:buChar char="•"/>
+            </a:pPr>
+            <a:r>
+              <a:rPr lang="zh-CN" altLang="en-US" sz="2000" b="1" dirty="0">
+                <a:solidFill>
+                  <a:schemeClr val="tx1"/>
+                </a:solidFill>
+                <a:latin typeface="微软雅黑" panose="020B0503020204020204" pitchFamily="34" charset="-122"/>
+                <a:ea typeface="微软雅黑" panose="020B0503020204020204" pitchFamily="34" charset="-122"/>
+                <a:sym typeface="+mn-ea"/>
+              </a:rPr>
+              <a:t>目标关联问题</a:t>
+            </a:r>
+            <a:endParaRPr lang="en-US" altLang="zh-CN" sz="2000" b="1" dirty="0">
+              <a:solidFill>
+                <a:schemeClr val="tx1"/>
+              </a:solidFill>
+              <a:latin typeface="微软雅黑" panose="020B0503020204020204" pitchFamily="34" charset="-122"/>
+              <a:ea typeface="微软雅黑" panose="020B0503020204020204" pitchFamily="34" charset="-122"/>
+              <a:sym typeface="+mn-ea"/>
+            </a:endParaRPr>
+          </a:p>
+          <a:p>
+            <a:pPr marL="800100" lvl="1" indent="-342900">
+              <a:lnSpc>
+                <a:spcPct val="150000"/>
+              </a:lnSpc>
+              <a:buFont typeface="Arial" panose="020B0604020202020204" pitchFamily="34" charset="0"/>
+              <a:buChar char="•"/>
+            </a:pPr>
+            <a:r>
+              <a:rPr lang="zh-CN" altLang="en-US" sz="2800" b="1" dirty="0">
+                <a:solidFill>
+                  <a:schemeClr val="tx1"/>
+                </a:solidFill>
+                <a:latin typeface="微软雅黑" panose="020B0503020204020204" pitchFamily="34" charset="-122"/>
+                <a:ea typeface="微软雅黑" panose="020B0503020204020204" pitchFamily="34" charset="-122"/>
+                <a:sym typeface="+mn-ea"/>
+              </a:rPr>
+              <a:t>天基测量</a:t>
+            </a:r>
+            <a:endParaRPr lang="en-US" altLang="zh-CN" sz="2800" b="1" dirty="0">
+              <a:solidFill>
+                <a:schemeClr val="tx1"/>
+              </a:solidFill>
+              <a:latin typeface="微软雅黑" panose="020B0503020204020204" pitchFamily="34" charset="-122"/>
+              <a:ea typeface="微软雅黑" panose="020B0503020204020204" pitchFamily="34" charset="-122"/>
+              <a:sym typeface="+mn-ea"/>
+            </a:endParaRPr>
+          </a:p>
+          <a:p>
+            <a:pPr marL="1257300" lvl="2" indent="-342900">
+              <a:lnSpc>
+                <a:spcPct val="150000"/>
+              </a:lnSpc>
+              <a:buFont typeface="Arial" panose="020B0604020202020204" pitchFamily="34" charset="0"/>
+              <a:buChar char="•"/>
+            </a:pPr>
+            <a:r>
+              <a:rPr lang="zh-CN" altLang="en-US" sz="2000" b="1" dirty="0">
+                <a:solidFill>
+                  <a:schemeClr val="tx1"/>
+                </a:solidFill>
+                <a:latin typeface="微软雅黑" panose="020B0503020204020204" pitchFamily="34" charset="-122"/>
+                <a:ea typeface="微软雅黑" panose="020B0503020204020204" pitchFamily="34" charset="-122"/>
+                <a:sym typeface="+mn-ea"/>
+              </a:rPr>
+              <a:t>共面定轨</a:t>
+            </a:r>
+            <a:endParaRPr lang="en-US" altLang="zh-CN" sz="2800" b="1" dirty="0">
+              <a:solidFill>
+                <a:schemeClr val="tx1"/>
+              </a:solidFill>
+              <a:latin typeface="微软雅黑" panose="020B0503020204020204" pitchFamily="34" charset="-122"/>
+              <a:ea typeface="微软雅黑" panose="020B0503020204020204" pitchFamily="34" charset="-122"/>
+              <a:sym typeface="+mn-ea"/>
+            </a:endParaRPr>
+          </a:p>
+          <a:p>
+            <a:pPr marL="800100" lvl="1" indent="-342900">
+              <a:lnSpc>
+                <a:spcPct val="150000"/>
+              </a:lnSpc>
+              <a:buFont typeface="Arial" panose="020B0604020202020204" pitchFamily="34" charset="0"/>
+              <a:buChar char="•"/>
+            </a:pPr>
+            <a:r>
+              <a:rPr lang="zh-CN" altLang="en-US" sz="2800" b="1" dirty="0">
+                <a:solidFill>
+                  <a:schemeClr val="tx1"/>
+                </a:solidFill>
+                <a:latin typeface="微软雅黑" panose="020B0503020204020204" pitchFamily="34" charset="-122"/>
+                <a:ea typeface="微软雅黑" panose="020B0503020204020204" pitchFamily="34" charset="-122"/>
+                <a:sym typeface="+mn-ea"/>
+              </a:rPr>
+              <a:t>雷达测距</a:t>
+            </a:r>
+            <a:r>
+              <a:rPr lang="en-US" altLang="zh-CN" sz="2800" b="1" dirty="0">
+                <a:solidFill>
+                  <a:schemeClr val="tx1"/>
+                </a:solidFill>
+                <a:latin typeface="微软雅黑" panose="020B0503020204020204" pitchFamily="34" charset="-122"/>
+                <a:ea typeface="微软雅黑" panose="020B0503020204020204" pitchFamily="34" charset="-122"/>
+                <a:sym typeface="+mn-ea"/>
+              </a:rPr>
+              <a:t>+</a:t>
+            </a:r>
+            <a:r>
+              <a:rPr lang="zh-CN" altLang="en-US" sz="2800" b="1" dirty="0">
+                <a:solidFill>
+                  <a:schemeClr val="tx1"/>
+                </a:solidFill>
+                <a:latin typeface="微软雅黑" panose="020B0503020204020204" pitchFamily="34" charset="-122"/>
+                <a:ea typeface="微软雅黑" panose="020B0503020204020204" pitchFamily="34" charset="-122"/>
+                <a:sym typeface="+mn-ea"/>
+              </a:rPr>
+              <a:t>测角</a:t>
+            </a:r>
+            <a:endParaRPr lang="en-US" altLang="zh-CN" sz="2800" b="1" dirty="0">
+              <a:solidFill>
+                <a:schemeClr val="tx1"/>
+              </a:solidFill>
+              <a:latin typeface="微软雅黑" panose="020B0503020204020204" pitchFamily="34" charset="-122"/>
+              <a:ea typeface="微软雅黑" panose="020B0503020204020204" pitchFamily="34" charset="-122"/>
+              <a:sym typeface="+mn-ea"/>
+            </a:endParaRPr>
+          </a:p>
+          <a:p>
+            <a:pPr marL="800100" lvl="1" indent="-342900">
+              <a:lnSpc>
+                <a:spcPct val="150000"/>
+              </a:lnSpc>
+              <a:buFont typeface="Arial" panose="020B0604020202020204" pitchFamily="34" charset="0"/>
+              <a:buChar char="•"/>
+            </a:pPr>
+            <a:r>
+              <a:rPr lang="zh-CN" altLang="en-US" sz="2800" b="1" dirty="0">
+                <a:solidFill>
+                  <a:schemeClr val="tx1"/>
+                </a:solidFill>
+                <a:latin typeface="微软雅黑" panose="020B0503020204020204" pitchFamily="34" charset="-122"/>
+                <a:ea typeface="微软雅黑" panose="020B0503020204020204" pitchFamily="34" charset="-122"/>
+                <a:sym typeface="+mn-ea"/>
+              </a:rPr>
+              <a:t>单站测距</a:t>
+            </a:r>
+            <a:endParaRPr lang="en-US" altLang="zh-CN" sz="2800" b="1" dirty="0">
+              <a:solidFill>
+                <a:schemeClr val="tx1"/>
+              </a:solidFill>
+              <a:latin typeface="微软雅黑" panose="020B0503020204020204" pitchFamily="34" charset="-122"/>
+              <a:ea typeface="微软雅黑" panose="020B0503020204020204" pitchFamily="34" charset="-122"/>
+              <a:sym typeface="+mn-ea"/>
+            </a:endParaRPr>
+          </a:p>
+          <a:p>
+            <a:pPr marL="1257300" lvl="2" indent="-342900">
+              <a:lnSpc>
+                <a:spcPct val="150000"/>
+              </a:lnSpc>
+              <a:buFont typeface="Arial" panose="020B0604020202020204" pitchFamily="34" charset="0"/>
+              <a:buChar char="•"/>
+            </a:pPr>
+            <a:r>
+              <a:rPr lang="zh-CN" altLang="en-US" sz="2000" b="1" dirty="0">
+                <a:solidFill>
+                  <a:srgbClr val="FF0000"/>
+                </a:solidFill>
+                <a:latin typeface="微软雅黑" panose="020B0503020204020204" pitchFamily="34" charset="-122"/>
+                <a:ea typeface="微软雅黑" panose="020B0503020204020204" pitchFamily="34" charset="-122"/>
+                <a:sym typeface="+mn-ea"/>
+              </a:rPr>
+              <a:t>理论上</a:t>
+            </a:r>
+            <a:r>
+              <a:rPr lang="zh-CN" altLang="en-US" sz="2000" b="1" dirty="0">
+                <a:solidFill>
+                  <a:schemeClr val="tx1"/>
+                </a:solidFill>
+                <a:latin typeface="微软雅黑" panose="020B0503020204020204" pitchFamily="34" charset="-122"/>
+                <a:ea typeface="微软雅黑" panose="020B0503020204020204" pitchFamily="34" charset="-122"/>
+                <a:sym typeface="+mn-ea"/>
+              </a:rPr>
+              <a:t>不可定轨</a:t>
+            </a:r>
+            <a:endParaRPr lang="en-US" altLang="zh-CN" sz="2800" b="1" dirty="0">
+              <a:latin typeface="微软雅黑" panose="020B0503020204020204" pitchFamily="34" charset="-122"/>
+              <a:ea typeface="微软雅黑" panose="020B0503020204020204" pitchFamily="34" charset="-122"/>
+              <a:sym typeface="+mn-ea"/>
+            </a:endParaRPr>
+          </a:p>
+          <a:p>
+            <a:pPr marL="800100" lvl="1" indent="-342900">
+              <a:lnSpc>
+                <a:spcPct val="150000"/>
+              </a:lnSpc>
+              <a:buFont typeface="Arial" panose="020B0604020202020204" pitchFamily="34" charset="0"/>
+              <a:buChar char="•"/>
+            </a:pPr>
+            <a:r>
+              <a:rPr lang="zh-CN" altLang="en-US" sz="2800" b="1" dirty="0">
+                <a:latin typeface="微软雅黑" panose="020B0503020204020204" pitchFamily="34" charset="-122"/>
+                <a:ea typeface="微软雅黑" panose="020B0503020204020204" pitchFamily="34" charset="-122"/>
+                <a:sym typeface="+mn-ea"/>
+              </a:rPr>
+              <a:t>椭圆轨道的半长径和偏心率的不确定性</a:t>
+            </a:r>
+            <a:endParaRPr lang="en-US" altLang="zh-CN" sz="2800" b="1" dirty="0">
+              <a:solidFill>
+                <a:schemeClr val="tx1"/>
+              </a:solidFill>
+              <a:latin typeface="微软雅黑" panose="020B0503020204020204" pitchFamily="34" charset="-122"/>
+              <a:ea typeface="微软雅黑" panose="020B0503020204020204" pitchFamily="34" charset="-122"/>
+              <a:sym typeface="+mn-ea"/>
+            </a:endParaRPr>
+          </a:p>
+        </p:txBody>
+      </p:sp>
+      <p:sp>
+        <p:nvSpPr>
+          <p:cNvPr id="5" name="灯片编号占位符 4"/>
+          <p:cNvSpPr>
+            <a:spLocks noGrp="1"/>
+          </p:cNvSpPr>
+          <p:nvPr>
+            <p:ph type="sldNum" sz="quarter" idx="4"/>
+          </p:nvPr>
+        </p:nvSpPr>
+        <p:spPr/>
+        <p:txBody>
+          <a:bodyPr/>
+          <a:lstStyle/>
+          <a:p>
+            <a:fld id="{5F1D8F20-F945-584B-B149-8CCFBEFE168A}" type="slidenum">
+              <a:rPr kumimoji="1" lang="zh-CN" altLang="en-US" smtClean="0"/>
+              <a:t>8</a:t>
+            </a:fld>
+            <a:endParaRPr kumimoji="1" lang="zh-CN" altLang="en-US"/>
+          </a:p>
+        </p:txBody>
+      </p:sp>
+      <p:sp>
+        <p:nvSpPr>
+          <p:cNvPr id="26" name="标题 1"/>
+          <p:cNvSpPr txBox="1"/>
+          <p:nvPr/>
+        </p:nvSpPr>
+        <p:spPr>
+          <a:xfrm>
+            <a:off x="0" y="0"/>
+            <a:ext cx="12187555" cy="711200"/>
+          </a:xfrm>
+          <a:prstGeom prst="rect">
+            <a:avLst/>
+          </a:prstGeom>
+          <a:noFill/>
+        </p:spPr>
+        <p:txBody>
+          <a:bodyPr vert="horz" lIns="91440" tIns="45720" rIns="91440" bIns="45720" rtlCol="0" anchor="ctr"/>
+          <a:lstStyle/>
+          <a:p>
+            <a:pPr marL="0" marR="0" lvl="0" indent="0" algn="ctr" defTabSz="914400" rtl="0" eaLnBrk="1" fontAlgn="base" latinLnBrk="0" hangingPunct="1">
+              <a:lnSpc>
+                <a:spcPct val="100000"/>
+              </a:lnSpc>
+              <a:spcBef>
+                <a:spcPct val="0"/>
+              </a:spcBef>
+              <a:spcAft>
+                <a:spcPct val="0"/>
+              </a:spcAft>
+              <a:buClrTx/>
+              <a:buSzTx/>
+              <a:buFontTx/>
+              <a:buNone/>
+              <a:defRPr/>
+            </a:pPr>
+            <a:r>
+              <a:rPr kumimoji="0" lang="zh-CN" altLang="en-US" sz="3200" b="1" i="0" u="none" strike="noStrike" kern="1200" cap="none" spc="0" normalizeH="0" baseline="0" noProof="0" dirty="0">
+                <a:ln>
+                  <a:noFill/>
+                </a:ln>
+                <a:solidFill>
+                  <a:schemeClr val="bg1"/>
+                </a:solidFill>
+                <a:effectLst/>
+                <a:uLnTx/>
+                <a:uFillTx/>
+                <a:latin typeface="微软雅黑" panose="020B0503020204020204" pitchFamily="34" charset="-122"/>
+                <a:ea typeface="微软雅黑" panose="020B0503020204020204" pitchFamily="34" charset="-122"/>
+                <a:cs typeface="+mj-cs"/>
+              </a:rPr>
+              <a:t>初轨确定</a:t>
+            </a:r>
+          </a:p>
+        </p:txBody>
+      </p:sp>
       <p:pic>
         <p:nvPicPr>
           <p:cNvPr id="2" name="图形 1" descr="紧张的脸轮廓 纯色填充">
@@ -22775,6 +22609,67 @@
                                         <p:cTn id="34" dur="500"/>
                                         <p:tgtEl>
                                           <p:spTgt spid="15"/>
+                                        </p:tgtEl>
+                                      </p:cBhvr>
+                                    </p:animEffect>
+                                  </p:childTnLst>
+                                </p:cTn>
+                              </p:par>
+                            </p:childTnLst>
+                          </p:cTn>
+                        </p:par>
+                      </p:childTnLst>
+                    </p:cTn>
+                  </p:par>
+                  <p:par>
+                    <p:cTn id="35" fill="hold">
+                      <p:stCondLst>
+                        <p:cond delay="indefinite"/>
+                      </p:stCondLst>
+                      <p:childTnLst>
+                        <p:par>
+                          <p:cTn id="36" fill="hold">
+                            <p:stCondLst>
+                              <p:cond delay="0"/>
+                            </p:stCondLst>
+                            <p:childTnLst>
+                              <p:par>
+                                <p:cTn id="37" presetID="10" presetClass="entr" presetSubtype="0" fill="hold" nodeType="clickEffect">
+                                  <p:stCondLst>
+                                    <p:cond delay="0"/>
+                                  </p:stCondLst>
+                                  <p:childTnLst>
+                                    <p:set>
+                                      <p:cBhvr>
+                                        <p:cTn id="38" dur="1" fill="hold">
+                                          <p:stCondLst>
+                                            <p:cond delay="0"/>
+                                          </p:stCondLst>
+                                        </p:cTn>
+                                        <p:tgtEl>
+                                          <p:spTgt spid="3">
+                                            <p:txEl>
+                                              <p:pRg st="8" end="8"/>
+                                            </p:txEl>
+                                          </p:spTgt>
+                                        </p:tgtEl>
+                                        <p:attrNameLst>
+                                          <p:attrName>style.visibility</p:attrName>
+                                        </p:attrNameLst>
+                                      </p:cBhvr>
+                                      <p:to>
+                                        <p:strVal val="visible"/>
+                                      </p:to>
+                                    </p:set>
+                                    <p:animEffect transition="in" filter="fade">
+                                      <p:cBhvr>
+                                        <p:cTn id="39" dur="500"/>
+                                        <p:tgtEl>
+                                          <p:spTgt spid="3">
+                                            <p:txEl>
+                                              <p:pRg st="8" end="8"/>
+                                            </p:txEl>
+                                          </p:spTgt>
                                         </p:tgtEl>
                                       </p:cBhvr>
                                     </p:animEffect>

--- a/12 初轨确定和精密定轨原理.pptx
+++ b/12 初轨确定和精密定轨原理.pptx
@@ -235,7 +235,7 @@
           <a:p>
             <a:fld id="{26DDD1A4-63E9-4C41-BD0C-A6576214358F}" type="datetimeFigureOut">
               <a:rPr kumimoji="1" lang="zh-CN" altLang="en-US" smtClean="0"/>
-              <a:t>2023/12/26</a:t>
+              <a:t>2024/3/11</a:t>
             </a:fld>
             <a:endParaRPr kumimoji="1" lang="zh-CN" altLang="en-US"/>
           </a:p>
@@ -829,7 +829,7 @@
           <a:p>
             <a:fld id="{8664C608-40B1-4030-A28D-5B74BC98ADCE}" type="datetimeFigureOut">
               <a:rPr lang="en-US" smtClean="0"/>
-              <a:t>12/26/2023</a:t>
+              <a:t>3/11/2024</a:t>
             </a:fld>
             <a:endParaRPr lang="en-US" dirty="0"/>
           </a:p>
@@ -1366,7 +1366,7 @@
           <p:spPr>
             <a:xfrm>
               <a:off x="3279" y="4265"/>
-              <a:ext cx="14400" cy="1018"/>
+              <a:ext cx="14400" cy="1115"/>
             </a:xfrm>
             <a:prstGeom prst="rect">
               <a:avLst/>
@@ -1384,7 +1384,7 @@
                 </a:spcAft>
               </a:pPr>
               <a:r>
-                <a:rPr lang="en-US" altLang="zh-CN" sz="3600" b="1">
+                <a:rPr lang="en-US" altLang="zh-CN" sz="4000" b="1" dirty="0">
                   <a:solidFill>
                     <a:srgbClr val="0000FF"/>
                   </a:solidFill>
@@ -1394,7 +1394,7 @@
                 <a:t>12 </a:t>
               </a:r>
               <a:r>
-                <a:rPr lang="zh-CN" altLang="en-US" sz="3600" b="1" dirty="0">
+                <a:rPr lang="zh-CN" altLang="en-US" sz="4000" b="1" dirty="0">
                   <a:solidFill>
                     <a:srgbClr val="0000FF"/>
                   </a:solidFill>
@@ -1859,7 +1859,7 @@
                 <a:cs typeface="Times New Roman" panose="02020603050405020304" pitchFamily="18" charset="0"/>
                 <a:sym typeface="+mn-ea"/>
               </a:rPr>
-              <a:t>2023</a:t>
+              <a:t>2024</a:t>
             </a:r>
           </a:p>
           <a:p>
@@ -6910,7 +6910,7 @@
               <a:buFont typeface="Arial" panose="020B0604020202020204" pitchFamily="34" charset="0"/>
               <a:buChar char="•"/>
             </a:pPr>
-            <a:endParaRPr lang="en-US" altLang="zh-CN" sz="2400" b="1" dirty="0">
+            <a:endParaRPr lang="en-US" altLang="zh-CN" b="1" dirty="0">
               <a:latin typeface="Times New Roman" panose="02020603050405020304" pitchFamily="18" charset="0"/>
               <a:ea typeface="微软雅黑" panose="020B0503020204020204" pitchFamily="34" charset="-122"/>
               <a:cs typeface="Times New Roman" panose="02020603050405020304" pitchFamily="18" charset="0"/>
@@ -7524,13 +7524,13 @@
           <p:nvPr>
             <p:extLst>
               <p:ext uri="{D42A27DB-BD31-4B8C-83A1-F6EECF244321}">
-                <p14:modId xmlns:p14="http://schemas.microsoft.com/office/powerpoint/2010/main" val="2717859955"/>
+                <p14:modId xmlns:p14="http://schemas.microsoft.com/office/powerpoint/2010/main" val="3804115493"/>
               </p:ext>
             </p:extLst>
           </p:nvPr>
         </p:nvGraphicFramePr>
         <p:xfrm>
-          <a:off x="8042860" y="3672399"/>
+          <a:off x="7997690" y="3540408"/>
           <a:ext cx="2882900" cy="400050"/>
         </p:xfrm>
         <a:graphic>
@@ -7564,7 +7564,7 @@
                     </p:blipFill>
                     <p:spPr>
                       <a:xfrm>
-                        <a:off x="8042860" y="3672399"/>
+                        <a:off x="7997690" y="3540408"/>
                         <a:ext cx="2882900" cy="400050"/>
                       </a:xfrm>
                       <a:prstGeom prst="rect">
@@ -7593,13 +7593,13 @@
           <p:nvPr>
             <p:extLst>
               <p:ext uri="{D42A27DB-BD31-4B8C-83A1-F6EECF244321}">
-                <p14:modId xmlns:p14="http://schemas.microsoft.com/office/powerpoint/2010/main" val="2049627413"/>
+                <p14:modId xmlns:p14="http://schemas.microsoft.com/office/powerpoint/2010/main" val="2445144463"/>
               </p:ext>
             </p:extLst>
           </p:nvPr>
         </p:nvGraphicFramePr>
         <p:xfrm>
-          <a:off x="8331604" y="3168703"/>
+          <a:off x="8331604" y="3111686"/>
           <a:ext cx="2190750" cy="381000"/>
         </p:xfrm>
         <a:graphic>
@@ -7633,7 +7633,7 @@
                     </p:blipFill>
                     <p:spPr>
                       <a:xfrm>
-                        <a:off x="8331604" y="3168703"/>
+                        <a:off x="8331604" y="3111686"/>
                         <a:ext cx="2190750" cy="381000"/>
                       </a:xfrm>
                       <a:prstGeom prst="rect">
@@ -7975,13 +7975,13 @@
           <p:nvPr>
             <p:extLst>
               <p:ext uri="{D42A27DB-BD31-4B8C-83A1-F6EECF244321}">
-                <p14:modId xmlns:p14="http://schemas.microsoft.com/office/powerpoint/2010/main" val="3237959474"/>
+                <p14:modId xmlns:p14="http://schemas.microsoft.com/office/powerpoint/2010/main" val="763449169"/>
               </p:ext>
             </p:extLst>
           </p:nvPr>
         </p:nvGraphicFramePr>
         <p:xfrm>
-          <a:off x="7326331" y="4821375"/>
+          <a:off x="7309664" y="4684975"/>
           <a:ext cx="4860925" cy="400050"/>
         </p:xfrm>
         <a:graphic>
@@ -8015,7 +8015,7 @@
                     </p:blipFill>
                     <p:spPr>
                       <a:xfrm>
-                        <a:off x="7326331" y="4821375"/>
+                        <a:off x="7309664" y="4684975"/>
                         <a:ext cx="4860925" cy="400050"/>
                       </a:xfrm>
                       <a:prstGeom prst="rect">
@@ -8044,13 +8044,13 @@
           <p:nvPr>
             <p:extLst>
               <p:ext uri="{D42A27DB-BD31-4B8C-83A1-F6EECF244321}">
-                <p14:modId xmlns:p14="http://schemas.microsoft.com/office/powerpoint/2010/main" val="3687397906"/>
+                <p14:modId xmlns:p14="http://schemas.microsoft.com/office/powerpoint/2010/main" val="1283303199"/>
               </p:ext>
             </p:extLst>
           </p:nvPr>
         </p:nvGraphicFramePr>
         <p:xfrm>
-          <a:off x="8197864" y="5669197"/>
+          <a:off x="8225097" y="5532797"/>
           <a:ext cx="1066800" cy="381000"/>
         </p:xfrm>
         <a:graphic>
@@ -8084,7 +8084,7 @@
                     </p:blipFill>
                     <p:spPr>
                       <a:xfrm>
-                        <a:off x="8197864" y="5669197"/>
+                        <a:off x="8225097" y="5532797"/>
                         <a:ext cx="1066800" cy="381000"/>
                       </a:xfrm>
                       <a:prstGeom prst="rect">
@@ -8112,7 +8112,7 @@
         </p:nvSpPr>
         <p:spPr>
           <a:xfrm>
-            <a:off x="6749575" y="5171620"/>
+            <a:off x="6776808" y="5035220"/>
             <a:ext cx="1529617" cy="338554"/>
           </a:xfrm>
           <a:prstGeom prst="rect">
@@ -8158,7 +8158,7 @@
         </p:nvSpPr>
         <p:spPr>
           <a:xfrm>
-            <a:off x="9350973" y="5171620"/>
+            <a:off x="9378206" y="5035220"/>
             <a:ext cx="1529617" cy="338554"/>
           </a:xfrm>
           <a:prstGeom prst="rect">
@@ -8331,6 +8331,73 @@
           </a:prstGeom>
         </p:spPr>
       </p:pic>
+      <p:sp>
+        <p:nvSpPr>
+          <p:cNvPr id="6" name="矩形 5">
+            <a:extLst>
+              <a:ext uri="{FF2B5EF4-FFF2-40B4-BE49-F238E27FC236}">
+                <a16:creationId xmlns:a16="http://schemas.microsoft.com/office/drawing/2014/main" id="{64BA9EA1-8296-0625-3BD3-65E3E532AE11}"/>
+              </a:ext>
+            </a:extLst>
+          </p:cNvPr>
+          <p:cNvSpPr/>
+          <p:nvPr/>
+        </p:nvSpPr>
+        <p:spPr>
+          <a:xfrm>
+            <a:off x="10538607" y="6314763"/>
+            <a:ext cx="1440985" cy="307777"/>
+          </a:xfrm>
+          <a:prstGeom prst="rect">
+            <a:avLst/>
+          </a:prstGeom>
+        </p:spPr>
+        <p:txBody>
+          <a:bodyPr wrap="square">
+            <a:spAutoFit/>
+          </a:bodyPr>
+          <a:lstStyle/>
+          <a:p>
+            <a:pPr algn="ctr" fontAlgn="auto">
+              <a:spcAft>
+                <a:spcPts val="0"/>
+              </a:spcAft>
+            </a:pPr>
+            <a:r>
+              <a:rPr lang="zh-CN" altLang="en-US" sz="1400" b="1" dirty="0">
+                <a:latin typeface="微软雅黑" panose="020B0503020204020204" pitchFamily="34" charset="-122"/>
+                <a:ea typeface="微软雅黑" panose="020B0503020204020204" pitchFamily="34" charset="-122"/>
+              </a:rPr>
+              <a:t>第</a:t>
+            </a:r>
+            <a:r>
+              <a:rPr lang="en-US" altLang="zh-CN" sz="1400" b="1" dirty="0">
+                <a:latin typeface="微软雅黑" panose="020B0503020204020204" pitchFamily="34" charset="-122"/>
+                <a:ea typeface="微软雅黑" panose="020B0503020204020204" pitchFamily="34" charset="-122"/>
+              </a:rPr>
+              <a:t>14</a:t>
+            </a:r>
+            <a:r>
+              <a:rPr lang="zh-CN" altLang="en-US" sz="1400" b="1" dirty="0">
+                <a:latin typeface="微软雅黑" panose="020B0503020204020204" pitchFamily="34" charset="-122"/>
+                <a:ea typeface="微软雅黑" panose="020B0503020204020204" pitchFamily="34" charset="-122"/>
+              </a:rPr>
+              <a:t>节课见</a:t>
+            </a:r>
+            <a:r>
+              <a:rPr lang="en-US" altLang="zh-CN" sz="1400" b="1" dirty="0">
+                <a:latin typeface="微软雅黑" panose="020B0503020204020204" pitchFamily="34" charset="-122"/>
+                <a:ea typeface="微软雅黑" panose="020B0503020204020204" pitchFamily="34" charset="-122"/>
+              </a:rPr>
+              <a:t>~</a:t>
+            </a:r>
+            <a:endParaRPr lang="zh-CN" sz="1400" b="1" dirty="0">
+              <a:latin typeface="微软雅黑" panose="020B0503020204020204" pitchFamily="34" charset="-122"/>
+              <a:ea typeface="微软雅黑" panose="020B0503020204020204" pitchFamily="34" charset="-122"/>
+            </a:endParaRPr>
+          </a:p>
+        </p:txBody>
+      </p:sp>
     </p:spTree>
     <p:extLst>
       <p:ext uri="{BB962C8B-B14F-4D97-AF65-F5344CB8AC3E}">
@@ -11822,7 +11889,7 @@
               <a:defRPr/>
             </a:pPr>
             <a:r>
-              <a:rPr kumimoji="0" lang="zh-CN" altLang="en-US" sz="3200" b="1" i="0" u="none" strike="noStrike" kern="1200" cap="none" spc="0" normalizeH="0" baseline="0" noProof="0" dirty="0">
+              <a:rPr kumimoji="0" lang="zh-CN" altLang="en-US" sz="3200" b="1" i="0" u="none" strike="noStrike" kern="1200" cap="none" spc="0" normalizeH="0" baseline="0" noProof="0">
                 <a:ln>
                   <a:noFill/>
                 </a:ln>
@@ -11836,8 +11903,22 @@
                 <a:ea typeface="微软雅黑" panose="020B0503020204020204" pitchFamily="34" charset="-122"/>
                 <a:cs typeface="+mj-cs"/>
               </a:rPr>
-              <a:t>实习作业五</a:t>
-            </a:r>
+              <a:t>实习作业六</a:t>
+            </a:r>
+            <a:endParaRPr kumimoji="0" lang="zh-CN" altLang="en-US" sz="3200" b="1" i="0" u="none" strike="noStrike" kern="1200" cap="none" spc="0" normalizeH="0" baseline="0" noProof="0" dirty="0">
+              <a:ln>
+                <a:noFill/>
+              </a:ln>
+              <a:solidFill>
+                <a:schemeClr val="bg1"/>
+              </a:solidFill>
+              <a:effectLst/>
+              <a:uLnTx/>
+              <a:uFillTx/>
+              <a:latin typeface="微软雅黑" panose="020B0503020204020204" pitchFamily="34" charset="-122"/>
+              <a:ea typeface="微软雅黑" panose="020B0503020204020204" pitchFamily="34" charset="-122"/>
+              <a:cs typeface="+mj-cs"/>
+            </a:endParaRPr>
           </a:p>
         </p:txBody>
       </p:sp>
@@ -18085,7 +18166,7 @@
                 <a:ea typeface="微软雅黑" panose="020B0503020204020204" pitchFamily="34" charset="-122"/>
                 <a:sym typeface="+mn-ea"/>
               </a:rPr>
-              <a:t>残差</a:t>
+              <a:t>观测量残差</a:t>
             </a:r>
             <a:r>
               <a:rPr lang="en-US" altLang="zh-CN" sz="2400" b="1" dirty="0">
@@ -18093,8 +18174,21 @@
                 <a:ea typeface="微软雅黑" panose="020B0503020204020204" pitchFamily="34" charset="-122"/>
                 <a:sym typeface="+mn-ea"/>
               </a:rPr>
-              <a:t>RMS (root mean square)</a:t>
-            </a:r>
+              <a:t>RMS</a:t>
+            </a:r>
+            <a:r>
+              <a:rPr lang="en-US" altLang="zh-CN" b="1" dirty="0">
+                <a:latin typeface="微软雅黑" panose="020B0503020204020204" pitchFamily="34" charset="-122"/>
+                <a:ea typeface="微软雅黑" panose="020B0503020204020204" pitchFamily="34" charset="-122"/>
+                <a:sym typeface="+mn-ea"/>
+              </a:rPr>
+              <a:t> (root mean square)</a:t>
+            </a:r>
+            <a:endParaRPr lang="en-US" altLang="zh-CN" sz="2400" b="1" dirty="0">
+              <a:latin typeface="微软雅黑" panose="020B0503020204020204" pitchFamily="34" charset="-122"/>
+              <a:ea typeface="微软雅黑" panose="020B0503020204020204" pitchFamily="34" charset="-122"/>
+              <a:sym typeface="+mn-ea"/>
+            </a:endParaRPr>
           </a:p>
           <a:p>
             <a:pPr marL="342900" indent="-342900">
@@ -19084,25 +19178,25 @@
           <p:nvPr>
             <p:extLst>
               <p:ext uri="{D42A27DB-BD31-4B8C-83A1-F6EECF244321}">
-                <p14:modId xmlns:p14="http://schemas.microsoft.com/office/powerpoint/2010/main" val="1285085864"/>
+                <p14:modId xmlns:p14="http://schemas.microsoft.com/office/powerpoint/2010/main" val="12760136"/>
               </p:ext>
             </p:extLst>
           </p:nvPr>
         </p:nvGraphicFramePr>
         <p:xfrm>
-          <a:off x="7106682" y="5506427"/>
-          <a:ext cx="1760606" cy="1021756"/>
+          <a:off x="7105650" y="5507038"/>
+          <a:ext cx="1763713" cy="1020762"/>
         </p:xfrm>
         <a:graphic>
           <a:graphicData uri="http://schemas.openxmlformats.org/presentationml/2006/ole">
             <mc:AlternateContent xmlns:mc="http://schemas.openxmlformats.org/markup-compatibility/2006">
               <mc:Choice xmlns:v="urn:schemas-microsoft-com:vml" Requires="v">
-                <p:oleObj name="AxMath" r:id="rId18" imgW="1018080" imgH="590040" progId="Equation.AxMath">
+                <p:oleObj name="AxMath" r:id="rId18" imgW="1018440" imgH="590040" progId="Equation.AxMath">
                   <p:embed/>
                 </p:oleObj>
               </mc:Choice>
               <mc:Fallback>
-                <p:oleObj name="AxMath" r:id="rId18" imgW="1018080" imgH="590040" progId="Equation.AxMath">
+                <p:oleObj name="AxMath" r:id="rId18" imgW="1018440" imgH="590040" progId="Equation.AxMath">
                   <p:embed/>
                   <p:pic>
                     <p:nvPicPr>
@@ -19124,8 +19218,8 @@
                     </p:blipFill>
                     <p:spPr>
                       <a:xfrm>
-                        <a:off x="7106682" y="5506427"/>
-                        <a:ext cx="1760606" cy="1021756"/>
+                        <a:off x="7105650" y="5507038"/>
+                        <a:ext cx="1763713" cy="1020762"/>
                       </a:xfrm>
                       <a:prstGeom prst="rect">
                         <a:avLst/>

--- a/12 初轨确定和精密定轨原理.pptx
+++ b/12 初轨确定和精密定轨原理.pptx
@@ -5,7 +5,7 @@
     <p:sldMasterId id="2147483648" r:id="rId1"/>
   </p:sldMasterIdLst>
   <p:notesMasterIdLst>
-    <p:notesMasterId r:id="rId20"/>
+    <p:notesMasterId r:id="rId22"/>
   </p:notesMasterIdLst>
   <p:sldIdLst>
     <p:sldId id="287" r:id="rId2"/>
@@ -16,16 +16,18 @@
     <p:sldId id="312" r:id="rId7"/>
     <p:sldId id="305" r:id="rId8"/>
     <p:sldId id="315" r:id="rId9"/>
-    <p:sldId id="313" r:id="rId10"/>
-    <p:sldId id="308" r:id="rId11"/>
-    <p:sldId id="317" r:id="rId12"/>
-    <p:sldId id="321" r:id="rId13"/>
-    <p:sldId id="324" r:id="rId14"/>
-    <p:sldId id="318" r:id="rId15"/>
-    <p:sldId id="309" r:id="rId16"/>
-    <p:sldId id="323" r:id="rId17"/>
-    <p:sldId id="301" r:id="rId18"/>
-    <p:sldId id="325" r:id="rId19"/>
+    <p:sldId id="326" r:id="rId10"/>
+    <p:sldId id="356" r:id="rId11"/>
+    <p:sldId id="313" r:id="rId12"/>
+    <p:sldId id="308" r:id="rId13"/>
+    <p:sldId id="317" r:id="rId14"/>
+    <p:sldId id="321" r:id="rId15"/>
+    <p:sldId id="324" r:id="rId16"/>
+    <p:sldId id="318" r:id="rId17"/>
+    <p:sldId id="309" r:id="rId18"/>
+    <p:sldId id="323" r:id="rId19"/>
+    <p:sldId id="301" r:id="rId20"/>
+    <p:sldId id="325" r:id="rId21"/>
   </p:sldIdLst>
   <p:sldSz cx="12192000" cy="6858000"/>
   <p:notesSz cx="6858000" cy="9144000"/>
@@ -235,7 +237,7 @@
           <a:p>
             <a:fld id="{26DDD1A4-63E9-4C41-BD0C-A6576214358F}" type="datetimeFigureOut">
               <a:rPr kumimoji="1" lang="zh-CN" altLang="en-US" smtClean="0"/>
-              <a:t>2024/3/11</a:t>
+              <a:t>2024/3/27</a:t>
             </a:fld>
             <a:endParaRPr kumimoji="1" lang="zh-CN" altLang="en-US"/>
           </a:p>
@@ -829,7 +831,7 @@
           <a:p>
             <a:fld id="{8664C608-40B1-4030-A28D-5B74BC98ADCE}" type="datetimeFigureOut">
               <a:rPr lang="en-US" smtClean="0"/>
-              <a:t>3/11/2024</a:t>
+              <a:t>3/27/2024</a:t>
             </a:fld>
             <a:endParaRPr lang="en-US" dirty="0"/>
           </a:p>
@@ -1951,6 +1953,3537 @@
         </p:nvSpPr>
         <p:spPr>
           <a:xfrm>
+            <a:off x="407988" y="1052513"/>
+            <a:ext cx="7284717" cy="5335115"/>
+          </a:xfrm>
+          <a:prstGeom prst="rect">
+            <a:avLst/>
+          </a:prstGeom>
+        </p:spPr>
+        <p:txBody>
+          <a:bodyPr wrap="square">
+            <a:spAutoFit/>
+          </a:bodyPr>
+          <a:lstStyle/>
+          <a:p>
+            <a:pPr marL="342900" indent="-342900" fontAlgn="auto">
+              <a:lnSpc>
+                <a:spcPct val="150000"/>
+              </a:lnSpc>
+              <a:spcAft>
+                <a:spcPts val="0"/>
+              </a:spcAft>
+              <a:buFont typeface="Arial" panose="020B0604020202020204" pitchFamily="34" charset="0"/>
+              <a:buChar char="•"/>
+            </a:pPr>
+            <a:r>
+              <a:rPr lang="zh-CN" altLang="en-US" sz="2800" b="1" dirty="0">
+                <a:solidFill>
+                  <a:schemeClr val="tx1"/>
+                </a:solidFill>
+                <a:latin typeface="Times New Roman" panose="02020603050405020304" pitchFamily="18" charset="0"/>
+                <a:ea typeface="微软雅黑" panose="020B0503020204020204" pitchFamily="34" charset="-122"/>
+                <a:cs typeface="Times New Roman" panose="02020603050405020304" pitchFamily="18" charset="0"/>
+                <a:sym typeface="+mn-ea"/>
+              </a:rPr>
+              <a:t>极短弧 </a:t>
+            </a:r>
+            <a:r>
+              <a:rPr lang="en-US" altLang="zh-CN" sz="2000" b="1" dirty="0">
+                <a:solidFill>
+                  <a:schemeClr val="tx1"/>
+                </a:solidFill>
+                <a:latin typeface="Times New Roman" panose="02020603050405020304" pitchFamily="18" charset="0"/>
+                <a:ea typeface="微软雅黑" panose="020B0503020204020204" pitchFamily="34" charset="-122"/>
+                <a:cs typeface="Times New Roman" panose="02020603050405020304" pitchFamily="18" charset="0"/>
+                <a:sym typeface="+mn-ea"/>
+              </a:rPr>
+              <a:t>(Too Short Arc, TSA) </a:t>
+            </a:r>
+            <a:endParaRPr lang="en-US" altLang="zh-CN" sz="2800" b="1" dirty="0">
+              <a:solidFill>
+                <a:schemeClr val="tx1"/>
+              </a:solidFill>
+              <a:latin typeface="Times New Roman" panose="02020603050405020304" pitchFamily="18" charset="0"/>
+              <a:ea typeface="微软雅黑" panose="020B0503020204020204" pitchFamily="34" charset="-122"/>
+              <a:cs typeface="Times New Roman" panose="02020603050405020304" pitchFamily="18" charset="0"/>
+              <a:sym typeface="+mn-ea"/>
+            </a:endParaRPr>
+          </a:p>
+          <a:p>
+            <a:pPr marL="800100" lvl="1" indent="-342900">
+              <a:lnSpc>
+                <a:spcPct val="150000"/>
+              </a:lnSpc>
+              <a:buFont typeface="Arial" panose="020B0604020202020204" pitchFamily="34" charset="0"/>
+              <a:buChar char="•"/>
+            </a:pPr>
+            <a:r>
+              <a:rPr lang="zh-CN" altLang="en-US" sz="2400" b="1" dirty="0">
+                <a:solidFill>
+                  <a:schemeClr val="tx1"/>
+                </a:solidFill>
+                <a:latin typeface="Times New Roman" panose="02020603050405020304" pitchFamily="18" charset="0"/>
+                <a:ea typeface="微软雅黑" panose="020B0503020204020204" pitchFamily="34" charset="-122"/>
+                <a:cs typeface="Times New Roman" panose="02020603050405020304" pitchFamily="18" charset="0"/>
+                <a:sym typeface="+mn-ea"/>
+              </a:rPr>
+              <a:t>可行域 </a:t>
+            </a:r>
+            <a:r>
+              <a:rPr lang="en-US" altLang="zh-CN" sz="2400" b="1" dirty="0">
+                <a:solidFill>
+                  <a:schemeClr val="tx1"/>
+                </a:solidFill>
+                <a:latin typeface="Times New Roman" panose="02020603050405020304" pitchFamily="18" charset="0"/>
+                <a:ea typeface="微软雅黑" panose="020B0503020204020204" pitchFamily="34" charset="-122"/>
+                <a:cs typeface="Times New Roman" panose="02020603050405020304" pitchFamily="18" charset="0"/>
+                <a:sym typeface="+mn-ea"/>
+              </a:rPr>
+              <a:t>(</a:t>
+            </a:r>
+            <a:r>
+              <a:rPr lang="en-GB" altLang="zh-CN" sz="2400" b="1" dirty="0">
+                <a:solidFill>
+                  <a:schemeClr val="tx1"/>
+                </a:solidFill>
+                <a:latin typeface="Times New Roman" panose="02020603050405020304" pitchFamily="18" charset="0"/>
+                <a:ea typeface="微软雅黑" panose="020B0503020204020204" pitchFamily="34" charset="-122"/>
+                <a:cs typeface="Times New Roman" panose="02020603050405020304" pitchFamily="18" charset="0"/>
+                <a:sym typeface="+mn-ea"/>
+              </a:rPr>
+              <a:t>Admissible Region)</a:t>
+            </a:r>
+            <a:endParaRPr lang="en-US" altLang="zh-CN" sz="2400" b="1" dirty="0">
+              <a:solidFill>
+                <a:schemeClr val="tx1"/>
+              </a:solidFill>
+              <a:latin typeface="Times New Roman" panose="02020603050405020304" pitchFamily="18" charset="0"/>
+              <a:ea typeface="微软雅黑" panose="020B0503020204020204" pitchFamily="34" charset="-122"/>
+              <a:cs typeface="Times New Roman" panose="02020603050405020304" pitchFamily="18" charset="0"/>
+              <a:sym typeface="+mn-ea"/>
+            </a:endParaRPr>
+          </a:p>
+          <a:p>
+            <a:pPr marL="1257300" lvl="2" indent="-342900">
+              <a:lnSpc>
+                <a:spcPct val="150000"/>
+              </a:lnSpc>
+              <a:spcBef>
+                <a:spcPts val="600"/>
+              </a:spcBef>
+              <a:buFont typeface="Arial" panose="020B0604020202020204" pitchFamily="34" charset="0"/>
+              <a:buChar char="•"/>
+            </a:pPr>
+            <a:r>
+              <a:rPr lang="zh-CN" altLang="en-US" sz="2000" b="1" dirty="0">
+                <a:solidFill>
+                  <a:schemeClr val="tx1"/>
+                </a:solidFill>
+                <a:latin typeface="Times New Roman" panose="02020603050405020304" pitchFamily="18" charset="0"/>
+                <a:ea typeface="微软雅黑" panose="020B0503020204020204" pitchFamily="34" charset="-122"/>
+                <a:cs typeface="Times New Roman" panose="02020603050405020304" pitchFamily="18" charset="0"/>
+                <a:sym typeface="+mn-ea"/>
+              </a:rPr>
+              <a:t>能量约束：</a:t>
+            </a:r>
+            <a:endParaRPr lang="en-US" altLang="zh-CN" sz="2000" b="1" dirty="0">
+              <a:solidFill>
+                <a:schemeClr val="tx1"/>
+              </a:solidFill>
+              <a:latin typeface="Times New Roman" panose="02020603050405020304" pitchFamily="18" charset="0"/>
+              <a:ea typeface="微软雅黑" panose="020B0503020204020204" pitchFamily="34" charset="-122"/>
+              <a:cs typeface="Times New Roman" panose="02020603050405020304" pitchFamily="18" charset="0"/>
+              <a:sym typeface="+mn-ea"/>
+            </a:endParaRPr>
+          </a:p>
+          <a:p>
+            <a:pPr marL="1257300" lvl="2" indent="-342900">
+              <a:lnSpc>
+                <a:spcPct val="150000"/>
+              </a:lnSpc>
+              <a:spcBef>
+                <a:spcPts val="600"/>
+              </a:spcBef>
+              <a:buFont typeface="Arial" panose="020B0604020202020204" pitchFamily="34" charset="0"/>
+              <a:buChar char="•"/>
+            </a:pPr>
+            <a:r>
+              <a:rPr lang="zh-CN" altLang="en-US" sz="2000" b="1" dirty="0">
+                <a:solidFill>
+                  <a:schemeClr val="tx1"/>
+                </a:solidFill>
+                <a:latin typeface="Times New Roman" panose="02020603050405020304" pitchFamily="18" charset="0"/>
+                <a:ea typeface="微软雅黑" panose="020B0503020204020204" pitchFamily="34" charset="-122"/>
+                <a:cs typeface="Times New Roman" panose="02020603050405020304" pitchFamily="18" charset="0"/>
+                <a:sym typeface="+mn-ea"/>
+              </a:rPr>
+              <a:t>近地点高于大气层：</a:t>
+            </a:r>
+          </a:p>
+          <a:p>
+            <a:pPr marL="1257300" lvl="2" indent="-342900">
+              <a:lnSpc>
+                <a:spcPct val="150000"/>
+              </a:lnSpc>
+              <a:spcBef>
+                <a:spcPts val="600"/>
+              </a:spcBef>
+              <a:buFont typeface="Arial" panose="020B0604020202020204" pitchFamily="34" charset="0"/>
+              <a:buChar char="•"/>
+            </a:pPr>
+            <a:r>
+              <a:rPr lang="zh-CN" altLang="en-US" sz="2000" b="1" dirty="0">
+                <a:solidFill>
+                  <a:schemeClr val="tx1"/>
+                </a:solidFill>
+                <a:latin typeface="Times New Roman" panose="02020603050405020304" pitchFamily="18" charset="0"/>
+                <a:ea typeface="微软雅黑" panose="020B0503020204020204" pitchFamily="34" charset="-122"/>
+                <a:cs typeface="Times New Roman" panose="02020603050405020304" pitchFamily="18" charset="0"/>
+                <a:sym typeface="+mn-ea"/>
+              </a:rPr>
+              <a:t>其他先验约束：</a:t>
+            </a:r>
+            <a:endParaRPr lang="en-US" altLang="zh-CN" sz="2000" b="1" dirty="0">
+              <a:solidFill>
+                <a:schemeClr val="tx1"/>
+              </a:solidFill>
+              <a:latin typeface="Times New Roman" panose="02020603050405020304" pitchFamily="18" charset="0"/>
+              <a:ea typeface="微软雅黑" panose="020B0503020204020204" pitchFamily="34" charset="-122"/>
+              <a:cs typeface="Times New Roman" panose="02020603050405020304" pitchFamily="18" charset="0"/>
+              <a:sym typeface="+mn-ea"/>
+            </a:endParaRPr>
+          </a:p>
+          <a:p>
+            <a:pPr marL="1257300" lvl="2" indent="-342900">
+              <a:lnSpc>
+                <a:spcPct val="150000"/>
+              </a:lnSpc>
+              <a:buFont typeface="Arial" panose="020B0604020202020204" pitchFamily="34" charset="0"/>
+              <a:buChar char="•"/>
+            </a:pPr>
+            <a:endParaRPr lang="zh-CN" altLang="en-US" sz="2000" b="1" dirty="0">
+              <a:solidFill>
+                <a:schemeClr val="tx1"/>
+              </a:solidFill>
+              <a:latin typeface="Times New Roman" panose="02020603050405020304" pitchFamily="18" charset="0"/>
+              <a:ea typeface="微软雅黑" panose="020B0503020204020204" pitchFamily="34" charset="-122"/>
+              <a:cs typeface="Times New Roman" panose="02020603050405020304" pitchFamily="18" charset="0"/>
+              <a:sym typeface="+mn-ea"/>
+            </a:endParaRPr>
+          </a:p>
+          <a:p>
+            <a:pPr marL="800100" lvl="1" indent="-342900">
+              <a:lnSpc>
+                <a:spcPct val="150000"/>
+              </a:lnSpc>
+              <a:buFont typeface="Arial" panose="020B0604020202020204" pitchFamily="34" charset="0"/>
+              <a:buChar char="•"/>
+            </a:pPr>
+            <a:r>
+              <a:rPr lang="zh-CN" altLang="en-US" sz="2400" b="1" dirty="0">
+                <a:solidFill>
+                  <a:schemeClr val="tx1"/>
+                </a:solidFill>
+                <a:latin typeface="Times New Roman" panose="02020603050405020304" pitchFamily="18" charset="0"/>
+                <a:ea typeface="微软雅黑" panose="020B0503020204020204" pitchFamily="34" charset="-122"/>
+                <a:cs typeface="Times New Roman" panose="02020603050405020304" pitchFamily="18" charset="0"/>
+                <a:sym typeface="+mn-ea"/>
+              </a:rPr>
+              <a:t>虚拟目标（</a:t>
+            </a:r>
+            <a:r>
+              <a:rPr lang="en-US" altLang="zh-CN" sz="2400" b="1" dirty="0">
+                <a:solidFill>
+                  <a:schemeClr val="tx1"/>
+                </a:solidFill>
+                <a:latin typeface="Times New Roman" panose="02020603050405020304" pitchFamily="18" charset="0"/>
+                <a:ea typeface="微软雅黑" panose="020B0503020204020204" pitchFamily="34" charset="-122"/>
+                <a:cs typeface="Times New Roman" panose="02020603050405020304" pitchFamily="18" charset="0"/>
+                <a:sym typeface="+mn-ea"/>
+              </a:rPr>
+              <a:t>Virtual Object</a:t>
+            </a:r>
+            <a:r>
+              <a:rPr lang="zh-CN" altLang="en-US" sz="2400" b="1" dirty="0">
+                <a:solidFill>
+                  <a:schemeClr val="tx1"/>
+                </a:solidFill>
+                <a:latin typeface="Times New Roman" panose="02020603050405020304" pitchFamily="18" charset="0"/>
+                <a:ea typeface="微软雅黑" panose="020B0503020204020204" pitchFamily="34" charset="-122"/>
+                <a:cs typeface="Times New Roman" panose="02020603050405020304" pitchFamily="18" charset="0"/>
+                <a:sym typeface="+mn-ea"/>
+              </a:rPr>
+              <a:t>）</a:t>
+            </a:r>
+          </a:p>
+          <a:p>
+            <a:pPr marL="1257300" lvl="2" indent="-342900">
+              <a:lnSpc>
+                <a:spcPct val="150000"/>
+              </a:lnSpc>
+              <a:buFont typeface="Arial" panose="020B0604020202020204" pitchFamily="34" charset="0"/>
+              <a:buChar char="•"/>
+            </a:pPr>
+            <a:r>
+              <a:rPr lang="zh-CN" altLang="en-US" sz="2000" b="1" dirty="0">
+                <a:solidFill>
+                  <a:schemeClr val="tx1"/>
+                </a:solidFill>
+                <a:latin typeface="Times New Roman" panose="02020603050405020304" pitchFamily="18" charset="0"/>
+                <a:ea typeface="微软雅黑" panose="020B0503020204020204" pitchFamily="34" charset="-122"/>
+                <a:cs typeface="Times New Roman" panose="02020603050405020304" pitchFamily="18" charset="0"/>
+                <a:sym typeface="+mn-ea"/>
+              </a:rPr>
+              <a:t>可行域中一个元素           ，与观测属性                    ，可确定一个虚拟目标的轨道</a:t>
+            </a:r>
+          </a:p>
+          <a:p>
+            <a:pPr marL="800100" lvl="1" indent="-342900">
+              <a:lnSpc>
+                <a:spcPct val="150000"/>
+              </a:lnSpc>
+              <a:buFont typeface="Arial" panose="020B0604020202020204" pitchFamily="34" charset="0"/>
+              <a:buChar char="•"/>
+            </a:pPr>
+            <a:endParaRPr lang="en-US" altLang="zh-CN" sz="2400" b="1" dirty="0">
+              <a:solidFill>
+                <a:schemeClr val="tx1"/>
+              </a:solidFill>
+              <a:latin typeface="Times New Roman" panose="02020603050405020304" pitchFamily="18" charset="0"/>
+              <a:ea typeface="微软雅黑" panose="020B0503020204020204" pitchFamily="34" charset="-122"/>
+              <a:cs typeface="Times New Roman" panose="02020603050405020304" pitchFamily="18" charset="0"/>
+              <a:sym typeface="+mn-ea"/>
+            </a:endParaRPr>
+          </a:p>
+        </p:txBody>
+      </p:sp>
+      <p:sp>
+        <p:nvSpPr>
+          <p:cNvPr id="5" name="灯片编号占位符 4"/>
+          <p:cNvSpPr>
+            <a:spLocks noGrp="1"/>
+          </p:cNvSpPr>
+          <p:nvPr>
+            <p:ph type="sldNum" sz="quarter" idx="4"/>
+          </p:nvPr>
+        </p:nvSpPr>
+        <p:spPr/>
+        <p:txBody>
+          <a:bodyPr/>
+          <a:lstStyle/>
+          <a:p>
+            <a:fld id="{5F1D8F20-F945-584B-B149-8CCFBEFE168A}" type="slidenum">
+              <a:rPr kumimoji="1" lang="zh-CN" altLang="en-US" smtClean="0"/>
+              <a:t>10</a:t>
+            </a:fld>
+            <a:endParaRPr kumimoji="1" lang="zh-CN" altLang="en-US"/>
+          </a:p>
+        </p:txBody>
+      </p:sp>
+      <p:sp>
+        <p:nvSpPr>
+          <p:cNvPr id="26" name="标题 1"/>
+          <p:cNvSpPr txBox="1"/>
+          <p:nvPr/>
+        </p:nvSpPr>
+        <p:spPr>
+          <a:xfrm>
+            <a:off x="0" y="0"/>
+            <a:ext cx="12187555" cy="711200"/>
+          </a:xfrm>
+          <a:prstGeom prst="rect">
+            <a:avLst/>
+          </a:prstGeom>
+          <a:noFill/>
+        </p:spPr>
+        <p:txBody>
+          <a:bodyPr vert="horz" lIns="91440" tIns="45720" rIns="91440" bIns="45720" rtlCol="0" anchor="ctr"/>
+          <a:lstStyle/>
+          <a:p>
+            <a:pPr marL="0" marR="0" lvl="0" indent="0" algn="ctr" defTabSz="914400" rtl="0" eaLnBrk="1" fontAlgn="base" latinLnBrk="0" hangingPunct="1">
+              <a:lnSpc>
+                <a:spcPct val="100000"/>
+              </a:lnSpc>
+              <a:spcBef>
+                <a:spcPct val="0"/>
+              </a:spcBef>
+              <a:spcAft>
+                <a:spcPct val="0"/>
+              </a:spcAft>
+              <a:buClrTx/>
+              <a:buSzTx/>
+              <a:buFontTx/>
+              <a:buNone/>
+              <a:defRPr/>
+            </a:pPr>
+            <a:r>
+              <a:rPr kumimoji="0" lang="zh-CN" altLang="en-US" sz="3200" b="1" i="0" u="none" strike="noStrike" kern="1200" cap="none" spc="0" normalizeH="0" baseline="0" noProof="0" dirty="0">
+                <a:ln>
+                  <a:noFill/>
+                </a:ln>
+                <a:solidFill>
+                  <a:schemeClr val="bg1"/>
+                </a:solidFill>
+                <a:effectLst/>
+                <a:uLnTx/>
+                <a:uFillTx/>
+                <a:latin typeface="微软雅黑" panose="020B0503020204020204" pitchFamily="34" charset="-122"/>
+                <a:ea typeface="微软雅黑" panose="020B0503020204020204" pitchFamily="34" charset="-122"/>
+                <a:cs typeface="+mj-cs"/>
+              </a:rPr>
+              <a:t>初轨确定</a:t>
+            </a:r>
+          </a:p>
+        </p:txBody>
+      </p:sp>
+      <p:pic>
+        <p:nvPicPr>
+          <p:cNvPr id="2" name="图形 1" descr="紧张的脸轮廓 纯色填充">
+            <a:extLst>
+              <a:ext uri="{FF2B5EF4-FFF2-40B4-BE49-F238E27FC236}">
+                <a16:creationId xmlns:a16="http://schemas.microsoft.com/office/drawing/2014/main" id="{F47472F9-C4D6-6EF2-941D-424BCFB0B3B8}"/>
+              </a:ext>
+            </a:extLst>
+          </p:cNvPr>
+          <p:cNvPicPr>
+            <a:picLocks noChangeAspect="1"/>
+          </p:cNvPicPr>
+          <p:nvPr/>
+        </p:nvPicPr>
+        <p:blipFill>
+          <a:blip r:embed="rId2">
+            <a:extLst>
+              <a:ext uri="{96DAC541-7B7A-43D3-8B79-37D633B846F1}">
+                <asvg:svgBlip xmlns:asvg="http://schemas.microsoft.com/office/drawing/2016/SVG/main" r:embed="rId3"/>
+              </a:ext>
+            </a:extLst>
+          </a:blip>
+          <a:stretch>
+            <a:fillRect/>
+          </a:stretch>
+        </p:blipFill>
+        <p:spPr>
+          <a:xfrm>
+            <a:off x="0" y="711200"/>
+            <a:ext cx="571360" cy="571360"/>
+          </a:xfrm>
+          <a:prstGeom prst="rect">
+            <a:avLst/>
+          </a:prstGeom>
+        </p:spPr>
+      </p:pic>
+      <p:graphicFrame>
+        <p:nvGraphicFramePr>
+          <p:cNvPr id="8" name="对象 7">
+            <a:extLst>
+              <a:ext uri="{FF2B5EF4-FFF2-40B4-BE49-F238E27FC236}">
+                <a16:creationId xmlns:a16="http://schemas.microsoft.com/office/drawing/2014/main" id="{BA58C78C-9F57-DD72-7715-D5203EEABE7C}"/>
+              </a:ext>
+            </a:extLst>
+          </p:cNvPr>
+          <p:cNvGraphicFramePr>
+            <a:graphicFrameLocks noChangeAspect="1"/>
+          </p:cNvGraphicFramePr>
+          <p:nvPr>
+            <p:extLst>
+              <p:ext uri="{D42A27DB-BD31-4B8C-83A1-F6EECF244321}">
+                <p14:modId xmlns:p14="http://schemas.microsoft.com/office/powerpoint/2010/main" val="3661643635"/>
+              </p:ext>
+            </p:extLst>
+          </p:nvPr>
+        </p:nvGraphicFramePr>
+        <p:xfrm>
+          <a:off x="3045868" y="2296087"/>
+          <a:ext cx="3321050" cy="708025"/>
+        </p:xfrm>
+        <a:graphic>
+          <a:graphicData uri="http://schemas.openxmlformats.org/presentationml/2006/ole">
+            <mc:AlternateContent xmlns:mc="http://schemas.openxmlformats.org/markup-compatibility/2006">
+              <mc:Choice xmlns:v="urn:schemas-microsoft-com:vml" Requires="v">
+                <p:oleObj name="AxMath" r:id="rId4" imgW="1660320" imgH="354240" progId="Equation.AxMath">
+                  <p:embed/>
+                </p:oleObj>
+              </mc:Choice>
+              <mc:Fallback>
+                <p:oleObj name="AxMath" r:id="rId4" imgW="1660320" imgH="354240" progId="Equation.AxMath">
+                  <p:embed/>
+                  <p:pic>
+                    <p:nvPicPr>
+                      <p:cNvPr id="6" name="对象 5">
+                        <a:extLst>
+                          <a:ext uri="{FF2B5EF4-FFF2-40B4-BE49-F238E27FC236}">
+                            <a16:creationId xmlns:a16="http://schemas.microsoft.com/office/drawing/2014/main" id="{BA58C78C-9F57-DD72-7715-D5203EEABE7C}"/>
+                          </a:ext>
+                        </a:extLst>
+                      </p:cNvPr>
+                      <p:cNvPicPr/>
+                      <p:nvPr/>
+                    </p:nvPicPr>
+                    <p:blipFill>
+                      <a:blip r:embed="rId5"/>
+                      <a:stretch>
+                        <a:fillRect/>
+                      </a:stretch>
+                    </p:blipFill>
+                    <p:spPr>
+                      <a:xfrm>
+                        <a:off x="3045868" y="2296087"/>
+                        <a:ext cx="3321050" cy="708025"/>
+                      </a:xfrm>
+                      <a:prstGeom prst="rect">
+                        <a:avLst/>
+                      </a:prstGeom>
+                    </p:spPr>
+                  </p:pic>
+                </p:oleObj>
+              </mc:Fallback>
+            </mc:AlternateContent>
+          </a:graphicData>
+        </a:graphic>
+      </p:graphicFrame>
+      <p:graphicFrame>
+        <p:nvGraphicFramePr>
+          <p:cNvPr id="9" name="对象 8">
+            <a:extLst>
+              <a:ext uri="{FF2B5EF4-FFF2-40B4-BE49-F238E27FC236}">
+                <a16:creationId xmlns:a16="http://schemas.microsoft.com/office/drawing/2014/main" id="{E618BD5B-55D9-2B41-DD2C-1106BAABF5A4}"/>
+              </a:ext>
+            </a:extLst>
+          </p:cNvPr>
+          <p:cNvGraphicFramePr>
+            <a:graphicFrameLocks noChangeAspect="1"/>
+          </p:cNvGraphicFramePr>
+          <p:nvPr>
+            <p:extLst>
+              <p:ext uri="{D42A27DB-BD31-4B8C-83A1-F6EECF244321}">
+                <p14:modId xmlns:p14="http://schemas.microsoft.com/office/powerpoint/2010/main" val="2037466399"/>
+              </p:ext>
+            </p:extLst>
+          </p:nvPr>
+        </p:nvGraphicFramePr>
+        <p:xfrm>
+          <a:off x="5248450" y="1871347"/>
+          <a:ext cx="1876425" cy="469900"/>
+        </p:xfrm>
+        <a:graphic>
+          <a:graphicData uri="http://schemas.openxmlformats.org/presentationml/2006/ole">
+            <mc:AlternateContent xmlns:mc="http://schemas.openxmlformats.org/markup-compatibility/2006">
+              <mc:Choice xmlns:v="urn:schemas-microsoft-com:vml" Requires="v">
+                <p:oleObj name="AxMath" r:id="rId6" imgW="937800" imgH="234720" progId="Equation.AxMath">
+                  <p:embed/>
+                </p:oleObj>
+              </mc:Choice>
+              <mc:Fallback>
+                <p:oleObj name="AxMath" r:id="rId6" imgW="937800" imgH="234720" progId="Equation.AxMath">
+                  <p:embed/>
+                  <p:pic>
+                    <p:nvPicPr>
+                      <p:cNvPr id="4" name="对象 3">
+                        <a:extLst>
+                          <a:ext uri="{FF2B5EF4-FFF2-40B4-BE49-F238E27FC236}">
+                            <a16:creationId xmlns:a16="http://schemas.microsoft.com/office/drawing/2014/main" id="{E618BD5B-55D9-2B41-DD2C-1106BAABF5A4}"/>
+                          </a:ext>
+                        </a:extLst>
+                      </p:cNvPr>
+                      <p:cNvPicPr/>
+                      <p:nvPr/>
+                    </p:nvPicPr>
+                    <p:blipFill>
+                      <a:blip r:embed="rId7"/>
+                      <a:stretch>
+                        <a:fillRect/>
+                      </a:stretch>
+                    </p:blipFill>
+                    <p:spPr>
+                      <a:xfrm>
+                        <a:off x="5248450" y="1871347"/>
+                        <a:ext cx="1876425" cy="469900"/>
+                      </a:xfrm>
+                      <a:prstGeom prst="rect">
+                        <a:avLst/>
+                      </a:prstGeom>
+                    </p:spPr>
+                  </p:pic>
+                </p:oleObj>
+              </mc:Fallback>
+            </mc:AlternateContent>
+          </a:graphicData>
+        </a:graphic>
+      </p:graphicFrame>
+      <p:pic>
+        <p:nvPicPr>
+          <p:cNvPr id="10" name="图片 9">
+            <a:extLst>
+              <a:ext uri="{FF2B5EF4-FFF2-40B4-BE49-F238E27FC236}">
+                <a16:creationId xmlns:a16="http://schemas.microsoft.com/office/drawing/2014/main" id="{E8E23EBB-43B4-B1A7-1659-AFCE65A4A761}"/>
+              </a:ext>
+            </a:extLst>
+          </p:cNvPr>
+          <p:cNvPicPr>
+            <a:picLocks noChangeAspect="1"/>
+          </p:cNvPicPr>
+          <p:nvPr/>
+        </p:nvPicPr>
+        <p:blipFill>
+          <a:blip r:embed="rId8"/>
+          <a:stretch>
+            <a:fillRect/>
+          </a:stretch>
+        </p:blipFill>
+        <p:spPr>
+          <a:xfrm>
+            <a:off x="8027377" y="2285464"/>
+            <a:ext cx="4094950" cy="4296921"/>
+          </a:xfrm>
+          <a:prstGeom prst="rect">
+            <a:avLst/>
+          </a:prstGeom>
+        </p:spPr>
+      </p:pic>
+      <p:graphicFrame>
+        <p:nvGraphicFramePr>
+          <p:cNvPr id="11" name="对象 10">
+            <a:extLst>
+              <a:ext uri="{FF2B5EF4-FFF2-40B4-BE49-F238E27FC236}">
+                <a16:creationId xmlns:a16="http://schemas.microsoft.com/office/drawing/2014/main" id="{DEB5F22C-C25E-E72A-93B0-D504D43C078B}"/>
+              </a:ext>
+            </a:extLst>
+          </p:cNvPr>
+          <p:cNvGraphicFramePr>
+            <a:graphicFrameLocks noChangeAspect="1"/>
+          </p:cNvGraphicFramePr>
+          <p:nvPr>
+            <p:extLst>
+              <p:ext uri="{D42A27DB-BD31-4B8C-83A1-F6EECF244321}">
+                <p14:modId xmlns:p14="http://schemas.microsoft.com/office/powerpoint/2010/main" val="4143255561"/>
+              </p:ext>
+            </p:extLst>
+          </p:nvPr>
+        </p:nvGraphicFramePr>
+        <p:xfrm>
+          <a:off x="4046712" y="3004112"/>
+          <a:ext cx="2403475" cy="393700"/>
+        </p:xfrm>
+        <a:graphic>
+          <a:graphicData uri="http://schemas.openxmlformats.org/presentationml/2006/ole">
+            <mc:AlternateContent xmlns:mc="http://schemas.openxmlformats.org/markup-compatibility/2006">
+              <mc:Choice xmlns:v="urn:schemas-microsoft-com:vml" Requires="v">
+                <p:oleObj name="AxMath" r:id="rId9" imgW="1200960" imgH="196560" progId="Equation.AxMath">
+                  <p:embed/>
+                </p:oleObj>
+              </mc:Choice>
+              <mc:Fallback>
+                <p:oleObj name="AxMath" r:id="rId9" imgW="1200960" imgH="196560" progId="Equation.AxMath">
+                  <p:embed/>
+                  <p:pic>
+                    <p:nvPicPr>
+                      <p:cNvPr id="0" name=""/>
+                      <p:cNvPicPr/>
+                      <p:nvPr/>
+                    </p:nvPicPr>
+                    <p:blipFill>
+                      <a:blip r:embed="rId10"/>
+                      <a:stretch>
+                        <a:fillRect/>
+                      </a:stretch>
+                    </p:blipFill>
+                    <p:spPr>
+                      <a:xfrm>
+                        <a:off x="4046712" y="3004112"/>
+                        <a:ext cx="2403475" cy="393700"/>
+                      </a:xfrm>
+                      <a:prstGeom prst="rect">
+                        <a:avLst/>
+                      </a:prstGeom>
+                    </p:spPr>
+                  </p:pic>
+                </p:oleObj>
+              </mc:Fallback>
+            </mc:AlternateContent>
+          </a:graphicData>
+        </a:graphic>
+      </p:graphicFrame>
+      <p:graphicFrame>
+        <p:nvGraphicFramePr>
+          <p:cNvPr id="12" name="对象 11">
+            <a:extLst>
+              <a:ext uri="{FF2B5EF4-FFF2-40B4-BE49-F238E27FC236}">
+                <a16:creationId xmlns:a16="http://schemas.microsoft.com/office/drawing/2014/main" id="{A801BDEB-335F-E6B3-6D0E-A2B200485C04}"/>
+              </a:ext>
+            </a:extLst>
+          </p:cNvPr>
+          <p:cNvGraphicFramePr>
+            <a:graphicFrameLocks noChangeAspect="1"/>
+          </p:cNvGraphicFramePr>
+          <p:nvPr>
+            <p:extLst>
+              <p:ext uri="{D42A27DB-BD31-4B8C-83A1-F6EECF244321}">
+                <p14:modId xmlns:p14="http://schemas.microsoft.com/office/powerpoint/2010/main" val="1063082923"/>
+              </p:ext>
+            </p:extLst>
+          </p:nvPr>
+        </p:nvGraphicFramePr>
+        <p:xfrm>
+          <a:off x="5096668" y="3487876"/>
+          <a:ext cx="498475" cy="381000"/>
+        </p:xfrm>
+        <a:graphic>
+          <a:graphicData uri="http://schemas.openxmlformats.org/presentationml/2006/ole">
+            <mc:AlternateContent xmlns:mc="http://schemas.openxmlformats.org/markup-compatibility/2006">
+              <mc:Choice xmlns:v="urn:schemas-microsoft-com:vml" Requires="v">
+                <p:oleObj name="AxMath" r:id="rId11" imgW="249120" imgH="190440" progId="Equation.AxMath">
+                  <p:embed/>
+                </p:oleObj>
+              </mc:Choice>
+              <mc:Fallback>
+                <p:oleObj name="AxMath" r:id="rId11" imgW="249120" imgH="190440" progId="Equation.AxMath">
+                  <p:embed/>
+                  <p:pic>
+                    <p:nvPicPr>
+                      <p:cNvPr id="0" name=""/>
+                      <p:cNvPicPr/>
+                      <p:nvPr/>
+                    </p:nvPicPr>
+                    <p:blipFill>
+                      <a:blip r:embed="rId12"/>
+                      <a:stretch>
+                        <a:fillRect/>
+                      </a:stretch>
+                    </p:blipFill>
+                    <p:spPr>
+                      <a:xfrm>
+                        <a:off x="5096668" y="3487876"/>
+                        <a:ext cx="498475" cy="381000"/>
+                      </a:xfrm>
+                      <a:prstGeom prst="rect">
+                        <a:avLst/>
+                      </a:prstGeom>
+                    </p:spPr>
+                  </p:pic>
+                </p:oleObj>
+              </mc:Fallback>
+            </mc:AlternateContent>
+          </a:graphicData>
+        </a:graphic>
+      </p:graphicFrame>
+      <p:graphicFrame>
+        <p:nvGraphicFramePr>
+          <p:cNvPr id="13" name="对象 12">
+            <a:extLst>
+              <a:ext uri="{FF2B5EF4-FFF2-40B4-BE49-F238E27FC236}">
+                <a16:creationId xmlns:a16="http://schemas.microsoft.com/office/drawing/2014/main" id="{241DDF0D-068A-B056-7D22-C4898F8F6C53}"/>
+              </a:ext>
+            </a:extLst>
+          </p:cNvPr>
+          <p:cNvGraphicFramePr>
+            <a:graphicFrameLocks noChangeAspect="1"/>
+          </p:cNvGraphicFramePr>
+          <p:nvPr>
+            <p:extLst>
+              <p:ext uri="{D42A27DB-BD31-4B8C-83A1-F6EECF244321}">
+                <p14:modId xmlns:p14="http://schemas.microsoft.com/office/powerpoint/2010/main" val="1889036891"/>
+              </p:ext>
+            </p:extLst>
+          </p:nvPr>
+        </p:nvGraphicFramePr>
+        <p:xfrm>
+          <a:off x="5106534" y="3882837"/>
+          <a:ext cx="466725" cy="381000"/>
+        </p:xfrm>
+        <a:graphic>
+          <a:graphicData uri="http://schemas.openxmlformats.org/presentationml/2006/ole">
+            <mc:AlternateContent xmlns:mc="http://schemas.openxmlformats.org/markup-compatibility/2006">
+              <mc:Choice xmlns:v="urn:schemas-microsoft-com:vml" Requires="v">
+                <p:oleObj name="AxMath" r:id="rId13" imgW="232920" imgH="190440" progId="Equation.AxMath">
+                  <p:embed/>
+                </p:oleObj>
+              </mc:Choice>
+              <mc:Fallback>
+                <p:oleObj name="AxMath" r:id="rId13" imgW="232920" imgH="190440" progId="Equation.AxMath">
+                  <p:embed/>
+                  <p:pic>
+                    <p:nvPicPr>
+                      <p:cNvPr id="12" name="对象 11">
+                        <a:extLst>
+                          <a:ext uri="{FF2B5EF4-FFF2-40B4-BE49-F238E27FC236}">
+                            <a16:creationId xmlns:a16="http://schemas.microsoft.com/office/drawing/2014/main" id="{A801BDEB-335F-E6B3-6D0E-A2B200485C04}"/>
+                          </a:ext>
+                        </a:extLst>
+                      </p:cNvPr>
+                      <p:cNvPicPr/>
+                      <p:nvPr/>
+                    </p:nvPicPr>
+                    <p:blipFill>
+                      <a:blip r:embed="rId14"/>
+                      <a:stretch>
+                        <a:fillRect/>
+                      </a:stretch>
+                    </p:blipFill>
+                    <p:spPr>
+                      <a:xfrm>
+                        <a:off x="5106534" y="3882837"/>
+                        <a:ext cx="466725" cy="381000"/>
+                      </a:xfrm>
+                      <a:prstGeom prst="rect">
+                        <a:avLst/>
+                      </a:prstGeom>
+                    </p:spPr>
+                  </p:pic>
+                </p:oleObj>
+              </mc:Fallback>
+            </mc:AlternateContent>
+          </a:graphicData>
+        </a:graphic>
+      </p:graphicFrame>
+      <p:sp>
+        <p:nvSpPr>
+          <p:cNvPr id="14" name="矩形 13">
+            <a:extLst>
+              <a:ext uri="{FF2B5EF4-FFF2-40B4-BE49-F238E27FC236}">
+                <a16:creationId xmlns:a16="http://schemas.microsoft.com/office/drawing/2014/main" id="{A2F8B5EB-5CFB-444B-1FD2-1EFA3185D917}"/>
+              </a:ext>
+            </a:extLst>
+          </p:cNvPr>
+          <p:cNvSpPr/>
+          <p:nvPr/>
+        </p:nvSpPr>
+        <p:spPr>
+          <a:xfrm>
+            <a:off x="3455161" y="3495277"/>
+            <a:ext cx="1641507" cy="400110"/>
+          </a:xfrm>
+          <a:prstGeom prst="rect">
+            <a:avLst/>
+          </a:prstGeom>
+        </p:spPr>
+        <p:txBody>
+          <a:bodyPr wrap="square">
+            <a:spAutoFit/>
+          </a:bodyPr>
+          <a:lstStyle/>
+          <a:p>
+            <a:pPr algn="ctr" fontAlgn="auto">
+              <a:spcAft>
+                <a:spcPts val="0"/>
+              </a:spcAft>
+            </a:pPr>
+            <a:r>
+              <a:rPr lang="zh-CN" altLang="en-US" sz="2000" b="1" dirty="0">
+                <a:latin typeface="微软雅黑" panose="020B0503020204020204" pitchFamily="34" charset="-122"/>
+                <a:ea typeface="微软雅黑" panose="020B0503020204020204" pitchFamily="34" charset="-122"/>
+              </a:rPr>
+              <a:t>探测星等</a:t>
+            </a:r>
+            <a:r>
+              <a:rPr lang="en-US" altLang="zh-CN" sz="2000" b="1" dirty="0">
+                <a:latin typeface="微软雅黑" panose="020B0503020204020204" pitchFamily="34" charset="-122"/>
+                <a:ea typeface="微软雅黑" panose="020B0503020204020204" pitchFamily="34" charset="-122"/>
+              </a:rPr>
+              <a:t>-&gt;</a:t>
+            </a:r>
+            <a:endParaRPr lang="zh-CN" altLang="en-US" sz="2000" b="1" dirty="0">
+              <a:latin typeface="微软雅黑" panose="020B0503020204020204" pitchFamily="34" charset="-122"/>
+              <a:ea typeface="微软雅黑" panose="020B0503020204020204" pitchFamily="34" charset="-122"/>
+            </a:endParaRPr>
+          </a:p>
+        </p:txBody>
+      </p:sp>
+      <p:sp>
+        <p:nvSpPr>
+          <p:cNvPr id="15" name="矩形 14">
+            <a:extLst>
+              <a:ext uri="{FF2B5EF4-FFF2-40B4-BE49-F238E27FC236}">
+                <a16:creationId xmlns:a16="http://schemas.microsoft.com/office/drawing/2014/main" id="{482D6F4D-EEEF-DDEA-3131-951E0CE1067C}"/>
+              </a:ext>
+            </a:extLst>
+          </p:cNvPr>
+          <p:cNvSpPr/>
+          <p:nvPr/>
+        </p:nvSpPr>
+        <p:spPr>
+          <a:xfrm>
+            <a:off x="3455160" y="3888977"/>
+            <a:ext cx="1641507" cy="400110"/>
+          </a:xfrm>
+          <a:prstGeom prst="rect">
+            <a:avLst/>
+          </a:prstGeom>
+        </p:spPr>
+        <p:txBody>
+          <a:bodyPr wrap="square">
+            <a:spAutoFit/>
+          </a:bodyPr>
+          <a:lstStyle/>
+          <a:p>
+            <a:pPr algn="ctr" fontAlgn="auto">
+              <a:spcAft>
+                <a:spcPts val="0"/>
+              </a:spcAft>
+            </a:pPr>
+            <a:r>
+              <a:rPr lang="zh-CN" altLang="en-US" sz="2000" b="1" dirty="0">
+                <a:latin typeface="微软雅黑" panose="020B0503020204020204" pitchFamily="34" charset="-122"/>
+                <a:ea typeface="微软雅黑" panose="020B0503020204020204" pitchFamily="34" charset="-122"/>
+              </a:rPr>
+              <a:t>地影外</a:t>
+            </a:r>
+            <a:r>
+              <a:rPr lang="en-US" altLang="zh-CN" sz="2000" b="1" dirty="0">
+                <a:latin typeface="微软雅黑" panose="020B0503020204020204" pitchFamily="34" charset="-122"/>
+                <a:ea typeface="微软雅黑" panose="020B0503020204020204" pitchFamily="34" charset="-122"/>
+              </a:rPr>
+              <a:t>-&gt;</a:t>
+            </a:r>
+            <a:endParaRPr lang="zh-CN" altLang="en-US" sz="2000" b="1" dirty="0">
+              <a:latin typeface="微软雅黑" panose="020B0503020204020204" pitchFamily="34" charset="-122"/>
+              <a:ea typeface="微软雅黑" panose="020B0503020204020204" pitchFamily="34" charset="-122"/>
+            </a:endParaRPr>
+          </a:p>
+        </p:txBody>
+      </p:sp>
+      <p:graphicFrame>
+        <p:nvGraphicFramePr>
+          <p:cNvPr id="16" name="对象 15">
+            <a:extLst>
+              <a:ext uri="{FF2B5EF4-FFF2-40B4-BE49-F238E27FC236}">
+                <a16:creationId xmlns:a16="http://schemas.microsoft.com/office/drawing/2014/main" id="{140A6510-AF09-16CD-8151-7DB9731795DD}"/>
+              </a:ext>
+            </a:extLst>
+          </p:cNvPr>
+          <p:cNvGraphicFramePr>
+            <a:graphicFrameLocks noChangeAspect="1"/>
+          </p:cNvGraphicFramePr>
+          <p:nvPr>
+            <p:extLst>
+              <p:ext uri="{D42A27DB-BD31-4B8C-83A1-F6EECF244321}">
+                <p14:modId xmlns:p14="http://schemas.microsoft.com/office/powerpoint/2010/main" val="1839207743"/>
+              </p:ext>
+            </p:extLst>
+          </p:nvPr>
+        </p:nvGraphicFramePr>
+        <p:xfrm>
+          <a:off x="3899015" y="4946939"/>
+          <a:ext cx="612775" cy="454025"/>
+        </p:xfrm>
+        <a:graphic>
+          <a:graphicData uri="http://schemas.openxmlformats.org/presentationml/2006/ole">
+            <mc:AlternateContent xmlns:mc="http://schemas.openxmlformats.org/markup-compatibility/2006">
+              <mc:Choice xmlns:v="urn:schemas-microsoft-com:vml" Requires="v">
+                <p:oleObj name="AxMath" r:id="rId15" imgW="306360" imgH="226800" progId="Equation.AxMath">
+                  <p:embed/>
+                </p:oleObj>
+              </mc:Choice>
+              <mc:Fallback>
+                <p:oleObj name="AxMath" r:id="rId15" imgW="306360" imgH="226800" progId="Equation.AxMath">
+                  <p:embed/>
+                  <p:pic>
+                    <p:nvPicPr>
+                      <p:cNvPr id="9" name="对象 8">
+                        <a:extLst>
+                          <a:ext uri="{FF2B5EF4-FFF2-40B4-BE49-F238E27FC236}">
+                            <a16:creationId xmlns:a16="http://schemas.microsoft.com/office/drawing/2014/main" id="{E618BD5B-55D9-2B41-DD2C-1106BAABF5A4}"/>
+                          </a:ext>
+                        </a:extLst>
+                      </p:cNvPr>
+                      <p:cNvPicPr/>
+                      <p:nvPr/>
+                    </p:nvPicPr>
+                    <p:blipFill>
+                      <a:blip r:embed="rId16"/>
+                      <a:stretch>
+                        <a:fillRect/>
+                      </a:stretch>
+                    </p:blipFill>
+                    <p:spPr>
+                      <a:xfrm>
+                        <a:off x="3899015" y="4946939"/>
+                        <a:ext cx="612775" cy="454025"/>
+                      </a:xfrm>
+                      <a:prstGeom prst="rect">
+                        <a:avLst/>
+                      </a:prstGeom>
+                    </p:spPr>
+                  </p:pic>
+                </p:oleObj>
+              </mc:Fallback>
+            </mc:AlternateContent>
+          </a:graphicData>
+        </a:graphic>
+      </p:graphicFrame>
+      <p:graphicFrame>
+        <p:nvGraphicFramePr>
+          <p:cNvPr id="17" name="对象 16">
+            <a:extLst>
+              <a:ext uri="{FF2B5EF4-FFF2-40B4-BE49-F238E27FC236}">
+                <a16:creationId xmlns:a16="http://schemas.microsoft.com/office/drawing/2014/main" id="{00AFAC76-A824-DEC1-A385-426A22507399}"/>
+              </a:ext>
+            </a:extLst>
+          </p:cNvPr>
+          <p:cNvGraphicFramePr>
+            <a:graphicFrameLocks noChangeAspect="1"/>
+          </p:cNvGraphicFramePr>
+          <p:nvPr>
+            <p:extLst>
+              <p:ext uri="{D42A27DB-BD31-4B8C-83A1-F6EECF244321}">
+                <p14:modId xmlns:p14="http://schemas.microsoft.com/office/powerpoint/2010/main" val="430935109"/>
+              </p:ext>
+            </p:extLst>
+          </p:nvPr>
+        </p:nvGraphicFramePr>
+        <p:xfrm>
+          <a:off x="6086257" y="4919716"/>
+          <a:ext cx="1152525" cy="530225"/>
+        </p:xfrm>
+        <a:graphic>
+          <a:graphicData uri="http://schemas.openxmlformats.org/presentationml/2006/ole">
+            <mc:AlternateContent xmlns:mc="http://schemas.openxmlformats.org/markup-compatibility/2006">
+              <mc:Choice xmlns:v="urn:schemas-microsoft-com:vml" Requires="v">
+                <p:oleObj name="AxMath" r:id="rId17" imgW="576000" imgH="264600" progId="Equation.AxMath">
+                  <p:embed/>
+                </p:oleObj>
+              </mc:Choice>
+              <mc:Fallback>
+                <p:oleObj name="AxMath" r:id="rId17" imgW="576000" imgH="264600" progId="Equation.AxMath">
+                  <p:embed/>
+                  <p:pic>
+                    <p:nvPicPr>
+                      <p:cNvPr id="7" name="对象 6">
+                        <a:extLst>
+                          <a:ext uri="{FF2B5EF4-FFF2-40B4-BE49-F238E27FC236}">
+                            <a16:creationId xmlns:a16="http://schemas.microsoft.com/office/drawing/2014/main" id="{5231F30E-7743-C0EF-A28A-69AACB5819D7}"/>
+                          </a:ext>
+                        </a:extLst>
+                      </p:cNvPr>
+                      <p:cNvPicPr/>
+                      <p:nvPr/>
+                    </p:nvPicPr>
+                    <p:blipFill>
+                      <a:blip r:embed="rId18"/>
+                      <a:stretch>
+                        <a:fillRect/>
+                      </a:stretch>
+                    </p:blipFill>
+                    <p:spPr>
+                      <a:xfrm>
+                        <a:off x="6086257" y="4919716"/>
+                        <a:ext cx="1152525" cy="530225"/>
+                      </a:xfrm>
+                      <a:prstGeom prst="rect">
+                        <a:avLst/>
+                      </a:prstGeom>
+                    </p:spPr>
+                  </p:pic>
+                </p:oleObj>
+              </mc:Fallback>
+            </mc:AlternateContent>
+          </a:graphicData>
+        </a:graphic>
+      </p:graphicFrame>
+      <mc:AlternateContent xmlns:mc="http://schemas.openxmlformats.org/markup-compatibility/2006">
+        <mc:Choice xmlns:a14="http://schemas.microsoft.com/office/drawing/2010/main" Requires="a14">
+          <p:sp>
+            <p:nvSpPr>
+              <p:cNvPr id="18" name="TextBox 3">
+                <a:extLst>
+                  <a:ext uri="{FF2B5EF4-FFF2-40B4-BE49-F238E27FC236}">
+                    <a16:creationId xmlns:a16="http://schemas.microsoft.com/office/drawing/2014/main" id="{5A1682F7-CF6C-5FE5-82A4-5BAFA87B4322}"/>
+                  </a:ext>
+                </a:extLst>
+              </p:cNvPr>
+              <p:cNvSpPr txBox="1"/>
+              <p:nvPr/>
+            </p:nvSpPr>
+            <p:spPr>
+              <a:xfrm>
+                <a:off x="2243335" y="5891656"/>
+                <a:ext cx="4718921" cy="513539"/>
+              </a:xfrm>
+              <a:prstGeom prst="rect">
+                <a:avLst/>
+              </a:prstGeom>
+              <a:noFill/>
+            </p:spPr>
+            <p:txBody>
+              <a:bodyPr wrap="none" rtlCol="0">
+                <a:spAutoFit/>
+              </a:bodyPr>
+              <a:lstStyle/>
+              <a:p>
+                <a:pPr/>
+                <a14:m>
+                  <m:oMathPara xmlns:m="http://schemas.openxmlformats.org/officeDocument/2006/math">
+                    <m:oMathParaPr>
+                      <m:jc m:val="centerGroup"/>
+                    </m:oMathParaPr>
+                    <m:oMath xmlns:m="http://schemas.openxmlformats.org/officeDocument/2006/math">
+                      <m:r>
+                        <a:rPr lang="en-US" sz="2400" b="1" i="1" smtClean="0">
+                          <a:solidFill>
+                            <a:schemeClr val="tx1"/>
+                          </a:solidFill>
+                          <a:latin typeface="Cambria Math" panose="02040503050406030204" pitchFamily="18" charset="0"/>
+                        </a:rPr>
+                        <m:t>𝑽</m:t>
+                      </m:r>
+                      <m:r>
+                        <a:rPr lang="en-US" sz="2400" b="0" i="1" smtClean="0">
+                          <a:solidFill>
+                            <a:schemeClr val="tx1"/>
+                          </a:solidFill>
+                          <a:latin typeface="Cambria Math" panose="02040503050406030204" pitchFamily="18" charset="0"/>
+                        </a:rPr>
+                        <m:t>={</m:t>
+                      </m:r>
+                      <m:d>
+                        <m:dPr>
+                          <m:ctrlPr>
+                            <a:rPr lang="en-US" sz="2400" b="0" i="1" smtClean="0">
+                              <a:solidFill>
+                                <a:schemeClr val="tx1"/>
+                              </a:solidFill>
+                              <a:latin typeface="Cambria Math" panose="02040503050406030204" pitchFamily="18" charset="0"/>
+                            </a:rPr>
+                          </m:ctrlPr>
+                        </m:dPr>
+                        <m:e>
+                          <m:r>
+                            <a:rPr lang="en-US" sz="2400" b="0" i="1" smtClean="0">
+                              <a:solidFill>
+                                <a:schemeClr val="tx1"/>
+                              </a:solidFill>
+                              <a:latin typeface="Cambria Math" panose="02040503050406030204" pitchFamily="18" charset="0"/>
+                            </a:rPr>
+                            <m:t>𝑡</m:t>
+                          </m:r>
+                          <m:r>
+                            <a:rPr lang="en-US" sz="2400" b="0" i="1" smtClean="0">
+                              <a:solidFill>
+                                <a:schemeClr val="tx1"/>
+                              </a:solidFill>
+                              <a:latin typeface="Cambria Math" panose="02040503050406030204" pitchFamily="18" charset="0"/>
+                            </a:rPr>
+                            <m:t>,</m:t>
+                          </m:r>
+                          <m:r>
+                            <a:rPr lang="en-US" sz="2400" b="0" i="1" smtClean="0">
+                              <a:solidFill>
+                                <a:schemeClr val="tx1"/>
+                              </a:solidFill>
+                              <a:latin typeface="Cambria Math" panose="02040503050406030204" pitchFamily="18" charset="0"/>
+                            </a:rPr>
+                            <m:t>𝛼</m:t>
+                          </m:r>
+                          <m:r>
+                            <a:rPr lang="en-US" sz="2400" b="0" i="1" smtClean="0">
+                              <a:solidFill>
+                                <a:schemeClr val="tx1"/>
+                              </a:solidFill>
+                              <a:latin typeface="Cambria Math" panose="02040503050406030204" pitchFamily="18" charset="0"/>
+                            </a:rPr>
+                            <m:t>,</m:t>
+                          </m:r>
+                          <m:r>
+                            <a:rPr lang="en-US" sz="2400" b="0" i="1" smtClean="0">
+                              <a:solidFill>
+                                <a:schemeClr val="tx1"/>
+                              </a:solidFill>
+                              <a:latin typeface="Cambria Math" panose="02040503050406030204" pitchFamily="18" charset="0"/>
+                            </a:rPr>
+                            <m:t>𝛿</m:t>
+                          </m:r>
+                          <m:r>
+                            <a:rPr lang="en-US" sz="2400" b="0" i="1" smtClean="0">
+                              <a:solidFill>
+                                <a:schemeClr val="tx1"/>
+                              </a:solidFill>
+                              <a:latin typeface="Cambria Math" panose="02040503050406030204" pitchFamily="18" charset="0"/>
+                            </a:rPr>
+                            <m:t>,</m:t>
+                          </m:r>
+                          <m:acc>
+                            <m:accPr>
+                              <m:chr m:val="̇"/>
+                              <m:ctrlPr>
+                                <a:rPr lang="en-US" sz="2400" b="0" i="1" smtClean="0">
+                                  <a:solidFill>
+                                    <a:schemeClr val="tx1"/>
+                                  </a:solidFill>
+                                  <a:latin typeface="Cambria Math" panose="02040503050406030204" pitchFamily="18" charset="0"/>
+                                </a:rPr>
+                              </m:ctrlPr>
+                            </m:accPr>
+                            <m:e>
+                              <m:r>
+                                <a:rPr lang="en-US" sz="2400" b="0" i="1" smtClean="0">
+                                  <a:solidFill>
+                                    <a:schemeClr val="tx1"/>
+                                  </a:solidFill>
+                                  <a:latin typeface="Cambria Math" panose="02040503050406030204" pitchFamily="18" charset="0"/>
+                                </a:rPr>
+                                <m:t>𝛼</m:t>
+                              </m:r>
+                            </m:e>
+                          </m:acc>
+                          <m:r>
+                            <a:rPr lang="en-US" sz="2400" b="0" i="1" smtClean="0">
+                              <a:solidFill>
+                                <a:schemeClr val="tx1"/>
+                              </a:solidFill>
+                              <a:latin typeface="Cambria Math" panose="02040503050406030204" pitchFamily="18" charset="0"/>
+                            </a:rPr>
+                            <m:t>,</m:t>
+                          </m:r>
+                          <m:acc>
+                            <m:accPr>
+                              <m:chr m:val="̇"/>
+                              <m:ctrlPr>
+                                <a:rPr lang="en-US" sz="2400" b="0" i="1" smtClean="0">
+                                  <a:solidFill>
+                                    <a:schemeClr val="tx1"/>
+                                  </a:solidFill>
+                                  <a:latin typeface="Cambria Math" panose="02040503050406030204" pitchFamily="18" charset="0"/>
+                                </a:rPr>
+                              </m:ctrlPr>
+                            </m:accPr>
+                            <m:e>
+                              <m:r>
+                                <a:rPr lang="en-US" sz="2400" b="0" i="1" smtClean="0">
+                                  <a:solidFill>
+                                    <a:schemeClr val="tx1"/>
+                                  </a:solidFill>
+                                  <a:latin typeface="Cambria Math" panose="02040503050406030204" pitchFamily="18" charset="0"/>
+                                </a:rPr>
+                                <m:t>𝛿</m:t>
+                              </m:r>
+                            </m:e>
+                          </m:acc>
+                          <m:r>
+                            <a:rPr lang="en-US" sz="2400" b="0" i="1" smtClean="0">
+                              <a:solidFill>
+                                <a:schemeClr val="tx1"/>
+                              </a:solidFill>
+                              <a:latin typeface="Cambria Math" panose="02040503050406030204" pitchFamily="18" charset="0"/>
+                            </a:rPr>
+                            <m:t>,</m:t>
+                          </m:r>
+                          <m:r>
+                            <a:rPr lang="en-US" sz="2400" b="0" i="1" smtClean="0">
+                              <a:solidFill>
+                                <a:schemeClr val="tx1"/>
+                              </a:solidFill>
+                              <a:latin typeface="Cambria Math" panose="02040503050406030204" pitchFamily="18" charset="0"/>
+                            </a:rPr>
+                            <m:t>𝜌</m:t>
+                          </m:r>
+                          <m:r>
+                            <a:rPr lang="en-US" sz="2400" b="0" i="1" smtClean="0">
+                              <a:solidFill>
+                                <a:schemeClr val="tx1"/>
+                              </a:solidFill>
+                              <a:latin typeface="Cambria Math" panose="02040503050406030204" pitchFamily="18" charset="0"/>
+                            </a:rPr>
+                            <m:t>,</m:t>
+                          </m:r>
+                          <m:acc>
+                            <m:accPr>
+                              <m:chr m:val="̇"/>
+                              <m:ctrlPr>
+                                <a:rPr lang="en-US" sz="2400" b="0" i="1" smtClean="0">
+                                  <a:solidFill>
+                                    <a:schemeClr val="tx1"/>
+                                  </a:solidFill>
+                                  <a:latin typeface="Cambria Math" panose="02040503050406030204" pitchFamily="18" charset="0"/>
+                                </a:rPr>
+                              </m:ctrlPr>
+                            </m:accPr>
+                            <m:e>
+                              <m:r>
+                                <a:rPr lang="en-US" sz="2400" b="0" i="1" smtClean="0">
+                                  <a:solidFill>
+                                    <a:schemeClr val="tx1"/>
+                                  </a:solidFill>
+                                  <a:latin typeface="Cambria Math" panose="02040503050406030204" pitchFamily="18" charset="0"/>
+                                </a:rPr>
+                                <m:t>𝜌</m:t>
+                              </m:r>
+                            </m:e>
+                          </m:acc>
+                        </m:e>
+                      </m:d>
+                      <m:r>
+                        <a:rPr lang="en-US" sz="2400" b="0" i="1" smtClean="0">
+                          <a:solidFill>
+                            <a:schemeClr val="tx1"/>
+                          </a:solidFill>
+                          <a:latin typeface="Cambria Math" panose="02040503050406030204" pitchFamily="18" charset="0"/>
+                        </a:rPr>
+                        <m:t>:</m:t>
+                      </m:r>
+                      <m:d>
+                        <m:dPr>
+                          <m:ctrlPr>
+                            <a:rPr lang="en-US" sz="2400" b="0" i="1" smtClean="0">
+                              <a:solidFill>
+                                <a:schemeClr val="tx1"/>
+                              </a:solidFill>
+                              <a:latin typeface="Cambria Math" panose="02040503050406030204" pitchFamily="18" charset="0"/>
+                            </a:rPr>
+                          </m:ctrlPr>
+                        </m:dPr>
+                        <m:e>
+                          <m:r>
+                            <a:rPr lang="en-US" sz="2400" b="0" i="1" smtClean="0">
+                              <a:solidFill>
+                                <a:schemeClr val="tx1"/>
+                              </a:solidFill>
+                              <a:latin typeface="Cambria Math" panose="02040503050406030204" pitchFamily="18" charset="0"/>
+                            </a:rPr>
+                            <m:t>𝜌</m:t>
+                          </m:r>
+                          <m:r>
+                            <a:rPr lang="en-US" sz="2400" b="0" i="1" smtClean="0">
+                              <a:solidFill>
+                                <a:schemeClr val="tx1"/>
+                              </a:solidFill>
+                              <a:latin typeface="Cambria Math" panose="02040503050406030204" pitchFamily="18" charset="0"/>
+                            </a:rPr>
+                            <m:t>,</m:t>
+                          </m:r>
+                          <m:acc>
+                            <m:accPr>
+                              <m:chr m:val="̇"/>
+                              <m:ctrlPr>
+                                <a:rPr lang="en-US" sz="2400" b="0" i="1" smtClean="0">
+                                  <a:solidFill>
+                                    <a:schemeClr val="tx1"/>
+                                  </a:solidFill>
+                                  <a:latin typeface="Cambria Math" panose="02040503050406030204" pitchFamily="18" charset="0"/>
+                                </a:rPr>
+                              </m:ctrlPr>
+                            </m:accPr>
+                            <m:e>
+                              <m:r>
+                                <a:rPr lang="en-US" sz="2400" b="0" i="1" smtClean="0">
+                                  <a:solidFill>
+                                    <a:schemeClr val="tx1"/>
+                                  </a:solidFill>
+                                  <a:latin typeface="Cambria Math" panose="02040503050406030204" pitchFamily="18" charset="0"/>
+                                </a:rPr>
+                                <m:t>𝜌</m:t>
+                              </m:r>
+                            </m:e>
+                          </m:acc>
+                        </m:e>
+                      </m:d>
+                      <m:r>
+                        <a:rPr lang="en-US" sz="2400" b="0" i="1" smtClean="0">
+                          <a:solidFill>
+                            <a:schemeClr val="tx1"/>
+                          </a:solidFill>
+                          <a:latin typeface="Cambria Math" panose="02040503050406030204" pitchFamily="18" charset="0"/>
+                        </a:rPr>
+                        <m:t>∈</m:t>
+                      </m:r>
+                      <m:r>
+                        <a:rPr lang="en-US" sz="2400" b="1" i="1" smtClean="0">
+                          <a:solidFill>
+                            <a:schemeClr val="tx1"/>
+                          </a:solidFill>
+                          <a:latin typeface="Cambria Math" panose="02040503050406030204" pitchFamily="18" charset="0"/>
+                        </a:rPr>
+                        <m:t>𝑭</m:t>
+                      </m:r>
+                      <m:r>
+                        <a:rPr lang="en-US" sz="2400" b="0" i="1" smtClean="0">
+                          <a:solidFill>
+                            <a:schemeClr val="tx1"/>
+                          </a:solidFill>
+                          <a:latin typeface="Cambria Math" panose="02040503050406030204" pitchFamily="18" charset="0"/>
+                        </a:rPr>
+                        <m:t>}</m:t>
+                      </m:r>
+                    </m:oMath>
+                  </m:oMathPara>
+                </a14:m>
+                <a:endParaRPr lang="en-CN" sz="2400" dirty="0">
+                  <a:solidFill>
+                    <a:schemeClr val="tx1"/>
+                  </a:solidFill>
+                </a:endParaRPr>
+              </a:p>
+            </p:txBody>
+          </p:sp>
+        </mc:Choice>
+        <mc:Fallback>
+          <p:sp>
+            <p:nvSpPr>
+              <p:cNvPr id="18" name="TextBox 3">
+                <a:extLst>
+                  <a:ext uri="{FF2B5EF4-FFF2-40B4-BE49-F238E27FC236}">
+                    <a16:creationId xmlns:a16="http://schemas.microsoft.com/office/drawing/2014/main" id="{5A1682F7-CF6C-5FE5-82A4-5BAFA87B4322}"/>
+                  </a:ext>
+                </a:extLst>
+              </p:cNvPr>
+              <p:cNvSpPr txBox="1">
+                <a:spLocks noRot="1" noChangeAspect="1" noMove="1" noResize="1" noEditPoints="1" noAdjustHandles="1" noChangeArrowheads="1" noChangeShapeType="1" noTextEdit="1"/>
+              </p:cNvSpPr>
+              <p:nvPr/>
+            </p:nvSpPr>
+            <p:spPr>
+              <a:xfrm>
+                <a:off x="2243335" y="5891656"/>
+                <a:ext cx="4718921" cy="513539"/>
+              </a:xfrm>
+              <a:prstGeom prst="rect">
+                <a:avLst/>
+              </a:prstGeom>
+              <a:blipFill>
+                <a:blip r:embed="rId19"/>
+                <a:stretch>
+                  <a:fillRect/>
+                </a:stretch>
+              </a:blipFill>
+            </p:spPr>
+            <p:txBody>
+              <a:bodyPr/>
+              <a:lstStyle/>
+              <a:p>
+                <a:r>
+                  <a:rPr lang="zh-CN" altLang="en-US">
+                    <a:noFill/>
+                  </a:rPr>
+                  <a:t> </a:t>
+                </a:r>
+              </a:p>
+            </p:txBody>
+          </p:sp>
+        </mc:Fallback>
+      </mc:AlternateContent>
+      <p:sp>
+        <p:nvSpPr>
+          <p:cNvPr id="19" name="矩形 18">
+            <a:extLst>
+              <a:ext uri="{FF2B5EF4-FFF2-40B4-BE49-F238E27FC236}">
+                <a16:creationId xmlns:a16="http://schemas.microsoft.com/office/drawing/2014/main" id="{E649742F-1792-ACDA-FEB6-2C5364241BDA}"/>
+              </a:ext>
+            </a:extLst>
+          </p:cNvPr>
+          <p:cNvSpPr/>
+          <p:nvPr/>
+        </p:nvSpPr>
+        <p:spPr>
+          <a:xfrm>
+            <a:off x="6212814" y="2409245"/>
+            <a:ext cx="2051936" cy="400110"/>
+          </a:xfrm>
+          <a:prstGeom prst="rect">
+            <a:avLst/>
+          </a:prstGeom>
+        </p:spPr>
+        <p:txBody>
+          <a:bodyPr wrap="square">
+            <a:spAutoFit/>
+          </a:bodyPr>
+          <a:lstStyle/>
+          <a:p>
+            <a:pPr algn="ctr" fontAlgn="auto">
+              <a:spcAft>
+                <a:spcPts val="0"/>
+              </a:spcAft>
+            </a:pPr>
+            <a:r>
+              <a:rPr lang="zh-CN" altLang="en-US" sz="2000" b="1" dirty="0">
+                <a:latin typeface="微软雅黑" panose="020B0503020204020204" pitchFamily="34" charset="-122"/>
+                <a:ea typeface="微软雅黑" panose="020B0503020204020204" pitchFamily="34" charset="-122"/>
+              </a:rPr>
+              <a:t>（绕地球轨道）</a:t>
+            </a:r>
+          </a:p>
+        </p:txBody>
+      </p:sp>
+    </p:spTree>
+    <p:extLst>
+      <p:ext uri="{BB962C8B-B14F-4D97-AF65-F5344CB8AC3E}">
+        <p14:creationId xmlns:p14="http://schemas.microsoft.com/office/powerpoint/2010/main" val="2964676457"/>
+      </p:ext>
+    </p:extLst>
+  </p:cSld>
+  <p:clrMapOvr>
+    <a:masterClrMapping/>
+  </p:clrMapOvr>
+  <mc:AlternateContent xmlns:mc="http://schemas.openxmlformats.org/markup-compatibility/2006" xmlns:p159="http://schemas.microsoft.com/office/powerpoint/2015/09/main">
+    <mc:Choice Requires="p159">
+      <p:transition spd="slow">
+        <p159:morph option="byObject"/>
+      </p:transition>
+    </mc:Choice>
+    <mc:Fallback xmlns="">
+      <p:transition spd="slow">
+        <p:fade/>
+      </p:transition>
+    </mc:Fallback>
+  </mc:AlternateContent>
+  <p:timing>
+    <p:tnLst>
+      <p:par>
+        <p:cTn id="1" dur="indefinite" restart="never" nodeType="tmRoot">
+          <p:childTnLst>
+            <p:seq concurrent="1" nextAc="seek">
+              <p:cTn id="2" dur="indefinite" nodeType="mainSeq">
+                <p:childTnLst>
+                  <p:par>
+                    <p:cTn id="3" fill="hold">
+                      <p:stCondLst>
+                        <p:cond delay="indefinite"/>
+                      </p:stCondLst>
+                      <p:childTnLst>
+                        <p:par>
+                          <p:cTn id="4" fill="hold">
+                            <p:stCondLst>
+                              <p:cond delay="0"/>
+                            </p:stCondLst>
+                            <p:childTnLst>
+                              <p:par>
+                                <p:cTn id="5" presetID="10" presetClass="entr" presetSubtype="0" fill="hold" nodeType="clickEffect">
+                                  <p:stCondLst>
+                                    <p:cond delay="0"/>
+                                  </p:stCondLst>
+                                  <p:childTnLst>
+                                    <p:set>
+                                      <p:cBhvr>
+                                        <p:cTn id="6" dur="1" fill="hold">
+                                          <p:stCondLst>
+                                            <p:cond delay="0"/>
+                                          </p:stCondLst>
+                                        </p:cTn>
+                                        <p:tgtEl>
+                                          <p:spTgt spid="3">
+                                            <p:txEl>
+                                              <p:pRg st="6" end="6"/>
+                                            </p:txEl>
+                                          </p:spTgt>
+                                        </p:tgtEl>
+                                        <p:attrNameLst>
+                                          <p:attrName>style.visibility</p:attrName>
+                                        </p:attrNameLst>
+                                      </p:cBhvr>
+                                      <p:to>
+                                        <p:strVal val="visible"/>
+                                      </p:to>
+                                    </p:set>
+                                    <p:animEffect transition="in" filter="fade">
+                                      <p:cBhvr>
+                                        <p:cTn id="7" dur="500"/>
+                                        <p:tgtEl>
+                                          <p:spTgt spid="3">
+                                            <p:txEl>
+                                              <p:pRg st="6" end="6"/>
+                                            </p:txEl>
+                                          </p:spTgt>
+                                        </p:tgtEl>
+                                      </p:cBhvr>
+                                    </p:animEffect>
+                                  </p:childTnLst>
+                                </p:cTn>
+                              </p:par>
+                              <p:par>
+                                <p:cTn id="8" presetID="10" presetClass="entr" presetSubtype="0" fill="hold" nodeType="withEffect">
+                                  <p:stCondLst>
+                                    <p:cond delay="0"/>
+                                  </p:stCondLst>
+                                  <p:childTnLst>
+                                    <p:set>
+                                      <p:cBhvr>
+                                        <p:cTn id="9" dur="1" fill="hold">
+                                          <p:stCondLst>
+                                            <p:cond delay="0"/>
+                                          </p:stCondLst>
+                                        </p:cTn>
+                                        <p:tgtEl>
+                                          <p:spTgt spid="3">
+                                            <p:txEl>
+                                              <p:pRg st="7" end="7"/>
+                                            </p:txEl>
+                                          </p:spTgt>
+                                        </p:tgtEl>
+                                        <p:attrNameLst>
+                                          <p:attrName>style.visibility</p:attrName>
+                                        </p:attrNameLst>
+                                      </p:cBhvr>
+                                      <p:to>
+                                        <p:strVal val="visible"/>
+                                      </p:to>
+                                    </p:set>
+                                    <p:animEffect transition="in" filter="fade">
+                                      <p:cBhvr>
+                                        <p:cTn id="10" dur="500"/>
+                                        <p:tgtEl>
+                                          <p:spTgt spid="3">
+                                            <p:txEl>
+                                              <p:pRg st="7" end="7"/>
+                                            </p:txEl>
+                                          </p:spTgt>
+                                        </p:tgtEl>
+                                      </p:cBhvr>
+                                    </p:animEffect>
+                                  </p:childTnLst>
+                                </p:cTn>
+                              </p:par>
+                              <p:par>
+                                <p:cTn id="11" presetID="10" presetClass="entr" presetSubtype="0" fill="hold" nodeType="withEffect">
+                                  <p:stCondLst>
+                                    <p:cond delay="0"/>
+                                  </p:stCondLst>
+                                  <p:childTnLst>
+                                    <p:set>
+                                      <p:cBhvr>
+                                        <p:cTn id="12" dur="1" fill="hold">
+                                          <p:stCondLst>
+                                            <p:cond delay="0"/>
+                                          </p:stCondLst>
+                                        </p:cTn>
+                                        <p:tgtEl>
+                                          <p:spTgt spid="16"/>
+                                        </p:tgtEl>
+                                        <p:attrNameLst>
+                                          <p:attrName>style.visibility</p:attrName>
+                                        </p:attrNameLst>
+                                      </p:cBhvr>
+                                      <p:to>
+                                        <p:strVal val="visible"/>
+                                      </p:to>
+                                    </p:set>
+                                    <p:animEffect transition="in" filter="fade">
+                                      <p:cBhvr>
+                                        <p:cTn id="13" dur="500"/>
+                                        <p:tgtEl>
+                                          <p:spTgt spid="16"/>
+                                        </p:tgtEl>
+                                      </p:cBhvr>
+                                    </p:animEffect>
+                                  </p:childTnLst>
+                                </p:cTn>
+                              </p:par>
+                              <p:par>
+                                <p:cTn id="14" presetID="10" presetClass="entr" presetSubtype="0" fill="hold" nodeType="withEffect">
+                                  <p:stCondLst>
+                                    <p:cond delay="0"/>
+                                  </p:stCondLst>
+                                  <p:childTnLst>
+                                    <p:set>
+                                      <p:cBhvr>
+                                        <p:cTn id="15" dur="1" fill="hold">
+                                          <p:stCondLst>
+                                            <p:cond delay="0"/>
+                                          </p:stCondLst>
+                                        </p:cTn>
+                                        <p:tgtEl>
+                                          <p:spTgt spid="17"/>
+                                        </p:tgtEl>
+                                        <p:attrNameLst>
+                                          <p:attrName>style.visibility</p:attrName>
+                                        </p:attrNameLst>
+                                      </p:cBhvr>
+                                      <p:to>
+                                        <p:strVal val="visible"/>
+                                      </p:to>
+                                    </p:set>
+                                    <p:animEffect transition="in" filter="fade">
+                                      <p:cBhvr>
+                                        <p:cTn id="16" dur="500"/>
+                                        <p:tgtEl>
+                                          <p:spTgt spid="17"/>
+                                        </p:tgtEl>
+                                      </p:cBhvr>
+                                    </p:animEffect>
+                                  </p:childTnLst>
+                                </p:cTn>
+                              </p:par>
+                              <p:par>
+                                <p:cTn id="17" presetID="10" presetClass="entr" presetSubtype="0" fill="hold" grpId="0" nodeType="withEffect">
+                                  <p:stCondLst>
+                                    <p:cond delay="0"/>
+                                  </p:stCondLst>
+                                  <p:childTnLst>
+                                    <p:set>
+                                      <p:cBhvr>
+                                        <p:cTn id="18" dur="1" fill="hold">
+                                          <p:stCondLst>
+                                            <p:cond delay="0"/>
+                                          </p:stCondLst>
+                                        </p:cTn>
+                                        <p:tgtEl>
+                                          <p:spTgt spid="18"/>
+                                        </p:tgtEl>
+                                        <p:attrNameLst>
+                                          <p:attrName>style.visibility</p:attrName>
+                                        </p:attrNameLst>
+                                      </p:cBhvr>
+                                      <p:to>
+                                        <p:strVal val="visible"/>
+                                      </p:to>
+                                    </p:set>
+                                    <p:animEffect transition="in" filter="fade">
+                                      <p:cBhvr>
+                                        <p:cTn id="19" dur="500"/>
+                                        <p:tgtEl>
+                                          <p:spTgt spid="18"/>
+                                        </p:tgtEl>
+                                      </p:cBhvr>
+                                    </p:animEffect>
+                                  </p:childTnLst>
+                                </p:cTn>
+                              </p:par>
+                            </p:childTnLst>
+                          </p:cTn>
+                        </p:par>
+                      </p:childTnLst>
+                    </p:cTn>
+                  </p:par>
+                </p:childTnLst>
+              </p:cTn>
+              <p:prevCondLst>
+                <p:cond evt="onPrev" delay="0">
+                  <p:tgtEl>
+                    <p:sldTgt/>
+                  </p:tgtEl>
+                </p:cond>
+              </p:prevCondLst>
+              <p:nextCondLst>
+                <p:cond evt="onNext" delay="0">
+                  <p:tgtEl>
+                    <p:sldTgt/>
+                  </p:tgtEl>
+                </p:cond>
+              </p:nextCondLst>
+            </p:seq>
+          </p:childTnLst>
+        </p:cTn>
+      </p:par>
+    </p:tnLst>
+    <p:bldLst>
+      <p:bldP spid="18" grpId="0"/>
+    </p:bldLst>
+  </p:timing>
+</p:sld>
+</file>
+
+<file path=ppt/slides/slide11.xml><?xml version="1.0" encoding="utf-8"?>
+<p:sld xmlns:a="http://schemas.openxmlformats.org/drawingml/2006/main" xmlns:r="http://schemas.openxmlformats.org/officeDocument/2006/relationships" xmlns:p="http://schemas.openxmlformats.org/presentationml/2006/main">
+  <p:cSld>
+    <p:spTree>
+      <p:nvGrpSpPr>
+        <p:cNvPr id="1" name=""/>
+        <p:cNvGrpSpPr/>
+        <p:nvPr/>
+      </p:nvGrpSpPr>
+      <p:grpSpPr>
+        <a:xfrm>
+          <a:off x="0" y="0"/>
+          <a:ext cx="0" cy="0"/>
+          <a:chOff x="0" y="0"/>
+          <a:chExt cx="0" cy="0"/>
+        </a:xfrm>
+      </p:grpSpPr>
+      <p:sp>
+        <p:nvSpPr>
+          <p:cNvPr id="3" name="矩形 2"/>
+          <p:cNvSpPr/>
+          <p:nvPr/>
+        </p:nvSpPr>
+        <p:spPr>
+          <a:xfrm>
+            <a:off x="407988" y="1052513"/>
+            <a:ext cx="6269904" cy="5371535"/>
+          </a:xfrm>
+          <a:prstGeom prst="rect">
+            <a:avLst/>
+          </a:prstGeom>
+        </p:spPr>
+        <p:txBody>
+          <a:bodyPr wrap="square">
+            <a:spAutoFit/>
+          </a:bodyPr>
+          <a:lstStyle/>
+          <a:p>
+            <a:pPr marL="342900" indent="-342900">
+              <a:lnSpc>
+                <a:spcPct val="150000"/>
+              </a:lnSpc>
+              <a:buFont typeface="Arial" panose="020B0604020202020204" pitchFamily="34" charset="0"/>
+              <a:buChar char="•"/>
+            </a:pPr>
+            <a:r>
+              <a:rPr lang="zh-CN" altLang="en-US" sz="2800" b="1" dirty="0">
+                <a:solidFill>
+                  <a:schemeClr val="tx1"/>
+                </a:solidFill>
+                <a:latin typeface="微软雅黑" panose="020B0503020204020204" pitchFamily="34" charset="-122"/>
+                <a:ea typeface="微软雅黑" panose="020B0503020204020204" pitchFamily="34" charset="-122"/>
+                <a:sym typeface="+mn-ea"/>
+              </a:rPr>
+              <a:t>动力学方程</a:t>
+            </a:r>
+            <a:endParaRPr lang="en-US" altLang="zh-CN" sz="2800" b="1" dirty="0">
+              <a:solidFill>
+                <a:schemeClr val="tx1"/>
+              </a:solidFill>
+              <a:latin typeface="微软雅黑" panose="020B0503020204020204" pitchFamily="34" charset="-122"/>
+              <a:ea typeface="微软雅黑" panose="020B0503020204020204" pitchFamily="34" charset="-122"/>
+              <a:sym typeface="+mn-ea"/>
+            </a:endParaRPr>
+          </a:p>
+          <a:p>
+            <a:pPr marL="342900" indent="-342900">
+              <a:lnSpc>
+                <a:spcPct val="150000"/>
+              </a:lnSpc>
+              <a:buFont typeface="Arial" panose="020B0604020202020204" pitchFamily="34" charset="0"/>
+              <a:buChar char="•"/>
+            </a:pPr>
+            <a:endParaRPr lang="en-US" altLang="zh-CN" sz="2800" b="1" dirty="0">
+              <a:latin typeface="微软雅黑" panose="020B0503020204020204" pitchFamily="34" charset="-122"/>
+              <a:ea typeface="微软雅黑" panose="020B0503020204020204" pitchFamily="34" charset="-122"/>
+              <a:sym typeface="+mn-ea"/>
+            </a:endParaRPr>
+          </a:p>
+          <a:p>
+            <a:pPr marL="342900" indent="-342900" fontAlgn="auto">
+              <a:lnSpc>
+                <a:spcPct val="150000"/>
+              </a:lnSpc>
+              <a:spcAft>
+                <a:spcPts val="0"/>
+              </a:spcAft>
+              <a:buFont typeface="Arial" panose="020B0604020202020204" pitchFamily="34" charset="0"/>
+              <a:buChar char="•"/>
+            </a:pPr>
+            <a:endParaRPr lang="en-US" altLang="zh-CN" sz="2400" b="1" dirty="0">
+              <a:latin typeface="微软雅黑" panose="020B0503020204020204" pitchFamily="34" charset="-122"/>
+              <a:ea typeface="微软雅黑" panose="020B0503020204020204" pitchFamily="34" charset="-122"/>
+              <a:sym typeface="+mn-ea"/>
+            </a:endParaRPr>
+          </a:p>
+          <a:p>
+            <a:pPr marL="342900" indent="-342900" fontAlgn="auto">
+              <a:lnSpc>
+                <a:spcPct val="150000"/>
+              </a:lnSpc>
+              <a:spcAft>
+                <a:spcPts val="0"/>
+              </a:spcAft>
+              <a:buFont typeface="Arial" panose="020B0604020202020204" pitchFamily="34" charset="0"/>
+              <a:buChar char="•"/>
+            </a:pPr>
+            <a:r>
+              <a:rPr lang="zh-CN" altLang="en-US" sz="2800" b="1" dirty="0">
+                <a:solidFill>
+                  <a:schemeClr val="tx1"/>
+                </a:solidFill>
+                <a:latin typeface="微软雅黑" panose="020B0503020204020204" pitchFamily="34" charset="-122"/>
+                <a:ea typeface="微软雅黑" panose="020B0503020204020204" pitchFamily="34" charset="-122"/>
+                <a:sym typeface="+mn-ea"/>
+              </a:rPr>
+              <a:t>线性化</a:t>
+            </a:r>
+            <a:endParaRPr lang="en-US" altLang="zh-CN" sz="2800" b="1" dirty="0">
+              <a:solidFill>
+                <a:schemeClr val="tx1"/>
+              </a:solidFill>
+              <a:latin typeface="微软雅黑" panose="020B0503020204020204" pitchFamily="34" charset="-122"/>
+              <a:ea typeface="微软雅黑" panose="020B0503020204020204" pitchFamily="34" charset="-122"/>
+              <a:sym typeface="+mn-ea"/>
+            </a:endParaRPr>
+          </a:p>
+          <a:p>
+            <a:pPr marL="342900" indent="-342900" fontAlgn="auto">
+              <a:lnSpc>
+                <a:spcPct val="150000"/>
+              </a:lnSpc>
+              <a:spcAft>
+                <a:spcPts val="0"/>
+              </a:spcAft>
+              <a:buFont typeface="Arial" panose="020B0604020202020204" pitchFamily="34" charset="0"/>
+              <a:buChar char="•"/>
+            </a:pPr>
+            <a:endParaRPr lang="en-US" altLang="zh-CN" b="1" dirty="0">
+              <a:latin typeface="微软雅黑" panose="020B0503020204020204" pitchFamily="34" charset="-122"/>
+              <a:ea typeface="微软雅黑" panose="020B0503020204020204" pitchFamily="34" charset="-122"/>
+              <a:sym typeface="+mn-ea"/>
+            </a:endParaRPr>
+          </a:p>
+          <a:p>
+            <a:pPr marL="342900" indent="-342900" fontAlgn="auto">
+              <a:lnSpc>
+                <a:spcPct val="150000"/>
+              </a:lnSpc>
+              <a:spcAft>
+                <a:spcPts val="0"/>
+              </a:spcAft>
+              <a:buFont typeface="Arial" panose="020B0604020202020204" pitchFamily="34" charset="0"/>
+              <a:buChar char="•"/>
+            </a:pPr>
+            <a:r>
+              <a:rPr lang="zh-CN" altLang="en-US" sz="2800" b="1" dirty="0">
+                <a:solidFill>
+                  <a:schemeClr val="tx1"/>
+                </a:solidFill>
+                <a:latin typeface="微软雅黑" panose="020B0503020204020204" pitchFamily="34" charset="-122"/>
+                <a:ea typeface="微软雅黑" panose="020B0503020204020204" pitchFamily="34" charset="-122"/>
+                <a:sym typeface="+mn-ea"/>
+              </a:rPr>
+              <a:t>条件方程</a:t>
+            </a:r>
+            <a:endParaRPr lang="en-US" altLang="zh-CN" sz="2800" b="1" dirty="0">
+              <a:solidFill>
+                <a:schemeClr val="tx1"/>
+              </a:solidFill>
+              <a:latin typeface="微软雅黑" panose="020B0503020204020204" pitchFamily="34" charset="-122"/>
+              <a:ea typeface="微软雅黑" panose="020B0503020204020204" pitchFamily="34" charset="-122"/>
+              <a:sym typeface="+mn-ea"/>
+            </a:endParaRPr>
+          </a:p>
+          <a:p>
+            <a:pPr marL="342900" indent="-342900" fontAlgn="auto">
+              <a:lnSpc>
+                <a:spcPct val="150000"/>
+              </a:lnSpc>
+              <a:spcAft>
+                <a:spcPts val="0"/>
+              </a:spcAft>
+              <a:buFont typeface="Arial" panose="020B0604020202020204" pitchFamily="34" charset="0"/>
+              <a:buChar char="•"/>
+            </a:pPr>
+            <a:endParaRPr lang="en-US" altLang="zh-CN" b="1" dirty="0">
+              <a:latin typeface="微软雅黑" panose="020B0503020204020204" pitchFamily="34" charset="-122"/>
+              <a:ea typeface="微软雅黑" panose="020B0503020204020204" pitchFamily="34" charset="-122"/>
+              <a:sym typeface="+mn-ea"/>
+            </a:endParaRPr>
+          </a:p>
+          <a:p>
+            <a:pPr marL="342900" indent="-342900" fontAlgn="auto">
+              <a:lnSpc>
+                <a:spcPct val="150000"/>
+              </a:lnSpc>
+              <a:spcAft>
+                <a:spcPts val="0"/>
+              </a:spcAft>
+              <a:buFont typeface="Arial" panose="020B0604020202020204" pitchFamily="34" charset="0"/>
+              <a:buChar char="•"/>
+            </a:pPr>
+            <a:r>
+              <a:rPr lang="zh-CN" altLang="en-US" sz="2800" b="1" dirty="0">
+                <a:solidFill>
+                  <a:schemeClr val="tx1"/>
+                </a:solidFill>
+                <a:latin typeface="微软雅黑" panose="020B0503020204020204" pitchFamily="34" charset="-122"/>
+                <a:ea typeface="微软雅黑" panose="020B0503020204020204" pitchFamily="34" charset="-122"/>
+                <a:sym typeface="+mn-ea"/>
+              </a:rPr>
+              <a:t>最小二乘求解</a:t>
+            </a:r>
+            <a:endParaRPr lang="en-US" altLang="zh-CN" sz="2800" b="1" dirty="0">
+              <a:solidFill>
+                <a:schemeClr val="tx1"/>
+              </a:solidFill>
+              <a:latin typeface="微软雅黑" panose="020B0503020204020204" pitchFamily="34" charset="-122"/>
+              <a:ea typeface="微软雅黑" panose="020B0503020204020204" pitchFamily="34" charset="-122"/>
+              <a:sym typeface="+mn-ea"/>
+            </a:endParaRPr>
+          </a:p>
+          <a:p>
+            <a:pPr marL="342900" indent="-342900" fontAlgn="auto">
+              <a:lnSpc>
+                <a:spcPct val="150000"/>
+              </a:lnSpc>
+              <a:spcAft>
+                <a:spcPts val="0"/>
+              </a:spcAft>
+              <a:buFont typeface="Arial" panose="020B0604020202020204" pitchFamily="34" charset="0"/>
+              <a:buChar char="•"/>
+            </a:pPr>
+            <a:endParaRPr lang="en-US" altLang="zh-CN" sz="2800" b="1" dirty="0">
+              <a:latin typeface="微软雅黑" panose="020B0503020204020204" pitchFamily="34" charset="-122"/>
+              <a:ea typeface="微软雅黑" panose="020B0503020204020204" pitchFamily="34" charset="-122"/>
+              <a:sym typeface="+mn-ea"/>
+            </a:endParaRPr>
+          </a:p>
+        </p:txBody>
+      </p:sp>
+      <p:sp>
+        <p:nvSpPr>
+          <p:cNvPr id="5" name="灯片编号占位符 4"/>
+          <p:cNvSpPr>
+            <a:spLocks noGrp="1"/>
+          </p:cNvSpPr>
+          <p:nvPr>
+            <p:ph type="sldNum" sz="quarter" idx="4"/>
+          </p:nvPr>
+        </p:nvSpPr>
+        <p:spPr/>
+        <p:txBody>
+          <a:bodyPr/>
+          <a:lstStyle/>
+          <a:p>
+            <a:fld id="{5F1D8F20-F945-584B-B149-8CCFBEFE168A}" type="slidenum">
+              <a:rPr kumimoji="1" lang="zh-CN" altLang="en-US" smtClean="0"/>
+              <a:t>11</a:t>
+            </a:fld>
+            <a:endParaRPr kumimoji="1" lang="zh-CN" altLang="en-US"/>
+          </a:p>
+        </p:txBody>
+      </p:sp>
+      <p:sp>
+        <p:nvSpPr>
+          <p:cNvPr id="26" name="标题 1"/>
+          <p:cNvSpPr txBox="1"/>
+          <p:nvPr/>
+        </p:nvSpPr>
+        <p:spPr>
+          <a:xfrm>
+            <a:off x="0" y="0"/>
+            <a:ext cx="12187555" cy="711200"/>
+          </a:xfrm>
+          <a:prstGeom prst="rect">
+            <a:avLst/>
+          </a:prstGeom>
+          <a:noFill/>
+        </p:spPr>
+        <p:txBody>
+          <a:bodyPr vert="horz" lIns="91440" tIns="45720" rIns="91440" bIns="45720" rtlCol="0" anchor="ctr"/>
+          <a:lstStyle/>
+          <a:p>
+            <a:pPr marL="0" marR="0" lvl="0" indent="0" algn="ctr" defTabSz="914400" rtl="0" eaLnBrk="1" fontAlgn="base" latinLnBrk="0" hangingPunct="1">
+              <a:lnSpc>
+                <a:spcPct val="100000"/>
+              </a:lnSpc>
+              <a:spcBef>
+                <a:spcPct val="0"/>
+              </a:spcBef>
+              <a:spcAft>
+                <a:spcPct val="0"/>
+              </a:spcAft>
+              <a:buClrTx/>
+              <a:buSzTx/>
+              <a:buFontTx/>
+              <a:buNone/>
+              <a:defRPr/>
+            </a:pPr>
+            <a:r>
+              <a:rPr kumimoji="0" lang="zh-CN" altLang="en-US" sz="3200" b="1" i="0" u="none" strike="noStrike" kern="1200" cap="none" spc="0" normalizeH="0" baseline="0" noProof="0" dirty="0">
+                <a:ln>
+                  <a:noFill/>
+                </a:ln>
+                <a:solidFill>
+                  <a:schemeClr val="bg1"/>
+                </a:solidFill>
+                <a:effectLst/>
+                <a:uLnTx/>
+                <a:uFillTx/>
+                <a:latin typeface="微软雅黑" panose="020B0503020204020204" pitchFamily="34" charset="-122"/>
+                <a:ea typeface="微软雅黑" panose="020B0503020204020204" pitchFamily="34" charset="-122"/>
+                <a:cs typeface="+mj-cs"/>
+              </a:rPr>
+              <a:t>精密定轨原理</a:t>
+            </a:r>
+          </a:p>
+        </p:txBody>
+      </p:sp>
+      <p:graphicFrame>
+        <p:nvGraphicFramePr>
+          <p:cNvPr id="8" name="对象 7">
+            <a:extLst>
+              <a:ext uri="{FF2B5EF4-FFF2-40B4-BE49-F238E27FC236}">
+                <a16:creationId xmlns:a16="http://schemas.microsoft.com/office/drawing/2014/main" id="{B38F2A16-6FF2-3F7A-7603-AFD27FB394FC}"/>
+              </a:ext>
+            </a:extLst>
+          </p:cNvPr>
+          <p:cNvGraphicFramePr>
+            <a:graphicFrameLocks noChangeAspect="1"/>
+          </p:cNvGraphicFramePr>
+          <p:nvPr>
+            <p:extLst>
+              <p:ext uri="{D42A27DB-BD31-4B8C-83A1-F6EECF244321}">
+                <p14:modId xmlns:p14="http://schemas.microsoft.com/office/powerpoint/2010/main" val="701456113"/>
+              </p:ext>
+            </p:extLst>
+          </p:nvPr>
+        </p:nvGraphicFramePr>
+        <p:xfrm>
+          <a:off x="925391" y="1943101"/>
+          <a:ext cx="3752118" cy="681952"/>
+        </p:xfrm>
+        <a:graphic>
+          <a:graphicData uri="http://schemas.openxmlformats.org/presentationml/2006/ole">
+            <mc:AlternateContent xmlns:mc="http://schemas.openxmlformats.org/markup-compatibility/2006">
+              <mc:Choice xmlns:v="urn:schemas-microsoft-com:vml" Requires="v">
+                <p:oleObj name="AxMath" r:id="rId2" imgW="2157120" imgH="391680" progId="Equation.AxMath">
+                  <p:embed/>
+                </p:oleObj>
+              </mc:Choice>
+              <mc:Fallback>
+                <p:oleObj name="AxMath" r:id="rId2" imgW="2157120" imgH="391680" progId="Equation.AxMath">
+                  <p:embed/>
+                  <p:pic>
+                    <p:nvPicPr>
+                      <p:cNvPr id="0" name=""/>
+                      <p:cNvPicPr/>
+                      <p:nvPr/>
+                    </p:nvPicPr>
+                    <p:blipFill>
+                      <a:blip r:embed="rId3"/>
+                      <a:stretch>
+                        <a:fillRect/>
+                      </a:stretch>
+                    </p:blipFill>
+                    <p:spPr>
+                      <a:xfrm>
+                        <a:off x="925391" y="1943101"/>
+                        <a:ext cx="3752118" cy="681952"/>
+                      </a:xfrm>
+                      <a:prstGeom prst="rect">
+                        <a:avLst/>
+                      </a:prstGeom>
+                    </p:spPr>
+                  </p:pic>
+                </p:oleObj>
+              </mc:Fallback>
+            </mc:AlternateContent>
+          </a:graphicData>
+        </a:graphic>
+      </p:graphicFrame>
+      <p:graphicFrame>
+        <p:nvGraphicFramePr>
+          <p:cNvPr id="9" name="对象 8">
+            <a:extLst>
+              <a:ext uri="{FF2B5EF4-FFF2-40B4-BE49-F238E27FC236}">
+                <a16:creationId xmlns:a16="http://schemas.microsoft.com/office/drawing/2014/main" id="{18777E7B-5F29-59B9-E2A4-C09BE8809D85}"/>
+              </a:ext>
+            </a:extLst>
+          </p:cNvPr>
+          <p:cNvGraphicFramePr>
+            <a:graphicFrameLocks noChangeAspect="1"/>
+          </p:cNvGraphicFramePr>
+          <p:nvPr>
+            <p:extLst>
+              <p:ext uri="{D42A27DB-BD31-4B8C-83A1-F6EECF244321}">
+                <p14:modId xmlns:p14="http://schemas.microsoft.com/office/powerpoint/2010/main" val="3925024181"/>
+              </p:ext>
+            </p:extLst>
+          </p:nvPr>
+        </p:nvGraphicFramePr>
+        <p:xfrm>
+          <a:off x="5220899" y="1845402"/>
+          <a:ext cx="3481546" cy="985656"/>
+        </p:xfrm>
+        <a:graphic>
+          <a:graphicData uri="http://schemas.openxmlformats.org/presentationml/2006/ole">
+            <mc:AlternateContent xmlns:mc="http://schemas.openxmlformats.org/markup-compatibility/2006">
+              <mc:Choice xmlns:v="urn:schemas-microsoft-com:vml" Requires="v">
+                <p:oleObj name="AxMath" r:id="rId4" imgW="2001240" imgH="566640" progId="Equation.AxMath">
+                  <p:embed/>
+                </p:oleObj>
+              </mc:Choice>
+              <mc:Fallback>
+                <p:oleObj name="AxMath" r:id="rId4" imgW="2001240" imgH="566640" progId="Equation.AxMath">
+                  <p:embed/>
+                  <p:pic>
+                    <p:nvPicPr>
+                      <p:cNvPr id="8" name="对象 7">
+                        <a:extLst>
+                          <a:ext uri="{FF2B5EF4-FFF2-40B4-BE49-F238E27FC236}">
+                            <a16:creationId xmlns:a16="http://schemas.microsoft.com/office/drawing/2014/main" id="{B38F2A16-6FF2-3F7A-7603-AFD27FB394FC}"/>
+                          </a:ext>
+                        </a:extLst>
+                      </p:cNvPr>
+                      <p:cNvPicPr/>
+                      <p:nvPr/>
+                    </p:nvPicPr>
+                    <p:blipFill>
+                      <a:blip r:embed="rId5"/>
+                      <a:stretch>
+                        <a:fillRect/>
+                      </a:stretch>
+                    </p:blipFill>
+                    <p:spPr>
+                      <a:xfrm>
+                        <a:off x="5220899" y="1845402"/>
+                        <a:ext cx="3481546" cy="985656"/>
+                      </a:xfrm>
+                      <a:prstGeom prst="rect">
+                        <a:avLst/>
+                      </a:prstGeom>
+                    </p:spPr>
+                  </p:pic>
+                </p:oleObj>
+              </mc:Fallback>
+            </mc:AlternateContent>
+          </a:graphicData>
+        </a:graphic>
+      </p:graphicFrame>
+      <p:graphicFrame>
+        <p:nvGraphicFramePr>
+          <p:cNvPr id="10" name="对象 9">
+            <a:extLst>
+              <a:ext uri="{FF2B5EF4-FFF2-40B4-BE49-F238E27FC236}">
+                <a16:creationId xmlns:a16="http://schemas.microsoft.com/office/drawing/2014/main" id="{E542BB98-8B30-703A-CA4F-7E10FC61FE97}"/>
+              </a:ext>
+            </a:extLst>
+          </p:cNvPr>
+          <p:cNvGraphicFramePr>
+            <a:graphicFrameLocks noChangeAspect="1"/>
+          </p:cNvGraphicFramePr>
+          <p:nvPr>
+            <p:extLst>
+              <p:ext uri="{D42A27DB-BD31-4B8C-83A1-F6EECF244321}">
+                <p14:modId xmlns:p14="http://schemas.microsoft.com/office/powerpoint/2010/main" val="3841802697"/>
+              </p:ext>
+            </p:extLst>
+          </p:nvPr>
+        </p:nvGraphicFramePr>
+        <p:xfrm>
+          <a:off x="1778030" y="3423817"/>
+          <a:ext cx="5740400" cy="730250"/>
+        </p:xfrm>
+        <a:graphic>
+          <a:graphicData uri="http://schemas.openxmlformats.org/presentationml/2006/ole">
+            <mc:AlternateContent xmlns:mc="http://schemas.openxmlformats.org/markup-compatibility/2006">
+              <mc:Choice xmlns:v="urn:schemas-microsoft-com:vml" Requires="v">
+                <p:oleObj name="AxMath" r:id="rId6" imgW="2869920" imgH="365040" progId="Equation.AxMath">
+                  <p:embed/>
+                </p:oleObj>
+              </mc:Choice>
+              <mc:Fallback>
+                <p:oleObj name="AxMath" r:id="rId6" imgW="2869920" imgH="365040" progId="Equation.AxMath">
+                  <p:embed/>
+                  <p:pic>
+                    <p:nvPicPr>
+                      <p:cNvPr id="9" name="对象 8">
+                        <a:extLst>
+                          <a:ext uri="{FF2B5EF4-FFF2-40B4-BE49-F238E27FC236}">
+                            <a16:creationId xmlns:a16="http://schemas.microsoft.com/office/drawing/2014/main" id="{18777E7B-5F29-59B9-E2A4-C09BE8809D85}"/>
+                          </a:ext>
+                        </a:extLst>
+                      </p:cNvPr>
+                      <p:cNvPicPr/>
+                      <p:nvPr/>
+                    </p:nvPicPr>
+                    <p:blipFill>
+                      <a:blip r:embed="rId7"/>
+                      <a:stretch>
+                        <a:fillRect/>
+                      </a:stretch>
+                    </p:blipFill>
+                    <p:spPr>
+                      <a:xfrm>
+                        <a:off x="1778030" y="3423817"/>
+                        <a:ext cx="5740400" cy="730250"/>
+                      </a:xfrm>
+                      <a:prstGeom prst="rect">
+                        <a:avLst/>
+                      </a:prstGeom>
+                    </p:spPr>
+                  </p:pic>
+                </p:oleObj>
+              </mc:Fallback>
+            </mc:AlternateContent>
+          </a:graphicData>
+        </a:graphic>
+      </p:graphicFrame>
+      <p:sp>
+        <p:nvSpPr>
+          <p:cNvPr id="11" name="矩形 10">
+            <a:extLst>
+              <a:ext uri="{FF2B5EF4-FFF2-40B4-BE49-F238E27FC236}">
+                <a16:creationId xmlns:a16="http://schemas.microsoft.com/office/drawing/2014/main" id="{863CA879-665D-4FED-564E-5E4561BFB32D}"/>
+              </a:ext>
+            </a:extLst>
+          </p:cNvPr>
+          <p:cNvSpPr/>
+          <p:nvPr/>
+        </p:nvSpPr>
+        <p:spPr>
+          <a:xfrm>
+            <a:off x="4812496" y="1052513"/>
+            <a:ext cx="4533900" cy="1308884"/>
+          </a:xfrm>
+          <a:prstGeom prst="rect">
+            <a:avLst/>
+          </a:prstGeom>
+        </p:spPr>
+        <p:txBody>
+          <a:bodyPr wrap="square">
+            <a:spAutoFit/>
+          </a:bodyPr>
+          <a:lstStyle/>
+          <a:p>
+            <a:pPr marL="342900" indent="-342900">
+              <a:lnSpc>
+                <a:spcPct val="150000"/>
+              </a:lnSpc>
+              <a:buFont typeface="Arial" panose="020B0604020202020204" pitchFamily="34" charset="0"/>
+              <a:buChar char="•"/>
+            </a:pPr>
+            <a:r>
+              <a:rPr lang="zh-CN" altLang="en-US" sz="2800" b="1" dirty="0">
+                <a:solidFill>
+                  <a:schemeClr val="tx1"/>
+                </a:solidFill>
+                <a:latin typeface="微软雅黑" panose="020B0503020204020204" pitchFamily="34" charset="-122"/>
+                <a:ea typeface="微软雅黑" panose="020B0503020204020204" pitchFamily="34" charset="-122"/>
+                <a:sym typeface="+mn-ea"/>
+              </a:rPr>
+              <a:t>测量方程</a:t>
+            </a:r>
+          </a:p>
+          <a:p>
+            <a:pPr marL="342900" indent="-342900" fontAlgn="auto">
+              <a:lnSpc>
+                <a:spcPct val="150000"/>
+              </a:lnSpc>
+              <a:spcAft>
+                <a:spcPts val="0"/>
+              </a:spcAft>
+              <a:buFont typeface="Arial" panose="020B0604020202020204" pitchFamily="34" charset="0"/>
+              <a:buChar char="•"/>
+            </a:pPr>
+            <a:endParaRPr lang="en-US" altLang="zh-CN" sz="2800" b="1" dirty="0">
+              <a:solidFill>
+                <a:schemeClr val="tx1"/>
+              </a:solidFill>
+              <a:latin typeface="微软雅黑" panose="020B0503020204020204" pitchFamily="34" charset="-122"/>
+              <a:ea typeface="微软雅黑" panose="020B0503020204020204" pitchFamily="34" charset="-122"/>
+              <a:sym typeface="+mn-ea"/>
+            </a:endParaRPr>
+          </a:p>
+        </p:txBody>
+      </p:sp>
+      <p:graphicFrame>
+        <p:nvGraphicFramePr>
+          <p:cNvPr id="13" name="对象 12">
+            <a:extLst>
+              <a:ext uri="{FF2B5EF4-FFF2-40B4-BE49-F238E27FC236}">
+                <a16:creationId xmlns:a16="http://schemas.microsoft.com/office/drawing/2014/main" id="{E068CDBE-D073-FFA3-D744-F6C0799145C9}"/>
+              </a:ext>
+            </a:extLst>
+          </p:cNvPr>
+          <p:cNvGraphicFramePr>
+            <a:graphicFrameLocks noChangeAspect="1"/>
+          </p:cNvGraphicFramePr>
+          <p:nvPr>
+            <p:extLst>
+              <p:ext uri="{D42A27DB-BD31-4B8C-83A1-F6EECF244321}">
+                <p14:modId xmlns:p14="http://schemas.microsoft.com/office/powerpoint/2010/main" val="1580251234"/>
+              </p:ext>
+            </p:extLst>
+          </p:nvPr>
+        </p:nvGraphicFramePr>
+        <p:xfrm>
+          <a:off x="3117794" y="5664716"/>
+          <a:ext cx="2882900" cy="400050"/>
+        </p:xfrm>
+        <a:graphic>
+          <a:graphicData uri="http://schemas.openxmlformats.org/presentationml/2006/ole">
+            <mc:AlternateContent xmlns:mc="http://schemas.openxmlformats.org/markup-compatibility/2006">
+              <mc:Choice xmlns:v="urn:schemas-microsoft-com:vml" Requires="v">
+                <p:oleObj name="AxMath" r:id="rId8" imgW="1440720" imgH="199800" progId="Equation.AxMath">
+                  <p:embed/>
+                </p:oleObj>
+              </mc:Choice>
+              <mc:Fallback>
+                <p:oleObj name="AxMath" r:id="rId8" imgW="1440720" imgH="199800" progId="Equation.AxMath">
+                  <p:embed/>
+                  <p:pic>
+                    <p:nvPicPr>
+                      <p:cNvPr id="7" name="对象 6">
+                        <a:extLst>
+                          <a:ext uri="{FF2B5EF4-FFF2-40B4-BE49-F238E27FC236}">
+                            <a16:creationId xmlns:a16="http://schemas.microsoft.com/office/drawing/2014/main" id="{02E9472F-741E-C0B9-3200-B7B9CE21CA34}"/>
+                          </a:ext>
+                        </a:extLst>
+                      </p:cNvPr>
+                      <p:cNvPicPr/>
+                      <p:nvPr/>
+                    </p:nvPicPr>
+                    <p:blipFill>
+                      <a:blip r:embed="rId9"/>
+                      <a:stretch>
+                        <a:fillRect/>
+                      </a:stretch>
+                    </p:blipFill>
+                    <p:spPr>
+                      <a:xfrm>
+                        <a:off x="3117794" y="5664716"/>
+                        <a:ext cx="2882900" cy="400050"/>
+                      </a:xfrm>
+                      <a:prstGeom prst="rect">
+                        <a:avLst/>
+                      </a:prstGeom>
+                    </p:spPr>
+                  </p:pic>
+                </p:oleObj>
+              </mc:Fallback>
+            </mc:AlternateContent>
+          </a:graphicData>
+        </a:graphic>
+      </p:graphicFrame>
+      <p:graphicFrame>
+        <p:nvGraphicFramePr>
+          <p:cNvPr id="14" name="对象 13">
+            <a:extLst>
+              <a:ext uri="{FF2B5EF4-FFF2-40B4-BE49-F238E27FC236}">
+                <a16:creationId xmlns:a16="http://schemas.microsoft.com/office/drawing/2014/main" id="{6A0251A2-3249-D1C5-0932-80E40E018261}"/>
+              </a:ext>
+            </a:extLst>
+          </p:cNvPr>
+          <p:cNvGraphicFramePr>
+            <a:graphicFrameLocks noChangeAspect="1"/>
+          </p:cNvGraphicFramePr>
+          <p:nvPr>
+            <p:extLst>
+              <p:ext uri="{D42A27DB-BD31-4B8C-83A1-F6EECF244321}">
+                <p14:modId xmlns:p14="http://schemas.microsoft.com/office/powerpoint/2010/main" val="3540142574"/>
+              </p:ext>
+            </p:extLst>
+          </p:nvPr>
+        </p:nvGraphicFramePr>
+        <p:xfrm>
+          <a:off x="3689930" y="6141196"/>
+          <a:ext cx="1520825" cy="384175"/>
+        </p:xfrm>
+        <a:graphic>
+          <a:graphicData uri="http://schemas.openxmlformats.org/presentationml/2006/ole">
+            <mc:AlternateContent xmlns:mc="http://schemas.openxmlformats.org/markup-compatibility/2006">
+              <mc:Choice xmlns:v="urn:schemas-microsoft-com:vml" Requires="v">
+                <p:oleObj name="AxMath" r:id="rId10" imgW="760320" imgH="192240" progId="Equation.AxMath">
+                  <p:embed/>
+                </p:oleObj>
+              </mc:Choice>
+              <mc:Fallback>
+                <p:oleObj name="AxMath" r:id="rId10" imgW="760320" imgH="192240" progId="Equation.AxMath">
+                  <p:embed/>
+                  <p:pic>
+                    <p:nvPicPr>
+                      <p:cNvPr id="8" name="对象 7">
+                        <a:extLst>
+                          <a:ext uri="{FF2B5EF4-FFF2-40B4-BE49-F238E27FC236}">
+                            <a16:creationId xmlns:a16="http://schemas.microsoft.com/office/drawing/2014/main" id="{0AAA01DC-9CD2-F267-77A4-DBCF7352CEE5}"/>
+                          </a:ext>
+                        </a:extLst>
+                      </p:cNvPr>
+                      <p:cNvPicPr/>
+                      <p:nvPr/>
+                    </p:nvPicPr>
+                    <p:blipFill>
+                      <a:blip r:embed="rId11"/>
+                      <a:stretch>
+                        <a:fillRect/>
+                      </a:stretch>
+                    </p:blipFill>
+                    <p:spPr>
+                      <a:xfrm>
+                        <a:off x="3689930" y="6141196"/>
+                        <a:ext cx="1520825" cy="384175"/>
+                      </a:xfrm>
+                      <a:prstGeom prst="rect">
+                        <a:avLst/>
+                      </a:prstGeom>
+                    </p:spPr>
+                  </p:pic>
+                </p:oleObj>
+              </mc:Fallback>
+            </mc:AlternateContent>
+          </a:graphicData>
+        </a:graphic>
+      </p:graphicFrame>
+      <p:graphicFrame>
+        <p:nvGraphicFramePr>
+          <p:cNvPr id="2" name="对象 1">
+            <a:extLst>
+              <a:ext uri="{FF2B5EF4-FFF2-40B4-BE49-F238E27FC236}">
+                <a16:creationId xmlns:a16="http://schemas.microsoft.com/office/drawing/2014/main" id="{72196876-EA70-F4C6-6446-C6C41868A6D2}"/>
+              </a:ext>
+            </a:extLst>
+          </p:cNvPr>
+          <p:cNvGraphicFramePr>
+            <a:graphicFrameLocks noChangeAspect="1"/>
+          </p:cNvGraphicFramePr>
+          <p:nvPr>
+            <p:extLst>
+              <p:ext uri="{D42A27DB-BD31-4B8C-83A1-F6EECF244321}">
+                <p14:modId xmlns:p14="http://schemas.microsoft.com/office/powerpoint/2010/main" val="2496251705"/>
+              </p:ext>
+            </p:extLst>
+          </p:nvPr>
+        </p:nvGraphicFramePr>
+        <p:xfrm>
+          <a:off x="10956906" y="1322590"/>
+          <a:ext cx="390506" cy="384689"/>
+        </p:xfrm>
+        <a:graphic>
+          <a:graphicData uri="http://schemas.openxmlformats.org/presentationml/2006/ole">
+            <mc:AlternateContent xmlns:mc="http://schemas.openxmlformats.org/markup-compatibility/2006">
+              <mc:Choice xmlns:v="urn:schemas-microsoft-com:vml" Requires="v">
+                <p:oleObj name="AxMath" r:id="rId12" imgW="193320" imgH="190440" progId="Equation.AxMath">
+                  <p:embed/>
+                </p:oleObj>
+              </mc:Choice>
+              <mc:Fallback>
+                <p:oleObj name="AxMath" r:id="rId12" imgW="193320" imgH="190440" progId="Equation.AxMath">
+                  <p:embed/>
+                  <p:pic>
+                    <p:nvPicPr>
+                      <p:cNvPr id="2" name="对象 1">
+                        <a:extLst>
+                          <a:ext uri="{FF2B5EF4-FFF2-40B4-BE49-F238E27FC236}">
+                            <a16:creationId xmlns:a16="http://schemas.microsoft.com/office/drawing/2014/main" id="{871B4F13-C7DE-7AB4-F436-193231C6FA5F}"/>
+                          </a:ext>
+                        </a:extLst>
+                      </p:cNvPr>
+                      <p:cNvPicPr/>
+                      <p:nvPr/>
+                    </p:nvPicPr>
+                    <p:blipFill>
+                      <a:blip r:embed="rId13"/>
+                      <a:stretch>
+                        <a:fillRect/>
+                      </a:stretch>
+                    </p:blipFill>
+                    <p:spPr>
+                      <a:xfrm>
+                        <a:off x="10956906" y="1322590"/>
+                        <a:ext cx="390506" cy="384689"/>
+                      </a:xfrm>
+                      <a:prstGeom prst="rect">
+                        <a:avLst/>
+                      </a:prstGeom>
+                    </p:spPr>
+                  </p:pic>
+                </p:oleObj>
+              </mc:Fallback>
+            </mc:AlternateContent>
+          </a:graphicData>
+        </a:graphic>
+      </p:graphicFrame>
+      <p:graphicFrame>
+        <p:nvGraphicFramePr>
+          <p:cNvPr id="4" name="对象 3">
+            <a:extLst>
+              <a:ext uri="{FF2B5EF4-FFF2-40B4-BE49-F238E27FC236}">
+                <a16:creationId xmlns:a16="http://schemas.microsoft.com/office/drawing/2014/main" id="{A845AC8D-F0CC-650B-ECD9-3C8D09571216}"/>
+              </a:ext>
+            </a:extLst>
+          </p:cNvPr>
+          <p:cNvGraphicFramePr>
+            <a:graphicFrameLocks noChangeAspect="1"/>
+          </p:cNvGraphicFramePr>
+          <p:nvPr>
+            <p:extLst>
+              <p:ext uri="{D42A27DB-BD31-4B8C-83A1-F6EECF244321}">
+                <p14:modId xmlns:p14="http://schemas.microsoft.com/office/powerpoint/2010/main" val="3033067112"/>
+              </p:ext>
+            </p:extLst>
+          </p:nvPr>
+        </p:nvGraphicFramePr>
+        <p:xfrm>
+          <a:off x="11100926" y="3351325"/>
+          <a:ext cx="371207" cy="382784"/>
+        </p:xfrm>
+        <a:graphic>
+          <a:graphicData uri="http://schemas.openxmlformats.org/presentationml/2006/ole">
+            <mc:AlternateContent xmlns:mc="http://schemas.openxmlformats.org/markup-compatibility/2006">
+              <mc:Choice xmlns:v="urn:schemas-microsoft-com:vml" Requires="v">
+                <p:oleObj name="AxMath" r:id="rId14" imgW="184680" imgH="190440" progId="Equation.AxMath">
+                  <p:embed/>
+                </p:oleObj>
+              </mc:Choice>
+              <mc:Fallback>
+                <p:oleObj name="AxMath" r:id="rId14" imgW="184680" imgH="190440" progId="Equation.AxMath">
+                  <p:embed/>
+                  <p:pic>
+                    <p:nvPicPr>
+                      <p:cNvPr id="4" name="对象 3">
+                        <a:extLst>
+                          <a:ext uri="{FF2B5EF4-FFF2-40B4-BE49-F238E27FC236}">
+                            <a16:creationId xmlns:a16="http://schemas.microsoft.com/office/drawing/2014/main" id="{4F778DC4-9B3F-194E-4356-098F0699B3EA}"/>
+                          </a:ext>
+                        </a:extLst>
+                      </p:cNvPr>
+                      <p:cNvPicPr/>
+                      <p:nvPr/>
+                    </p:nvPicPr>
+                    <p:blipFill>
+                      <a:blip r:embed="rId15"/>
+                      <a:stretch>
+                        <a:fillRect/>
+                      </a:stretch>
+                    </p:blipFill>
+                    <p:spPr>
+                      <a:xfrm>
+                        <a:off x="11100926" y="3351325"/>
+                        <a:ext cx="371207" cy="382784"/>
+                      </a:xfrm>
+                      <a:prstGeom prst="rect">
+                        <a:avLst/>
+                      </a:prstGeom>
+                    </p:spPr>
+                  </p:pic>
+                </p:oleObj>
+              </mc:Fallback>
+            </mc:AlternateContent>
+          </a:graphicData>
+        </a:graphic>
+      </p:graphicFrame>
+      <p:sp>
+        <p:nvSpPr>
+          <p:cNvPr id="6" name="矩形 5">
+            <a:extLst>
+              <a:ext uri="{FF2B5EF4-FFF2-40B4-BE49-F238E27FC236}">
+                <a16:creationId xmlns:a16="http://schemas.microsoft.com/office/drawing/2014/main" id="{822EF327-DE4C-9EAA-7F62-FA10E0E4E93F}"/>
+              </a:ext>
+            </a:extLst>
+          </p:cNvPr>
+          <p:cNvSpPr/>
+          <p:nvPr/>
+        </p:nvSpPr>
+        <p:spPr>
+          <a:xfrm>
+            <a:off x="9007686" y="1274424"/>
+            <a:ext cx="2520000" cy="400110"/>
+          </a:xfrm>
+          <a:prstGeom prst="rect">
+            <a:avLst/>
+          </a:prstGeom>
+          <a:ln w="19050">
+            <a:solidFill>
+              <a:srgbClr val="0000FF"/>
+            </a:solidFill>
+          </a:ln>
+        </p:spPr>
+        <p:txBody>
+          <a:bodyPr wrap="square">
+            <a:spAutoFit/>
+          </a:bodyPr>
+          <a:lstStyle/>
+          <a:p>
+            <a:pPr algn="ctr" fontAlgn="auto">
+              <a:spcAft>
+                <a:spcPts val="0"/>
+              </a:spcAft>
+            </a:pPr>
+            <a:r>
+              <a:rPr lang="zh-CN" altLang="en-US" sz="2000" b="1" dirty="0">
+                <a:solidFill>
+                  <a:srgbClr val="0000FF"/>
+                </a:solidFill>
+                <a:latin typeface="微软雅黑" panose="020B0503020204020204" pitchFamily="34" charset="-122"/>
+                <a:ea typeface="微软雅黑" panose="020B0503020204020204" pitchFamily="34" charset="-122"/>
+              </a:rPr>
+              <a:t>状态量初值  </a:t>
+            </a:r>
+          </a:p>
+        </p:txBody>
+      </p:sp>
+      <p:sp>
+        <p:nvSpPr>
+          <p:cNvPr id="7" name="矩形 6">
+            <a:extLst>
+              <a:ext uri="{FF2B5EF4-FFF2-40B4-BE49-F238E27FC236}">
+                <a16:creationId xmlns:a16="http://schemas.microsoft.com/office/drawing/2014/main" id="{E72946DA-4AF7-ADDC-4417-CAA9F412C8E2}"/>
+              </a:ext>
+            </a:extLst>
+          </p:cNvPr>
+          <p:cNvSpPr/>
+          <p:nvPr/>
+        </p:nvSpPr>
+        <p:spPr>
+          <a:xfrm>
+            <a:off x="9007686" y="3300602"/>
+            <a:ext cx="2520000" cy="400110"/>
+          </a:xfrm>
+          <a:prstGeom prst="rect">
+            <a:avLst/>
+          </a:prstGeom>
+          <a:ln w="19050">
+            <a:solidFill>
+              <a:srgbClr val="0000FF"/>
+            </a:solidFill>
+          </a:ln>
+        </p:spPr>
+        <p:txBody>
+          <a:bodyPr wrap="square">
+            <a:spAutoFit/>
+          </a:bodyPr>
+          <a:lstStyle/>
+          <a:p>
+            <a:pPr algn="ctr" fontAlgn="auto">
+              <a:spcAft>
+                <a:spcPts val="0"/>
+              </a:spcAft>
+            </a:pPr>
+            <a:r>
+              <a:rPr lang="zh-CN" altLang="en-US" sz="2000" b="1" dirty="0">
+                <a:solidFill>
+                  <a:srgbClr val="0000FF"/>
+                </a:solidFill>
+                <a:latin typeface="微软雅黑" panose="020B0503020204020204" pitchFamily="34" charset="-122"/>
+                <a:ea typeface="微软雅黑" panose="020B0503020204020204" pitchFamily="34" charset="-122"/>
+              </a:rPr>
+              <a:t>观测量计算值 </a:t>
+            </a:r>
+          </a:p>
+        </p:txBody>
+      </p:sp>
+      <p:sp>
+        <p:nvSpPr>
+          <p:cNvPr id="15" name="矩形 14">
+            <a:extLst>
+              <a:ext uri="{FF2B5EF4-FFF2-40B4-BE49-F238E27FC236}">
+                <a16:creationId xmlns:a16="http://schemas.microsoft.com/office/drawing/2014/main" id="{6524A03C-A53C-6892-C48C-40313A790D5D}"/>
+              </a:ext>
+            </a:extLst>
+          </p:cNvPr>
+          <p:cNvSpPr/>
+          <p:nvPr/>
+        </p:nvSpPr>
+        <p:spPr>
+          <a:xfrm>
+            <a:off x="9007686" y="2291348"/>
+            <a:ext cx="2520000" cy="400110"/>
+          </a:xfrm>
+          <a:prstGeom prst="rect">
+            <a:avLst/>
+          </a:prstGeom>
+          <a:ln w="19050">
+            <a:solidFill>
+              <a:srgbClr val="0000FF"/>
+            </a:solidFill>
+          </a:ln>
+        </p:spPr>
+        <p:txBody>
+          <a:bodyPr wrap="square">
+            <a:spAutoFit/>
+          </a:bodyPr>
+          <a:lstStyle/>
+          <a:p>
+            <a:pPr algn="ctr" fontAlgn="auto">
+              <a:spcAft>
+                <a:spcPts val="0"/>
+              </a:spcAft>
+            </a:pPr>
+            <a:r>
+              <a:rPr lang="zh-CN" altLang="en-US" sz="2000" b="1" dirty="0">
+                <a:solidFill>
+                  <a:srgbClr val="0000FF"/>
+                </a:solidFill>
+                <a:latin typeface="微软雅黑" panose="020B0503020204020204" pitchFamily="34" charset="-122"/>
+                <a:ea typeface="微软雅黑" panose="020B0503020204020204" pitchFamily="34" charset="-122"/>
+              </a:rPr>
+              <a:t>动力学方法预报星历 </a:t>
+            </a:r>
+          </a:p>
+        </p:txBody>
+      </p:sp>
+      <p:sp>
+        <p:nvSpPr>
+          <p:cNvPr id="17" name="矩形 16">
+            <a:extLst>
+              <a:ext uri="{FF2B5EF4-FFF2-40B4-BE49-F238E27FC236}">
+                <a16:creationId xmlns:a16="http://schemas.microsoft.com/office/drawing/2014/main" id="{18C796CE-00B1-850A-938E-6A4F75E48104}"/>
+              </a:ext>
+            </a:extLst>
+          </p:cNvPr>
+          <p:cNvSpPr/>
+          <p:nvPr/>
+        </p:nvSpPr>
+        <p:spPr>
+          <a:xfrm>
+            <a:off x="9007686" y="4853821"/>
+            <a:ext cx="2520000" cy="707886"/>
+          </a:xfrm>
+          <a:prstGeom prst="rect">
+            <a:avLst/>
+          </a:prstGeom>
+          <a:ln w="19050">
+            <a:solidFill>
+              <a:srgbClr val="0000FF"/>
+            </a:solidFill>
+          </a:ln>
+        </p:spPr>
+        <p:txBody>
+          <a:bodyPr wrap="square">
+            <a:spAutoFit/>
+          </a:bodyPr>
+          <a:lstStyle/>
+          <a:p>
+            <a:pPr algn="ctr" fontAlgn="auto">
+              <a:spcAft>
+                <a:spcPts val="0"/>
+              </a:spcAft>
+            </a:pPr>
+            <a:r>
+              <a:rPr lang="zh-CN" altLang="en-US" sz="2000" b="1" dirty="0">
+                <a:solidFill>
+                  <a:srgbClr val="0000FF"/>
+                </a:solidFill>
+                <a:latin typeface="微软雅黑" panose="020B0503020204020204" pitchFamily="34" charset="-122"/>
+                <a:ea typeface="微软雅黑" panose="020B0503020204020204" pitchFamily="34" charset="-122"/>
+              </a:rPr>
+              <a:t>估计状态量改正值的最优估计 </a:t>
+            </a:r>
+          </a:p>
+        </p:txBody>
+      </p:sp>
+      <p:sp>
+        <p:nvSpPr>
+          <p:cNvPr id="18" name="矩形 17">
+            <a:extLst>
+              <a:ext uri="{FF2B5EF4-FFF2-40B4-BE49-F238E27FC236}">
+                <a16:creationId xmlns:a16="http://schemas.microsoft.com/office/drawing/2014/main" id="{DBBC202C-4B80-DBD0-9C00-0DAC5D85B353}"/>
+              </a:ext>
+            </a:extLst>
+          </p:cNvPr>
+          <p:cNvSpPr/>
+          <p:nvPr/>
+        </p:nvSpPr>
+        <p:spPr>
+          <a:xfrm>
+            <a:off x="9007686" y="5969457"/>
+            <a:ext cx="2520000" cy="400110"/>
+          </a:xfrm>
+          <a:prstGeom prst="rect">
+            <a:avLst/>
+          </a:prstGeom>
+          <a:ln w="19050">
+            <a:solidFill>
+              <a:srgbClr val="0000FF"/>
+            </a:solidFill>
+          </a:ln>
+        </p:spPr>
+        <p:txBody>
+          <a:bodyPr wrap="square">
+            <a:spAutoFit/>
+          </a:bodyPr>
+          <a:lstStyle/>
+          <a:p>
+            <a:pPr algn="ctr" fontAlgn="auto">
+              <a:spcAft>
+                <a:spcPts val="0"/>
+              </a:spcAft>
+            </a:pPr>
+            <a:r>
+              <a:rPr lang="zh-CN" altLang="en-US" sz="2000" b="1" dirty="0">
+                <a:solidFill>
+                  <a:srgbClr val="0000FF"/>
+                </a:solidFill>
+                <a:latin typeface="微软雅黑" panose="020B0503020204020204" pitchFamily="34" charset="-122"/>
+                <a:ea typeface="微软雅黑" panose="020B0503020204020204" pitchFamily="34" charset="-122"/>
+              </a:rPr>
+              <a:t>改正后状态量 </a:t>
+            </a:r>
+          </a:p>
+        </p:txBody>
+      </p:sp>
+      <p:graphicFrame>
+        <p:nvGraphicFramePr>
+          <p:cNvPr id="21" name="对象 20">
+            <a:extLst>
+              <a:ext uri="{FF2B5EF4-FFF2-40B4-BE49-F238E27FC236}">
+                <a16:creationId xmlns:a16="http://schemas.microsoft.com/office/drawing/2014/main" id="{D3C85863-3483-559E-B3A2-F3C77FC4D69B}"/>
+              </a:ext>
+            </a:extLst>
+          </p:cNvPr>
+          <p:cNvGraphicFramePr>
+            <a:graphicFrameLocks noChangeAspect="1"/>
+          </p:cNvGraphicFramePr>
+          <p:nvPr>
+            <p:extLst>
+              <p:ext uri="{D42A27DB-BD31-4B8C-83A1-F6EECF244321}">
+                <p14:modId xmlns:p14="http://schemas.microsoft.com/office/powerpoint/2010/main" val="3429459626"/>
+              </p:ext>
+            </p:extLst>
+          </p:nvPr>
+        </p:nvGraphicFramePr>
+        <p:xfrm>
+          <a:off x="10847368" y="5177275"/>
+          <a:ext cx="219075" cy="377825"/>
+        </p:xfrm>
+        <a:graphic>
+          <a:graphicData uri="http://schemas.openxmlformats.org/presentationml/2006/ole">
+            <mc:AlternateContent xmlns:mc="http://schemas.openxmlformats.org/markup-compatibility/2006">
+              <mc:Choice xmlns:v="urn:schemas-microsoft-com:vml" Requires="v">
+                <p:oleObj name="AxMath" r:id="rId16" imgW="110160" imgH="189000" progId="Equation.AxMath">
+                  <p:embed/>
+                </p:oleObj>
+              </mc:Choice>
+              <mc:Fallback>
+                <p:oleObj name="AxMath" r:id="rId16" imgW="110160" imgH="189000" progId="Equation.AxMath">
+                  <p:embed/>
+                  <p:pic>
+                    <p:nvPicPr>
+                      <p:cNvPr id="13" name="对象 12">
+                        <a:extLst>
+                          <a:ext uri="{FF2B5EF4-FFF2-40B4-BE49-F238E27FC236}">
+                            <a16:creationId xmlns:a16="http://schemas.microsoft.com/office/drawing/2014/main" id="{E068CDBE-D073-FFA3-D744-F6C0799145C9}"/>
+                          </a:ext>
+                        </a:extLst>
+                      </p:cNvPr>
+                      <p:cNvPicPr/>
+                      <p:nvPr/>
+                    </p:nvPicPr>
+                    <p:blipFill>
+                      <a:blip r:embed="rId17"/>
+                      <a:stretch>
+                        <a:fillRect/>
+                      </a:stretch>
+                    </p:blipFill>
+                    <p:spPr>
+                      <a:xfrm>
+                        <a:off x="10847368" y="5177275"/>
+                        <a:ext cx="219075" cy="377825"/>
+                      </a:xfrm>
+                      <a:prstGeom prst="rect">
+                        <a:avLst/>
+                      </a:prstGeom>
+                    </p:spPr>
+                  </p:pic>
+                </p:oleObj>
+              </mc:Fallback>
+            </mc:AlternateContent>
+          </a:graphicData>
+        </a:graphic>
+      </p:graphicFrame>
+      <p:graphicFrame>
+        <p:nvGraphicFramePr>
+          <p:cNvPr id="22" name="对象 21">
+            <a:extLst>
+              <a:ext uri="{FF2B5EF4-FFF2-40B4-BE49-F238E27FC236}">
+                <a16:creationId xmlns:a16="http://schemas.microsoft.com/office/drawing/2014/main" id="{F6A0587A-F3CB-4984-E2B0-06E9930A90B7}"/>
+              </a:ext>
+            </a:extLst>
+          </p:cNvPr>
+          <p:cNvGraphicFramePr>
+            <a:graphicFrameLocks noChangeAspect="1"/>
+          </p:cNvGraphicFramePr>
+          <p:nvPr>
+            <p:extLst>
+              <p:ext uri="{D42A27DB-BD31-4B8C-83A1-F6EECF244321}">
+                <p14:modId xmlns:p14="http://schemas.microsoft.com/office/powerpoint/2010/main" val="859560475"/>
+              </p:ext>
+            </p:extLst>
+          </p:nvPr>
+        </p:nvGraphicFramePr>
+        <p:xfrm>
+          <a:off x="11061210" y="6012379"/>
+          <a:ext cx="400050" cy="384175"/>
+        </p:xfrm>
+        <a:graphic>
+          <a:graphicData uri="http://schemas.openxmlformats.org/presentationml/2006/ole">
+            <mc:AlternateContent xmlns:mc="http://schemas.openxmlformats.org/markup-compatibility/2006">
+              <mc:Choice xmlns:v="urn:schemas-microsoft-com:vml" Requires="v">
+                <p:oleObj name="AxMath" r:id="rId18" imgW="200160" imgH="192240" progId="Equation.AxMath">
+                  <p:embed/>
+                </p:oleObj>
+              </mc:Choice>
+              <mc:Fallback>
+                <p:oleObj name="AxMath" r:id="rId18" imgW="200160" imgH="192240" progId="Equation.AxMath">
+                  <p:embed/>
+                  <p:pic>
+                    <p:nvPicPr>
+                      <p:cNvPr id="14" name="对象 13">
+                        <a:extLst>
+                          <a:ext uri="{FF2B5EF4-FFF2-40B4-BE49-F238E27FC236}">
+                            <a16:creationId xmlns:a16="http://schemas.microsoft.com/office/drawing/2014/main" id="{6A0251A2-3249-D1C5-0932-80E40E018261}"/>
+                          </a:ext>
+                        </a:extLst>
+                      </p:cNvPr>
+                      <p:cNvPicPr/>
+                      <p:nvPr/>
+                    </p:nvPicPr>
+                    <p:blipFill>
+                      <a:blip r:embed="rId19"/>
+                      <a:stretch>
+                        <a:fillRect/>
+                      </a:stretch>
+                    </p:blipFill>
+                    <p:spPr>
+                      <a:xfrm>
+                        <a:off x="11061210" y="6012379"/>
+                        <a:ext cx="400050" cy="384175"/>
+                      </a:xfrm>
+                      <a:prstGeom prst="rect">
+                        <a:avLst/>
+                      </a:prstGeom>
+                    </p:spPr>
+                  </p:pic>
+                </p:oleObj>
+              </mc:Fallback>
+            </mc:AlternateContent>
+          </a:graphicData>
+        </a:graphic>
+      </p:graphicFrame>
+      <p:cxnSp>
+        <p:nvCxnSpPr>
+          <p:cNvPr id="24" name="直接箭头连接符 23">
+            <a:extLst>
+              <a:ext uri="{FF2B5EF4-FFF2-40B4-BE49-F238E27FC236}">
+                <a16:creationId xmlns:a16="http://schemas.microsoft.com/office/drawing/2014/main" id="{B6B06713-086D-4D0D-6A6C-F9F958847E6F}"/>
+              </a:ext>
+            </a:extLst>
+          </p:cNvPr>
+          <p:cNvCxnSpPr>
+            <a:stCxn id="6" idx="2"/>
+            <a:endCxn id="15" idx="0"/>
+          </p:cNvCxnSpPr>
+          <p:nvPr/>
+        </p:nvCxnSpPr>
+        <p:spPr>
+          <a:xfrm>
+            <a:off x="10267686" y="1674534"/>
+            <a:ext cx="0" cy="616814"/>
+          </a:xfrm>
+          <a:prstGeom prst="straightConnector1">
+            <a:avLst/>
+          </a:prstGeom>
+          <a:ln w="38100">
+            <a:solidFill>
+              <a:srgbClr val="0000FF"/>
+            </a:solidFill>
+            <a:tailEnd type="triangle"/>
+          </a:ln>
+        </p:spPr>
+        <p:style>
+          <a:lnRef idx="1">
+            <a:schemeClr val="accent1"/>
+          </a:lnRef>
+          <a:fillRef idx="0">
+            <a:schemeClr val="accent1"/>
+          </a:fillRef>
+          <a:effectRef idx="0">
+            <a:schemeClr val="accent1"/>
+          </a:effectRef>
+          <a:fontRef idx="minor">
+            <a:schemeClr val="tx1"/>
+          </a:fontRef>
+        </p:style>
+      </p:cxnSp>
+      <p:cxnSp>
+        <p:nvCxnSpPr>
+          <p:cNvPr id="25" name="直接箭头连接符 24">
+            <a:extLst>
+              <a:ext uri="{FF2B5EF4-FFF2-40B4-BE49-F238E27FC236}">
+                <a16:creationId xmlns:a16="http://schemas.microsoft.com/office/drawing/2014/main" id="{62A10EA5-29E3-E63A-FEBF-CE3476E1EA8D}"/>
+              </a:ext>
+            </a:extLst>
+          </p:cNvPr>
+          <p:cNvCxnSpPr>
+            <a:cxnSpLocks/>
+            <a:stCxn id="15" idx="2"/>
+            <a:endCxn id="7" idx="0"/>
+          </p:cNvCxnSpPr>
+          <p:nvPr/>
+        </p:nvCxnSpPr>
+        <p:spPr>
+          <a:xfrm>
+            <a:off x="10267686" y="2691458"/>
+            <a:ext cx="0" cy="609144"/>
+          </a:xfrm>
+          <a:prstGeom prst="straightConnector1">
+            <a:avLst/>
+          </a:prstGeom>
+          <a:ln w="38100">
+            <a:solidFill>
+              <a:srgbClr val="0000FF"/>
+            </a:solidFill>
+            <a:tailEnd type="triangle"/>
+          </a:ln>
+        </p:spPr>
+        <p:style>
+          <a:lnRef idx="1">
+            <a:schemeClr val="accent1"/>
+          </a:lnRef>
+          <a:fillRef idx="0">
+            <a:schemeClr val="accent1"/>
+          </a:fillRef>
+          <a:effectRef idx="0">
+            <a:schemeClr val="accent1"/>
+          </a:effectRef>
+          <a:fontRef idx="minor">
+            <a:schemeClr val="tx1"/>
+          </a:fontRef>
+        </p:style>
+      </p:cxnSp>
+      <p:cxnSp>
+        <p:nvCxnSpPr>
+          <p:cNvPr id="29" name="直接箭头连接符 28">
+            <a:extLst>
+              <a:ext uri="{FF2B5EF4-FFF2-40B4-BE49-F238E27FC236}">
+                <a16:creationId xmlns:a16="http://schemas.microsoft.com/office/drawing/2014/main" id="{47045F6E-D5AC-D5BA-2543-6630A6E542C9}"/>
+              </a:ext>
+            </a:extLst>
+          </p:cNvPr>
+          <p:cNvCxnSpPr>
+            <a:cxnSpLocks/>
+            <a:stCxn id="7" idx="2"/>
+            <a:endCxn id="17" idx="0"/>
+          </p:cNvCxnSpPr>
+          <p:nvPr/>
+        </p:nvCxnSpPr>
+        <p:spPr>
+          <a:xfrm>
+            <a:off x="10267686" y="3700712"/>
+            <a:ext cx="0" cy="1153109"/>
+          </a:xfrm>
+          <a:prstGeom prst="straightConnector1">
+            <a:avLst/>
+          </a:prstGeom>
+          <a:ln w="38100">
+            <a:solidFill>
+              <a:srgbClr val="0000FF"/>
+            </a:solidFill>
+            <a:tailEnd type="triangle"/>
+          </a:ln>
+        </p:spPr>
+        <p:style>
+          <a:lnRef idx="1">
+            <a:schemeClr val="accent1"/>
+          </a:lnRef>
+          <a:fillRef idx="0">
+            <a:schemeClr val="accent1"/>
+          </a:fillRef>
+          <a:effectRef idx="0">
+            <a:schemeClr val="accent1"/>
+          </a:effectRef>
+          <a:fontRef idx="minor">
+            <a:schemeClr val="tx1"/>
+          </a:fontRef>
+        </p:style>
+      </p:cxnSp>
+      <p:cxnSp>
+        <p:nvCxnSpPr>
+          <p:cNvPr id="34" name="直接箭头连接符 33">
+            <a:extLst>
+              <a:ext uri="{FF2B5EF4-FFF2-40B4-BE49-F238E27FC236}">
+                <a16:creationId xmlns:a16="http://schemas.microsoft.com/office/drawing/2014/main" id="{ED950C7C-9F77-D7BB-F572-BD36D83BB99D}"/>
+              </a:ext>
+            </a:extLst>
+          </p:cNvPr>
+          <p:cNvCxnSpPr>
+            <a:cxnSpLocks/>
+            <a:stCxn id="17" idx="2"/>
+            <a:endCxn id="18" idx="0"/>
+          </p:cNvCxnSpPr>
+          <p:nvPr/>
+        </p:nvCxnSpPr>
+        <p:spPr>
+          <a:xfrm>
+            <a:off x="10267686" y="5561707"/>
+            <a:ext cx="0" cy="407750"/>
+          </a:xfrm>
+          <a:prstGeom prst="straightConnector1">
+            <a:avLst/>
+          </a:prstGeom>
+          <a:ln w="38100">
+            <a:solidFill>
+              <a:srgbClr val="0000FF"/>
+            </a:solidFill>
+            <a:tailEnd type="triangle"/>
+          </a:ln>
+        </p:spPr>
+        <p:style>
+          <a:lnRef idx="1">
+            <a:schemeClr val="accent1"/>
+          </a:lnRef>
+          <a:fillRef idx="0">
+            <a:schemeClr val="accent1"/>
+          </a:fillRef>
+          <a:effectRef idx="0">
+            <a:schemeClr val="accent1"/>
+          </a:effectRef>
+          <a:fontRef idx="minor">
+            <a:schemeClr val="tx1"/>
+          </a:fontRef>
+        </p:style>
+      </p:cxnSp>
+      <p:cxnSp>
+        <p:nvCxnSpPr>
+          <p:cNvPr id="41" name="直接箭头连接符 40">
+            <a:extLst>
+              <a:ext uri="{FF2B5EF4-FFF2-40B4-BE49-F238E27FC236}">
+                <a16:creationId xmlns:a16="http://schemas.microsoft.com/office/drawing/2014/main" id="{EED5B433-0AAA-ABDF-4E59-119C29A48467}"/>
+              </a:ext>
+            </a:extLst>
+          </p:cNvPr>
+          <p:cNvCxnSpPr>
+            <a:cxnSpLocks/>
+            <a:endCxn id="46" idx="1"/>
+          </p:cNvCxnSpPr>
+          <p:nvPr/>
+        </p:nvCxnSpPr>
+        <p:spPr>
+          <a:xfrm>
+            <a:off x="10267686" y="4353706"/>
+            <a:ext cx="262431" cy="0"/>
+          </a:xfrm>
+          <a:prstGeom prst="straightConnector1">
+            <a:avLst/>
+          </a:prstGeom>
+          <a:ln w="38100">
+            <a:solidFill>
+              <a:srgbClr val="0000FF"/>
+            </a:solidFill>
+            <a:tailEnd type="triangle"/>
+          </a:ln>
+        </p:spPr>
+        <p:style>
+          <a:lnRef idx="1">
+            <a:schemeClr val="accent1"/>
+          </a:lnRef>
+          <a:fillRef idx="0">
+            <a:schemeClr val="accent1"/>
+          </a:fillRef>
+          <a:effectRef idx="0">
+            <a:schemeClr val="accent1"/>
+          </a:effectRef>
+          <a:fontRef idx="minor">
+            <a:schemeClr val="tx1"/>
+          </a:fontRef>
+        </p:style>
+      </p:cxnSp>
+      <p:sp>
+        <p:nvSpPr>
+          <p:cNvPr id="46" name="矩形 45">
+            <a:extLst>
+              <a:ext uri="{FF2B5EF4-FFF2-40B4-BE49-F238E27FC236}">
+                <a16:creationId xmlns:a16="http://schemas.microsoft.com/office/drawing/2014/main" id="{B3E7F85F-2217-2ABB-0765-4BD001247583}"/>
+              </a:ext>
+            </a:extLst>
+          </p:cNvPr>
+          <p:cNvSpPr/>
+          <p:nvPr/>
+        </p:nvSpPr>
+        <p:spPr>
+          <a:xfrm>
+            <a:off x="10530117" y="4061318"/>
+            <a:ext cx="1462235" cy="584775"/>
+          </a:xfrm>
+          <a:prstGeom prst="rect">
+            <a:avLst/>
+          </a:prstGeom>
+          <a:ln w="19050">
+            <a:solidFill>
+              <a:srgbClr val="0000FF"/>
+            </a:solidFill>
+          </a:ln>
+        </p:spPr>
+        <p:txBody>
+          <a:bodyPr wrap="square">
+            <a:spAutoFit/>
+          </a:bodyPr>
+          <a:lstStyle/>
+          <a:p>
+            <a:pPr algn="ctr" fontAlgn="auto">
+              <a:spcAft>
+                <a:spcPts val="0"/>
+              </a:spcAft>
+            </a:pPr>
+            <a:r>
+              <a:rPr lang="zh-CN" altLang="en-US" sz="1600" b="1" dirty="0">
+                <a:solidFill>
+                  <a:srgbClr val="0000FF"/>
+                </a:solidFill>
+                <a:latin typeface="微软雅黑" panose="020B0503020204020204" pitchFamily="34" charset="-122"/>
+                <a:ea typeface="微软雅黑" panose="020B0503020204020204" pitchFamily="34" charset="-122"/>
+              </a:rPr>
+              <a:t>轨道符合要求</a:t>
+            </a:r>
+            <a:endParaRPr lang="en-US" altLang="zh-CN" sz="1600" b="1" dirty="0">
+              <a:solidFill>
+                <a:srgbClr val="0000FF"/>
+              </a:solidFill>
+              <a:latin typeface="微软雅黑" panose="020B0503020204020204" pitchFamily="34" charset="-122"/>
+              <a:ea typeface="微软雅黑" panose="020B0503020204020204" pitchFamily="34" charset="-122"/>
+            </a:endParaRPr>
+          </a:p>
+          <a:p>
+            <a:pPr algn="ctr" fontAlgn="auto">
+              <a:spcAft>
+                <a:spcPts val="0"/>
+              </a:spcAft>
+            </a:pPr>
+            <a:r>
+              <a:rPr lang="zh-CN" altLang="en-US" sz="1600" b="1" dirty="0">
+                <a:solidFill>
+                  <a:srgbClr val="0000FF"/>
+                </a:solidFill>
+                <a:latin typeface="微软雅黑" panose="020B0503020204020204" pitchFamily="34" charset="-122"/>
+                <a:ea typeface="微软雅黑" panose="020B0503020204020204" pitchFamily="34" charset="-122"/>
+              </a:rPr>
+              <a:t>（均方根差）</a:t>
+            </a:r>
+          </a:p>
+        </p:txBody>
+      </p:sp>
+      <p:sp>
+        <p:nvSpPr>
+          <p:cNvPr id="50" name="箭头: 左弧形 49">
+            <a:extLst>
+              <a:ext uri="{FF2B5EF4-FFF2-40B4-BE49-F238E27FC236}">
+                <a16:creationId xmlns:a16="http://schemas.microsoft.com/office/drawing/2014/main" id="{5D344511-CDDF-CBD7-EABA-50AE77F47160}"/>
+              </a:ext>
+            </a:extLst>
+          </p:cNvPr>
+          <p:cNvSpPr/>
+          <p:nvPr/>
+        </p:nvSpPr>
+        <p:spPr>
+          <a:xfrm rot="10800000">
+            <a:off x="11527094" y="1376383"/>
+            <a:ext cx="568151" cy="4895087"/>
+          </a:xfrm>
+          <a:prstGeom prst="curvedRightArrow">
+            <a:avLst/>
+          </a:prstGeom>
+          <a:solidFill>
+            <a:srgbClr val="0000FF"/>
+          </a:solidFill>
+          <a:ln>
+            <a:solidFill>
+              <a:srgbClr val="0000FF"/>
+            </a:solidFill>
+          </a:ln>
+        </p:spPr>
+        <p:style>
+          <a:lnRef idx="2">
+            <a:schemeClr val="accent1">
+              <a:shade val="15000"/>
+            </a:schemeClr>
+          </a:lnRef>
+          <a:fillRef idx="1">
+            <a:schemeClr val="accent1"/>
+          </a:fillRef>
+          <a:effectRef idx="0">
+            <a:schemeClr val="accent1"/>
+          </a:effectRef>
+          <a:fontRef idx="minor">
+            <a:schemeClr val="lt1"/>
+          </a:fontRef>
+        </p:style>
+        <p:txBody>
+          <a:bodyPr rtlCol="0" anchor="ctr"/>
+          <a:lstStyle/>
+          <a:p>
+            <a:pPr algn="ctr"/>
+            <a:endParaRPr lang="zh-CN" altLang="en-US">
+              <a:solidFill>
+                <a:schemeClr val="tx1"/>
+              </a:solidFill>
+            </a:endParaRPr>
+          </a:p>
+        </p:txBody>
+      </p:sp>
+      <p:graphicFrame>
+        <p:nvGraphicFramePr>
+          <p:cNvPr id="16" name="对象 15">
+            <a:extLst>
+              <a:ext uri="{FF2B5EF4-FFF2-40B4-BE49-F238E27FC236}">
+                <a16:creationId xmlns:a16="http://schemas.microsoft.com/office/drawing/2014/main" id="{B4ADBE8F-F662-A737-8182-27F5D78E6BA6}"/>
+              </a:ext>
+            </a:extLst>
+          </p:cNvPr>
+          <p:cNvGraphicFramePr>
+            <a:graphicFrameLocks noChangeAspect="1"/>
+          </p:cNvGraphicFramePr>
+          <p:nvPr>
+            <p:extLst>
+              <p:ext uri="{D42A27DB-BD31-4B8C-83A1-F6EECF244321}">
+                <p14:modId xmlns:p14="http://schemas.microsoft.com/office/powerpoint/2010/main" val="1815889300"/>
+              </p:ext>
+            </p:extLst>
+          </p:nvPr>
+        </p:nvGraphicFramePr>
+        <p:xfrm>
+          <a:off x="1754824" y="4447025"/>
+          <a:ext cx="6753225" cy="730250"/>
+        </p:xfrm>
+        <a:graphic>
+          <a:graphicData uri="http://schemas.openxmlformats.org/presentationml/2006/ole">
+            <mc:AlternateContent xmlns:mc="http://schemas.openxmlformats.org/markup-compatibility/2006">
+              <mc:Choice xmlns:v="urn:schemas-microsoft-com:vml" Requires="v">
+                <p:oleObj name="AxMath" r:id="rId20" imgW="3376080" imgH="365040" progId="Equation.AxMath">
+                  <p:embed/>
+                </p:oleObj>
+              </mc:Choice>
+              <mc:Fallback>
+                <p:oleObj name="AxMath" r:id="rId20" imgW="3376080" imgH="365040" progId="Equation.AxMath">
+                  <p:embed/>
+                  <p:pic>
+                    <p:nvPicPr>
+                      <p:cNvPr id="2" name="对象 1">
+                        <a:extLst>
+                          <a:ext uri="{FF2B5EF4-FFF2-40B4-BE49-F238E27FC236}">
+                            <a16:creationId xmlns:a16="http://schemas.microsoft.com/office/drawing/2014/main" id="{995D25BD-F483-8E95-60E3-D8E483566A4A}"/>
+                          </a:ext>
+                        </a:extLst>
+                      </p:cNvPr>
+                      <p:cNvPicPr/>
+                      <p:nvPr/>
+                    </p:nvPicPr>
+                    <p:blipFill>
+                      <a:blip r:embed="rId21"/>
+                      <a:stretch>
+                        <a:fillRect/>
+                      </a:stretch>
+                    </p:blipFill>
+                    <p:spPr>
+                      <a:xfrm>
+                        <a:off x="1754824" y="4447025"/>
+                        <a:ext cx="6753225" cy="730250"/>
+                      </a:xfrm>
+                      <a:prstGeom prst="rect">
+                        <a:avLst/>
+                      </a:prstGeom>
+                    </p:spPr>
+                  </p:pic>
+                </p:oleObj>
+              </mc:Fallback>
+            </mc:AlternateContent>
+          </a:graphicData>
+        </a:graphic>
+      </p:graphicFrame>
+      <p:sp>
+        <p:nvSpPr>
+          <p:cNvPr id="30" name="矩形 29">
+            <a:extLst>
+              <a:ext uri="{FF2B5EF4-FFF2-40B4-BE49-F238E27FC236}">
+                <a16:creationId xmlns:a16="http://schemas.microsoft.com/office/drawing/2014/main" id="{632D432B-2927-2210-11D3-E3DF62BDFCB4}"/>
+              </a:ext>
+            </a:extLst>
+          </p:cNvPr>
+          <p:cNvSpPr/>
+          <p:nvPr/>
+        </p:nvSpPr>
+        <p:spPr>
+          <a:xfrm>
+            <a:off x="10167516" y="2682164"/>
+            <a:ext cx="1643949" cy="338554"/>
+          </a:xfrm>
+          <a:prstGeom prst="rect">
+            <a:avLst/>
+          </a:prstGeom>
+        </p:spPr>
+        <p:txBody>
+          <a:bodyPr wrap="square">
+            <a:spAutoFit/>
+          </a:bodyPr>
+          <a:lstStyle/>
+          <a:p>
+            <a:pPr algn="ctr" fontAlgn="auto">
+              <a:spcAft>
+                <a:spcPts val="0"/>
+              </a:spcAft>
+            </a:pPr>
+            <a:r>
+              <a:rPr lang="zh-CN" altLang="en-US" sz="1600" b="1" dirty="0">
+                <a:solidFill>
+                  <a:srgbClr val="0000FF"/>
+                </a:solidFill>
+                <a:latin typeface="Times New Roman" panose="02020603050405020304" pitchFamily="18" charset="0"/>
+                <a:ea typeface="微软雅黑" panose="020B0503020204020204" pitchFamily="34" charset="-122"/>
+                <a:cs typeface="Times New Roman" panose="02020603050405020304" pitchFamily="18" charset="0"/>
+              </a:rPr>
+              <a:t>（参考轨道）</a:t>
+            </a:r>
+          </a:p>
+        </p:txBody>
+      </p:sp>
+      <p:pic>
+        <p:nvPicPr>
+          <p:cNvPr id="20" name="图形 19" descr="困惑的脸轮廓 纯色填充">
+            <a:extLst>
+              <a:ext uri="{FF2B5EF4-FFF2-40B4-BE49-F238E27FC236}">
+                <a16:creationId xmlns:a16="http://schemas.microsoft.com/office/drawing/2014/main" id="{5AFCF9C4-6EDE-3918-2A00-452C49A47765}"/>
+              </a:ext>
+            </a:extLst>
+          </p:cNvPr>
+          <p:cNvPicPr>
+            <a:picLocks noChangeAspect="1"/>
+          </p:cNvPicPr>
+          <p:nvPr/>
+        </p:nvPicPr>
+        <p:blipFill>
+          <a:blip r:embed="rId22">
+            <a:extLst>
+              <a:ext uri="{96DAC541-7B7A-43D3-8B79-37D633B846F1}">
+                <asvg:svgBlip xmlns:asvg="http://schemas.microsoft.com/office/drawing/2016/SVG/main" r:embed="rId23"/>
+              </a:ext>
+            </a:extLst>
+          </a:blip>
+          <a:stretch>
+            <a:fillRect/>
+          </a:stretch>
+        </p:blipFill>
+        <p:spPr>
+          <a:xfrm>
+            <a:off x="0" y="711200"/>
+            <a:ext cx="571360" cy="571360"/>
+          </a:xfrm>
+          <a:prstGeom prst="rect">
+            <a:avLst/>
+          </a:prstGeom>
+        </p:spPr>
+      </p:pic>
+    </p:spTree>
+    <p:extLst>
+      <p:ext uri="{BB962C8B-B14F-4D97-AF65-F5344CB8AC3E}">
+        <p14:creationId xmlns:p14="http://schemas.microsoft.com/office/powerpoint/2010/main" val="2986996060"/>
+      </p:ext>
+    </p:extLst>
+  </p:cSld>
+  <p:clrMapOvr>
+    <a:masterClrMapping/>
+  </p:clrMapOvr>
+  <mc:AlternateContent xmlns:mc="http://schemas.openxmlformats.org/markup-compatibility/2006" xmlns:p159="http://schemas.microsoft.com/office/powerpoint/2015/09/main">
+    <mc:Choice Requires="p159">
+      <p:transition spd="slow">
+        <p159:morph option="byObject"/>
+      </p:transition>
+    </mc:Choice>
+    <mc:Fallback xmlns="">
+      <p:transition spd="slow">
+        <p:fade/>
+      </p:transition>
+    </mc:Fallback>
+  </mc:AlternateContent>
+</p:sld>
+</file>
+
+<file path=ppt/slides/slide12.xml><?xml version="1.0" encoding="utf-8"?>
+<p:sld xmlns:a="http://schemas.openxmlformats.org/drawingml/2006/main" xmlns:r="http://schemas.openxmlformats.org/officeDocument/2006/relationships" xmlns:p="http://schemas.openxmlformats.org/presentationml/2006/main">
+  <p:cSld>
+    <p:spTree>
+      <p:nvGrpSpPr>
+        <p:cNvPr id="1" name=""/>
+        <p:cNvGrpSpPr/>
+        <p:nvPr/>
+      </p:nvGrpSpPr>
+      <p:grpSpPr>
+        <a:xfrm>
+          <a:off x="0" y="0"/>
+          <a:ext cx="0" cy="0"/>
+          <a:chOff x="0" y="0"/>
+          <a:chExt cx="0" cy="0"/>
+        </a:xfrm>
+      </p:grpSpPr>
+      <p:sp>
+        <p:nvSpPr>
+          <p:cNvPr id="3" name="矩形 2"/>
+          <p:cNvSpPr/>
+          <p:nvPr/>
+        </p:nvSpPr>
+        <p:spPr>
+          <a:xfrm>
             <a:off x="407987" y="1052513"/>
             <a:ext cx="11376025" cy="5013039"/>
           </a:xfrm>
@@ -2391,7 +5924,7 @@
           <a:p>
             <a:fld id="{5F1D8F20-F945-584B-B149-8CCFBEFE168A}" type="slidenum">
               <a:rPr kumimoji="1" lang="zh-CN" altLang="en-US" smtClean="0"/>
-              <a:t>10</a:t>
+              <a:t>12</a:t>
             </a:fld>
             <a:endParaRPr kumimoji="1" lang="zh-CN" altLang="en-US"/>
           </a:p>
@@ -2697,7 +6230,7 @@
 </p:sld>
 </file>
 
-<file path=ppt/slides/slide11.xml><?xml version="1.0" encoding="utf-8"?>
+<file path=ppt/slides/slide13.xml><?xml version="1.0" encoding="utf-8"?>
 <p:sld xmlns:a="http://schemas.openxmlformats.org/drawingml/2006/main" xmlns:r="http://schemas.openxmlformats.org/officeDocument/2006/relationships" xmlns:p="http://schemas.openxmlformats.org/presentationml/2006/main">
   <p:cSld>
     <p:spTree>
@@ -2805,7 +6338,7 @@
           <a:p>
             <a:fld id="{5F1D8F20-F945-584B-B149-8CCFBEFE168A}" type="slidenum">
               <a:rPr kumimoji="1" lang="zh-CN" altLang="en-US" smtClean="0"/>
-              <a:t>11</a:t>
+              <a:t>13</a:t>
             </a:fld>
             <a:endParaRPr kumimoji="1" lang="zh-CN" altLang="en-US"/>
           </a:p>
@@ -4986,7 +8519,7 @@
 </p:sld>
 </file>
 
-<file path=ppt/slides/slide12.xml><?xml version="1.0" encoding="utf-8"?>
+<file path=ppt/slides/slide14.xml><?xml version="1.0" encoding="utf-8"?>
 <p:sld xmlns:a="http://schemas.openxmlformats.org/drawingml/2006/main" xmlns:r="http://schemas.openxmlformats.org/officeDocument/2006/relationships" xmlns:p="http://schemas.openxmlformats.org/presentationml/2006/main">
   <p:cSld>
     <p:spTree>
@@ -5189,7 +8722,7 @@
           <a:p>
             <a:fld id="{5F1D8F20-F945-584B-B149-8CCFBEFE168A}" type="slidenum">
               <a:rPr kumimoji="1" lang="zh-CN" altLang="en-US" smtClean="0"/>
-              <a:t>12</a:t>
+              <a:t>14</a:t>
             </a:fld>
             <a:endParaRPr kumimoji="1" lang="zh-CN" altLang="en-US"/>
           </a:p>
@@ -5788,7 +9321,7 @@
 </p:sld>
 </file>
 
-<file path=ppt/slides/slide13.xml><?xml version="1.0" encoding="utf-8"?>
+<file path=ppt/slides/slide15.xml><?xml version="1.0" encoding="utf-8"?>
 <p:sld xmlns:a="http://schemas.openxmlformats.org/drawingml/2006/main" xmlns:r="http://schemas.openxmlformats.org/officeDocument/2006/relationships" xmlns:p="http://schemas.openxmlformats.org/presentationml/2006/main">
   <p:cSld>
     <p:spTree>
@@ -6176,7 +9709,7 @@
           <a:p>
             <a:fld id="{5F1D8F20-F945-584B-B149-8CCFBEFE168A}" type="slidenum">
               <a:rPr kumimoji="1" lang="zh-CN" altLang="en-US" smtClean="0"/>
-              <a:t>13</a:t>
+              <a:t>15</a:t>
             </a:fld>
             <a:endParaRPr kumimoji="1" lang="zh-CN" altLang="en-US"/>
           </a:p>
@@ -6796,7 +10329,7 @@
 </p:sld>
 </file>
 
-<file path=ppt/slides/slide14.xml><?xml version="1.0" encoding="utf-8"?>
+<file path=ppt/slides/slide16.xml><?xml version="1.0" encoding="utf-8"?>
 <p:sld xmlns:a="http://schemas.openxmlformats.org/drawingml/2006/main" xmlns:r="http://schemas.openxmlformats.org/officeDocument/2006/relationships" xmlns:p="http://schemas.openxmlformats.org/presentationml/2006/main">
   <p:cSld>
     <p:spTree>
@@ -7378,7 +10911,7 @@
           <a:p>
             <a:fld id="{5F1D8F20-F945-584B-B149-8CCFBEFE168A}" type="slidenum">
               <a:rPr kumimoji="1" lang="zh-CN" altLang="en-US" smtClean="0"/>
-              <a:t>14</a:t>
+              <a:t>16</a:t>
             </a:fld>
             <a:endParaRPr kumimoji="1" lang="zh-CN" altLang="en-US"/>
           </a:p>
@@ -8859,7 +12392,7 @@
 </p:sld>
 </file>
 
-<file path=ppt/slides/slide15.xml><?xml version="1.0" encoding="utf-8"?>
+<file path=ppt/slides/slide17.xml><?xml version="1.0" encoding="utf-8"?>
 <p:sld xmlns:a="http://schemas.openxmlformats.org/drawingml/2006/main" xmlns:r="http://schemas.openxmlformats.org/officeDocument/2006/relationships" xmlns:p="http://schemas.openxmlformats.org/presentationml/2006/main">
   <p:cSld>
     <p:spTree>
@@ -8972,7 +12505,7 @@
           <a:p>
             <a:fld id="{5F1D8F20-F945-584B-B149-8CCFBEFE168A}" type="slidenum">
               <a:rPr kumimoji="1" lang="zh-CN" altLang="en-US" smtClean="0"/>
-              <a:t>15</a:t>
+              <a:t>17</a:t>
             </a:fld>
             <a:endParaRPr kumimoji="1" lang="zh-CN" altLang="en-US"/>
           </a:p>
@@ -9484,7 +13017,7 @@
 </p:sld>
 </file>
 
-<file path=ppt/slides/slide16.xml><?xml version="1.0" encoding="utf-8"?>
+<file path=ppt/slides/slide18.xml><?xml version="1.0" encoding="utf-8"?>
 <p:sld xmlns:a="http://schemas.openxmlformats.org/drawingml/2006/main" xmlns:r="http://schemas.openxmlformats.org/officeDocument/2006/relationships" xmlns:p="http://schemas.openxmlformats.org/presentationml/2006/main">
   <p:cSld>
     <p:spTree>
@@ -9743,7 +13276,7 @@
           <a:p>
             <a:fld id="{5F1D8F20-F945-584B-B149-8CCFBEFE168A}" type="slidenum">
               <a:rPr kumimoji="1" lang="zh-CN" altLang="en-US" smtClean="0"/>
-              <a:t>16</a:t>
+              <a:t>18</a:t>
             </a:fld>
             <a:endParaRPr kumimoji="1" lang="zh-CN" altLang="en-US"/>
           </a:p>
@@ -11232,7 +14765,7 @@
 </p:sld>
 </file>
 
-<file path=ppt/slides/slide17.xml><?xml version="1.0" encoding="utf-8"?>
+<file path=ppt/slides/slide19.xml><?xml version="1.0" encoding="utf-8"?>
 <p:sld xmlns:a="http://schemas.openxmlformats.org/drawingml/2006/main" xmlns:r="http://schemas.openxmlformats.org/officeDocument/2006/relationships" xmlns:p="http://schemas.openxmlformats.org/presentationml/2006/main">
   <p:cSld>
     <p:spTree>
@@ -11257,7 +14790,7 @@
         </p:nvSpPr>
         <p:spPr>
           <a:xfrm>
-            <a:off x="2521250" y="3202654"/>
+            <a:off x="2415704" y="5843311"/>
             <a:ext cx="7145054" cy="743986"/>
           </a:xfrm>
           <a:prstGeom prst="rect">
@@ -11281,7 +14814,7 @@
                 <a:ea typeface="微软雅黑" panose="020B0503020204020204" pitchFamily="34" charset="-122"/>
                 <a:sym typeface="+mn-ea"/>
               </a:rPr>
-              <a:t>两套定轨细节将在第</a:t>
+              <a:t>本节细节将在第</a:t>
             </a:r>
             <a:r>
               <a:rPr lang="en-US" altLang="zh-CN" sz="3200" b="1" dirty="0">
@@ -11324,7 +14857,7 @@
           <a:p>
             <a:fld id="{5F1D8F20-F945-584B-B149-8CCFBEFE168A}" type="slidenum">
               <a:rPr kumimoji="1" lang="zh-CN" altLang="en-US" smtClean="0"/>
-              <a:t>17</a:t>
+              <a:t>19</a:t>
             </a:fld>
             <a:endParaRPr kumimoji="1" lang="zh-CN" altLang="en-US"/>
           </a:p>
@@ -11383,6 +14916,36 @@
           </a:p>
         </p:txBody>
       </p:sp>
+      <p:pic>
+        <p:nvPicPr>
+          <p:cNvPr id="4" name="图片 3">
+            <a:extLst>
+              <a:ext uri="{FF2B5EF4-FFF2-40B4-BE49-F238E27FC236}">
+                <a16:creationId xmlns:a16="http://schemas.microsoft.com/office/drawing/2014/main" id="{7B1CA8CD-ED0C-D488-B27B-1000911AEF45}"/>
+              </a:ext>
+            </a:extLst>
+          </p:cNvPr>
+          <p:cNvPicPr>
+            <a:picLocks noChangeAspect="1"/>
+          </p:cNvPicPr>
+          <p:nvPr/>
+        </p:nvPicPr>
+        <p:blipFill>
+          <a:blip r:embed="rId2"/>
+          <a:stretch>
+            <a:fillRect/>
+          </a:stretch>
+        </p:blipFill>
+        <p:spPr>
+          <a:xfrm>
+            <a:off x="2048775" y="815655"/>
+            <a:ext cx="8246050" cy="5077990"/>
+          </a:xfrm>
+          <a:prstGeom prst="rect">
+            <a:avLst/>
+          </a:prstGeom>
+        </p:spPr>
+      </p:pic>
     </p:spTree>
     <p:extLst>
       <p:ext uri="{BB962C8B-B14F-4D97-AF65-F5344CB8AC3E}">
@@ -11396,763 +14959,6 @@
   <mc:AlternateContent xmlns:mc="http://schemas.openxmlformats.org/markup-compatibility/2006" xmlns:p159="http://schemas.microsoft.com/office/powerpoint/2015/09/main">
     <mc:Choice Requires="p159">
       <p:transition xmlns:p14="http://schemas.microsoft.com/office/powerpoint/2010/main" spd="slow" p14:dur="2000">
-        <p159:morph option="byObject"/>
-      </p:transition>
-    </mc:Choice>
-    <mc:Fallback xmlns="">
-      <p:transition spd="slow">
-        <p:fade/>
-      </p:transition>
-    </mc:Fallback>
-  </mc:AlternateContent>
-</p:sld>
-</file>
-
-<file path=ppt/slides/slide18.xml><?xml version="1.0" encoding="utf-8"?>
-<p:sld xmlns:a="http://schemas.openxmlformats.org/drawingml/2006/main" xmlns:r="http://schemas.openxmlformats.org/officeDocument/2006/relationships" xmlns:p="http://schemas.openxmlformats.org/presentationml/2006/main">
-  <p:cSld>
-    <p:spTree>
-      <p:nvGrpSpPr>
-        <p:cNvPr id="1" name=""/>
-        <p:cNvGrpSpPr/>
-        <p:nvPr/>
-      </p:nvGrpSpPr>
-      <p:grpSpPr>
-        <a:xfrm>
-          <a:off x="0" y="0"/>
-          <a:ext cx="0" cy="0"/>
-          <a:chOff x="0" y="0"/>
-          <a:chExt cx="0" cy="0"/>
-        </a:xfrm>
-      </p:grpSpPr>
-      <p:sp>
-        <p:nvSpPr>
-          <p:cNvPr id="3" name="矩形 2"/>
-          <p:cNvSpPr/>
-          <p:nvPr/>
-        </p:nvSpPr>
-        <p:spPr>
-          <a:xfrm>
-            <a:off x="407987" y="1052513"/>
-            <a:ext cx="8753597" cy="5325369"/>
-          </a:xfrm>
-          <a:prstGeom prst="rect">
-            <a:avLst/>
-          </a:prstGeom>
-        </p:spPr>
-        <p:txBody>
-          <a:bodyPr wrap="square">
-            <a:spAutoFit/>
-          </a:bodyPr>
-          <a:lstStyle/>
-          <a:p>
-            <a:pPr marL="342900" indent="-342900">
-              <a:lnSpc>
-                <a:spcPct val="150000"/>
-              </a:lnSpc>
-              <a:buFont typeface="Arial" panose="020B0604020202020204" pitchFamily="34" charset="0"/>
-              <a:buChar char="•"/>
-            </a:pPr>
-            <a:r>
-              <a:rPr lang="zh-CN" altLang="en-US" sz="2800" b="1" dirty="0">
-                <a:solidFill>
-                  <a:schemeClr val="tx1"/>
-                </a:solidFill>
-                <a:latin typeface="微软雅黑" panose="020B0503020204020204" pitchFamily="34" charset="-122"/>
-                <a:ea typeface="微软雅黑" panose="020B0503020204020204" pitchFamily="34" charset="-122"/>
-                <a:sym typeface="+mn-ea"/>
-              </a:rPr>
-              <a:t>初轨计算（总成绩比例：</a:t>
-            </a:r>
-            <a:r>
-              <a:rPr lang="en-US" altLang="zh-CN" sz="2800" b="1" dirty="0">
-                <a:solidFill>
-                  <a:schemeClr val="tx1"/>
-                </a:solidFill>
-                <a:latin typeface="微软雅黑" panose="020B0503020204020204" pitchFamily="34" charset="-122"/>
-                <a:ea typeface="微软雅黑" panose="020B0503020204020204" pitchFamily="34" charset="-122"/>
-                <a:sym typeface="+mn-ea"/>
-              </a:rPr>
-              <a:t>25%</a:t>
-            </a:r>
-            <a:r>
-              <a:rPr lang="zh-CN" altLang="en-US" sz="2800" b="1" dirty="0">
-                <a:solidFill>
-                  <a:schemeClr val="tx1"/>
-                </a:solidFill>
-                <a:latin typeface="微软雅黑" panose="020B0503020204020204" pitchFamily="34" charset="-122"/>
-                <a:ea typeface="微软雅黑" panose="020B0503020204020204" pitchFamily="34" charset="-122"/>
-                <a:sym typeface="+mn-ea"/>
-              </a:rPr>
-              <a:t>）</a:t>
-            </a:r>
-            <a:endParaRPr lang="en-US" altLang="zh-CN" sz="2800" b="1" dirty="0">
-              <a:solidFill>
-                <a:schemeClr val="tx1"/>
-              </a:solidFill>
-              <a:latin typeface="微软雅黑" panose="020B0503020204020204" pitchFamily="34" charset="-122"/>
-              <a:ea typeface="微软雅黑" panose="020B0503020204020204" pitchFamily="34" charset="-122"/>
-              <a:sym typeface="+mn-ea"/>
-            </a:endParaRPr>
-          </a:p>
-          <a:p>
-            <a:pPr marL="900113" lvl="1" indent="-442913">
-              <a:lnSpc>
-                <a:spcPct val="150000"/>
-              </a:lnSpc>
-            </a:pPr>
-            <a:r>
-              <a:rPr lang="en-US" altLang="zh-CN" sz="2000" b="1" dirty="0">
-                <a:latin typeface="微软雅黑" panose="020B0503020204020204" pitchFamily="34" charset="-122"/>
-                <a:ea typeface="微软雅黑" panose="020B0503020204020204" pitchFamily="34" charset="-122"/>
-                <a:sym typeface="+mn-ea"/>
-              </a:rPr>
-              <a:t>(1) </a:t>
-            </a:r>
-            <a:r>
-              <a:rPr lang="zh-CN" altLang="en-US" sz="2000" b="1" dirty="0">
-                <a:latin typeface="微软雅黑" panose="020B0503020204020204" pitchFamily="34" charset="-122"/>
-                <a:ea typeface="微软雅黑" panose="020B0503020204020204" pitchFamily="34" charset="-122"/>
-                <a:sym typeface="+mn-ea"/>
-              </a:rPr>
-              <a:t>基于右侧信息和数据，给出目标在某时刻的轨道根数；</a:t>
-            </a:r>
-          </a:p>
-          <a:p>
-            <a:pPr marL="900113" lvl="1" indent="-442913">
-              <a:lnSpc>
-                <a:spcPct val="150000"/>
-              </a:lnSpc>
-            </a:pPr>
-            <a:r>
-              <a:rPr lang="en-US" altLang="zh-CN" sz="2000" b="1" dirty="0">
-                <a:latin typeface="微软雅黑" panose="020B0503020204020204" pitchFamily="34" charset="-122"/>
-                <a:ea typeface="微软雅黑" panose="020B0503020204020204" pitchFamily="34" charset="-122"/>
-                <a:sym typeface="+mn-ea"/>
-              </a:rPr>
-              <a:t>(2) </a:t>
-            </a:r>
-            <a:r>
-              <a:rPr lang="zh-CN" altLang="en-US" sz="2000" b="1" dirty="0">
-                <a:latin typeface="微软雅黑" panose="020B0503020204020204" pitchFamily="34" charset="-122"/>
-                <a:ea typeface="微软雅黑" panose="020B0503020204020204" pitchFamily="34" charset="-122"/>
-                <a:sym typeface="+mn-ea"/>
-              </a:rPr>
-              <a:t>给出定轨结果的方位角、高度角残差；</a:t>
-            </a:r>
-            <a:endParaRPr lang="en-US" altLang="zh-CN" sz="2000" b="1" dirty="0">
-              <a:latin typeface="微软雅黑" panose="020B0503020204020204" pitchFamily="34" charset="-122"/>
-              <a:ea typeface="微软雅黑" panose="020B0503020204020204" pitchFamily="34" charset="-122"/>
-              <a:sym typeface="+mn-ea"/>
-            </a:endParaRPr>
-          </a:p>
-          <a:p>
-            <a:pPr marL="900113" lvl="1" indent="-442913">
-              <a:lnSpc>
-                <a:spcPct val="150000"/>
-              </a:lnSpc>
-            </a:pPr>
-            <a:r>
-              <a:rPr lang="en-US" altLang="zh-CN" sz="2000" b="1" dirty="0">
-                <a:latin typeface="微软雅黑" panose="020B0503020204020204" pitchFamily="34" charset="-122"/>
-                <a:ea typeface="微软雅黑" panose="020B0503020204020204" pitchFamily="34" charset="-122"/>
-                <a:sym typeface="+mn-ea"/>
-              </a:rPr>
-              <a:t>(3) </a:t>
-            </a:r>
-            <a:r>
-              <a:rPr lang="zh-CN" altLang="en-US" sz="2000" b="1" dirty="0">
-                <a:latin typeface="微软雅黑" panose="020B0503020204020204" pitchFamily="34" charset="-122"/>
-                <a:ea typeface="微软雅黑" panose="020B0503020204020204" pitchFamily="34" charset="-122"/>
-                <a:sym typeface="+mn-ea"/>
-              </a:rPr>
-              <a:t>比较历元 </a:t>
-            </a:r>
-            <a:r>
-              <a:rPr lang="en-US" altLang="zh-CN" sz="2000" b="1" dirty="0">
-                <a:latin typeface="微软雅黑" panose="020B0503020204020204" pitchFamily="34" charset="-122"/>
-                <a:ea typeface="微软雅黑" panose="020B0503020204020204" pitchFamily="34" charset="-122"/>
-                <a:sym typeface="+mn-ea"/>
-              </a:rPr>
-              <a:t>J2000.0 </a:t>
-            </a:r>
-            <a:r>
-              <a:rPr lang="zh-CN" altLang="en-US" sz="2000" b="1" dirty="0">
-                <a:latin typeface="微软雅黑" panose="020B0503020204020204" pitchFamily="34" charset="-122"/>
-                <a:ea typeface="微软雅黑" panose="020B0503020204020204" pitchFamily="34" charset="-122"/>
-                <a:sym typeface="+mn-ea"/>
-              </a:rPr>
-              <a:t>平赤道坐标系下轨道根数和瞬时真赤道坐标系下轨道根数的差别；如果日期改为</a:t>
-            </a:r>
-            <a:r>
-              <a:rPr lang="en-US" altLang="zh-CN" sz="2000" b="1" dirty="0">
-                <a:latin typeface="微软雅黑" panose="020B0503020204020204" pitchFamily="34" charset="-122"/>
-                <a:ea typeface="微软雅黑" panose="020B0503020204020204" pitchFamily="34" charset="-122"/>
-                <a:sym typeface="+mn-ea"/>
-              </a:rPr>
-              <a:t>2022</a:t>
-            </a:r>
-            <a:r>
-              <a:rPr lang="zh-CN" altLang="en-US" sz="2000" b="1" dirty="0">
-                <a:latin typeface="微软雅黑" panose="020B0503020204020204" pitchFamily="34" charset="-122"/>
-                <a:ea typeface="微软雅黑" panose="020B0503020204020204" pitchFamily="34" charset="-122"/>
-                <a:sym typeface="+mn-ea"/>
-              </a:rPr>
-              <a:t>年，差别又是多少？</a:t>
-            </a:r>
-          </a:p>
-          <a:p>
-            <a:pPr marL="900113" lvl="1" indent="-442913">
-              <a:lnSpc>
-                <a:spcPct val="150000"/>
-              </a:lnSpc>
-            </a:pPr>
-            <a:r>
-              <a:rPr lang="en-US" altLang="zh-CN" sz="2000" b="1" dirty="0">
-                <a:latin typeface="微软雅黑" panose="020B0503020204020204" pitchFamily="34" charset="-122"/>
-                <a:ea typeface="微软雅黑" panose="020B0503020204020204" pitchFamily="34" charset="-122"/>
-                <a:sym typeface="+mn-ea"/>
-              </a:rPr>
-              <a:t>(4) </a:t>
-            </a:r>
-            <a:r>
-              <a:rPr lang="zh-CN" altLang="en-US" sz="2000" b="1" dirty="0">
-                <a:latin typeface="微软雅黑" panose="020B0503020204020204" pitchFamily="34" charset="-122"/>
-                <a:ea typeface="微软雅黑" panose="020B0503020204020204" pitchFamily="34" charset="-122"/>
-                <a:sym typeface="+mn-ea"/>
-              </a:rPr>
-              <a:t>任选极少量（</a:t>
-            </a:r>
-            <a:r>
-              <a:rPr lang="en-US" altLang="zh-CN" sz="2000" b="1" dirty="0">
-                <a:latin typeface="微软雅黑" panose="020B0503020204020204" pitchFamily="34" charset="-122"/>
-                <a:ea typeface="微软雅黑" panose="020B0503020204020204" pitchFamily="34" charset="-122"/>
-                <a:sym typeface="+mn-ea"/>
-              </a:rPr>
-              <a:t>3~5</a:t>
-            </a:r>
-            <a:r>
-              <a:rPr lang="zh-CN" altLang="en-US" sz="2000" b="1" dirty="0">
-                <a:latin typeface="微软雅黑" panose="020B0503020204020204" pitchFamily="34" charset="-122"/>
-                <a:ea typeface="微软雅黑" panose="020B0503020204020204" pitchFamily="34" charset="-122"/>
-                <a:sym typeface="+mn-ea"/>
-              </a:rPr>
-              <a:t>个）数据点定轨</a:t>
-            </a:r>
-            <a:endParaRPr lang="en-US" altLang="zh-CN" sz="2000" b="1" dirty="0">
-              <a:latin typeface="微软雅黑" panose="020B0503020204020204" pitchFamily="34" charset="-122"/>
-              <a:ea typeface="微软雅黑" panose="020B0503020204020204" pitchFamily="34" charset="-122"/>
-              <a:sym typeface="+mn-ea"/>
-            </a:endParaRPr>
-          </a:p>
-          <a:p>
-            <a:pPr marL="900113" lvl="1" indent="-442913">
-              <a:lnSpc>
-                <a:spcPct val="150000"/>
-              </a:lnSpc>
-            </a:pPr>
-            <a:r>
-              <a:rPr lang="en-US" altLang="zh-CN" sz="2000" b="1" dirty="0">
-                <a:latin typeface="微软雅黑" panose="020B0503020204020204" pitchFamily="34" charset="-122"/>
-                <a:ea typeface="微软雅黑" panose="020B0503020204020204" pitchFamily="34" charset="-122"/>
-                <a:sym typeface="+mn-ea"/>
-              </a:rPr>
-              <a:t>	</a:t>
-            </a:r>
-            <a:r>
-              <a:rPr lang="en-US" altLang="zh-CN" b="1" dirty="0">
-                <a:latin typeface="微软雅黑" panose="020B0503020204020204" pitchFamily="34" charset="-122"/>
-                <a:ea typeface="微软雅黑" panose="020B0503020204020204" pitchFamily="34" charset="-122"/>
-                <a:sym typeface="+mn-ea"/>
-              </a:rPr>
-              <a:t>(a) </a:t>
-            </a:r>
-            <a:r>
-              <a:rPr lang="zh-CN" altLang="en-US" b="1" dirty="0">
-                <a:latin typeface="微软雅黑" panose="020B0503020204020204" pitchFamily="34" charset="-122"/>
-                <a:ea typeface="微软雅黑" panose="020B0503020204020204" pitchFamily="34" charset="-122"/>
-                <a:sym typeface="+mn-ea"/>
-              </a:rPr>
-              <a:t>比较</a:t>
-            </a:r>
-            <a:r>
-              <a:rPr lang="en-US" altLang="zh-CN" b="1" dirty="0">
-                <a:latin typeface="微软雅黑" panose="020B0503020204020204" pitchFamily="34" charset="-122"/>
-                <a:ea typeface="微软雅黑" panose="020B0503020204020204" pitchFamily="34" charset="-122"/>
-                <a:sym typeface="+mn-ea"/>
-              </a:rPr>
-              <a:t>3~5</a:t>
-            </a:r>
-            <a:r>
-              <a:rPr lang="zh-CN" altLang="en-US" b="1" dirty="0">
-                <a:latin typeface="微软雅黑" panose="020B0503020204020204" pitchFamily="34" charset="-122"/>
-                <a:ea typeface="微软雅黑" panose="020B0503020204020204" pitchFamily="34" charset="-122"/>
-                <a:sym typeface="+mn-ea"/>
-              </a:rPr>
-              <a:t>点定轨和多点定轨的差异，并尝试分析这种差异的主要来源；</a:t>
-            </a:r>
-            <a:endParaRPr lang="en-US" altLang="zh-CN" b="1" dirty="0">
-              <a:latin typeface="微软雅黑" panose="020B0503020204020204" pitchFamily="34" charset="-122"/>
-              <a:ea typeface="微软雅黑" panose="020B0503020204020204" pitchFamily="34" charset="-122"/>
-              <a:sym typeface="+mn-ea"/>
-            </a:endParaRPr>
-          </a:p>
-          <a:p>
-            <a:pPr marL="900113" lvl="1" indent="-442913">
-              <a:lnSpc>
-                <a:spcPct val="150000"/>
-              </a:lnSpc>
-            </a:pPr>
-            <a:r>
-              <a:rPr lang="en-US" altLang="zh-CN" b="1" dirty="0">
-                <a:latin typeface="微软雅黑" panose="020B0503020204020204" pitchFamily="34" charset="-122"/>
-                <a:ea typeface="微软雅黑" panose="020B0503020204020204" pitchFamily="34" charset="-122"/>
-                <a:sym typeface="+mn-ea"/>
-              </a:rPr>
-              <a:t>	(b) </a:t>
-            </a:r>
-            <a:r>
-              <a:rPr lang="zh-CN" altLang="en-US" b="1" dirty="0">
-                <a:latin typeface="微软雅黑" panose="020B0503020204020204" pitchFamily="34" charset="-122"/>
-                <a:ea typeface="微软雅黑" panose="020B0503020204020204" pitchFamily="34" charset="-122"/>
-                <a:sym typeface="+mn-ea"/>
-              </a:rPr>
-              <a:t>哪个（些）根数受影响较大；从原理出发你觉得原因</a:t>
-            </a:r>
-            <a:r>
-              <a:rPr lang="en-US" altLang="zh-CN" b="1" dirty="0">
-                <a:latin typeface="微软雅黑" panose="020B0503020204020204" pitchFamily="34" charset="-122"/>
-                <a:ea typeface="微软雅黑" panose="020B0503020204020204" pitchFamily="34" charset="-122"/>
-                <a:sym typeface="+mn-ea"/>
-              </a:rPr>
-              <a:t>/</a:t>
-            </a:r>
-            <a:r>
-              <a:rPr lang="zh-CN" altLang="en-US" b="1" dirty="0">
-                <a:latin typeface="微软雅黑" panose="020B0503020204020204" pitchFamily="34" charset="-122"/>
-                <a:ea typeface="微软雅黑" panose="020B0503020204020204" pitchFamily="34" charset="-122"/>
-                <a:sym typeface="+mn-ea"/>
-              </a:rPr>
-              <a:t>来源是什么？</a:t>
-            </a:r>
-            <a:endParaRPr lang="en-US" altLang="zh-CN" b="1" dirty="0">
-              <a:latin typeface="微软雅黑" panose="020B0503020204020204" pitchFamily="34" charset="-122"/>
-              <a:ea typeface="微软雅黑" panose="020B0503020204020204" pitchFamily="34" charset="-122"/>
-              <a:sym typeface="+mn-ea"/>
-            </a:endParaRPr>
-          </a:p>
-          <a:p>
-            <a:pPr marL="900113" lvl="1" indent="-442913">
-              <a:lnSpc>
-                <a:spcPct val="150000"/>
-              </a:lnSpc>
-            </a:pPr>
-            <a:r>
-              <a:rPr lang="en-US" altLang="zh-CN" b="1" dirty="0">
-                <a:latin typeface="微软雅黑" panose="020B0503020204020204" pitchFamily="34" charset="-122"/>
-                <a:ea typeface="微软雅黑" panose="020B0503020204020204" pitchFamily="34" charset="-122"/>
-                <a:sym typeface="+mn-ea"/>
-              </a:rPr>
-              <a:t>	(c) </a:t>
-            </a:r>
-            <a:r>
-              <a:rPr lang="zh-CN" altLang="en-US" b="1" dirty="0">
-                <a:latin typeface="微软雅黑" panose="020B0503020204020204" pitchFamily="34" charset="-122"/>
-                <a:ea typeface="微软雅黑" panose="020B0503020204020204" pitchFamily="34" charset="-122"/>
-                <a:sym typeface="+mn-ea"/>
-              </a:rPr>
-              <a:t>问题</a:t>
-            </a:r>
-            <a:r>
-              <a:rPr lang="en-US" altLang="zh-CN" b="1" dirty="0">
-                <a:latin typeface="微软雅黑" panose="020B0503020204020204" pitchFamily="34" charset="-122"/>
-                <a:ea typeface="微软雅黑" panose="020B0503020204020204" pitchFamily="34" charset="-122"/>
-                <a:sym typeface="+mn-ea"/>
-              </a:rPr>
-              <a:t>(2)</a:t>
-            </a:r>
-            <a:r>
-              <a:rPr lang="zh-CN" altLang="en-US" b="1" dirty="0">
-                <a:latin typeface="微软雅黑" panose="020B0503020204020204" pitchFamily="34" charset="-122"/>
-                <a:ea typeface="微软雅黑" panose="020B0503020204020204" pitchFamily="34" charset="-122"/>
-                <a:sym typeface="+mn-ea"/>
-              </a:rPr>
-              <a:t>中的残差是否能当做定轨结果好坏的评价标准？</a:t>
-            </a:r>
-            <a:endParaRPr lang="en-US" altLang="zh-CN" b="1" dirty="0">
-              <a:latin typeface="微软雅黑" panose="020B0503020204020204" pitchFamily="34" charset="-122"/>
-              <a:ea typeface="微软雅黑" panose="020B0503020204020204" pitchFamily="34" charset="-122"/>
-              <a:sym typeface="+mn-ea"/>
-            </a:endParaRPr>
-          </a:p>
-          <a:p>
-            <a:pPr marL="900113" lvl="1" indent="-442913">
-              <a:lnSpc>
-                <a:spcPct val="150000"/>
-              </a:lnSpc>
-            </a:pPr>
-            <a:r>
-              <a:rPr lang="en-US" altLang="zh-CN" b="1" dirty="0">
-                <a:latin typeface="微软雅黑" panose="020B0503020204020204" pitchFamily="34" charset="-122"/>
-                <a:ea typeface="微软雅黑" panose="020B0503020204020204" pitchFamily="34" charset="-122"/>
-                <a:sym typeface="+mn-ea"/>
-              </a:rPr>
-              <a:t>	(d) </a:t>
-            </a:r>
-            <a:r>
-              <a:rPr lang="zh-CN" altLang="en-US" b="1" dirty="0">
-                <a:latin typeface="微软雅黑" panose="020B0503020204020204" pitchFamily="34" charset="-122"/>
-                <a:ea typeface="微软雅黑" panose="020B0503020204020204" pitchFamily="34" charset="-122"/>
-                <a:sym typeface="+mn-ea"/>
-              </a:rPr>
-              <a:t>选取的极少量数据点的分布和定轨结果之间有没有什么联系？</a:t>
-            </a:r>
-            <a:endParaRPr lang="en-US" altLang="zh-CN" b="1" dirty="0">
-              <a:latin typeface="微软雅黑" panose="020B0503020204020204" pitchFamily="34" charset="-122"/>
-              <a:ea typeface="微软雅黑" panose="020B0503020204020204" pitchFamily="34" charset="-122"/>
-              <a:sym typeface="+mn-ea"/>
-            </a:endParaRPr>
-          </a:p>
-          <a:p>
-            <a:pPr marL="800100" lvl="1" indent="-342900">
-              <a:lnSpc>
-                <a:spcPct val="150000"/>
-              </a:lnSpc>
-              <a:buFont typeface="Arial" panose="020B0604020202020204" pitchFamily="34" charset="0"/>
-              <a:buChar char="•"/>
-            </a:pPr>
-            <a:endParaRPr lang="en-US" altLang="zh-CN" sz="2800" b="1" dirty="0">
-              <a:latin typeface="微软雅黑" panose="020B0503020204020204" pitchFamily="34" charset="-122"/>
-              <a:ea typeface="微软雅黑" panose="020B0503020204020204" pitchFamily="34" charset="-122"/>
-              <a:sym typeface="+mn-ea"/>
-            </a:endParaRPr>
-          </a:p>
-        </p:txBody>
-      </p:sp>
-      <p:sp>
-        <p:nvSpPr>
-          <p:cNvPr id="5" name="灯片编号占位符 4"/>
-          <p:cNvSpPr>
-            <a:spLocks noGrp="1"/>
-          </p:cNvSpPr>
-          <p:nvPr>
-            <p:ph type="sldNum" sz="quarter" idx="4"/>
-          </p:nvPr>
-        </p:nvSpPr>
-        <p:spPr/>
-        <p:txBody>
-          <a:bodyPr/>
-          <a:lstStyle/>
-          <a:p>
-            <a:fld id="{5F1D8F20-F945-584B-B149-8CCFBEFE168A}" type="slidenum">
-              <a:rPr kumimoji="1" lang="zh-CN" altLang="en-US" smtClean="0"/>
-              <a:t>18</a:t>
-            </a:fld>
-            <a:endParaRPr kumimoji="1" lang="zh-CN" altLang="en-US"/>
-          </a:p>
-        </p:txBody>
-      </p:sp>
-      <p:sp>
-        <p:nvSpPr>
-          <p:cNvPr id="26" name="标题 1"/>
-          <p:cNvSpPr txBox="1"/>
-          <p:nvPr/>
-        </p:nvSpPr>
-        <p:spPr>
-          <a:xfrm>
-            <a:off x="0" y="0"/>
-            <a:ext cx="12187555" cy="711200"/>
-          </a:xfrm>
-          <a:prstGeom prst="rect">
-            <a:avLst/>
-          </a:prstGeom>
-          <a:noFill/>
-        </p:spPr>
-        <p:txBody>
-          <a:bodyPr vert="horz" lIns="91440" tIns="45720" rIns="91440" bIns="45720" rtlCol="0" anchor="ctr"/>
-          <a:lstStyle/>
-          <a:p>
-            <a:pPr marL="0" marR="0" lvl="0" indent="0" algn="ctr" defTabSz="914400" rtl="0" eaLnBrk="1" fontAlgn="base" latinLnBrk="0" hangingPunct="1">
-              <a:lnSpc>
-                <a:spcPct val="100000"/>
-              </a:lnSpc>
-              <a:spcBef>
-                <a:spcPct val="0"/>
-              </a:spcBef>
-              <a:spcAft>
-                <a:spcPct val="0"/>
-              </a:spcAft>
-              <a:buClrTx/>
-              <a:buSzTx/>
-              <a:buFontTx/>
-              <a:buNone/>
-              <a:defRPr/>
-            </a:pPr>
-            <a:r>
-              <a:rPr kumimoji="0" lang="zh-CN" altLang="en-US" sz="3200" b="1" i="0" u="none" strike="noStrike" kern="1200" cap="none" spc="0" normalizeH="0" baseline="0" noProof="0">
-                <a:ln>
-                  <a:noFill/>
-                </a:ln>
-                <a:solidFill>
-                  <a:schemeClr val="bg1"/>
-                </a:solidFill>
-                <a:effectLst/>
-                <a:uLnTx/>
-                <a:uFillTx/>
-                <a:latin typeface="微软雅黑" panose="020B0503020204020204" pitchFamily="34" charset="-122"/>
-                <a:ea typeface="微软雅黑" panose="020B0503020204020204" pitchFamily="34" charset="-122"/>
-                <a:cs typeface="+mj-cs"/>
-              </a:rPr>
-              <a:t>实习作业六</a:t>
-            </a:r>
-            <a:endParaRPr kumimoji="0" lang="zh-CN" altLang="en-US" sz="3200" b="1" i="0" u="none" strike="noStrike" kern="1200" cap="none" spc="0" normalizeH="0" baseline="0" noProof="0" dirty="0">
-              <a:ln>
-                <a:noFill/>
-              </a:ln>
-              <a:solidFill>
-                <a:schemeClr val="bg1"/>
-              </a:solidFill>
-              <a:effectLst/>
-              <a:uLnTx/>
-              <a:uFillTx/>
-              <a:latin typeface="微软雅黑" panose="020B0503020204020204" pitchFamily="34" charset="-122"/>
-              <a:ea typeface="微软雅黑" panose="020B0503020204020204" pitchFamily="34" charset="-122"/>
-              <a:cs typeface="+mj-cs"/>
-            </a:endParaRPr>
-          </a:p>
-        </p:txBody>
-      </p:sp>
-      <p:sp>
-        <p:nvSpPr>
-          <p:cNvPr id="2" name="矩形 1">
-            <a:extLst>
-              <a:ext uri="{FF2B5EF4-FFF2-40B4-BE49-F238E27FC236}">
-                <a16:creationId xmlns:a16="http://schemas.microsoft.com/office/drawing/2014/main" id="{03924830-3B19-1FDB-6D9E-E4E8958E2353}"/>
-              </a:ext>
-            </a:extLst>
-          </p:cNvPr>
-          <p:cNvSpPr/>
-          <p:nvPr/>
-        </p:nvSpPr>
-        <p:spPr>
-          <a:xfrm>
-            <a:off x="8938123" y="2324113"/>
-            <a:ext cx="2956571" cy="3139321"/>
-          </a:xfrm>
-          <a:prstGeom prst="rect">
-            <a:avLst/>
-          </a:prstGeom>
-        </p:spPr>
-        <p:txBody>
-          <a:bodyPr wrap="square">
-            <a:spAutoFit/>
-          </a:bodyPr>
-          <a:lstStyle/>
-          <a:p>
-            <a:r>
-              <a:rPr lang="en-US" altLang="zh-CN" sz="1100" dirty="0"/>
-              <a:t>second of day, 	azimuth (deg), 	altitude (deg)</a:t>
-            </a:r>
-            <a:endParaRPr lang="zh-CN" altLang="zh-CN" sz="1100" dirty="0"/>
-          </a:p>
-          <a:p>
-            <a:r>
-              <a:rPr lang="en-US" altLang="zh-CN" sz="1100" dirty="0"/>
-              <a:t>28470.9946	271.9361	6.7076</a:t>
-            </a:r>
-            <a:endParaRPr lang="zh-CN" altLang="zh-CN" sz="1100" dirty="0"/>
-          </a:p>
-          <a:p>
-            <a:r>
-              <a:rPr lang="en-US" altLang="zh-CN" sz="1100" dirty="0"/>
-              <a:t>28500.9946	275.1601	9.6311</a:t>
-            </a:r>
-            <a:endParaRPr lang="zh-CN" altLang="zh-CN" sz="1100" dirty="0"/>
-          </a:p>
-          <a:p>
-            <a:r>
-              <a:rPr lang="en-US" altLang="zh-CN" sz="1100" dirty="0"/>
-              <a:t>28518.9946	277.6250	11.6617</a:t>
-            </a:r>
-            <a:endParaRPr lang="zh-CN" altLang="zh-CN" sz="1100" dirty="0"/>
-          </a:p>
-          <a:p>
-            <a:r>
-              <a:rPr lang="en-US" altLang="zh-CN" sz="1100" dirty="0"/>
-              <a:t>28542.9946	281.7988	14.8009</a:t>
-            </a:r>
-            <a:endParaRPr lang="zh-CN" altLang="zh-CN" sz="1100" dirty="0"/>
-          </a:p>
-          <a:p>
-            <a:r>
-              <a:rPr lang="en-US" altLang="zh-CN" sz="1100" dirty="0"/>
-              <a:t>28566.9946	287.4667	18.5502</a:t>
-            </a:r>
-            <a:endParaRPr lang="zh-CN" altLang="zh-CN" sz="1100" dirty="0"/>
-          </a:p>
-          <a:p>
-            <a:r>
-              <a:rPr lang="en-US" altLang="zh-CN" sz="1100" dirty="0"/>
-              <a:t>28590.9946	295.4322	23.0017</a:t>
-            </a:r>
-            <a:endParaRPr lang="zh-CN" altLang="zh-CN" sz="1100" dirty="0"/>
-          </a:p>
-          <a:p>
-            <a:r>
-              <a:rPr lang="en-US" altLang="zh-CN" sz="1100" dirty="0"/>
-              <a:t>28614.9946	306.9108	27.9622</a:t>
-            </a:r>
-            <a:endParaRPr lang="zh-CN" altLang="zh-CN" sz="1100" dirty="0"/>
-          </a:p>
-          <a:p>
-            <a:r>
-              <a:rPr lang="en-US" altLang="zh-CN" sz="1100" dirty="0"/>
-              <a:t>28639.9946	323.9602	32.6148</a:t>
-            </a:r>
-            <a:endParaRPr lang="zh-CN" altLang="zh-CN" sz="1100" dirty="0"/>
-          </a:p>
-          <a:p>
-            <a:r>
-              <a:rPr lang="en-US" altLang="zh-CN" sz="1100" dirty="0"/>
-              <a:t>28663.9946	344.6457	34.5228</a:t>
-            </a:r>
-            <a:endParaRPr lang="zh-CN" altLang="zh-CN" sz="1100" dirty="0"/>
-          </a:p>
-          <a:p>
-            <a:r>
-              <a:rPr lang="en-US" altLang="zh-CN" sz="1100" dirty="0"/>
-              <a:t>28688.9946	6.0186	32.3749</a:t>
-            </a:r>
-            <a:endParaRPr lang="zh-CN" altLang="zh-CN" sz="1100" dirty="0"/>
-          </a:p>
-          <a:p>
-            <a:r>
-              <a:rPr lang="en-US" altLang="zh-CN" sz="1100" dirty="0"/>
-              <a:t>28712.9946	22.1247	27.8551</a:t>
-            </a:r>
-            <a:endParaRPr lang="zh-CN" altLang="zh-CN" sz="1100" dirty="0"/>
-          </a:p>
-          <a:p>
-            <a:r>
-              <a:rPr lang="en-US" altLang="zh-CN" sz="1100" dirty="0"/>
-              <a:t>28735.9946	33.0931	23.1380</a:t>
-            </a:r>
-            <a:endParaRPr lang="zh-CN" altLang="zh-CN" sz="1100" dirty="0"/>
-          </a:p>
-          <a:p>
-            <a:r>
-              <a:rPr lang="en-US" altLang="zh-CN" sz="1100" dirty="0"/>
-              <a:t>28761.9946	41.6469	18.3515</a:t>
-            </a:r>
-            <a:endParaRPr lang="zh-CN" altLang="zh-CN" sz="1100" dirty="0"/>
-          </a:p>
-          <a:p>
-            <a:r>
-              <a:rPr lang="en-US" altLang="zh-CN" sz="1100" dirty="0"/>
-              <a:t>28786.9946	47.3865	14.5154</a:t>
-            </a:r>
-            <a:endParaRPr lang="zh-CN" altLang="zh-CN" sz="1100" dirty="0"/>
-          </a:p>
-          <a:p>
-            <a:r>
-              <a:rPr lang="en-US" altLang="zh-CN" sz="1100" dirty="0"/>
-              <a:t>28810.9946	51.44	11.4344</a:t>
-            </a:r>
-            <a:endParaRPr lang="zh-CN" altLang="zh-CN" sz="1100" dirty="0"/>
-          </a:p>
-          <a:p>
-            <a:r>
-              <a:rPr lang="en-US" altLang="zh-CN" sz="1100" dirty="0"/>
-              <a:t>28835.9946	54.655	8.7339</a:t>
-            </a:r>
-            <a:endParaRPr lang="zh-CN" altLang="zh-CN" sz="1100" dirty="0"/>
-          </a:p>
-          <a:p>
-            <a:r>
-              <a:rPr lang="en-US" altLang="zh-CN" sz="1100" dirty="0"/>
-              <a:t>28860.9946	57.1686	6.4067</a:t>
-            </a:r>
-            <a:endParaRPr lang="zh-CN" altLang="zh-CN" sz="1100" dirty="0"/>
-          </a:p>
-        </p:txBody>
-      </p:sp>
-      <p:sp>
-        <p:nvSpPr>
-          <p:cNvPr id="4" name="矩形 3">
-            <a:extLst>
-              <a:ext uri="{FF2B5EF4-FFF2-40B4-BE49-F238E27FC236}">
-                <a16:creationId xmlns:a16="http://schemas.microsoft.com/office/drawing/2014/main" id="{E9532F90-4102-9C73-5570-F728930DDFC8}"/>
-              </a:ext>
-            </a:extLst>
-          </p:cNvPr>
-          <p:cNvSpPr/>
-          <p:nvPr/>
-        </p:nvSpPr>
-        <p:spPr>
-          <a:xfrm>
-            <a:off x="9235932" y="1682869"/>
-            <a:ext cx="2256019" cy="461665"/>
-          </a:xfrm>
-          <a:prstGeom prst="rect">
-            <a:avLst/>
-          </a:prstGeom>
-        </p:spPr>
-        <p:txBody>
-          <a:bodyPr wrap="square">
-            <a:spAutoFit/>
-          </a:bodyPr>
-          <a:lstStyle/>
-          <a:p>
-            <a:r>
-              <a:rPr lang="en-US" altLang="zh-CN" sz="1200" dirty="0"/>
-              <a:t>2002</a:t>
-            </a:r>
-            <a:r>
-              <a:rPr lang="zh-CN" altLang="en-US" sz="1200" dirty="0"/>
-              <a:t>年</a:t>
-            </a:r>
-            <a:r>
-              <a:rPr lang="en-US" altLang="zh-CN" sz="1200" dirty="0"/>
-              <a:t>3</a:t>
-            </a:r>
-            <a:r>
-              <a:rPr lang="zh-CN" altLang="en-US" sz="1200" dirty="0"/>
-              <a:t>月</a:t>
-            </a:r>
-            <a:r>
-              <a:rPr lang="en-US" altLang="zh-CN" sz="1200" dirty="0"/>
-              <a:t>30</a:t>
-            </a:r>
-            <a:r>
-              <a:rPr lang="zh-CN" altLang="en-US" sz="1200" dirty="0"/>
-              <a:t>日</a:t>
-            </a:r>
-          </a:p>
-          <a:p>
-            <a:r>
-              <a:rPr lang="zh-CN" altLang="en-US" sz="1200" dirty="0"/>
-              <a:t>测站坐标</a:t>
-            </a:r>
-            <a:r>
-              <a:rPr lang="en-US" altLang="zh-CN" sz="1200" dirty="0"/>
-              <a:t>: 120°E, 36°N, 40 m</a:t>
-            </a:r>
-          </a:p>
-        </p:txBody>
-      </p:sp>
-    </p:spTree>
-    <p:extLst>
-      <p:ext uri="{BB962C8B-B14F-4D97-AF65-F5344CB8AC3E}">
-        <p14:creationId xmlns:p14="http://schemas.microsoft.com/office/powerpoint/2010/main" val="344103591"/>
-      </p:ext>
-    </p:extLst>
-  </p:cSld>
-  <p:clrMapOvr>
-    <a:masterClrMapping/>
-  </p:clrMapOvr>
-  <mc:AlternateContent xmlns:mc="http://schemas.openxmlformats.org/markup-compatibility/2006" xmlns:p159="http://schemas.microsoft.com/office/powerpoint/2015/09/main">
-    <mc:Choice Requires="p159">
-      <p:transition spd="slow">
         <p159:morph option="byObject"/>
       </p:transition>
     </mc:Choice>
@@ -12190,8 +14996,8 @@
         </p:nvSpPr>
         <p:spPr>
           <a:xfrm>
-            <a:off x="3916999" y="2122809"/>
-            <a:ext cx="7280653" cy="2612382"/>
+            <a:off x="2505799" y="2126436"/>
+            <a:ext cx="9014201" cy="2612382"/>
           </a:xfrm>
           <a:prstGeom prst="rect">
             <a:avLst/>
@@ -12218,20 +15024,25 @@
                 <a:solidFill>
                   <a:schemeClr val="tx1"/>
                 </a:solidFill>
-                <a:latin typeface="微软雅黑" panose="020B0503020204020204" pitchFamily="34" charset="-122"/>
-                <a:ea typeface="微软雅黑" panose="020B0503020204020204" pitchFamily="34" charset="-122"/>
+                <a:latin typeface="Times New Roman" panose="02020603050405020304" pitchFamily="18" charset="0"/>
+                <a:ea typeface="微软雅黑" panose="020B0503020204020204" pitchFamily="34" charset="-122"/>
+                <a:cs typeface="Times New Roman" panose="02020603050405020304" pitchFamily="18" charset="0"/>
                 <a:sym typeface="+mn-ea"/>
               </a:rPr>
-              <a:t>初轨确定</a:t>
-            </a:r>
-            <a:endParaRPr lang="en-US" altLang="zh-CN" sz="3200" b="1" dirty="0">
-              <a:solidFill>
-                <a:schemeClr val="tx1"/>
-              </a:solidFill>
-              <a:latin typeface="微软雅黑" panose="020B0503020204020204" pitchFamily="34" charset="-122"/>
-              <a:ea typeface="微软雅黑" panose="020B0503020204020204" pitchFamily="34" charset="-122"/>
-              <a:sym typeface="+mn-ea"/>
-            </a:endParaRPr>
+              <a:t>初轨确定 </a:t>
+            </a:r>
+            <a:r>
+              <a:rPr lang="en-US" altLang="zh-CN" sz="2400" b="1" dirty="0">
+                <a:solidFill>
+                  <a:schemeClr val="tx1"/>
+                </a:solidFill>
+                <a:latin typeface="Times New Roman" panose="02020603050405020304" pitchFamily="18" charset="0"/>
+                <a:ea typeface="微软雅黑" panose="020B0503020204020204" pitchFamily="34" charset="-122"/>
+                <a:cs typeface="Times New Roman" panose="02020603050405020304" pitchFamily="18" charset="0"/>
+                <a:sym typeface="+mn-ea"/>
+              </a:rPr>
+              <a:t>(Initial / Preliminary Orbit Determination, IOD)</a:t>
+            </a:r>
           </a:p>
           <a:p>
             <a:pPr marL="800100" lvl="1" indent="-342900">
@@ -12246,8 +15057,9 @@
                 <a:solidFill>
                   <a:schemeClr val="tx1"/>
                 </a:solidFill>
-                <a:latin typeface="微软雅黑" panose="020B0503020204020204" pitchFamily="34" charset="-122"/>
-                <a:ea typeface="微软雅黑" panose="020B0503020204020204" pitchFamily="34" charset="-122"/>
+                <a:latin typeface="Times New Roman" panose="02020603050405020304" pitchFamily="18" charset="0"/>
+                <a:ea typeface="微软雅黑" panose="020B0503020204020204" pitchFamily="34" charset="-122"/>
+                <a:cs typeface="Times New Roman" panose="02020603050405020304" pitchFamily="18" charset="0"/>
                 <a:sym typeface="+mn-ea"/>
               </a:rPr>
               <a:t>基于少量观测量获取轨道初值 </a:t>
@@ -12257,8 +15069,9 @@
                 <a:solidFill>
                   <a:schemeClr val="tx1"/>
                 </a:solidFill>
-                <a:latin typeface="微软雅黑" panose="020B0503020204020204" pitchFamily="34" charset="-122"/>
-                <a:ea typeface="微软雅黑" panose="020B0503020204020204" pitchFamily="34" charset="-122"/>
+                <a:latin typeface="Times New Roman" panose="02020603050405020304" pitchFamily="18" charset="0"/>
+                <a:ea typeface="微软雅黑" panose="020B0503020204020204" pitchFamily="34" charset="-122"/>
+                <a:cs typeface="Times New Roman" panose="02020603050405020304" pitchFamily="18" charset="0"/>
                 <a:sym typeface="+mn-ea"/>
               </a:rPr>
               <a:t>/ </a:t>
@@ -12268,8 +15081,9 @@
                 <a:solidFill>
                   <a:schemeClr val="tx1"/>
                 </a:solidFill>
-                <a:latin typeface="微软雅黑" panose="020B0503020204020204" pitchFamily="34" charset="-122"/>
-                <a:ea typeface="微软雅黑" panose="020B0503020204020204" pitchFamily="34" charset="-122"/>
+                <a:latin typeface="Times New Roman" panose="02020603050405020304" pitchFamily="18" charset="0"/>
+                <a:ea typeface="微软雅黑" panose="020B0503020204020204" pitchFamily="34" charset="-122"/>
+                <a:cs typeface="Times New Roman" panose="02020603050405020304" pitchFamily="18" charset="0"/>
                 <a:sym typeface="+mn-ea"/>
               </a:rPr>
               <a:t>先验信息</a:t>
@@ -12278,8 +15092,9 @@
               <a:solidFill>
                 <a:schemeClr val="tx1"/>
               </a:solidFill>
-              <a:latin typeface="微软雅黑" panose="020B0503020204020204" pitchFamily="34" charset="-122"/>
+              <a:latin typeface="Times New Roman" panose="02020603050405020304" pitchFamily="18" charset="0"/>
               <a:ea typeface="微软雅黑" panose="020B0503020204020204" pitchFamily="34" charset="-122"/>
+              <a:cs typeface="Times New Roman" panose="02020603050405020304" pitchFamily="18" charset="0"/>
               <a:sym typeface="+mn-ea"/>
             </a:endParaRPr>
           </a:p>
@@ -12299,18 +15114,32 @@
                 <a:solidFill>
                   <a:schemeClr val="tx1"/>
                 </a:solidFill>
-                <a:latin typeface="微软雅黑" panose="020B0503020204020204" pitchFamily="34" charset="-122"/>
-                <a:ea typeface="微软雅黑" panose="020B0503020204020204" pitchFamily="34" charset="-122"/>
+                <a:latin typeface="Times New Roman" panose="02020603050405020304" pitchFamily="18" charset="0"/>
+                <a:ea typeface="微软雅黑" panose="020B0503020204020204" pitchFamily="34" charset="-122"/>
+                <a:cs typeface="Times New Roman" panose="02020603050405020304" pitchFamily="18" charset="0"/>
                 <a:sym typeface="+mn-ea"/>
               </a:rPr>
-              <a:t>精密定轨原理</a:t>
-            </a:r>
-            <a:endParaRPr lang="en-US" altLang="zh-CN" sz="3200" b="1" dirty="0">
+              <a:t>精密定轨原理 </a:t>
+            </a:r>
+            <a:r>
+              <a:rPr lang="en-US" altLang="zh-CN" sz="2400" b="1" dirty="0">
+                <a:solidFill>
+                  <a:schemeClr val="tx1"/>
+                </a:solidFill>
+                <a:latin typeface="Times New Roman" panose="02020603050405020304" pitchFamily="18" charset="0"/>
+                <a:ea typeface="微软雅黑" panose="020B0503020204020204" pitchFamily="34" charset="-122"/>
+                <a:cs typeface="Times New Roman" panose="02020603050405020304" pitchFamily="18" charset="0"/>
+                <a:sym typeface="+mn-ea"/>
+              </a:rPr>
+              <a:t>(Precise Orbit Determination, POD)</a:t>
+            </a:r>
+            <a:endParaRPr lang="en-US" altLang="zh-CN" sz="3600" b="1" dirty="0">
               <a:solidFill>
                 <a:schemeClr val="tx1"/>
               </a:solidFill>
-              <a:latin typeface="微软雅黑" panose="020B0503020204020204" pitchFamily="34" charset="-122"/>
+              <a:latin typeface="Times New Roman" panose="02020603050405020304" pitchFamily="18" charset="0"/>
               <a:ea typeface="微软雅黑" panose="020B0503020204020204" pitchFamily="34" charset="-122"/>
+              <a:cs typeface="Times New Roman" panose="02020603050405020304" pitchFamily="18" charset="0"/>
               <a:sym typeface="+mn-ea"/>
             </a:endParaRPr>
           </a:p>
@@ -12327,8 +15156,9 @@
                 <a:solidFill>
                   <a:schemeClr val="tx1"/>
                 </a:solidFill>
-                <a:latin typeface="微软雅黑" panose="020B0503020204020204" pitchFamily="34" charset="-122"/>
-                <a:ea typeface="微软雅黑" panose="020B0503020204020204" pitchFamily="34" charset="-122"/>
+                <a:latin typeface="Times New Roman" panose="02020603050405020304" pitchFamily="18" charset="0"/>
+                <a:ea typeface="微软雅黑" panose="020B0503020204020204" pitchFamily="34" charset="-122"/>
+                <a:cs typeface="Times New Roman" panose="02020603050405020304" pitchFamily="18" charset="0"/>
                 <a:sym typeface="+mn-ea"/>
               </a:rPr>
               <a:t>轨道改进</a:t>
@@ -12337,8 +15167,9 @@
               <a:solidFill>
                 <a:schemeClr val="tx1"/>
               </a:solidFill>
-              <a:latin typeface="微软雅黑" panose="020B0503020204020204" pitchFamily="34" charset="-122"/>
+              <a:latin typeface="Times New Roman" panose="02020603050405020304" pitchFamily="18" charset="0"/>
               <a:ea typeface="微软雅黑" panose="020B0503020204020204" pitchFamily="34" charset="-122"/>
+              <a:cs typeface="Times New Roman" panose="02020603050405020304" pitchFamily="18" charset="0"/>
               <a:sym typeface="+mn-ea"/>
             </a:endParaRPr>
           </a:p>
@@ -12427,6 +15258,763 @@
     <p:extLst>
       <p:ext uri="{BB962C8B-B14F-4D97-AF65-F5344CB8AC3E}">
         <p14:creationId xmlns:p14="http://schemas.microsoft.com/office/powerpoint/2010/main" val="3883279450"/>
+      </p:ext>
+    </p:extLst>
+  </p:cSld>
+  <p:clrMapOvr>
+    <a:masterClrMapping/>
+  </p:clrMapOvr>
+  <mc:AlternateContent xmlns:mc="http://schemas.openxmlformats.org/markup-compatibility/2006" xmlns:p159="http://schemas.microsoft.com/office/powerpoint/2015/09/main">
+    <mc:Choice Requires="p159">
+      <p:transition spd="slow">
+        <p159:morph option="byObject"/>
+      </p:transition>
+    </mc:Choice>
+    <mc:Fallback xmlns="">
+      <p:transition spd="slow">
+        <p:fade/>
+      </p:transition>
+    </mc:Fallback>
+  </mc:AlternateContent>
+</p:sld>
+</file>
+
+<file path=ppt/slides/slide20.xml><?xml version="1.0" encoding="utf-8"?>
+<p:sld xmlns:a="http://schemas.openxmlformats.org/drawingml/2006/main" xmlns:r="http://schemas.openxmlformats.org/officeDocument/2006/relationships" xmlns:p="http://schemas.openxmlformats.org/presentationml/2006/main">
+  <p:cSld>
+    <p:spTree>
+      <p:nvGrpSpPr>
+        <p:cNvPr id="1" name=""/>
+        <p:cNvGrpSpPr/>
+        <p:nvPr/>
+      </p:nvGrpSpPr>
+      <p:grpSpPr>
+        <a:xfrm>
+          <a:off x="0" y="0"/>
+          <a:ext cx="0" cy="0"/>
+          <a:chOff x="0" y="0"/>
+          <a:chExt cx="0" cy="0"/>
+        </a:xfrm>
+      </p:grpSpPr>
+      <p:sp>
+        <p:nvSpPr>
+          <p:cNvPr id="3" name="矩形 2"/>
+          <p:cNvSpPr/>
+          <p:nvPr/>
+        </p:nvSpPr>
+        <p:spPr>
+          <a:xfrm>
+            <a:off x="407987" y="1052513"/>
+            <a:ext cx="8753597" cy="5325369"/>
+          </a:xfrm>
+          <a:prstGeom prst="rect">
+            <a:avLst/>
+          </a:prstGeom>
+        </p:spPr>
+        <p:txBody>
+          <a:bodyPr wrap="square">
+            <a:spAutoFit/>
+          </a:bodyPr>
+          <a:lstStyle/>
+          <a:p>
+            <a:pPr marL="342900" indent="-342900">
+              <a:lnSpc>
+                <a:spcPct val="150000"/>
+              </a:lnSpc>
+              <a:buFont typeface="Arial" panose="020B0604020202020204" pitchFamily="34" charset="0"/>
+              <a:buChar char="•"/>
+            </a:pPr>
+            <a:r>
+              <a:rPr lang="zh-CN" altLang="en-US" sz="2800" b="1" dirty="0">
+                <a:solidFill>
+                  <a:schemeClr val="tx1"/>
+                </a:solidFill>
+                <a:latin typeface="微软雅黑" panose="020B0503020204020204" pitchFamily="34" charset="-122"/>
+                <a:ea typeface="微软雅黑" panose="020B0503020204020204" pitchFamily="34" charset="-122"/>
+                <a:sym typeface="+mn-ea"/>
+              </a:rPr>
+              <a:t>初轨计算（总成绩比例：</a:t>
+            </a:r>
+            <a:r>
+              <a:rPr lang="en-US" altLang="zh-CN" sz="2800" b="1" dirty="0">
+                <a:solidFill>
+                  <a:schemeClr val="tx1"/>
+                </a:solidFill>
+                <a:latin typeface="微软雅黑" panose="020B0503020204020204" pitchFamily="34" charset="-122"/>
+                <a:ea typeface="微软雅黑" panose="020B0503020204020204" pitchFamily="34" charset="-122"/>
+                <a:sym typeface="+mn-ea"/>
+              </a:rPr>
+              <a:t>25%</a:t>
+            </a:r>
+            <a:r>
+              <a:rPr lang="zh-CN" altLang="en-US" sz="2800" b="1" dirty="0">
+                <a:solidFill>
+                  <a:schemeClr val="tx1"/>
+                </a:solidFill>
+                <a:latin typeface="微软雅黑" panose="020B0503020204020204" pitchFamily="34" charset="-122"/>
+                <a:ea typeface="微软雅黑" panose="020B0503020204020204" pitchFamily="34" charset="-122"/>
+                <a:sym typeface="+mn-ea"/>
+              </a:rPr>
+              <a:t>）</a:t>
+            </a:r>
+            <a:endParaRPr lang="en-US" altLang="zh-CN" sz="2800" b="1" dirty="0">
+              <a:solidFill>
+                <a:schemeClr val="tx1"/>
+              </a:solidFill>
+              <a:latin typeface="微软雅黑" panose="020B0503020204020204" pitchFamily="34" charset="-122"/>
+              <a:ea typeface="微软雅黑" panose="020B0503020204020204" pitchFamily="34" charset="-122"/>
+              <a:sym typeface="+mn-ea"/>
+            </a:endParaRPr>
+          </a:p>
+          <a:p>
+            <a:pPr marL="900113" lvl="1" indent="-442913">
+              <a:lnSpc>
+                <a:spcPct val="150000"/>
+              </a:lnSpc>
+            </a:pPr>
+            <a:r>
+              <a:rPr lang="en-US" altLang="zh-CN" sz="2000" b="1" dirty="0">
+                <a:latin typeface="微软雅黑" panose="020B0503020204020204" pitchFamily="34" charset="-122"/>
+                <a:ea typeface="微软雅黑" panose="020B0503020204020204" pitchFamily="34" charset="-122"/>
+                <a:sym typeface="+mn-ea"/>
+              </a:rPr>
+              <a:t>(1) </a:t>
+            </a:r>
+            <a:r>
+              <a:rPr lang="zh-CN" altLang="en-US" sz="2000" b="1" dirty="0">
+                <a:latin typeface="微软雅黑" panose="020B0503020204020204" pitchFamily="34" charset="-122"/>
+                <a:ea typeface="微软雅黑" panose="020B0503020204020204" pitchFamily="34" charset="-122"/>
+                <a:sym typeface="+mn-ea"/>
+              </a:rPr>
+              <a:t>基于右侧信息和数据，给出目标在某时刻的轨道根数；</a:t>
+            </a:r>
+          </a:p>
+          <a:p>
+            <a:pPr marL="900113" lvl="1" indent="-442913">
+              <a:lnSpc>
+                <a:spcPct val="150000"/>
+              </a:lnSpc>
+            </a:pPr>
+            <a:r>
+              <a:rPr lang="en-US" altLang="zh-CN" sz="2000" b="1" dirty="0">
+                <a:latin typeface="微软雅黑" panose="020B0503020204020204" pitchFamily="34" charset="-122"/>
+                <a:ea typeface="微软雅黑" panose="020B0503020204020204" pitchFamily="34" charset="-122"/>
+                <a:sym typeface="+mn-ea"/>
+              </a:rPr>
+              <a:t>(2) </a:t>
+            </a:r>
+            <a:r>
+              <a:rPr lang="zh-CN" altLang="en-US" sz="2000" b="1" dirty="0">
+                <a:latin typeface="微软雅黑" panose="020B0503020204020204" pitchFamily="34" charset="-122"/>
+                <a:ea typeface="微软雅黑" panose="020B0503020204020204" pitchFamily="34" charset="-122"/>
+                <a:sym typeface="+mn-ea"/>
+              </a:rPr>
+              <a:t>给出定轨结果的方位角、高度角残差；</a:t>
+            </a:r>
+            <a:endParaRPr lang="en-US" altLang="zh-CN" sz="2000" b="1" dirty="0">
+              <a:latin typeface="微软雅黑" panose="020B0503020204020204" pitchFamily="34" charset="-122"/>
+              <a:ea typeface="微软雅黑" panose="020B0503020204020204" pitchFamily="34" charset="-122"/>
+              <a:sym typeface="+mn-ea"/>
+            </a:endParaRPr>
+          </a:p>
+          <a:p>
+            <a:pPr marL="900113" lvl="1" indent="-442913">
+              <a:lnSpc>
+                <a:spcPct val="150000"/>
+              </a:lnSpc>
+            </a:pPr>
+            <a:r>
+              <a:rPr lang="en-US" altLang="zh-CN" sz="2000" b="1" dirty="0">
+                <a:latin typeface="微软雅黑" panose="020B0503020204020204" pitchFamily="34" charset="-122"/>
+                <a:ea typeface="微软雅黑" panose="020B0503020204020204" pitchFamily="34" charset="-122"/>
+                <a:sym typeface="+mn-ea"/>
+              </a:rPr>
+              <a:t>(3) </a:t>
+            </a:r>
+            <a:r>
+              <a:rPr lang="zh-CN" altLang="en-US" sz="2000" b="1" dirty="0">
+                <a:latin typeface="微软雅黑" panose="020B0503020204020204" pitchFamily="34" charset="-122"/>
+                <a:ea typeface="微软雅黑" panose="020B0503020204020204" pitchFamily="34" charset="-122"/>
+                <a:sym typeface="+mn-ea"/>
+              </a:rPr>
+              <a:t>比较历元 </a:t>
+            </a:r>
+            <a:r>
+              <a:rPr lang="en-US" altLang="zh-CN" sz="2000" b="1" dirty="0">
+                <a:latin typeface="微软雅黑" panose="020B0503020204020204" pitchFamily="34" charset="-122"/>
+                <a:ea typeface="微软雅黑" panose="020B0503020204020204" pitchFamily="34" charset="-122"/>
+                <a:sym typeface="+mn-ea"/>
+              </a:rPr>
+              <a:t>J2000.0 </a:t>
+            </a:r>
+            <a:r>
+              <a:rPr lang="zh-CN" altLang="en-US" sz="2000" b="1" dirty="0">
+                <a:latin typeface="微软雅黑" panose="020B0503020204020204" pitchFamily="34" charset="-122"/>
+                <a:ea typeface="微软雅黑" panose="020B0503020204020204" pitchFamily="34" charset="-122"/>
+                <a:sym typeface="+mn-ea"/>
+              </a:rPr>
+              <a:t>平赤道坐标系下轨道根数和瞬时真赤道坐标系下轨道根数的差别；如果日期改为</a:t>
+            </a:r>
+            <a:r>
+              <a:rPr lang="en-US" altLang="zh-CN" sz="2000" b="1" dirty="0">
+                <a:latin typeface="微软雅黑" panose="020B0503020204020204" pitchFamily="34" charset="-122"/>
+                <a:ea typeface="微软雅黑" panose="020B0503020204020204" pitchFamily="34" charset="-122"/>
+                <a:sym typeface="+mn-ea"/>
+              </a:rPr>
+              <a:t>2022</a:t>
+            </a:r>
+            <a:r>
+              <a:rPr lang="zh-CN" altLang="en-US" sz="2000" b="1" dirty="0">
+                <a:latin typeface="微软雅黑" panose="020B0503020204020204" pitchFamily="34" charset="-122"/>
+                <a:ea typeface="微软雅黑" panose="020B0503020204020204" pitchFamily="34" charset="-122"/>
+                <a:sym typeface="+mn-ea"/>
+              </a:rPr>
+              <a:t>年，差别又是多少？</a:t>
+            </a:r>
+          </a:p>
+          <a:p>
+            <a:pPr marL="900113" lvl="1" indent="-442913">
+              <a:lnSpc>
+                <a:spcPct val="150000"/>
+              </a:lnSpc>
+            </a:pPr>
+            <a:r>
+              <a:rPr lang="en-US" altLang="zh-CN" sz="2000" b="1" dirty="0">
+                <a:latin typeface="微软雅黑" panose="020B0503020204020204" pitchFamily="34" charset="-122"/>
+                <a:ea typeface="微软雅黑" panose="020B0503020204020204" pitchFamily="34" charset="-122"/>
+                <a:sym typeface="+mn-ea"/>
+              </a:rPr>
+              <a:t>(4) </a:t>
+            </a:r>
+            <a:r>
+              <a:rPr lang="zh-CN" altLang="en-US" sz="2000" b="1" dirty="0">
+                <a:latin typeface="微软雅黑" panose="020B0503020204020204" pitchFamily="34" charset="-122"/>
+                <a:ea typeface="微软雅黑" panose="020B0503020204020204" pitchFamily="34" charset="-122"/>
+                <a:sym typeface="+mn-ea"/>
+              </a:rPr>
+              <a:t>任选极少量（</a:t>
+            </a:r>
+            <a:r>
+              <a:rPr lang="en-US" altLang="zh-CN" sz="2000" b="1" dirty="0">
+                <a:latin typeface="微软雅黑" panose="020B0503020204020204" pitchFamily="34" charset="-122"/>
+                <a:ea typeface="微软雅黑" panose="020B0503020204020204" pitchFamily="34" charset="-122"/>
+                <a:sym typeface="+mn-ea"/>
+              </a:rPr>
+              <a:t>3~5</a:t>
+            </a:r>
+            <a:r>
+              <a:rPr lang="zh-CN" altLang="en-US" sz="2000" b="1" dirty="0">
+                <a:latin typeface="微软雅黑" panose="020B0503020204020204" pitchFamily="34" charset="-122"/>
+                <a:ea typeface="微软雅黑" panose="020B0503020204020204" pitchFamily="34" charset="-122"/>
+                <a:sym typeface="+mn-ea"/>
+              </a:rPr>
+              <a:t>个）数据点定轨</a:t>
+            </a:r>
+            <a:endParaRPr lang="en-US" altLang="zh-CN" sz="2000" b="1" dirty="0">
+              <a:latin typeface="微软雅黑" panose="020B0503020204020204" pitchFamily="34" charset="-122"/>
+              <a:ea typeface="微软雅黑" panose="020B0503020204020204" pitchFamily="34" charset="-122"/>
+              <a:sym typeface="+mn-ea"/>
+            </a:endParaRPr>
+          </a:p>
+          <a:p>
+            <a:pPr marL="900113" lvl="1" indent="-442913">
+              <a:lnSpc>
+                <a:spcPct val="150000"/>
+              </a:lnSpc>
+            </a:pPr>
+            <a:r>
+              <a:rPr lang="en-US" altLang="zh-CN" sz="2000" b="1" dirty="0">
+                <a:latin typeface="微软雅黑" panose="020B0503020204020204" pitchFamily="34" charset="-122"/>
+                <a:ea typeface="微软雅黑" panose="020B0503020204020204" pitchFamily="34" charset="-122"/>
+                <a:sym typeface="+mn-ea"/>
+              </a:rPr>
+              <a:t>	</a:t>
+            </a:r>
+            <a:r>
+              <a:rPr lang="en-US" altLang="zh-CN" b="1" dirty="0">
+                <a:latin typeface="微软雅黑" panose="020B0503020204020204" pitchFamily="34" charset="-122"/>
+                <a:ea typeface="微软雅黑" panose="020B0503020204020204" pitchFamily="34" charset="-122"/>
+                <a:sym typeface="+mn-ea"/>
+              </a:rPr>
+              <a:t>(a) </a:t>
+            </a:r>
+            <a:r>
+              <a:rPr lang="zh-CN" altLang="en-US" b="1" dirty="0">
+                <a:latin typeface="微软雅黑" panose="020B0503020204020204" pitchFamily="34" charset="-122"/>
+                <a:ea typeface="微软雅黑" panose="020B0503020204020204" pitchFamily="34" charset="-122"/>
+                <a:sym typeface="+mn-ea"/>
+              </a:rPr>
+              <a:t>比较</a:t>
+            </a:r>
+            <a:r>
+              <a:rPr lang="en-US" altLang="zh-CN" b="1" dirty="0">
+                <a:latin typeface="微软雅黑" panose="020B0503020204020204" pitchFamily="34" charset="-122"/>
+                <a:ea typeface="微软雅黑" panose="020B0503020204020204" pitchFamily="34" charset="-122"/>
+                <a:sym typeface="+mn-ea"/>
+              </a:rPr>
+              <a:t>3~5</a:t>
+            </a:r>
+            <a:r>
+              <a:rPr lang="zh-CN" altLang="en-US" b="1" dirty="0">
+                <a:latin typeface="微软雅黑" panose="020B0503020204020204" pitchFamily="34" charset="-122"/>
+                <a:ea typeface="微软雅黑" panose="020B0503020204020204" pitchFamily="34" charset="-122"/>
+                <a:sym typeface="+mn-ea"/>
+              </a:rPr>
+              <a:t>点定轨和多点定轨的差异，并尝试分析这种差异的主要来源；</a:t>
+            </a:r>
+            <a:endParaRPr lang="en-US" altLang="zh-CN" b="1" dirty="0">
+              <a:latin typeface="微软雅黑" panose="020B0503020204020204" pitchFamily="34" charset="-122"/>
+              <a:ea typeface="微软雅黑" panose="020B0503020204020204" pitchFamily="34" charset="-122"/>
+              <a:sym typeface="+mn-ea"/>
+            </a:endParaRPr>
+          </a:p>
+          <a:p>
+            <a:pPr marL="900113" lvl="1" indent="-442913">
+              <a:lnSpc>
+                <a:spcPct val="150000"/>
+              </a:lnSpc>
+            </a:pPr>
+            <a:r>
+              <a:rPr lang="en-US" altLang="zh-CN" b="1" dirty="0">
+                <a:latin typeface="微软雅黑" panose="020B0503020204020204" pitchFamily="34" charset="-122"/>
+                <a:ea typeface="微软雅黑" panose="020B0503020204020204" pitchFamily="34" charset="-122"/>
+                <a:sym typeface="+mn-ea"/>
+              </a:rPr>
+              <a:t>	(b) </a:t>
+            </a:r>
+            <a:r>
+              <a:rPr lang="zh-CN" altLang="en-US" b="1" dirty="0">
+                <a:latin typeface="微软雅黑" panose="020B0503020204020204" pitchFamily="34" charset="-122"/>
+                <a:ea typeface="微软雅黑" panose="020B0503020204020204" pitchFamily="34" charset="-122"/>
+                <a:sym typeface="+mn-ea"/>
+              </a:rPr>
+              <a:t>哪个（些）根数受影响较大；从原理出发你觉得原因</a:t>
+            </a:r>
+            <a:r>
+              <a:rPr lang="en-US" altLang="zh-CN" b="1" dirty="0">
+                <a:latin typeface="微软雅黑" panose="020B0503020204020204" pitchFamily="34" charset="-122"/>
+                <a:ea typeface="微软雅黑" panose="020B0503020204020204" pitchFamily="34" charset="-122"/>
+                <a:sym typeface="+mn-ea"/>
+              </a:rPr>
+              <a:t>/</a:t>
+            </a:r>
+            <a:r>
+              <a:rPr lang="zh-CN" altLang="en-US" b="1" dirty="0">
+                <a:latin typeface="微软雅黑" panose="020B0503020204020204" pitchFamily="34" charset="-122"/>
+                <a:ea typeface="微软雅黑" panose="020B0503020204020204" pitchFamily="34" charset="-122"/>
+                <a:sym typeface="+mn-ea"/>
+              </a:rPr>
+              <a:t>来源是什么？</a:t>
+            </a:r>
+            <a:endParaRPr lang="en-US" altLang="zh-CN" b="1" dirty="0">
+              <a:latin typeface="微软雅黑" panose="020B0503020204020204" pitchFamily="34" charset="-122"/>
+              <a:ea typeface="微软雅黑" panose="020B0503020204020204" pitchFamily="34" charset="-122"/>
+              <a:sym typeface="+mn-ea"/>
+            </a:endParaRPr>
+          </a:p>
+          <a:p>
+            <a:pPr marL="900113" lvl="1" indent="-442913">
+              <a:lnSpc>
+                <a:spcPct val="150000"/>
+              </a:lnSpc>
+            </a:pPr>
+            <a:r>
+              <a:rPr lang="en-US" altLang="zh-CN" b="1" dirty="0">
+                <a:latin typeface="微软雅黑" panose="020B0503020204020204" pitchFamily="34" charset="-122"/>
+                <a:ea typeface="微软雅黑" panose="020B0503020204020204" pitchFamily="34" charset="-122"/>
+                <a:sym typeface="+mn-ea"/>
+              </a:rPr>
+              <a:t>	(c) </a:t>
+            </a:r>
+            <a:r>
+              <a:rPr lang="zh-CN" altLang="en-US" b="1" dirty="0">
+                <a:latin typeface="微软雅黑" panose="020B0503020204020204" pitchFamily="34" charset="-122"/>
+                <a:ea typeface="微软雅黑" panose="020B0503020204020204" pitchFamily="34" charset="-122"/>
+                <a:sym typeface="+mn-ea"/>
+              </a:rPr>
+              <a:t>问题</a:t>
+            </a:r>
+            <a:r>
+              <a:rPr lang="en-US" altLang="zh-CN" b="1" dirty="0">
+                <a:latin typeface="微软雅黑" panose="020B0503020204020204" pitchFamily="34" charset="-122"/>
+                <a:ea typeface="微软雅黑" panose="020B0503020204020204" pitchFamily="34" charset="-122"/>
+                <a:sym typeface="+mn-ea"/>
+              </a:rPr>
+              <a:t>(2)</a:t>
+            </a:r>
+            <a:r>
+              <a:rPr lang="zh-CN" altLang="en-US" b="1" dirty="0">
+                <a:latin typeface="微软雅黑" panose="020B0503020204020204" pitchFamily="34" charset="-122"/>
+                <a:ea typeface="微软雅黑" panose="020B0503020204020204" pitchFamily="34" charset="-122"/>
+                <a:sym typeface="+mn-ea"/>
+              </a:rPr>
+              <a:t>中的残差是否能当做定轨结果好坏的评价标准？</a:t>
+            </a:r>
+            <a:endParaRPr lang="en-US" altLang="zh-CN" b="1" dirty="0">
+              <a:latin typeface="微软雅黑" panose="020B0503020204020204" pitchFamily="34" charset="-122"/>
+              <a:ea typeface="微软雅黑" panose="020B0503020204020204" pitchFamily="34" charset="-122"/>
+              <a:sym typeface="+mn-ea"/>
+            </a:endParaRPr>
+          </a:p>
+          <a:p>
+            <a:pPr marL="900113" lvl="1" indent="-442913">
+              <a:lnSpc>
+                <a:spcPct val="150000"/>
+              </a:lnSpc>
+            </a:pPr>
+            <a:r>
+              <a:rPr lang="en-US" altLang="zh-CN" b="1" dirty="0">
+                <a:latin typeface="微软雅黑" panose="020B0503020204020204" pitchFamily="34" charset="-122"/>
+                <a:ea typeface="微软雅黑" panose="020B0503020204020204" pitchFamily="34" charset="-122"/>
+                <a:sym typeface="+mn-ea"/>
+              </a:rPr>
+              <a:t>	(d) </a:t>
+            </a:r>
+            <a:r>
+              <a:rPr lang="zh-CN" altLang="en-US" b="1" dirty="0">
+                <a:latin typeface="微软雅黑" panose="020B0503020204020204" pitchFamily="34" charset="-122"/>
+                <a:ea typeface="微软雅黑" panose="020B0503020204020204" pitchFamily="34" charset="-122"/>
+                <a:sym typeface="+mn-ea"/>
+              </a:rPr>
+              <a:t>选取的极少量数据点的分布和定轨结果之间有没有什么联系？</a:t>
+            </a:r>
+            <a:endParaRPr lang="en-US" altLang="zh-CN" b="1" dirty="0">
+              <a:latin typeface="微软雅黑" panose="020B0503020204020204" pitchFamily="34" charset="-122"/>
+              <a:ea typeface="微软雅黑" panose="020B0503020204020204" pitchFamily="34" charset="-122"/>
+              <a:sym typeface="+mn-ea"/>
+            </a:endParaRPr>
+          </a:p>
+          <a:p>
+            <a:pPr marL="800100" lvl="1" indent="-342900">
+              <a:lnSpc>
+                <a:spcPct val="150000"/>
+              </a:lnSpc>
+              <a:buFont typeface="Arial" panose="020B0604020202020204" pitchFamily="34" charset="0"/>
+              <a:buChar char="•"/>
+            </a:pPr>
+            <a:endParaRPr lang="en-US" altLang="zh-CN" sz="2800" b="1" dirty="0">
+              <a:latin typeface="微软雅黑" panose="020B0503020204020204" pitchFamily="34" charset="-122"/>
+              <a:ea typeface="微软雅黑" panose="020B0503020204020204" pitchFamily="34" charset="-122"/>
+              <a:sym typeface="+mn-ea"/>
+            </a:endParaRPr>
+          </a:p>
+        </p:txBody>
+      </p:sp>
+      <p:sp>
+        <p:nvSpPr>
+          <p:cNvPr id="5" name="灯片编号占位符 4"/>
+          <p:cNvSpPr>
+            <a:spLocks noGrp="1"/>
+          </p:cNvSpPr>
+          <p:nvPr>
+            <p:ph type="sldNum" sz="quarter" idx="4"/>
+          </p:nvPr>
+        </p:nvSpPr>
+        <p:spPr/>
+        <p:txBody>
+          <a:bodyPr/>
+          <a:lstStyle/>
+          <a:p>
+            <a:fld id="{5F1D8F20-F945-584B-B149-8CCFBEFE168A}" type="slidenum">
+              <a:rPr kumimoji="1" lang="zh-CN" altLang="en-US" smtClean="0"/>
+              <a:t>20</a:t>
+            </a:fld>
+            <a:endParaRPr kumimoji="1" lang="zh-CN" altLang="en-US"/>
+          </a:p>
+        </p:txBody>
+      </p:sp>
+      <p:sp>
+        <p:nvSpPr>
+          <p:cNvPr id="26" name="标题 1"/>
+          <p:cNvSpPr txBox="1"/>
+          <p:nvPr/>
+        </p:nvSpPr>
+        <p:spPr>
+          <a:xfrm>
+            <a:off x="0" y="0"/>
+            <a:ext cx="12187555" cy="711200"/>
+          </a:xfrm>
+          <a:prstGeom prst="rect">
+            <a:avLst/>
+          </a:prstGeom>
+          <a:noFill/>
+        </p:spPr>
+        <p:txBody>
+          <a:bodyPr vert="horz" lIns="91440" tIns="45720" rIns="91440" bIns="45720" rtlCol="0" anchor="ctr"/>
+          <a:lstStyle/>
+          <a:p>
+            <a:pPr marL="0" marR="0" lvl="0" indent="0" algn="ctr" defTabSz="914400" rtl="0" eaLnBrk="1" fontAlgn="base" latinLnBrk="0" hangingPunct="1">
+              <a:lnSpc>
+                <a:spcPct val="100000"/>
+              </a:lnSpc>
+              <a:spcBef>
+                <a:spcPct val="0"/>
+              </a:spcBef>
+              <a:spcAft>
+                <a:spcPct val="0"/>
+              </a:spcAft>
+              <a:buClrTx/>
+              <a:buSzTx/>
+              <a:buFontTx/>
+              <a:buNone/>
+              <a:defRPr/>
+            </a:pPr>
+            <a:r>
+              <a:rPr kumimoji="0" lang="zh-CN" altLang="en-US" sz="3200" b="1" i="0" u="none" strike="noStrike" kern="1200" cap="none" spc="0" normalizeH="0" baseline="0" noProof="0">
+                <a:ln>
+                  <a:noFill/>
+                </a:ln>
+                <a:solidFill>
+                  <a:schemeClr val="bg1"/>
+                </a:solidFill>
+                <a:effectLst/>
+                <a:uLnTx/>
+                <a:uFillTx/>
+                <a:latin typeface="微软雅黑" panose="020B0503020204020204" pitchFamily="34" charset="-122"/>
+                <a:ea typeface="微软雅黑" panose="020B0503020204020204" pitchFamily="34" charset="-122"/>
+                <a:cs typeface="+mj-cs"/>
+              </a:rPr>
+              <a:t>实习作业六</a:t>
+            </a:r>
+            <a:endParaRPr kumimoji="0" lang="zh-CN" altLang="en-US" sz="3200" b="1" i="0" u="none" strike="noStrike" kern="1200" cap="none" spc="0" normalizeH="0" baseline="0" noProof="0" dirty="0">
+              <a:ln>
+                <a:noFill/>
+              </a:ln>
+              <a:solidFill>
+                <a:schemeClr val="bg1"/>
+              </a:solidFill>
+              <a:effectLst/>
+              <a:uLnTx/>
+              <a:uFillTx/>
+              <a:latin typeface="微软雅黑" panose="020B0503020204020204" pitchFamily="34" charset="-122"/>
+              <a:ea typeface="微软雅黑" panose="020B0503020204020204" pitchFamily="34" charset="-122"/>
+              <a:cs typeface="+mj-cs"/>
+            </a:endParaRPr>
+          </a:p>
+        </p:txBody>
+      </p:sp>
+      <p:sp>
+        <p:nvSpPr>
+          <p:cNvPr id="2" name="矩形 1">
+            <a:extLst>
+              <a:ext uri="{FF2B5EF4-FFF2-40B4-BE49-F238E27FC236}">
+                <a16:creationId xmlns:a16="http://schemas.microsoft.com/office/drawing/2014/main" id="{03924830-3B19-1FDB-6D9E-E4E8958E2353}"/>
+              </a:ext>
+            </a:extLst>
+          </p:cNvPr>
+          <p:cNvSpPr/>
+          <p:nvPr/>
+        </p:nvSpPr>
+        <p:spPr>
+          <a:xfrm>
+            <a:off x="8938123" y="2324113"/>
+            <a:ext cx="2956571" cy="3139321"/>
+          </a:xfrm>
+          <a:prstGeom prst="rect">
+            <a:avLst/>
+          </a:prstGeom>
+        </p:spPr>
+        <p:txBody>
+          <a:bodyPr wrap="square">
+            <a:spAutoFit/>
+          </a:bodyPr>
+          <a:lstStyle/>
+          <a:p>
+            <a:r>
+              <a:rPr lang="en-US" altLang="zh-CN" sz="1100" dirty="0"/>
+              <a:t>second of day, 	azimuth (deg), 	altitude (deg)</a:t>
+            </a:r>
+            <a:endParaRPr lang="zh-CN" altLang="zh-CN" sz="1100" dirty="0"/>
+          </a:p>
+          <a:p>
+            <a:r>
+              <a:rPr lang="en-US" altLang="zh-CN" sz="1100" dirty="0"/>
+              <a:t>28470.9946	271.9361	6.7076</a:t>
+            </a:r>
+            <a:endParaRPr lang="zh-CN" altLang="zh-CN" sz="1100" dirty="0"/>
+          </a:p>
+          <a:p>
+            <a:r>
+              <a:rPr lang="en-US" altLang="zh-CN" sz="1100" dirty="0"/>
+              <a:t>28500.9946	275.1601	9.6311</a:t>
+            </a:r>
+            <a:endParaRPr lang="zh-CN" altLang="zh-CN" sz="1100" dirty="0"/>
+          </a:p>
+          <a:p>
+            <a:r>
+              <a:rPr lang="en-US" altLang="zh-CN" sz="1100" dirty="0"/>
+              <a:t>28518.9946	277.6250	11.6617</a:t>
+            </a:r>
+            <a:endParaRPr lang="zh-CN" altLang="zh-CN" sz="1100" dirty="0"/>
+          </a:p>
+          <a:p>
+            <a:r>
+              <a:rPr lang="en-US" altLang="zh-CN" sz="1100" dirty="0"/>
+              <a:t>28542.9946	281.7988	14.8009</a:t>
+            </a:r>
+            <a:endParaRPr lang="zh-CN" altLang="zh-CN" sz="1100" dirty="0"/>
+          </a:p>
+          <a:p>
+            <a:r>
+              <a:rPr lang="en-US" altLang="zh-CN" sz="1100" dirty="0"/>
+              <a:t>28566.9946	287.4667	18.5502</a:t>
+            </a:r>
+            <a:endParaRPr lang="zh-CN" altLang="zh-CN" sz="1100" dirty="0"/>
+          </a:p>
+          <a:p>
+            <a:r>
+              <a:rPr lang="en-US" altLang="zh-CN" sz="1100" dirty="0"/>
+              <a:t>28590.9946	295.4322	23.0017</a:t>
+            </a:r>
+            <a:endParaRPr lang="zh-CN" altLang="zh-CN" sz="1100" dirty="0"/>
+          </a:p>
+          <a:p>
+            <a:r>
+              <a:rPr lang="en-US" altLang="zh-CN" sz="1100" dirty="0"/>
+              <a:t>28614.9946	306.9108	27.9622</a:t>
+            </a:r>
+            <a:endParaRPr lang="zh-CN" altLang="zh-CN" sz="1100" dirty="0"/>
+          </a:p>
+          <a:p>
+            <a:r>
+              <a:rPr lang="en-US" altLang="zh-CN" sz="1100" dirty="0"/>
+              <a:t>28639.9946	323.9602	32.6148</a:t>
+            </a:r>
+            <a:endParaRPr lang="zh-CN" altLang="zh-CN" sz="1100" dirty="0"/>
+          </a:p>
+          <a:p>
+            <a:r>
+              <a:rPr lang="en-US" altLang="zh-CN" sz="1100" dirty="0"/>
+              <a:t>28663.9946	344.6457	34.5228</a:t>
+            </a:r>
+            <a:endParaRPr lang="zh-CN" altLang="zh-CN" sz="1100" dirty="0"/>
+          </a:p>
+          <a:p>
+            <a:r>
+              <a:rPr lang="en-US" altLang="zh-CN" sz="1100" dirty="0"/>
+              <a:t>28688.9946	6.0186	32.3749</a:t>
+            </a:r>
+            <a:endParaRPr lang="zh-CN" altLang="zh-CN" sz="1100" dirty="0"/>
+          </a:p>
+          <a:p>
+            <a:r>
+              <a:rPr lang="en-US" altLang="zh-CN" sz="1100" dirty="0"/>
+              <a:t>28712.9946	22.1247	27.8551</a:t>
+            </a:r>
+            <a:endParaRPr lang="zh-CN" altLang="zh-CN" sz="1100" dirty="0"/>
+          </a:p>
+          <a:p>
+            <a:r>
+              <a:rPr lang="en-US" altLang="zh-CN" sz="1100" dirty="0"/>
+              <a:t>28735.9946	33.0931	23.1380</a:t>
+            </a:r>
+            <a:endParaRPr lang="zh-CN" altLang="zh-CN" sz="1100" dirty="0"/>
+          </a:p>
+          <a:p>
+            <a:r>
+              <a:rPr lang="en-US" altLang="zh-CN" sz="1100" dirty="0"/>
+              <a:t>28761.9946	41.6469	18.3515</a:t>
+            </a:r>
+            <a:endParaRPr lang="zh-CN" altLang="zh-CN" sz="1100" dirty="0"/>
+          </a:p>
+          <a:p>
+            <a:r>
+              <a:rPr lang="en-US" altLang="zh-CN" sz="1100" dirty="0"/>
+              <a:t>28786.9946	47.3865	14.5154</a:t>
+            </a:r>
+            <a:endParaRPr lang="zh-CN" altLang="zh-CN" sz="1100" dirty="0"/>
+          </a:p>
+          <a:p>
+            <a:r>
+              <a:rPr lang="en-US" altLang="zh-CN" sz="1100" dirty="0"/>
+              <a:t>28810.9946	51.44	11.4344</a:t>
+            </a:r>
+            <a:endParaRPr lang="zh-CN" altLang="zh-CN" sz="1100" dirty="0"/>
+          </a:p>
+          <a:p>
+            <a:r>
+              <a:rPr lang="en-US" altLang="zh-CN" sz="1100" dirty="0"/>
+              <a:t>28835.9946	54.655	8.7339</a:t>
+            </a:r>
+            <a:endParaRPr lang="zh-CN" altLang="zh-CN" sz="1100" dirty="0"/>
+          </a:p>
+          <a:p>
+            <a:r>
+              <a:rPr lang="en-US" altLang="zh-CN" sz="1100" dirty="0"/>
+              <a:t>28860.9946	57.1686	6.4067</a:t>
+            </a:r>
+            <a:endParaRPr lang="zh-CN" altLang="zh-CN" sz="1100" dirty="0"/>
+          </a:p>
+        </p:txBody>
+      </p:sp>
+      <p:sp>
+        <p:nvSpPr>
+          <p:cNvPr id="4" name="矩形 3">
+            <a:extLst>
+              <a:ext uri="{FF2B5EF4-FFF2-40B4-BE49-F238E27FC236}">
+                <a16:creationId xmlns:a16="http://schemas.microsoft.com/office/drawing/2014/main" id="{E9532F90-4102-9C73-5570-F728930DDFC8}"/>
+              </a:ext>
+            </a:extLst>
+          </p:cNvPr>
+          <p:cNvSpPr/>
+          <p:nvPr/>
+        </p:nvSpPr>
+        <p:spPr>
+          <a:xfrm>
+            <a:off x="9235932" y="1682869"/>
+            <a:ext cx="2256019" cy="461665"/>
+          </a:xfrm>
+          <a:prstGeom prst="rect">
+            <a:avLst/>
+          </a:prstGeom>
+        </p:spPr>
+        <p:txBody>
+          <a:bodyPr wrap="square">
+            <a:spAutoFit/>
+          </a:bodyPr>
+          <a:lstStyle/>
+          <a:p>
+            <a:r>
+              <a:rPr lang="en-US" altLang="zh-CN" sz="1200" dirty="0"/>
+              <a:t>2002</a:t>
+            </a:r>
+            <a:r>
+              <a:rPr lang="zh-CN" altLang="en-US" sz="1200" dirty="0"/>
+              <a:t>年</a:t>
+            </a:r>
+            <a:r>
+              <a:rPr lang="en-US" altLang="zh-CN" sz="1200" dirty="0"/>
+              <a:t>3</a:t>
+            </a:r>
+            <a:r>
+              <a:rPr lang="zh-CN" altLang="en-US" sz="1200" dirty="0"/>
+              <a:t>月</a:t>
+            </a:r>
+            <a:r>
+              <a:rPr lang="en-US" altLang="zh-CN" sz="1200" dirty="0"/>
+              <a:t>30</a:t>
+            </a:r>
+            <a:r>
+              <a:rPr lang="zh-CN" altLang="en-US" sz="1200" dirty="0"/>
+              <a:t>日</a:t>
+            </a:r>
+          </a:p>
+          <a:p>
+            <a:r>
+              <a:rPr lang="zh-CN" altLang="en-US" sz="1200" dirty="0"/>
+              <a:t>测站坐标</a:t>
+            </a:r>
+            <a:r>
+              <a:rPr lang="en-US" altLang="zh-CN" sz="1200" dirty="0"/>
+              <a:t>: 120°E, 36°N, 40 m</a:t>
+            </a:r>
+          </a:p>
+        </p:txBody>
+      </p:sp>
+    </p:spTree>
+    <p:extLst>
+      <p:ext uri="{BB962C8B-B14F-4D97-AF65-F5344CB8AC3E}">
+        <p14:creationId xmlns:p14="http://schemas.microsoft.com/office/powerpoint/2010/main" val="344103591"/>
       </p:ext>
     </p:extLst>
   </p:cSld>
@@ -13412,7 +17000,7 @@
         <p:spPr>
           <a:xfrm>
             <a:off x="6055586" y="1642899"/>
-            <a:ext cx="4771762" cy="4284314"/>
+            <a:ext cx="4771762" cy="4745979"/>
           </a:xfrm>
           <a:prstGeom prst="rect">
             <a:avLst/>
@@ -13437,7 +17025,7 @@
                 <a:ea typeface="微软雅黑" panose="020B0503020204020204" pitchFamily="34" charset="-122"/>
                 <a:sym typeface="+mn-ea"/>
               </a:rPr>
-              <a:t>早期分类：</a:t>
+              <a:t>分类：</a:t>
             </a:r>
             <a:endParaRPr lang="en-US" altLang="zh-CN" sz="2400" b="1" dirty="0">
               <a:latin typeface="微软雅黑" panose="020B0503020204020204" pitchFamily="34" charset="-122"/>
@@ -13514,6 +17102,63 @@
               <a:ea typeface="微软雅黑" panose="020B0503020204020204" pitchFamily="34" charset="-122"/>
               <a:sym typeface="+mn-ea"/>
             </a:endParaRPr>
+          </a:p>
+          <a:p>
+            <a:pPr marL="1257300" lvl="2" indent="-342900">
+              <a:lnSpc>
+                <a:spcPct val="150000"/>
+              </a:lnSpc>
+              <a:buFont typeface="Arial" panose="020B0604020202020204" pitchFamily="34" charset="0"/>
+              <a:buChar char="•"/>
+            </a:pPr>
+            <a:r>
+              <a:rPr lang="zh-CN" altLang="en-US" sz="2000" b="1" dirty="0">
+                <a:latin typeface="微软雅黑" panose="020B0503020204020204" pitchFamily="34" charset="-122"/>
+                <a:ea typeface="微软雅黑" panose="020B0503020204020204" pitchFamily="34" charset="-122"/>
+                <a:sym typeface="+mn-ea"/>
+              </a:rPr>
+              <a:t>原版：解</a:t>
+            </a:r>
+            <a:r>
+              <a:rPr lang="en-US" altLang="zh-CN" sz="2000" b="1" dirty="0">
+                <a:latin typeface="微软雅黑" panose="020B0503020204020204" pitchFamily="34" charset="-122"/>
+                <a:ea typeface="微软雅黑" panose="020B0503020204020204" pitchFamily="34" charset="-122"/>
+                <a:sym typeface="+mn-ea"/>
+              </a:rPr>
+              <a:t>8</a:t>
+            </a:r>
+            <a:r>
+              <a:rPr lang="zh-CN" altLang="en-US" sz="2000" b="1" dirty="0">
+                <a:latin typeface="微软雅黑" panose="020B0503020204020204" pitchFamily="34" charset="-122"/>
+                <a:ea typeface="微软雅黑" panose="020B0503020204020204" pitchFamily="34" charset="-122"/>
+                <a:sym typeface="+mn-ea"/>
+              </a:rPr>
+              <a:t>次方程</a:t>
+            </a:r>
+            <a:r>
+              <a:rPr lang="en-US" altLang="zh-CN" sz="2000" b="1" dirty="0">
+                <a:latin typeface="微软雅黑" panose="020B0503020204020204" pitchFamily="34" charset="-122"/>
+                <a:ea typeface="微软雅黑" panose="020B0503020204020204" pitchFamily="34" charset="-122"/>
+                <a:sym typeface="+mn-ea"/>
+              </a:rPr>
+              <a:t>(</a:t>
+            </a:r>
+            <a:r>
+              <a:rPr lang="zh-CN" altLang="en-US" sz="2000" b="1" dirty="0">
+                <a:latin typeface="微软雅黑" panose="020B0503020204020204" pitchFamily="34" charset="-122"/>
+                <a:ea typeface="微软雅黑" panose="020B0503020204020204" pitchFamily="34" charset="-122"/>
+                <a:sym typeface="+mn-ea"/>
+              </a:rPr>
+              <a:t>组</a:t>
+            </a:r>
+            <a:r>
+              <a:rPr lang="en-US" altLang="zh-CN" sz="2000" b="1" dirty="0">
+                <a:latin typeface="微软雅黑" panose="020B0503020204020204" pitchFamily="34" charset="-122"/>
+                <a:ea typeface="微软雅黑" panose="020B0503020204020204" pitchFamily="34" charset="-122"/>
+                <a:sym typeface="+mn-ea"/>
+              </a:rPr>
+              <a:t>)</a:t>
+            </a:r>
           </a:p>
           <a:p>
             <a:pPr marL="1257300" lvl="2" indent="-342900">
@@ -21890,7 +25535,7 @@
               <a:buChar char="•"/>
             </a:pPr>
             <a:r>
-              <a:rPr lang="zh-CN" altLang="en-US" sz="2800" b="1" dirty="0">
+              <a:rPr lang="zh-CN" altLang="en-US" sz="2800" b="1">
                 <a:solidFill>
                   <a:schemeClr val="tx1"/>
                 </a:solidFill>
@@ -21900,7 +25545,7 @@
               </a:rPr>
               <a:t>一些讨论：</a:t>
             </a:r>
-            <a:endParaRPr lang="en-US" altLang="zh-CN" sz="2800" b="1" dirty="0">
+            <a:endParaRPr lang="en-US" altLang="zh-CN" sz="2800" b="1">
               <a:solidFill>
                 <a:schemeClr val="tx1"/>
               </a:solidFill>
@@ -21918,7 +25563,7 @@
               <a:buChar char="•"/>
             </a:pPr>
             <a:r>
-              <a:rPr lang="zh-CN" altLang="en-US" sz="2800" b="1" dirty="0">
+              <a:rPr lang="zh-CN" altLang="en-US" sz="2800" b="1">
                 <a:solidFill>
                   <a:schemeClr val="tx1"/>
                 </a:solidFill>
@@ -21928,7 +25573,7 @@
               </a:rPr>
               <a:t>多站测量</a:t>
             </a:r>
-            <a:endParaRPr lang="en-US" altLang="zh-CN" sz="2800" b="1" dirty="0">
+            <a:endParaRPr lang="en-US" altLang="zh-CN" sz="2800" b="1">
               <a:solidFill>
                 <a:schemeClr val="tx1"/>
               </a:solidFill>
@@ -21946,7 +25591,7 @@
               <a:buChar char="•"/>
             </a:pPr>
             <a:r>
-              <a:rPr lang="zh-CN" altLang="en-US" sz="2000" b="1" dirty="0">
+              <a:rPr lang="zh-CN" altLang="en-US" sz="2000" b="1">
                 <a:solidFill>
                   <a:schemeClr val="tx1"/>
                 </a:solidFill>
@@ -21956,7 +25601,7 @@
               </a:rPr>
               <a:t>目标关联问题</a:t>
             </a:r>
-            <a:endParaRPr lang="en-US" altLang="zh-CN" sz="2000" b="1" dirty="0">
+            <a:endParaRPr lang="en-US" altLang="zh-CN" sz="2000" b="1">
               <a:solidFill>
                 <a:schemeClr val="tx1"/>
               </a:solidFill>
@@ -21974,7 +25619,7 @@
               <a:buChar char="•"/>
             </a:pPr>
             <a:r>
-              <a:rPr lang="zh-CN" altLang="en-US" sz="2800" b="1" dirty="0">
+              <a:rPr lang="zh-CN" altLang="en-US" sz="2800" b="1">
                 <a:solidFill>
                   <a:schemeClr val="tx1"/>
                 </a:solidFill>
@@ -21984,7 +25629,7 @@
               </a:rPr>
               <a:t>天基测量</a:t>
             </a:r>
-            <a:endParaRPr lang="en-US" altLang="zh-CN" sz="2800" b="1" dirty="0">
+            <a:endParaRPr lang="en-US" altLang="zh-CN" sz="2800" b="1">
               <a:solidFill>
                 <a:schemeClr val="tx1"/>
               </a:solidFill>
@@ -22002,7 +25647,7 @@
               <a:buChar char="•"/>
             </a:pPr>
             <a:r>
-              <a:rPr lang="zh-CN" altLang="en-US" sz="2000" b="1" dirty="0">
+              <a:rPr lang="zh-CN" altLang="en-US" sz="2000" b="1">
                 <a:solidFill>
                   <a:schemeClr val="tx1"/>
                 </a:solidFill>
@@ -22012,7 +25657,7 @@
               </a:rPr>
               <a:t>共面定轨</a:t>
             </a:r>
-            <a:endParaRPr lang="en-US" altLang="zh-CN" sz="2800" b="1" dirty="0">
+            <a:endParaRPr lang="en-US" altLang="zh-CN" sz="2800" b="1">
               <a:solidFill>
                 <a:schemeClr val="tx1"/>
               </a:solidFill>
@@ -22030,7 +25675,7 @@
               <a:buChar char="•"/>
             </a:pPr>
             <a:r>
-              <a:rPr lang="zh-CN" altLang="en-US" sz="2800" b="1" dirty="0">
+              <a:rPr lang="zh-CN" altLang="en-US" sz="2800" b="1">
                 <a:solidFill>
                   <a:schemeClr val="tx1"/>
                 </a:solidFill>
@@ -22041,7 +25686,7 @@
               <a:t>雷达测距</a:t>
             </a:r>
             <a:r>
-              <a:rPr lang="en-US" altLang="zh-CN" sz="2800" b="1" dirty="0">
+              <a:rPr lang="en-US" altLang="zh-CN" sz="2800" b="1">
                 <a:solidFill>
                   <a:schemeClr val="tx1"/>
                 </a:solidFill>
@@ -22052,7 +25697,7 @@
               <a:t>+</a:t>
             </a:r>
             <a:r>
-              <a:rPr lang="zh-CN" altLang="en-US" sz="2800" b="1" dirty="0">
+              <a:rPr lang="zh-CN" altLang="en-US" sz="2800" b="1">
                 <a:solidFill>
                   <a:schemeClr val="tx1"/>
                 </a:solidFill>
@@ -22062,7 +25707,7 @@
               </a:rPr>
               <a:t>测角</a:t>
             </a:r>
-            <a:endParaRPr lang="en-US" altLang="zh-CN" sz="2800" b="1" dirty="0">
+            <a:endParaRPr lang="en-US" altLang="zh-CN" sz="2800" b="1">
               <a:solidFill>
                 <a:schemeClr val="tx1"/>
               </a:solidFill>
@@ -22080,7 +25725,7 @@
               <a:buChar char="•"/>
             </a:pPr>
             <a:r>
-              <a:rPr lang="zh-CN" altLang="en-US" sz="2800" b="1" dirty="0">
+              <a:rPr lang="zh-CN" altLang="en-US" sz="2800" b="1">
                 <a:solidFill>
                   <a:schemeClr val="tx1"/>
                 </a:solidFill>
@@ -22090,7 +25735,7 @@
               </a:rPr>
               <a:t>单站测距</a:t>
             </a:r>
-            <a:endParaRPr lang="en-US" altLang="zh-CN" sz="2800" b="1" dirty="0">
+            <a:endParaRPr lang="en-US" altLang="zh-CN" sz="2800" b="1">
               <a:solidFill>
                 <a:schemeClr val="tx1"/>
               </a:solidFill>
@@ -22108,7 +25753,7 @@
               <a:buChar char="•"/>
             </a:pPr>
             <a:r>
-              <a:rPr lang="zh-CN" altLang="en-US" sz="2000" b="1" dirty="0">
+              <a:rPr lang="zh-CN" altLang="en-US" sz="2000" b="1">
                 <a:solidFill>
                   <a:srgbClr val="FF0000"/>
                 </a:solidFill>
@@ -22119,7 +25764,7 @@
               <a:t>理论上</a:t>
             </a:r>
             <a:r>
-              <a:rPr lang="zh-CN" altLang="en-US" sz="2000" b="1" dirty="0">
+              <a:rPr lang="zh-CN" altLang="en-US" sz="2000" b="1">
                 <a:solidFill>
                   <a:schemeClr val="tx1"/>
                 </a:solidFill>
@@ -22129,7 +25774,7 @@
               </a:rPr>
               <a:t>不可定轨</a:t>
             </a:r>
-            <a:endParaRPr lang="en-US" altLang="zh-CN" sz="2800" b="1" dirty="0">
+            <a:endParaRPr lang="en-US" altLang="zh-CN" sz="2800" b="1">
               <a:latin typeface="微软雅黑" panose="020B0503020204020204" pitchFamily="34" charset="-122"/>
               <a:ea typeface="微软雅黑" panose="020B0503020204020204" pitchFamily="34" charset="-122"/>
               <a:sym typeface="+mn-ea"/>
@@ -22144,7 +25789,7 @@
               <a:buChar char="•"/>
             </a:pPr>
             <a:r>
-              <a:rPr lang="zh-CN" altLang="en-US" sz="2800" b="1" dirty="0">
+              <a:rPr lang="zh-CN" altLang="en-US" sz="2800" b="1">
                 <a:latin typeface="微软雅黑" panose="020B0503020204020204" pitchFamily="34" charset="-122"/>
                 <a:ea typeface="微软雅黑" panose="020B0503020204020204" pitchFamily="34" charset="-122"/>
                 <a:sym typeface="+mn-ea"/>
@@ -22222,7 +25867,7 @@
               <a:defRPr/>
             </a:pPr>
             <a:r>
-              <a:rPr kumimoji="0" lang="zh-CN" altLang="en-US" sz="3200" b="1" i="0" u="none" strike="noStrike" kern="1200" cap="none" spc="0" normalizeH="0" baseline="0" noProof="0" dirty="0">
+              <a:rPr kumimoji="0" lang="zh-CN" altLang="en-US" sz="3200" b="1" i="0" u="none" strike="noStrike" kern="1200" cap="none" spc="0" normalizeH="0" baseline="0" noProof="0">
                 <a:ln>
                   <a:noFill/>
                 </a:ln>
@@ -22238,6 +25883,20 @@
               </a:rPr>
               <a:t>初轨确定</a:t>
             </a:r>
+            <a:endParaRPr kumimoji="0" lang="zh-CN" altLang="en-US" sz="3200" b="1" i="0" u="none" strike="noStrike" kern="1200" cap="none" spc="0" normalizeH="0" baseline="0" noProof="0" dirty="0">
+              <a:ln>
+                <a:noFill/>
+              </a:ln>
+              <a:solidFill>
+                <a:schemeClr val="bg1"/>
+              </a:solidFill>
+              <a:effectLst/>
+              <a:uLnTx/>
+              <a:uFillTx/>
+              <a:latin typeface="微软雅黑" panose="020B0503020204020204" pitchFamily="34" charset="-122"/>
+              <a:ea typeface="微软雅黑" panose="020B0503020204020204" pitchFamily="34" charset="-122"/>
+              <a:cs typeface="+mj-cs"/>
+            </a:endParaRPr>
           </a:p>
         </p:txBody>
       </p:sp>
@@ -22271,6 +25930,36 @@
           <a:xfrm>
             <a:off x="0" y="711200"/>
             <a:ext cx="571360" cy="571360"/>
+          </a:xfrm>
+          <a:prstGeom prst="rect">
+            <a:avLst/>
+          </a:prstGeom>
+        </p:spPr>
+      </p:pic>
+      <p:pic>
+        <p:nvPicPr>
+          <p:cNvPr id="9" name="图片 8">
+            <a:extLst>
+              <a:ext uri="{FF2B5EF4-FFF2-40B4-BE49-F238E27FC236}">
+                <a16:creationId xmlns:a16="http://schemas.microsoft.com/office/drawing/2014/main" id="{5D42FCBD-6006-2681-841D-DECDCAD8F0BD}"/>
+              </a:ext>
+            </a:extLst>
+          </p:cNvPr>
+          <p:cNvPicPr>
+            <a:picLocks noChangeAspect="1"/>
+          </p:cNvPicPr>
+          <p:nvPr/>
+        </p:nvPicPr>
+        <p:blipFill>
+          <a:blip r:embed="rId5"/>
+          <a:stretch>
+            <a:fillRect/>
+          </a:stretch>
+        </p:blipFill>
+        <p:spPr>
+          <a:xfrm>
+            <a:off x="8027377" y="2285464"/>
+            <a:ext cx="4094950" cy="4296921"/>
           </a:xfrm>
           <a:prstGeom prst="rect">
             <a:avLst/>
@@ -22770,6 +26459,41 @@
                                   </p:childTnLst>
                                 </p:cTn>
                               </p:par>
+                              <p:par>
+                                <p:cTn id="40" presetID="10" presetClass="entr" presetSubtype="0" fill="hold" nodeType="withEffect">
+                                  <p:stCondLst>
+                                    <p:cond delay="0"/>
+                                  </p:stCondLst>
+                                  <p:childTnLst>
+                                    <p:set>
+                                      <p:cBhvr>
+                                        <p:cTn id="41" dur="1" fill="hold">
+                                          <p:stCondLst>
+                                            <p:cond delay="0"/>
+                                          </p:stCondLst>
+                                        </p:cTn>
+                                        <p:tgtEl>
+                                          <p:spTgt spid="9"/>
+                                        </p:tgtEl>
+                                        <p:attrNameLst>
+                                          <p:attrName>style.visibility</p:attrName>
+                                        </p:attrNameLst>
+                                      </p:cBhvr>
+                                      <p:to>
+                                        <p:strVal val="visible"/>
+                                      </p:to>
+                                    </p:set>
+                                    <p:animEffect transition="in" filter="fade">
+                                      <p:cBhvr>
+                                        <p:cTn id="42" dur="500"/>
+                                        <p:tgtEl>
+                                          <p:spTgt spid="9"/>
+                                        </p:tgtEl>
+                                      </p:cBhvr>
+                                    </p:animEffect>
+                                  </p:childTnLst>
+                                </p:cTn>
+                              </p:par>
                             </p:childTnLst>
                           </p:cTn>
                         </p:par>
@@ -22826,8 +26550,8 @@
         </p:nvSpPr>
         <p:spPr>
           <a:xfrm>
-            <a:off x="407988" y="1052513"/>
-            <a:ext cx="6269904" cy="5371535"/>
+            <a:off x="407987" y="1052513"/>
+            <a:ext cx="11376025" cy="3442289"/>
           </a:xfrm>
           <a:prstGeom prst="rect">
             <a:avLst/>
@@ -22839,48 +26563,6 @@
           </a:bodyPr>
           <a:lstStyle/>
           <a:p>
-            <a:pPr marL="342900" indent="-342900">
-              <a:lnSpc>
-                <a:spcPct val="150000"/>
-              </a:lnSpc>
-              <a:buFont typeface="Arial" panose="020B0604020202020204" pitchFamily="34" charset="0"/>
-              <a:buChar char="•"/>
-            </a:pPr>
-            <a:r>
-              <a:rPr lang="zh-CN" altLang="en-US" sz="2800" b="1" dirty="0">
-                <a:solidFill>
-                  <a:schemeClr val="tx1"/>
-                </a:solidFill>
-                <a:latin typeface="微软雅黑" panose="020B0503020204020204" pitchFamily="34" charset="-122"/>
-                <a:ea typeface="微软雅黑" panose="020B0503020204020204" pitchFamily="34" charset="-122"/>
-                <a:sym typeface="+mn-ea"/>
-              </a:rPr>
-              <a:t>动力学方程</a:t>
-            </a:r>
-            <a:endParaRPr lang="en-US" altLang="zh-CN" sz="2800" b="1" dirty="0">
-              <a:solidFill>
-                <a:schemeClr val="tx1"/>
-              </a:solidFill>
-              <a:latin typeface="微软雅黑" panose="020B0503020204020204" pitchFamily="34" charset="-122"/>
-              <a:ea typeface="微软雅黑" panose="020B0503020204020204" pitchFamily="34" charset="-122"/>
-              <a:sym typeface="+mn-ea"/>
-            </a:endParaRPr>
-          </a:p>
-          <a:p>
-            <a:pPr marL="342900" indent="-342900">
-              <a:lnSpc>
-                <a:spcPct val="150000"/>
-              </a:lnSpc>
-              <a:buFont typeface="Arial" panose="020B0604020202020204" pitchFamily="34" charset="0"/>
-              <a:buChar char="•"/>
-            </a:pPr>
-            <a:endParaRPr lang="en-US" altLang="zh-CN" sz="2800" b="1" dirty="0">
-              <a:latin typeface="微软雅黑" panose="020B0503020204020204" pitchFamily="34" charset="-122"/>
-              <a:ea typeface="微软雅黑" panose="020B0503020204020204" pitchFamily="34" charset="-122"/>
-              <a:sym typeface="+mn-ea"/>
-            </a:endParaRPr>
-          </a:p>
-          <a:p>
             <a:pPr marL="342900" indent="-342900" fontAlgn="auto">
               <a:lnSpc>
                 <a:spcPct val="150000"/>
@@ -22891,153 +26573,169 @@
               <a:buFont typeface="Arial" panose="020B0604020202020204" pitchFamily="34" charset="0"/>
               <a:buChar char="•"/>
             </a:pPr>
-            <a:endParaRPr lang="en-US" altLang="zh-CN" sz="2400" b="1" dirty="0">
-              <a:latin typeface="微软雅黑" panose="020B0503020204020204" pitchFamily="34" charset="-122"/>
-              <a:ea typeface="微软雅黑" panose="020B0503020204020204" pitchFamily="34" charset="-122"/>
-              <a:sym typeface="+mn-ea"/>
-            </a:endParaRPr>
-          </a:p>
-          <a:p>
-            <a:pPr marL="342900" indent="-342900" fontAlgn="auto">
-              <a:lnSpc>
-                <a:spcPct val="150000"/>
-              </a:lnSpc>
-              <a:spcAft>
-                <a:spcPts val="0"/>
-              </a:spcAft>
-              <a:buFont typeface="Arial" panose="020B0604020202020204" pitchFamily="34" charset="0"/>
-              <a:buChar char="•"/>
-            </a:pPr>
             <a:r>
               <a:rPr lang="zh-CN" altLang="en-US" sz="2800" b="1" dirty="0">
                 <a:solidFill>
                   <a:schemeClr val="tx1"/>
                 </a:solidFill>
-                <a:latin typeface="微软雅黑" panose="020B0503020204020204" pitchFamily="34" charset="-122"/>
-                <a:ea typeface="微软雅黑" panose="020B0503020204020204" pitchFamily="34" charset="-122"/>
+                <a:latin typeface="Times New Roman" panose="02020603050405020304" pitchFamily="18" charset="0"/>
+                <a:ea typeface="微软雅黑" panose="020B0503020204020204" pitchFamily="34" charset="-122"/>
+                <a:cs typeface="Times New Roman" panose="02020603050405020304" pitchFamily="18" charset="0"/>
                 <a:sym typeface="+mn-ea"/>
               </a:rPr>
-              <a:t>线性化</a:t>
+              <a:t>极短弧 </a:t>
+            </a:r>
+            <a:r>
+              <a:rPr lang="en-US" altLang="zh-CN" sz="2000" b="1" dirty="0">
+                <a:solidFill>
+                  <a:schemeClr val="tx1"/>
+                </a:solidFill>
+                <a:latin typeface="Times New Roman" panose="02020603050405020304" pitchFamily="18" charset="0"/>
+                <a:ea typeface="微软雅黑" panose="020B0503020204020204" pitchFamily="34" charset="-122"/>
+                <a:cs typeface="Times New Roman" panose="02020603050405020304" pitchFamily="18" charset="0"/>
+                <a:sym typeface="+mn-ea"/>
+              </a:rPr>
+              <a:t>(Too Short Arc, TSA) </a:t>
             </a:r>
             <a:endParaRPr lang="en-US" altLang="zh-CN" sz="2800" b="1" dirty="0">
               <a:solidFill>
                 <a:schemeClr val="tx1"/>
               </a:solidFill>
-              <a:latin typeface="微软雅黑" panose="020B0503020204020204" pitchFamily="34" charset="-122"/>
+              <a:latin typeface="Times New Roman" panose="02020603050405020304" pitchFamily="18" charset="0"/>
               <a:ea typeface="微软雅黑" panose="020B0503020204020204" pitchFamily="34" charset="-122"/>
+              <a:cs typeface="Times New Roman" panose="02020603050405020304" pitchFamily="18" charset="0"/>
               <a:sym typeface="+mn-ea"/>
             </a:endParaRPr>
           </a:p>
           <a:p>
-            <a:pPr marL="342900" indent="-342900" fontAlgn="auto">
+            <a:pPr marL="800100" lvl="1" indent="-342900">
               <a:lnSpc>
                 <a:spcPct val="150000"/>
               </a:lnSpc>
-              <a:spcAft>
-                <a:spcPts val="0"/>
-              </a:spcAft>
               <a:buFont typeface="Arial" panose="020B0604020202020204" pitchFamily="34" charset="0"/>
               <a:buChar char="•"/>
             </a:pPr>
-            <a:endParaRPr lang="en-US" altLang="zh-CN" b="1" dirty="0">
-              <a:latin typeface="微软雅黑" panose="020B0503020204020204" pitchFamily="34" charset="-122"/>
+            <a:r>
+              <a:rPr lang="zh-CN" altLang="en-US" sz="2400" b="1" dirty="0">
+                <a:solidFill>
+                  <a:schemeClr val="tx1"/>
+                </a:solidFill>
+                <a:latin typeface="Times New Roman" panose="02020603050405020304" pitchFamily="18" charset="0"/>
+                <a:ea typeface="微软雅黑" panose="020B0503020204020204" pitchFamily="34" charset="-122"/>
+                <a:cs typeface="Times New Roman" panose="02020603050405020304" pitchFamily="18" charset="0"/>
+                <a:sym typeface="+mn-ea"/>
+              </a:rPr>
+              <a:t>观测数据不足以计算有意义的轨道</a:t>
+            </a:r>
+            <a:endParaRPr lang="en-US" altLang="zh-CN" sz="2400" b="1" dirty="0">
+              <a:solidFill>
+                <a:schemeClr val="tx1"/>
+              </a:solidFill>
+              <a:latin typeface="Times New Roman" panose="02020603050405020304" pitchFamily="18" charset="0"/>
               <a:ea typeface="微软雅黑" panose="020B0503020204020204" pitchFamily="34" charset="-122"/>
+              <a:cs typeface="Times New Roman" panose="02020603050405020304" pitchFamily="18" charset="0"/>
               <a:sym typeface="+mn-ea"/>
             </a:endParaRPr>
           </a:p>
           <a:p>
-            <a:pPr marL="342900" indent="-342900" fontAlgn="auto">
+            <a:pPr marL="800100" lvl="1" indent="-342900">
               <a:lnSpc>
                 <a:spcPct val="150000"/>
               </a:lnSpc>
-              <a:spcAft>
-                <a:spcPts val="0"/>
-              </a:spcAft>
               <a:buFont typeface="Arial" panose="020B0604020202020204" pitchFamily="34" charset="0"/>
               <a:buChar char="•"/>
             </a:pPr>
             <a:r>
-              <a:rPr lang="zh-CN" altLang="en-US" sz="2800" b="1" dirty="0">
+              <a:rPr lang="zh-CN" altLang="en-US" sz="2400" b="1" dirty="0">
                 <a:solidFill>
                   <a:schemeClr val="tx1"/>
                 </a:solidFill>
-                <a:latin typeface="微软雅黑" panose="020B0503020204020204" pitchFamily="34" charset="-122"/>
-                <a:ea typeface="微软雅黑" panose="020B0503020204020204" pitchFamily="34" charset="-122"/>
+                <a:latin typeface="Times New Roman" panose="02020603050405020304" pitchFamily="18" charset="0"/>
+                <a:ea typeface="微软雅黑" panose="020B0503020204020204" pitchFamily="34" charset="-122"/>
+                <a:cs typeface="Times New Roman" panose="02020603050405020304" pitchFamily="18" charset="0"/>
                 <a:sym typeface="+mn-ea"/>
               </a:rPr>
-              <a:t>条件方程</a:t>
-            </a:r>
-            <a:endParaRPr lang="en-US" altLang="zh-CN" sz="2800" b="1" dirty="0">
+              <a:t>用航迹属性 </a:t>
+            </a:r>
+            <a:r>
+              <a:rPr lang="en-GB" altLang="zh-CN" sz="2400" b="1" dirty="0">
+                <a:solidFill>
+                  <a:schemeClr val="tx1"/>
+                </a:solidFill>
+                <a:latin typeface="Times New Roman" panose="02020603050405020304" pitchFamily="18" charset="0"/>
+                <a:ea typeface="微软雅黑" panose="020B0503020204020204" pitchFamily="34" charset="-122"/>
+                <a:cs typeface="Times New Roman" panose="02020603050405020304" pitchFamily="18" charset="0"/>
+                <a:sym typeface="+mn-ea"/>
+              </a:rPr>
+              <a:t>Attributable </a:t>
+            </a:r>
+            <a:r>
+              <a:rPr lang="zh-CN" altLang="en-US" sz="2400" b="1" dirty="0">
+                <a:solidFill>
+                  <a:schemeClr val="tx1"/>
+                </a:solidFill>
+                <a:latin typeface="Times New Roman" panose="02020603050405020304" pitchFamily="18" charset="0"/>
+                <a:ea typeface="微软雅黑" panose="020B0503020204020204" pitchFamily="34" charset="-122"/>
+                <a:cs typeface="Times New Roman" panose="02020603050405020304" pitchFamily="18" charset="0"/>
+                <a:sym typeface="+mn-ea"/>
+              </a:rPr>
+              <a:t>来表示目标运动</a:t>
+            </a:r>
+            <a:endParaRPr lang="en-US" altLang="zh-CN" sz="2400" b="1" dirty="0">
               <a:solidFill>
                 <a:schemeClr val="tx1"/>
               </a:solidFill>
-              <a:latin typeface="微软雅黑" panose="020B0503020204020204" pitchFamily="34" charset="-122"/>
+              <a:latin typeface="Times New Roman" panose="02020603050405020304" pitchFamily="18" charset="0"/>
               <a:ea typeface="微软雅黑" panose="020B0503020204020204" pitchFamily="34" charset="-122"/>
+              <a:cs typeface="Times New Roman" panose="02020603050405020304" pitchFamily="18" charset="0"/>
               <a:sym typeface="+mn-ea"/>
             </a:endParaRPr>
           </a:p>
           <a:p>
-            <a:pPr marL="342900" indent="-342900" fontAlgn="auto">
+            <a:pPr marL="800100" lvl="1" indent="-342900">
               <a:lnSpc>
                 <a:spcPct val="150000"/>
               </a:lnSpc>
-              <a:spcAft>
-                <a:spcPts val="0"/>
-              </a:spcAft>
               <a:buFont typeface="Arial" panose="020B0604020202020204" pitchFamily="34" charset="0"/>
               <a:buChar char="•"/>
             </a:pPr>
-            <a:endParaRPr lang="en-US" altLang="zh-CN" b="1" dirty="0">
-              <a:latin typeface="微软雅黑" panose="020B0503020204020204" pitchFamily="34" charset="-122"/>
+            <a:endParaRPr lang="en-US" altLang="zh-CN" sz="2400" b="1" dirty="0">
+              <a:latin typeface="Times New Roman" panose="02020603050405020304" pitchFamily="18" charset="0"/>
               <a:ea typeface="微软雅黑" panose="020B0503020204020204" pitchFamily="34" charset="-122"/>
+              <a:cs typeface="Times New Roman" panose="02020603050405020304" pitchFamily="18" charset="0"/>
               <a:sym typeface="+mn-ea"/>
             </a:endParaRPr>
           </a:p>
           <a:p>
-            <a:pPr marL="342900" indent="-342900" fontAlgn="auto">
+            <a:pPr marL="800100" lvl="1" indent="-342900">
               <a:lnSpc>
                 <a:spcPct val="150000"/>
               </a:lnSpc>
-              <a:spcAft>
-                <a:spcPts val="0"/>
-              </a:spcAft>
               <a:buFont typeface="Arial" panose="020B0604020202020204" pitchFamily="34" charset="0"/>
               <a:buChar char="•"/>
             </a:pPr>
-            <a:r>
-              <a:rPr lang="zh-CN" altLang="en-US" sz="2800" b="1" dirty="0">
-                <a:solidFill>
-                  <a:schemeClr val="tx1"/>
-                </a:solidFill>
-                <a:latin typeface="微软雅黑" panose="020B0503020204020204" pitchFamily="34" charset="-122"/>
-                <a:ea typeface="微软雅黑" panose="020B0503020204020204" pitchFamily="34" charset="-122"/>
-                <a:sym typeface="+mn-ea"/>
-              </a:rPr>
-              <a:t>最小二乘求解</a:t>
-            </a:r>
-            <a:endParaRPr lang="en-US" altLang="zh-CN" sz="2800" b="1" dirty="0">
+            <a:endParaRPr lang="en-US" altLang="zh-CN" sz="2400" b="1" dirty="0">
               <a:solidFill>
                 <a:schemeClr val="tx1"/>
               </a:solidFill>
-              <a:latin typeface="微软雅黑" panose="020B0503020204020204" pitchFamily="34" charset="-122"/>
+              <a:latin typeface="Times New Roman" panose="02020603050405020304" pitchFamily="18" charset="0"/>
               <a:ea typeface="微软雅黑" panose="020B0503020204020204" pitchFamily="34" charset="-122"/>
+              <a:cs typeface="Times New Roman" panose="02020603050405020304" pitchFamily="18" charset="0"/>
               <a:sym typeface="+mn-ea"/>
             </a:endParaRPr>
           </a:p>
           <a:p>
-            <a:pPr marL="342900" indent="-342900" fontAlgn="auto">
+            <a:pPr marL="800100" lvl="1" indent="-342900">
               <a:lnSpc>
                 <a:spcPct val="150000"/>
               </a:lnSpc>
-              <a:spcAft>
-                <a:spcPts val="0"/>
-              </a:spcAft>
               <a:buFont typeface="Arial" panose="020B0604020202020204" pitchFamily="34" charset="0"/>
               <a:buChar char="•"/>
             </a:pPr>
-            <a:endParaRPr lang="en-US" altLang="zh-CN" sz="2800" b="1" dirty="0">
-              <a:latin typeface="微软雅黑" panose="020B0503020204020204" pitchFamily="34" charset="-122"/>
+            <a:endParaRPr lang="en-US" altLang="zh-CN" sz="2400" b="1" dirty="0">
+              <a:latin typeface="Times New Roman" panose="02020603050405020304" pitchFamily="18" charset="0"/>
               <a:ea typeface="微软雅黑" panose="020B0503020204020204" pitchFamily="34" charset="-122"/>
+              <a:cs typeface="Times New Roman" panose="02020603050405020304" pitchFamily="18" charset="0"/>
               <a:sym typeface="+mn-ea"/>
             </a:endParaRPr>
           </a:p>
@@ -23117,1425 +26815,17 @@
                 <a:ea typeface="微软雅黑" panose="020B0503020204020204" pitchFamily="34" charset="-122"/>
                 <a:cs typeface="+mj-cs"/>
               </a:rPr>
-              <a:t>精密定轨原理</a:t>
-            </a:r>
-          </a:p>
-        </p:txBody>
-      </p:sp>
-      <p:graphicFrame>
-        <p:nvGraphicFramePr>
-          <p:cNvPr id="8" name="对象 7">
-            <a:extLst>
-              <a:ext uri="{FF2B5EF4-FFF2-40B4-BE49-F238E27FC236}">
-                <a16:creationId xmlns:a16="http://schemas.microsoft.com/office/drawing/2014/main" id="{B38F2A16-6FF2-3F7A-7603-AFD27FB394FC}"/>
-              </a:ext>
-            </a:extLst>
-          </p:cNvPr>
-          <p:cNvGraphicFramePr>
-            <a:graphicFrameLocks noChangeAspect="1"/>
-          </p:cNvGraphicFramePr>
-          <p:nvPr>
-            <p:extLst>
-              <p:ext uri="{D42A27DB-BD31-4B8C-83A1-F6EECF244321}">
-                <p14:modId xmlns:p14="http://schemas.microsoft.com/office/powerpoint/2010/main" val="701456113"/>
-              </p:ext>
-            </p:extLst>
-          </p:nvPr>
-        </p:nvGraphicFramePr>
-        <p:xfrm>
-          <a:off x="925391" y="1943101"/>
-          <a:ext cx="3752118" cy="681952"/>
-        </p:xfrm>
-        <a:graphic>
-          <a:graphicData uri="http://schemas.openxmlformats.org/presentationml/2006/ole">
-            <mc:AlternateContent xmlns:mc="http://schemas.openxmlformats.org/markup-compatibility/2006">
-              <mc:Choice xmlns:v="urn:schemas-microsoft-com:vml" Requires="v">
-                <p:oleObj name="AxMath" r:id="rId2" imgW="2157120" imgH="391680" progId="Equation.AxMath">
-                  <p:embed/>
-                </p:oleObj>
-              </mc:Choice>
-              <mc:Fallback>
-                <p:oleObj name="AxMath" r:id="rId2" imgW="2157120" imgH="391680" progId="Equation.AxMath">
-                  <p:embed/>
-                  <p:pic>
-                    <p:nvPicPr>
-                      <p:cNvPr id="0" name=""/>
-                      <p:cNvPicPr/>
-                      <p:nvPr/>
-                    </p:nvPicPr>
-                    <p:blipFill>
-                      <a:blip r:embed="rId3"/>
-                      <a:stretch>
-                        <a:fillRect/>
-                      </a:stretch>
-                    </p:blipFill>
-                    <p:spPr>
-                      <a:xfrm>
-                        <a:off x="925391" y="1943101"/>
-                        <a:ext cx="3752118" cy="681952"/>
-                      </a:xfrm>
-                      <a:prstGeom prst="rect">
-                        <a:avLst/>
-                      </a:prstGeom>
-                    </p:spPr>
-                  </p:pic>
-                </p:oleObj>
-              </mc:Fallback>
-            </mc:AlternateContent>
-          </a:graphicData>
-        </a:graphic>
-      </p:graphicFrame>
-      <p:graphicFrame>
-        <p:nvGraphicFramePr>
-          <p:cNvPr id="9" name="对象 8">
-            <a:extLst>
-              <a:ext uri="{FF2B5EF4-FFF2-40B4-BE49-F238E27FC236}">
-                <a16:creationId xmlns:a16="http://schemas.microsoft.com/office/drawing/2014/main" id="{18777E7B-5F29-59B9-E2A4-C09BE8809D85}"/>
-              </a:ext>
-            </a:extLst>
-          </p:cNvPr>
-          <p:cNvGraphicFramePr>
-            <a:graphicFrameLocks noChangeAspect="1"/>
-          </p:cNvGraphicFramePr>
-          <p:nvPr>
-            <p:extLst>
-              <p:ext uri="{D42A27DB-BD31-4B8C-83A1-F6EECF244321}">
-                <p14:modId xmlns:p14="http://schemas.microsoft.com/office/powerpoint/2010/main" val="3925024181"/>
-              </p:ext>
-            </p:extLst>
-          </p:nvPr>
-        </p:nvGraphicFramePr>
-        <p:xfrm>
-          <a:off x="5220899" y="1845402"/>
-          <a:ext cx="3481546" cy="985656"/>
-        </p:xfrm>
-        <a:graphic>
-          <a:graphicData uri="http://schemas.openxmlformats.org/presentationml/2006/ole">
-            <mc:AlternateContent xmlns:mc="http://schemas.openxmlformats.org/markup-compatibility/2006">
-              <mc:Choice xmlns:v="urn:schemas-microsoft-com:vml" Requires="v">
-                <p:oleObj name="AxMath" r:id="rId4" imgW="2001240" imgH="566640" progId="Equation.AxMath">
-                  <p:embed/>
-                </p:oleObj>
-              </mc:Choice>
-              <mc:Fallback>
-                <p:oleObj name="AxMath" r:id="rId4" imgW="2001240" imgH="566640" progId="Equation.AxMath">
-                  <p:embed/>
-                  <p:pic>
-                    <p:nvPicPr>
-                      <p:cNvPr id="8" name="对象 7">
-                        <a:extLst>
-                          <a:ext uri="{FF2B5EF4-FFF2-40B4-BE49-F238E27FC236}">
-                            <a16:creationId xmlns:a16="http://schemas.microsoft.com/office/drawing/2014/main" id="{B38F2A16-6FF2-3F7A-7603-AFD27FB394FC}"/>
-                          </a:ext>
-                        </a:extLst>
-                      </p:cNvPr>
-                      <p:cNvPicPr/>
-                      <p:nvPr/>
-                    </p:nvPicPr>
-                    <p:blipFill>
-                      <a:blip r:embed="rId5"/>
-                      <a:stretch>
-                        <a:fillRect/>
-                      </a:stretch>
-                    </p:blipFill>
-                    <p:spPr>
-                      <a:xfrm>
-                        <a:off x="5220899" y="1845402"/>
-                        <a:ext cx="3481546" cy="985656"/>
-                      </a:xfrm>
-                      <a:prstGeom prst="rect">
-                        <a:avLst/>
-                      </a:prstGeom>
-                    </p:spPr>
-                  </p:pic>
-                </p:oleObj>
-              </mc:Fallback>
-            </mc:AlternateContent>
-          </a:graphicData>
-        </a:graphic>
-      </p:graphicFrame>
-      <p:graphicFrame>
-        <p:nvGraphicFramePr>
-          <p:cNvPr id="10" name="对象 9">
-            <a:extLst>
-              <a:ext uri="{FF2B5EF4-FFF2-40B4-BE49-F238E27FC236}">
-                <a16:creationId xmlns:a16="http://schemas.microsoft.com/office/drawing/2014/main" id="{E542BB98-8B30-703A-CA4F-7E10FC61FE97}"/>
-              </a:ext>
-            </a:extLst>
-          </p:cNvPr>
-          <p:cNvGraphicFramePr>
-            <a:graphicFrameLocks noChangeAspect="1"/>
-          </p:cNvGraphicFramePr>
-          <p:nvPr>
-            <p:extLst>
-              <p:ext uri="{D42A27DB-BD31-4B8C-83A1-F6EECF244321}">
-                <p14:modId xmlns:p14="http://schemas.microsoft.com/office/powerpoint/2010/main" val="3841802697"/>
-              </p:ext>
-            </p:extLst>
-          </p:nvPr>
-        </p:nvGraphicFramePr>
-        <p:xfrm>
-          <a:off x="1778030" y="3423817"/>
-          <a:ext cx="5740400" cy="730250"/>
-        </p:xfrm>
-        <a:graphic>
-          <a:graphicData uri="http://schemas.openxmlformats.org/presentationml/2006/ole">
-            <mc:AlternateContent xmlns:mc="http://schemas.openxmlformats.org/markup-compatibility/2006">
-              <mc:Choice xmlns:v="urn:schemas-microsoft-com:vml" Requires="v">
-                <p:oleObj name="AxMath" r:id="rId6" imgW="2869920" imgH="365040" progId="Equation.AxMath">
-                  <p:embed/>
-                </p:oleObj>
-              </mc:Choice>
-              <mc:Fallback>
-                <p:oleObj name="AxMath" r:id="rId6" imgW="2869920" imgH="365040" progId="Equation.AxMath">
-                  <p:embed/>
-                  <p:pic>
-                    <p:nvPicPr>
-                      <p:cNvPr id="9" name="对象 8">
-                        <a:extLst>
-                          <a:ext uri="{FF2B5EF4-FFF2-40B4-BE49-F238E27FC236}">
-                            <a16:creationId xmlns:a16="http://schemas.microsoft.com/office/drawing/2014/main" id="{18777E7B-5F29-59B9-E2A4-C09BE8809D85}"/>
-                          </a:ext>
-                        </a:extLst>
-                      </p:cNvPr>
-                      <p:cNvPicPr/>
-                      <p:nvPr/>
-                    </p:nvPicPr>
-                    <p:blipFill>
-                      <a:blip r:embed="rId7"/>
-                      <a:stretch>
-                        <a:fillRect/>
-                      </a:stretch>
-                    </p:blipFill>
-                    <p:spPr>
-                      <a:xfrm>
-                        <a:off x="1778030" y="3423817"/>
-                        <a:ext cx="5740400" cy="730250"/>
-                      </a:xfrm>
-                      <a:prstGeom prst="rect">
-                        <a:avLst/>
-                      </a:prstGeom>
-                    </p:spPr>
-                  </p:pic>
-                </p:oleObj>
-              </mc:Fallback>
-            </mc:AlternateContent>
-          </a:graphicData>
-        </a:graphic>
-      </p:graphicFrame>
-      <p:sp>
-        <p:nvSpPr>
-          <p:cNvPr id="11" name="矩形 10">
-            <a:extLst>
-              <a:ext uri="{FF2B5EF4-FFF2-40B4-BE49-F238E27FC236}">
-                <a16:creationId xmlns:a16="http://schemas.microsoft.com/office/drawing/2014/main" id="{863CA879-665D-4FED-564E-5E4561BFB32D}"/>
-              </a:ext>
-            </a:extLst>
-          </p:cNvPr>
-          <p:cNvSpPr/>
-          <p:nvPr/>
-        </p:nvSpPr>
-        <p:spPr>
-          <a:xfrm>
-            <a:off x="4812496" y="1052513"/>
-            <a:ext cx="4533900" cy="1308884"/>
-          </a:xfrm>
-          <a:prstGeom prst="rect">
-            <a:avLst/>
-          </a:prstGeom>
-        </p:spPr>
-        <p:txBody>
-          <a:bodyPr wrap="square">
-            <a:spAutoFit/>
-          </a:bodyPr>
-          <a:lstStyle/>
-          <a:p>
-            <a:pPr marL="342900" indent="-342900">
-              <a:lnSpc>
-                <a:spcPct val="150000"/>
-              </a:lnSpc>
-              <a:buFont typeface="Arial" panose="020B0604020202020204" pitchFamily="34" charset="0"/>
-              <a:buChar char="•"/>
-            </a:pPr>
-            <a:r>
-              <a:rPr lang="zh-CN" altLang="en-US" sz="2800" b="1" dirty="0">
-                <a:solidFill>
-                  <a:schemeClr val="tx1"/>
-                </a:solidFill>
-                <a:latin typeface="微软雅黑" panose="020B0503020204020204" pitchFamily="34" charset="-122"/>
-                <a:ea typeface="微软雅黑" panose="020B0503020204020204" pitchFamily="34" charset="-122"/>
-                <a:sym typeface="+mn-ea"/>
-              </a:rPr>
-              <a:t>测量方程</a:t>
-            </a:r>
-          </a:p>
-          <a:p>
-            <a:pPr marL="342900" indent="-342900" fontAlgn="auto">
-              <a:lnSpc>
-                <a:spcPct val="150000"/>
-              </a:lnSpc>
-              <a:spcAft>
-                <a:spcPts val="0"/>
-              </a:spcAft>
-              <a:buFont typeface="Arial" panose="020B0604020202020204" pitchFamily="34" charset="0"/>
-              <a:buChar char="•"/>
-            </a:pPr>
-            <a:endParaRPr lang="en-US" altLang="zh-CN" sz="2800" b="1" dirty="0">
-              <a:solidFill>
-                <a:schemeClr val="tx1"/>
-              </a:solidFill>
-              <a:latin typeface="微软雅黑" panose="020B0503020204020204" pitchFamily="34" charset="-122"/>
-              <a:ea typeface="微软雅黑" panose="020B0503020204020204" pitchFamily="34" charset="-122"/>
-              <a:sym typeface="+mn-ea"/>
-            </a:endParaRPr>
-          </a:p>
-        </p:txBody>
-      </p:sp>
-      <p:graphicFrame>
-        <p:nvGraphicFramePr>
-          <p:cNvPr id="13" name="对象 12">
-            <a:extLst>
-              <a:ext uri="{FF2B5EF4-FFF2-40B4-BE49-F238E27FC236}">
-                <a16:creationId xmlns:a16="http://schemas.microsoft.com/office/drawing/2014/main" id="{E068CDBE-D073-FFA3-D744-F6C0799145C9}"/>
-              </a:ext>
-            </a:extLst>
-          </p:cNvPr>
-          <p:cNvGraphicFramePr>
-            <a:graphicFrameLocks noChangeAspect="1"/>
-          </p:cNvGraphicFramePr>
-          <p:nvPr>
-            <p:extLst>
-              <p:ext uri="{D42A27DB-BD31-4B8C-83A1-F6EECF244321}">
-                <p14:modId xmlns:p14="http://schemas.microsoft.com/office/powerpoint/2010/main" val="1580251234"/>
-              </p:ext>
-            </p:extLst>
-          </p:nvPr>
-        </p:nvGraphicFramePr>
-        <p:xfrm>
-          <a:off x="3117794" y="5664716"/>
-          <a:ext cx="2882900" cy="400050"/>
-        </p:xfrm>
-        <a:graphic>
-          <a:graphicData uri="http://schemas.openxmlformats.org/presentationml/2006/ole">
-            <mc:AlternateContent xmlns:mc="http://schemas.openxmlformats.org/markup-compatibility/2006">
-              <mc:Choice xmlns:v="urn:schemas-microsoft-com:vml" Requires="v">
-                <p:oleObj name="AxMath" r:id="rId8" imgW="1440720" imgH="199800" progId="Equation.AxMath">
-                  <p:embed/>
-                </p:oleObj>
-              </mc:Choice>
-              <mc:Fallback>
-                <p:oleObj name="AxMath" r:id="rId8" imgW="1440720" imgH="199800" progId="Equation.AxMath">
-                  <p:embed/>
-                  <p:pic>
-                    <p:nvPicPr>
-                      <p:cNvPr id="7" name="对象 6">
-                        <a:extLst>
-                          <a:ext uri="{FF2B5EF4-FFF2-40B4-BE49-F238E27FC236}">
-                            <a16:creationId xmlns:a16="http://schemas.microsoft.com/office/drawing/2014/main" id="{02E9472F-741E-C0B9-3200-B7B9CE21CA34}"/>
-                          </a:ext>
-                        </a:extLst>
-                      </p:cNvPr>
-                      <p:cNvPicPr/>
-                      <p:nvPr/>
-                    </p:nvPicPr>
-                    <p:blipFill>
-                      <a:blip r:embed="rId9"/>
-                      <a:stretch>
-                        <a:fillRect/>
-                      </a:stretch>
-                    </p:blipFill>
-                    <p:spPr>
-                      <a:xfrm>
-                        <a:off x="3117794" y="5664716"/>
-                        <a:ext cx="2882900" cy="400050"/>
-                      </a:xfrm>
-                      <a:prstGeom prst="rect">
-                        <a:avLst/>
-                      </a:prstGeom>
-                    </p:spPr>
-                  </p:pic>
-                </p:oleObj>
-              </mc:Fallback>
-            </mc:AlternateContent>
-          </a:graphicData>
-        </a:graphic>
-      </p:graphicFrame>
-      <p:graphicFrame>
-        <p:nvGraphicFramePr>
-          <p:cNvPr id="14" name="对象 13">
-            <a:extLst>
-              <a:ext uri="{FF2B5EF4-FFF2-40B4-BE49-F238E27FC236}">
-                <a16:creationId xmlns:a16="http://schemas.microsoft.com/office/drawing/2014/main" id="{6A0251A2-3249-D1C5-0932-80E40E018261}"/>
-              </a:ext>
-            </a:extLst>
-          </p:cNvPr>
-          <p:cNvGraphicFramePr>
-            <a:graphicFrameLocks noChangeAspect="1"/>
-          </p:cNvGraphicFramePr>
-          <p:nvPr>
-            <p:extLst>
-              <p:ext uri="{D42A27DB-BD31-4B8C-83A1-F6EECF244321}">
-                <p14:modId xmlns:p14="http://schemas.microsoft.com/office/powerpoint/2010/main" val="3540142574"/>
-              </p:ext>
-            </p:extLst>
-          </p:nvPr>
-        </p:nvGraphicFramePr>
-        <p:xfrm>
-          <a:off x="3689930" y="6141196"/>
-          <a:ext cx="1520825" cy="384175"/>
-        </p:xfrm>
-        <a:graphic>
-          <a:graphicData uri="http://schemas.openxmlformats.org/presentationml/2006/ole">
-            <mc:AlternateContent xmlns:mc="http://schemas.openxmlformats.org/markup-compatibility/2006">
-              <mc:Choice xmlns:v="urn:schemas-microsoft-com:vml" Requires="v">
-                <p:oleObj name="AxMath" r:id="rId10" imgW="760320" imgH="192240" progId="Equation.AxMath">
-                  <p:embed/>
-                </p:oleObj>
-              </mc:Choice>
-              <mc:Fallback>
-                <p:oleObj name="AxMath" r:id="rId10" imgW="760320" imgH="192240" progId="Equation.AxMath">
-                  <p:embed/>
-                  <p:pic>
-                    <p:nvPicPr>
-                      <p:cNvPr id="8" name="对象 7">
-                        <a:extLst>
-                          <a:ext uri="{FF2B5EF4-FFF2-40B4-BE49-F238E27FC236}">
-                            <a16:creationId xmlns:a16="http://schemas.microsoft.com/office/drawing/2014/main" id="{0AAA01DC-9CD2-F267-77A4-DBCF7352CEE5}"/>
-                          </a:ext>
-                        </a:extLst>
-                      </p:cNvPr>
-                      <p:cNvPicPr/>
-                      <p:nvPr/>
-                    </p:nvPicPr>
-                    <p:blipFill>
-                      <a:blip r:embed="rId11"/>
-                      <a:stretch>
-                        <a:fillRect/>
-                      </a:stretch>
-                    </p:blipFill>
-                    <p:spPr>
-                      <a:xfrm>
-                        <a:off x="3689930" y="6141196"/>
-                        <a:ext cx="1520825" cy="384175"/>
-                      </a:xfrm>
-                      <a:prstGeom prst="rect">
-                        <a:avLst/>
-                      </a:prstGeom>
-                    </p:spPr>
-                  </p:pic>
-                </p:oleObj>
-              </mc:Fallback>
-            </mc:AlternateContent>
-          </a:graphicData>
-        </a:graphic>
-      </p:graphicFrame>
-      <p:graphicFrame>
-        <p:nvGraphicFramePr>
-          <p:cNvPr id="2" name="对象 1">
-            <a:extLst>
-              <a:ext uri="{FF2B5EF4-FFF2-40B4-BE49-F238E27FC236}">
-                <a16:creationId xmlns:a16="http://schemas.microsoft.com/office/drawing/2014/main" id="{72196876-EA70-F4C6-6446-C6C41868A6D2}"/>
-              </a:ext>
-            </a:extLst>
-          </p:cNvPr>
-          <p:cNvGraphicFramePr>
-            <a:graphicFrameLocks noChangeAspect="1"/>
-          </p:cNvGraphicFramePr>
-          <p:nvPr>
-            <p:extLst>
-              <p:ext uri="{D42A27DB-BD31-4B8C-83A1-F6EECF244321}">
-                <p14:modId xmlns:p14="http://schemas.microsoft.com/office/powerpoint/2010/main" val="2496251705"/>
-              </p:ext>
-            </p:extLst>
-          </p:nvPr>
-        </p:nvGraphicFramePr>
-        <p:xfrm>
-          <a:off x="10956906" y="1322590"/>
-          <a:ext cx="390506" cy="384689"/>
-        </p:xfrm>
-        <a:graphic>
-          <a:graphicData uri="http://schemas.openxmlformats.org/presentationml/2006/ole">
-            <mc:AlternateContent xmlns:mc="http://schemas.openxmlformats.org/markup-compatibility/2006">
-              <mc:Choice xmlns:v="urn:schemas-microsoft-com:vml" Requires="v">
-                <p:oleObj name="AxMath" r:id="rId12" imgW="193320" imgH="190440" progId="Equation.AxMath">
-                  <p:embed/>
-                </p:oleObj>
-              </mc:Choice>
-              <mc:Fallback>
-                <p:oleObj name="AxMath" r:id="rId12" imgW="193320" imgH="190440" progId="Equation.AxMath">
-                  <p:embed/>
-                  <p:pic>
-                    <p:nvPicPr>
-                      <p:cNvPr id="2" name="对象 1">
-                        <a:extLst>
-                          <a:ext uri="{FF2B5EF4-FFF2-40B4-BE49-F238E27FC236}">
-                            <a16:creationId xmlns:a16="http://schemas.microsoft.com/office/drawing/2014/main" id="{871B4F13-C7DE-7AB4-F436-193231C6FA5F}"/>
-                          </a:ext>
-                        </a:extLst>
-                      </p:cNvPr>
-                      <p:cNvPicPr/>
-                      <p:nvPr/>
-                    </p:nvPicPr>
-                    <p:blipFill>
-                      <a:blip r:embed="rId13"/>
-                      <a:stretch>
-                        <a:fillRect/>
-                      </a:stretch>
-                    </p:blipFill>
-                    <p:spPr>
-                      <a:xfrm>
-                        <a:off x="10956906" y="1322590"/>
-                        <a:ext cx="390506" cy="384689"/>
-                      </a:xfrm>
-                      <a:prstGeom prst="rect">
-                        <a:avLst/>
-                      </a:prstGeom>
-                    </p:spPr>
-                  </p:pic>
-                </p:oleObj>
-              </mc:Fallback>
-            </mc:AlternateContent>
-          </a:graphicData>
-        </a:graphic>
-      </p:graphicFrame>
-      <p:graphicFrame>
-        <p:nvGraphicFramePr>
-          <p:cNvPr id="4" name="对象 3">
-            <a:extLst>
-              <a:ext uri="{FF2B5EF4-FFF2-40B4-BE49-F238E27FC236}">
-                <a16:creationId xmlns:a16="http://schemas.microsoft.com/office/drawing/2014/main" id="{A845AC8D-F0CC-650B-ECD9-3C8D09571216}"/>
-              </a:ext>
-            </a:extLst>
-          </p:cNvPr>
-          <p:cNvGraphicFramePr>
-            <a:graphicFrameLocks noChangeAspect="1"/>
-          </p:cNvGraphicFramePr>
-          <p:nvPr>
-            <p:extLst>
-              <p:ext uri="{D42A27DB-BD31-4B8C-83A1-F6EECF244321}">
-                <p14:modId xmlns:p14="http://schemas.microsoft.com/office/powerpoint/2010/main" val="3033067112"/>
-              </p:ext>
-            </p:extLst>
-          </p:nvPr>
-        </p:nvGraphicFramePr>
-        <p:xfrm>
-          <a:off x="11100926" y="3351325"/>
-          <a:ext cx="371207" cy="382784"/>
-        </p:xfrm>
-        <a:graphic>
-          <a:graphicData uri="http://schemas.openxmlformats.org/presentationml/2006/ole">
-            <mc:AlternateContent xmlns:mc="http://schemas.openxmlformats.org/markup-compatibility/2006">
-              <mc:Choice xmlns:v="urn:schemas-microsoft-com:vml" Requires="v">
-                <p:oleObj name="AxMath" r:id="rId14" imgW="184680" imgH="190440" progId="Equation.AxMath">
-                  <p:embed/>
-                </p:oleObj>
-              </mc:Choice>
-              <mc:Fallback>
-                <p:oleObj name="AxMath" r:id="rId14" imgW="184680" imgH="190440" progId="Equation.AxMath">
-                  <p:embed/>
-                  <p:pic>
-                    <p:nvPicPr>
-                      <p:cNvPr id="4" name="对象 3">
-                        <a:extLst>
-                          <a:ext uri="{FF2B5EF4-FFF2-40B4-BE49-F238E27FC236}">
-                            <a16:creationId xmlns:a16="http://schemas.microsoft.com/office/drawing/2014/main" id="{4F778DC4-9B3F-194E-4356-098F0699B3EA}"/>
-                          </a:ext>
-                        </a:extLst>
-                      </p:cNvPr>
-                      <p:cNvPicPr/>
-                      <p:nvPr/>
-                    </p:nvPicPr>
-                    <p:blipFill>
-                      <a:blip r:embed="rId15"/>
-                      <a:stretch>
-                        <a:fillRect/>
-                      </a:stretch>
-                    </p:blipFill>
-                    <p:spPr>
-                      <a:xfrm>
-                        <a:off x="11100926" y="3351325"/>
-                        <a:ext cx="371207" cy="382784"/>
-                      </a:xfrm>
-                      <a:prstGeom prst="rect">
-                        <a:avLst/>
-                      </a:prstGeom>
-                    </p:spPr>
-                  </p:pic>
-                </p:oleObj>
-              </mc:Fallback>
-            </mc:AlternateContent>
-          </a:graphicData>
-        </a:graphic>
-      </p:graphicFrame>
-      <p:sp>
-        <p:nvSpPr>
-          <p:cNvPr id="6" name="矩形 5">
-            <a:extLst>
-              <a:ext uri="{FF2B5EF4-FFF2-40B4-BE49-F238E27FC236}">
-                <a16:creationId xmlns:a16="http://schemas.microsoft.com/office/drawing/2014/main" id="{822EF327-DE4C-9EAA-7F62-FA10E0E4E93F}"/>
-              </a:ext>
-            </a:extLst>
-          </p:cNvPr>
-          <p:cNvSpPr/>
-          <p:nvPr/>
-        </p:nvSpPr>
-        <p:spPr>
-          <a:xfrm>
-            <a:off x="9007686" y="1274424"/>
-            <a:ext cx="2520000" cy="400110"/>
-          </a:xfrm>
-          <a:prstGeom prst="rect">
-            <a:avLst/>
-          </a:prstGeom>
-          <a:ln w="19050">
-            <a:solidFill>
-              <a:srgbClr val="0000FF"/>
-            </a:solidFill>
-          </a:ln>
-        </p:spPr>
-        <p:txBody>
-          <a:bodyPr wrap="square">
-            <a:spAutoFit/>
-          </a:bodyPr>
-          <a:lstStyle/>
-          <a:p>
-            <a:pPr algn="ctr" fontAlgn="auto">
-              <a:spcAft>
-                <a:spcPts val="0"/>
-              </a:spcAft>
-            </a:pPr>
-            <a:r>
-              <a:rPr lang="zh-CN" altLang="en-US" sz="2000" b="1" dirty="0">
-                <a:solidFill>
-                  <a:srgbClr val="0000FF"/>
-                </a:solidFill>
-                <a:latin typeface="微软雅黑" panose="020B0503020204020204" pitchFamily="34" charset="-122"/>
-                <a:ea typeface="微软雅黑" panose="020B0503020204020204" pitchFamily="34" charset="-122"/>
-              </a:rPr>
-              <a:t>状态量初值  </a:t>
-            </a:r>
-          </a:p>
-        </p:txBody>
-      </p:sp>
-      <p:sp>
-        <p:nvSpPr>
-          <p:cNvPr id="7" name="矩形 6">
-            <a:extLst>
-              <a:ext uri="{FF2B5EF4-FFF2-40B4-BE49-F238E27FC236}">
-                <a16:creationId xmlns:a16="http://schemas.microsoft.com/office/drawing/2014/main" id="{E72946DA-4AF7-ADDC-4417-CAA9F412C8E2}"/>
-              </a:ext>
-            </a:extLst>
-          </p:cNvPr>
-          <p:cNvSpPr/>
-          <p:nvPr/>
-        </p:nvSpPr>
-        <p:spPr>
-          <a:xfrm>
-            <a:off x="9007686" y="3300602"/>
-            <a:ext cx="2520000" cy="400110"/>
-          </a:xfrm>
-          <a:prstGeom prst="rect">
-            <a:avLst/>
-          </a:prstGeom>
-          <a:ln w="19050">
-            <a:solidFill>
-              <a:srgbClr val="0000FF"/>
-            </a:solidFill>
-          </a:ln>
-        </p:spPr>
-        <p:txBody>
-          <a:bodyPr wrap="square">
-            <a:spAutoFit/>
-          </a:bodyPr>
-          <a:lstStyle/>
-          <a:p>
-            <a:pPr algn="ctr" fontAlgn="auto">
-              <a:spcAft>
-                <a:spcPts val="0"/>
-              </a:spcAft>
-            </a:pPr>
-            <a:r>
-              <a:rPr lang="zh-CN" altLang="en-US" sz="2000" b="1" dirty="0">
-                <a:solidFill>
-                  <a:srgbClr val="0000FF"/>
-                </a:solidFill>
-                <a:latin typeface="微软雅黑" panose="020B0503020204020204" pitchFamily="34" charset="-122"/>
-                <a:ea typeface="微软雅黑" panose="020B0503020204020204" pitchFamily="34" charset="-122"/>
-              </a:rPr>
-              <a:t>观测量计算值 </a:t>
-            </a:r>
-          </a:p>
-        </p:txBody>
-      </p:sp>
-      <p:sp>
-        <p:nvSpPr>
-          <p:cNvPr id="15" name="矩形 14">
-            <a:extLst>
-              <a:ext uri="{FF2B5EF4-FFF2-40B4-BE49-F238E27FC236}">
-                <a16:creationId xmlns:a16="http://schemas.microsoft.com/office/drawing/2014/main" id="{6524A03C-A53C-6892-C48C-40313A790D5D}"/>
-              </a:ext>
-            </a:extLst>
-          </p:cNvPr>
-          <p:cNvSpPr/>
-          <p:nvPr/>
-        </p:nvSpPr>
-        <p:spPr>
-          <a:xfrm>
-            <a:off x="9007686" y="2291348"/>
-            <a:ext cx="2520000" cy="400110"/>
-          </a:xfrm>
-          <a:prstGeom prst="rect">
-            <a:avLst/>
-          </a:prstGeom>
-          <a:ln w="19050">
-            <a:solidFill>
-              <a:srgbClr val="0000FF"/>
-            </a:solidFill>
-          </a:ln>
-        </p:spPr>
-        <p:txBody>
-          <a:bodyPr wrap="square">
-            <a:spAutoFit/>
-          </a:bodyPr>
-          <a:lstStyle/>
-          <a:p>
-            <a:pPr algn="ctr" fontAlgn="auto">
-              <a:spcAft>
-                <a:spcPts val="0"/>
-              </a:spcAft>
-            </a:pPr>
-            <a:r>
-              <a:rPr lang="zh-CN" altLang="en-US" sz="2000" b="1" dirty="0">
-                <a:solidFill>
-                  <a:srgbClr val="0000FF"/>
-                </a:solidFill>
-                <a:latin typeface="微软雅黑" panose="020B0503020204020204" pitchFamily="34" charset="-122"/>
-                <a:ea typeface="微软雅黑" panose="020B0503020204020204" pitchFamily="34" charset="-122"/>
-              </a:rPr>
-              <a:t>动力学方法预报星历 </a:t>
-            </a:r>
-          </a:p>
-        </p:txBody>
-      </p:sp>
-      <p:sp>
-        <p:nvSpPr>
-          <p:cNvPr id="17" name="矩形 16">
-            <a:extLst>
-              <a:ext uri="{FF2B5EF4-FFF2-40B4-BE49-F238E27FC236}">
-                <a16:creationId xmlns:a16="http://schemas.microsoft.com/office/drawing/2014/main" id="{18C796CE-00B1-850A-938E-6A4F75E48104}"/>
-              </a:ext>
-            </a:extLst>
-          </p:cNvPr>
-          <p:cNvSpPr/>
-          <p:nvPr/>
-        </p:nvSpPr>
-        <p:spPr>
-          <a:xfrm>
-            <a:off x="9007686" y="4853821"/>
-            <a:ext cx="2520000" cy="707886"/>
-          </a:xfrm>
-          <a:prstGeom prst="rect">
-            <a:avLst/>
-          </a:prstGeom>
-          <a:ln w="19050">
-            <a:solidFill>
-              <a:srgbClr val="0000FF"/>
-            </a:solidFill>
-          </a:ln>
-        </p:spPr>
-        <p:txBody>
-          <a:bodyPr wrap="square">
-            <a:spAutoFit/>
-          </a:bodyPr>
-          <a:lstStyle/>
-          <a:p>
-            <a:pPr algn="ctr" fontAlgn="auto">
-              <a:spcAft>
-                <a:spcPts val="0"/>
-              </a:spcAft>
-            </a:pPr>
-            <a:r>
-              <a:rPr lang="zh-CN" altLang="en-US" sz="2000" b="1" dirty="0">
-                <a:solidFill>
-                  <a:srgbClr val="0000FF"/>
-                </a:solidFill>
-                <a:latin typeface="微软雅黑" panose="020B0503020204020204" pitchFamily="34" charset="-122"/>
-                <a:ea typeface="微软雅黑" panose="020B0503020204020204" pitchFamily="34" charset="-122"/>
-              </a:rPr>
-              <a:t>估计状态量改正值的最优估计 </a:t>
-            </a:r>
-          </a:p>
-        </p:txBody>
-      </p:sp>
-      <p:sp>
-        <p:nvSpPr>
-          <p:cNvPr id="18" name="矩形 17">
-            <a:extLst>
-              <a:ext uri="{FF2B5EF4-FFF2-40B4-BE49-F238E27FC236}">
-                <a16:creationId xmlns:a16="http://schemas.microsoft.com/office/drawing/2014/main" id="{DBBC202C-4B80-DBD0-9C00-0DAC5D85B353}"/>
-              </a:ext>
-            </a:extLst>
-          </p:cNvPr>
-          <p:cNvSpPr/>
-          <p:nvPr/>
-        </p:nvSpPr>
-        <p:spPr>
-          <a:xfrm>
-            <a:off x="9007686" y="5969457"/>
-            <a:ext cx="2520000" cy="400110"/>
-          </a:xfrm>
-          <a:prstGeom prst="rect">
-            <a:avLst/>
-          </a:prstGeom>
-          <a:ln w="19050">
-            <a:solidFill>
-              <a:srgbClr val="0000FF"/>
-            </a:solidFill>
-          </a:ln>
-        </p:spPr>
-        <p:txBody>
-          <a:bodyPr wrap="square">
-            <a:spAutoFit/>
-          </a:bodyPr>
-          <a:lstStyle/>
-          <a:p>
-            <a:pPr algn="ctr" fontAlgn="auto">
-              <a:spcAft>
-                <a:spcPts val="0"/>
-              </a:spcAft>
-            </a:pPr>
-            <a:r>
-              <a:rPr lang="zh-CN" altLang="en-US" sz="2000" b="1" dirty="0">
-                <a:solidFill>
-                  <a:srgbClr val="0000FF"/>
-                </a:solidFill>
-                <a:latin typeface="微软雅黑" panose="020B0503020204020204" pitchFamily="34" charset="-122"/>
-                <a:ea typeface="微软雅黑" panose="020B0503020204020204" pitchFamily="34" charset="-122"/>
-              </a:rPr>
-              <a:t>改正后状态量 </a:t>
-            </a:r>
-          </a:p>
-        </p:txBody>
-      </p:sp>
-      <p:graphicFrame>
-        <p:nvGraphicFramePr>
-          <p:cNvPr id="21" name="对象 20">
-            <a:extLst>
-              <a:ext uri="{FF2B5EF4-FFF2-40B4-BE49-F238E27FC236}">
-                <a16:creationId xmlns:a16="http://schemas.microsoft.com/office/drawing/2014/main" id="{D3C85863-3483-559E-B3A2-F3C77FC4D69B}"/>
-              </a:ext>
-            </a:extLst>
-          </p:cNvPr>
-          <p:cNvGraphicFramePr>
-            <a:graphicFrameLocks noChangeAspect="1"/>
-          </p:cNvGraphicFramePr>
-          <p:nvPr>
-            <p:extLst>
-              <p:ext uri="{D42A27DB-BD31-4B8C-83A1-F6EECF244321}">
-                <p14:modId xmlns:p14="http://schemas.microsoft.com/office/powerpoint/2010/main" val="3429459626"/>
-              </p:ext>
-            </p:extLst>
-          </p:nvPr>
-        </p:nvGraphicFramePr>
-        <p:xfrm>
-          <a:off x="10847368" y="5177275"/>
-          <a:ext cx="219075" cy="377825"/>
-        </p:xfrm>
-        <a:graphic>
-          <a:graphicData uri="http://schemas.openxmlformats.org/presentationml/2006/ole">
-            <mc:AlternateContent xmlns:mc="http://schemas.openxmlformats.org/markup-compatibility/2006">
-              <mc:Choice xmlns:v="urn:schemas-microsoft-com:vml" Requires="v">
-                <p:oleObj name="AxMath" r:id="rId16" imgW="110160" imgH="189000" progId="Equation.AxMath">
-                  <p:embed/>
-                </p:oleObj>
-              </mc:Choice>
-              <mc:Fallback>
-                <p:oleObj name="AxMath" r:id="rId16" imgW="110160" imgH="189000" progId="Equation.AxMath">
-                  <p:embed/>
-                  <p:pic>
-                    <p:nvPicPr>
-                      <p:cNvPr id="13" name="对象 12">
-                        <a:extLst>
-                          <a:ext uri="{FF2B5EF4-FFF2-40B4-BE49-F238E27FC236}">
-                            <a16:creationId xmlns:a16="http://schemas.microsoft.com/office/drawing/2014/main" id="{E068CDBE-D073-FFA3-D744-F6C0799145C9}"/>
-                          </a:ext>
-                        </a:extLst>
-                      </p:cNvPr>
-                      <p:cNvPicPr/>
-                      <p:nvPr/>
-                    </p:nvPicPr>
-                    <p:blipFill>
-                      <a:blip r:embed="rId17"/>
-                      <a:stretch>
-                        <a:fillRect/>
-                      </a:stretch>
-                    </p:blipFill>
-                    <p:spPr>
-                      <a:xfrm>
-                        <a:off x="10847368" y="5177275"/>
-                        <a:ext cx="219075" cy="377825"/>
-                      </a:xfrm>
-                      <a:prstGeom prst="rect">
-                        <a:avLst/>
-                      </a:prstGeom>
-                    </p:spPr>
-                  </p:pic>
-                </p:oleObj>
-              </mc:Fallback>
-            </mc:AlternateContent>
-          </a:graphicData>
-        </a:graphic>
-      </p:graphicFrame>
-      <p:graphicFrame>
-        <p:nvGraphicFramePr>
-          <p:cNvPr id="22" name="对象 21">
-            <a:extLst>
-              <a:ext uri="{FF2B5EF4-FFF2-40B4-BE49-F238E27FC236}">
-                <a16:creationId xmlns:a16="http://schemas.microsoft.com/office/drawing/2014/main" id="{F6A0587A-F3CB-4984-E2B0-06E9930A90B7}"/>
-              </a:ext>
-            </a:extLst>
-          </p:cNvPr>
-          <p:cNvGraphicFramePr>
-            <a:graphicFrameLocks noChangeAspect="1"/>
-          </p:cNvGraphicFramePr>
-          <p:nvPr>
-            <p:extLst>
-              <p:ext uri="{D42A27DB-BD31-4B8C-83A1-F6EECF244321}">
-                <p14:modId xmlns:p14="http://schemas.microsoft.com/office/powerpoint/2010/main" val="859560475"/>
-              </p:ext>
-            </p:extLst>
-          </p:nvPr>
-        </p:nvGraphicFramePr>
-        <p:xfrm>
-          <a:off x="11061210" y="6012379"/>
-          <a:ext cx="400050" cy="384175"/>
-        </p:xfrm>
-        <a:graphic>
-          <a:graphicData uri="http://schemas.openxmlformats.org/presentationml/2006/ole">
-            <mc:AlternateContent xmlns:mc="http://schemas.openxmlformats.org/markup-compatibility/2006">
-              <mc:Choice xmlns:v="urn:schemas-microsoft-com:vml" Requires="v">
-                <p:oleObj name="AxMath" r:id="rId18" imgW="200160" imgH="192240" progId="Equation.AxMath">
-                  <p:embed/>
-                </p:oleObj>
-              </mc:Choice>
-              <mc:Fallback>
-                <p:oleObj name="AxMath" r:id="rId18" imgW="200160" imgH="192240" progId="Equation.AxMath">
-                  <p:embed/>
-                  <p:pic>
-                    <p:nvPicPr>
-                      <p:cNvPr id="14" name="对象 13">
-                        <a:extLst>
-                          <a:ext uri="{FF2B5EF4-FFF2-40B4-BE49-F238E27FC236}">
-                            <a16:creationId xmlns:a16="http://schemas.microsoft.com/office/drawing/2014/main" id="{6A0251A2-3249-D1C5-0932-80E40E018261}"/>
-                          </a:ext>
-                        </a:extLst>
-                      </p:cNvPr>
-                      <p:cNvPicPr/>
-                      <p:nvPr/>
-                    </p:nvPicPr>
-                    <p:blipFill>
-                      <a:blip r:embed="rId19"/>
-                      <a:stretch>
-                        <a:fillRect/>
-                      </a:stretch>
-                    </p:blipFill>
-                    <p:spPr>
-                      <a:xfrm>
-                        <a:off x="11061210" y="6012379"/>
-                        <a:ext cx="400050" cy="384175"/>
-                      </a:xfrm>
-                      <a:prstGeom prst="rect">
-                        <a:avLst/>
-                      </a:prstGeom>
-                    </p:spPr>
-                  </p:pic>
-                </p:oleObj>
-              </mc:Fallback>
-            </mc:AlternateContent>
-          </a:graphicData>
-        </a:graphic>
-      </p:graphicFrame>
-      <p:cxnSp>
-        <p:nvCxnSpPr>
-          <p:cNvPr id="24" name="直接箭头连接符 23">
-            <a:extLst>
-              <a:ext uri="{FF2B5EF4-FFF2-40B4-BE49-F238E27FC236}">
-                <a16:creationId xmlns:a16="http://schemas.microsoft.com/office/drawing/2014/main" id="{B6B06713-086D-4D0D-6A6C-F9F958847E6F}"/>
-              </a:ext>
-            </a:extLst>
-          </p:cNvPr>
-          <p:cNvCxnSpPr>
-            <a:stCxn id="6" idx="2"/>
-            <a:endCxn id="15" idx="0"/>
-          </p:cNvCxnSpPr>
-          <p:nvPr/>
-        </p:nvCxnSpPr>
-        <p:spPr>
-          <a:xfrm>
-            <a:off x="10267686" y="1674534"/>
-            <a:ext cx="0" cy="616814"/>
-          </a:xfrm>
-          <a:prstGeom prst="straightConnector1">
-            <a:avLst/>
-          </a:prstGeom>
-          <a:ln w="38100">
-            <a:solidFill>
-              <a:srgbClr val="0000FF"/>
-            </a:solidFill>
-            <a:tailEnd type="triangle"/>
-          </a:ln>
-        </p:spPr>
-        <p:style>
-          <a:lnRef idx="1">
-            <a:schemeClr val="accent1"/>
-          </a:lnRef>
-          <a:fillRef idx="0">
-            <a:schemeClr val="accent1"/>
-          </a:fillRef>
-          <a:effectRef idx="0">
-            <a:schemeClr val="accent1"/>
-          </a:effectRef>
-          <a:fontRef idx="minor">
-            <a:schemeClr val="tx1"/>
-          </a:fontRef>
-        </p:style>
-      </p:cxnSp>
-      <p:cxnSp>
-        <p:nvCxnSpPr>
-          <p:cNvPr id="25" name="直接箭头连接符 24">
-            <a:extLst>
-              <a:ext uri="{FF2B5EF4-FFF2-40B4-BE49-F238E27FC236}">
-                <a16:creationId xmlns:a16="http://schemas.microsoft.com/office/drawing/2014/main" id="{62A10EA5-29E3-E63A-FEBF-CE3476E1EA8D}"/>
-              </a:ext>
-            </a:extLst>
-          </p:cNvPr>
-          <p:cNvCxnSpPr>
-            <a:cxnSpLocks/>
-            <a:stCxn id="15" idx="2"/>
-            <a:endCxn id="7" idx="0"/>
-          </p:cNvCxnSpPr>
-          <p:nvPr/>
-        </p:nvCxnSpPr>
-        <p:spPr>
-          <a:xfrm>
-            <a:off x="10267686" y="2691458"/>
-            <a:ext cx="0" cy="609144"/>
-          </a:xfrm>
-          <a:prstGeom prst="straightConnector1">
-            <a:avLst/>
-          </a:prstGeom>
-          <a:ln w="38100">
-            <a:solidFill>
-              <a:srgbClr val="0000FF"/>
-            </a:solidFill>
-            <a:tailEnd type="triangle"/>
-          </a:ln>
-        </p:spPr>
-        <p:style>
-          <a:lnRef idx="1">
-            <a:schemeClr val="accent1"/>
-          </a:lnRef>
-          <a:fillRef idx="0">
-            <a:schemeClr val="accent1"/>
-          </a:fillRef>
-          <a:effectRef idx="0">
-            <a:schemeClr val="accent1"/>
-          </a:effectRef>
-          <a:fontRef idx="minor">
-            <a:schemeClr val="tx1"/>
-          </a:fontRef>
-        </p:style>
-      </p:cxnSp>
-      <p:cxnSp>
-        <p:nvCxnSpPr>
-          <p:cNvPr id="29" name="直接箭头连接符 28">
-            <a:extLst>
-              <a:ext uri="{FF2B5EF4-FFF2-40B4-BE49-F238E27FC236}">
-                <a16:creationId xmlns:a16="http://schemas.microsoft.com/office/drawing/2014/main" id="{47045F6E-D5AC-D5BA-2543-6630A6E542C9}"/>
-              </a:ext>
-            </a:extLst>
-          </p:cNvPr>
-          <p:cNvCxnSpPr>
-            <a:cxnSpLocks/>
-            <a:stCxn id="7" idx="2"/>
-            <a:endCxn id="17" idx="0"/>
-          </p:cNvCxnSpPr>
-          <p:nvPr/>
-        </p:nvCxnSpPr>
-        <p:spPr>
-          <a:xfrm>
-            <a:off x="10267686" y="3700712"/>
-            <a:ext cx="0" cy="1153109"/>
-          </a:xfrm>
-          <a:prstGeom prst="straightConnector1">
-            <a:avLst/>
-          </a:prstGeom>
-          <a:ln w="38100">
-            <a:solidFill>
-              <a:srgbClr val="0000FF"/>
-            </a:solidFill>
-            <a:tailEnd type="triangle"/>
-          </a:ln>
-        </p:spPr>
-        <p:style>
-          <a:lnRef idx="1">
-            <a:schemeClr val="accent1"/>
-          </a:lnRef>
-          <a:fillRef idx="0">
-            <a:schemeClr val="accent1"/>
-          </a:fillRef>
-          <a:effectRef idx="0">
-            <a:schemeClr val="accent1"/>
-          </a:effectRef>
-          <a:fontRef idx="minor">
-            <a:schemeClr val="tx1"/>
-          </a:fontRef>
-        </p:style>
-      </p:cxnSp>
-      <p:cxnSp>
-        <p:nvCxnSpPr>
-          <p:cNvPr id="34" name="直接箭头连接符 33">
-            <a:extLst>
-              <a:ext uri="{FF2B5EF4-FFF2-40B4-BE49-F238E27FC236}">
-                <a16:creationId xmlns:a16="http://schemas.microsoft.com/office/drawing/2014/main" id="{ED950C7C-9F77-D7BB-F572-BD36D83BB99D}"/>
-              </a:ext>
-            </a:extLst>
-          </p:cNvPr>
-          <p:cNvCxnSpPr>
-            <a:cxnSpLocks/>
-            <a:stCxn id="17" idx="2"/>
-            <a:endCxn id="18" idx="0"/>
-          </p:cNvCxnSpPr>
-          <p:nvPr/>
-        </p:nvCxnSpPr>
-        <p:spPr>
-          <a:xfrm>
-            <a:off x="10267686" y="5561707"/>
-            <a:ext cx="0" cy="407750"/>
-          </a:xfrm>
-          <a:prstGeom prst="straightConnector1">
-            <a:avLst/>
-          </a:prstGeom>
-          <a:ln w="38100">
-            <a:solidFill>
-              <a:srgbClr val="0000FF"/>
-            </a:solidFill>
-            <a:tailEnd type="triangle"/>
-          </a:ln>
-        </p:spPr>
-        <p:style>
-          <a:lnRef idx="1">
-            <a:schemeClr val="accent1"/>
-          </a:lnRef>
-          <a:fillRef idx="0">
-            <a:schemeClr val="accent1"/>
-          </a:fillRef>
-          <a:effectRef idx="0">
-            <a:schemeClr val="accent1"/>
-          </a:effectRef>
-          <a:fontRef idx="minor">
-            <a:schemeClr val="tx1"/>
-          </a:fontRef>
-        </p:style>
-      </p:cxnSp>
-      <p:cxnSp>
-        <p:nvCxnSpPr>
-          <p:cNvPr id="41" name="直接箭头连接符 40">
-            <a:extLst>
-              <a:ext uri="{FF2B5EF4-FFF2-40B4-BE49-F238E27FC236}">
-                <a16:creationId xmlns:a16="http://schemas.microsoft.com/office/drawing/2014/main" id="{EED5B433-0AAA-ABDF-4E59-119C29A48467}"/>
-              </a:ext>
-            </a:extLst>
-          </p:cNvPr>
-          <p:cNvCxnSpPr>
-            <a:cxnSpLocks/>
-            <a:endCxn id="46" idx="1"/>
-          </p:cNvCxnSpPr>
-          <p:nvPr/>
-        </p:nvCxnSpPr>
-        <p:spPr>
-          <a:xfrm>
-            <a:off x="10267686" y="4353706"/>
-            <a:ext cx="262431" cy="0"/>
-          </a:xfrm>
-          <a:prstGeom prst="straightConnector1">
-            <a:avLst/>
-          </a:prstGeom>
-          <a:ln w="38100">
-            <a:solidFill>
-              <a:srgbClr val="0000FF"/>
-            </a:solidFill>
-            <a:tailEnd type="triangle"/>
-          </a:ln>
-        </p:spPr>
-        <p:style>
-          <a:lnRef idx="1">
-            <a:schemeClr val="accent1"/>
-          </a:lnRef>
-          <a:fillRef idx="0">
-            <a:schemeClr val="accent1"/>
-          </a:fillRef>
-          <a:effectRef idx="0">
-            <a:schemeClr val="accent1"/>
-          </a:effectRef>
-          <a:fontRef idx="minor">
-            <a:schemeClr val="tx1"/>
-          </a:fontRef>
-        </p:style>
-      </p:cxnSp>
-      <p:sp>
-        <p:nvSpPr>
-          <p:cNvPr id="46" name="矩形 45">
-            <a:extLst>
-              <a:ext uri="{FF2B5EF4-FFF2-40B4-BE49-F238E27FC236}">
-                <a16:creationId xmlns:a16="http://schemas.microsoft.com/office/drawing/2014/main" id="{B3E7F85F-2217-2ABB-0765-4BD001247583}"/>
-              </a:ext>
-            </a:extLst>
-          </p:cNvPr>
-          <p:cNvSpPr/>
-          <p:nvPr/>
-        </p:nvSpPr>
-        <p:spPr>
-          <a:xfrm>
-            <a:off x="10530117" y="4061318"/>
-            <a:ext cx="1462235" cy="584775"/>
-          </a:xfrm>
-          <a:prstGeom prst="rect">
-            <a:avLst/>
-          </a:prstGeom>
-          <a:ln w="19050">
-            <a:solidFill>
-              <a:srgbClr val="0000FF"/>
-            </a:solidFill>
-          </a:ln>
-        </p:spPr>
-        <p:txBody>
-          <a:bodyPr wrap="square">
-            <a:spAutoFit/>
-          </a:bodyPr>
-          <a:lstStyle/>
-          <a:p>
-            <a:pPr algn="ctr" fontAlgn="auto">
-              <a:spcAft>
-                <a:spcPts val="0"/>
-              </a:spcAft>
-            </a:pPr>
-            <a:r>
-              <a:rPr lang="zh-CN" altLang="en-US" sz="1600" b="1" dirty="0">
-                <a:solidFill>
-                  <a:srgbClr val="0000FF"/>
-                </a:solidFill>
-                <a:latin typeface="微软雅黑" panose="020B0503020204020204" pitchFamily="34" charset="-122"/>
-                <a:ea typeface="微软雅黑" panose="020B0503020204020204" pitchFamily="34" charset="-122"/>
-              </a:rPr>
-              <a:t>轨道符合要求</a:t>
-            </a:r>
-            <a:endParaRPr lang="en-US" altLang="zh-CN" sz="1600" b="1" dirty="0">
-              <a:solidFill>
-                <a:srgbClr val="0000FF"/>
-              </a:solidFill>
-              <a:latin typeface="微软雅黑" panose="020B0503020204020204" pitchFamily="34" charset="-122"/>
-              <a:ea typeface="微软雅黑" panose="020B0503020204020204" pitchFamily="34" charset="-122"/>
-            </a:endParaRPr>
-          </a:p>
-          <a:p>
-            <a:pPr algn="ctr" fontAlgn="auto">
-              <a:spcAft>
-                <a:spcPts val="0"/>
-              </a:spcAft>
-            </a:pPr>
-            <a:r>
-              <a:rPr lang="zh-CN" altLang="en-US" sz="1600" b="1" dirty="0">
-                <a:solidFill>
-                  <a:srgbClr val="0000FF"/>
-                </a:solidFill>
-                <a:latin typeface="微软雅黑" panose="020B0503020204020204" pitchFamily="34" charset="-122"/>
-                <a:ea typeface="微软雅黑" panose="020B0503020204020204" pitchFamily="34" charset="-122"/>
-              </a:rPr>
-              <a:t>（均方根差）</a:t>
-            </a:r>
-          </a:p>
-        </p:txBody>
-      </p:sp>
-      <p:sp>
-        <p:nvSpPr>
-          <p:cNvPr id="50" name="箭头: 左弧形 49">
-            <a:extLst>
-              <a:ext uri="{FF2B5EF4-FFF2-40B4-BE49-F238E27FC236}">
-                <a16:creationId xmlns:a16="http://schemas.microsoft.com/office/drawing/2014/main" id="{5D344511-CDDF-CBD7-EABA-50AE77F47160}"/>
-              </a:ext>
-            </a:extLst>
-          </p:cNvPr>
-          <p:cNvSpPr/>
-          <p:nvPr/>
-        </p:nvSpPr>
-        <p:spPr>
-          <a:xfrm rot="10800000">
-            <a:off x="11527094" y="1376383"/>
-            <a:ext cx="568151" cy="4895087"/>
-          </a:xfrm>
-          <a:prstGeom prst="curvedRightArrow">
-            <a:avLst/>
-          </a:prstGeom>
-          <a:solidFill>
-            <a:srgbClr val="0000FF"/>
-          </a:solidFill>
-          <a:ln>
-            <a:solidFill>
-              <a:srgbClr val="0000FF"/>
-            </a:solidFill>
-          </a:ln>
-        </p:spPr>
-        <p:style>
-          <a:lnRef idx="2">
-            <a:schemeClr val="accent1">
-              <a:shade val="15000"/>
-            </a:schemeClr>
-          </a:lnRef>
-          <a:fillRef idx="1">
-            <a:schemeClr val="accent1"/>
-          </a:fillRef>
-          <a:effectRef idx="0">
-            <a:schemeClr val="accent1"/>
-          </a:effectRef>
-          <a:fontRef idx="minor">
-            <a:schemeClr val="lt1"/>
-          </a:fontRef>
-        </p:style>
-        <p:txBody>
-          <a:bodyPr rtlCol="0" anchor="ctr"/>
-          <a:lstStyle/>
-          <a:p>
-            <a:pPr algn="ctr"/>
-            <a:endParaRPr lang="zh-CN" altLang="en-US">
-              <a:solidFill>
-                <a:schemeClr val="tx1"/>
-              </a:solidFill>
-            </a:endParaRPr>
-          </a:p>
-        </p:txBody>
-      </p:sp>
-      <p:graphicFrame>
-        <p:nvGraphicFramePr>
-          <p:cNvPr id="16" name="对象 15">
-            <a:extLst>
-              <a:ext uri="{FF2B5EF4-FFF2-40B4-BE49-F238E27FC236}">
-                <a16:creationId xmlns:a16="http://schemas.microsoft.com/office/drawing/2014/main" id="{B4ADBE8F-F662-A737-8182-27F5D78E6BA6}"/>
-              </a:ext>
-            </a:extLst>
-          </p:cNvPr>
-          <p:cNvGraphicFramePr>
-            <a:graphicFrameLocks noChangeAspect="1"/>
-          </p:cNvGraphicFramePr>
-          <p:nvPr>
-            <p:extLst>
-              <p:ext uri="{D42A27DB-BD31-4B8C-83A1-F6EECF244321}">
-                <p14:modId xmlns:p14="http://schemas.microsoft.com/office/powerpoint/2010/main" val="1815889300"/>
-              </p:ext>
-            </p:extLst>
-          </p:nvPr>
-        </p:nvGraphicFramePr>
-        <p:xfrm>
-          <a:off x="1754824" y="4447025"/>
-          <a:ext cx="6753225" cy="730250"/>
-        </p:xfrm>
-        <a:graphic>
-          <a:graphicData uri="http://schemas.openxmlformats.org/presentationml/2006/ole">
-            <mc:AlternateContent xmlns:mc="http://schemas.openxmlformats.org/markup-compatibility/2006">
-              <mc:Choice xmlns:v="urn:schemas-microsoft-com:vml" Requires="v">
-                <p:oleObj name="AxMath" r:id="rId20" imgW="3376080" imgH="365040" progId="Equation.AxMath">
-                  <p:embed/>
-                </p:oleObj>
-              </mc:Choice>
-              <mc:Fallback>
-                <p:oleObj name="AxMath" r:id="rId20" imgW="3376080" imgH="365040" progId="Equation.AxMath">
-                  <p:embed/>
-                  <p:pic>
-                    <p:nvPicPr>
-                      <p:cNvPr id="2" name="对象 1">
-                        <a:extLst>
-                          <a:ext uri="{FF2B5EF4-FFF2-40B4-BE49-F238E27FC236}">
-                            <a16:creationId xmlns:a16="http://schemas.microsoft.com/office/drawing/2014/main" id="{995D25BD-F483-8E95-60E3-D8E483566A4A}"/>
-                          </a:ext>
-                        </a:extLst>
-                      </p:cNvPr>
-                      <p:cNvPicPr/>
-                      <p:nvPr/>
-                    </p:nvPicPr>
-                    <p:blipFill>
-                      <a:blip r:embed="rId21"/>
-                      <a:stretch>
-                        <a:fillRect/>
-                      </a:stretch>
-                    </p:blipFill>
-                    <p:spPr>
-                      <a:xfrm>
-                        <a:off x="1754824" y="4447025"/>
-                        <a:ext cx="6753225" cy="730250"/>
-                      </a:xfrm>
-                      <a:prstGeom prst="rect">
-                        <a:avLst/>
-                      </a:prstGeom>
-                    </p:spPr>
-                  </p:pic>
-                </p:oleObj>
-              </mc:Fallback>
-            </mc:AlternateContent>
-          </a:graphicData>
-        </a:graphic>
-      </p:graphicFrame>
-      <p:sp>
-        <p:nvSpPr>
-          <p:cNvPr id="30" name="矩形 29">
-            <a:extLst>
-              <a:ext uri="{FF2B5EF4-FFF2-40B4-BE49-F238E27FC236}">
-                <a16:creationId xmlns:a16="http://schemas.microsoft.com/office/drawing/2014/main" id="{632D432B-2927-2210-11D3-E3DF62BDFCB4}"/>
-              </a:ext>
-            </a:extLst>
-          </p:cNvPr>
-          <p:cNvSpPr/>
-          <p:nvPr/>
-        </p:nvSpPr>
-        <p:spPr>
-          <a:xfrm>
-            <a:off x="10167516" y="2682164"/>
-            <a:ext cx="1643949" cy="338554"/>
-          </a:xfrm>
-          <a:prstGeom prst="rect">
-            <a:avLst/>
-          </a:prstGeom>
-        </p:spPr>
-        <p:txBody>
-          <a:bodyPr wrap="square">
-            <a:spAutoFit/>
-          </a:bodyPr>
-          <a:lstStyle/>
-          <a:p>
-            <a:pPr algn="ctr" fontAlgn="auto">
-              <a:spcAft>
-                <a:spcPts val="0"/>
-              </a:spcAft>
-            </a:pPr>
-            <a:r>
-              <a:rPr lang="zh-CN" altLang="en-US" sz="1600" b="1" dirty="0">
-                <a:solidFill>
-                  <a:srgbClr val="0000FF"/>
-                </a:solidFill>
-                <a:latin typeface="Times New Roman" panose="02020603050405020304" pitchFamily="18" charset="0"/>
-                <a:ea typeface="微软雅黑" panose="020B0503020204020204" pitchFamily="34" charset="-122"/>
-                <a:cs typeface="Times New Roman" panose="02020603050405020304" pitchFamily="18" charset="0"/>
-              </a:rPr>
-              <a:t>（参考轨道）</a:t>
+              <a:t>初轨确定</a:t>
             </a:r>
           </a:p>
         </p:txBody>
       </p:sp>
       <p:pic>
         <p:nvPicPr>
-          <p:cNvPr id="20" name="图形 19" descr="困惑的脸轮廓 纯色填充">
+          <p:cNvPr id="2" name="图形 1" descr="紧张的脸轮廓 纯色填充">
             <a:extLst>
               <a:ext uri="{FF2B5EF4-FFF2-40B4-BE49-F238E27FC236}">
-                <a16:creationId xmlns:a16="http://schemas.microsoft.com/office/drawing/2014/main" id="{5AFCF9C4-6EDE-3918-2A00-452C49A47765}"/>
+                <a16:creationId xmlns:a16="http://schemas.microsoft.com/office/drawing/2014/main" id="{F47472F9-C4D6-6EF2-941D-424BCFB0B3B8}"/>
               </a:ext>
             </a:extLst>
           </p:cNvPr>
@@ -24545,10 +26835,10 @@
           <p:nvPr/>
         </p:nvPicPr>
         <p:blipFill>
-          <a:blip r:embed="rId22">
+          <a:blip r:embed="rId2">
             <a:extLst>
               <a:ext uri="{96DAC541-7B7A-43D3-8B79-37D633B846F1}">
-                <asvg:svgBlip xmlns:asvg="http://schemas.microsoft.com/office/drawing/2016/SVG/main" r:embed="rId23"/>
+                <asvg:svgBlip xmlns:asvg="http://schemas.microsoft.com/office/drawing/2016/SVG/main" r:embed="rId3"/>
               </a:ext>
             </a:extLst>
           </a:blip>
@@ -24566,10 +26856,526 @@
           </a:prstGeom>
         </p:spPr>
       </p:pic>
+      <p:graphicFrame>
+        <p:nvGraphicFramePr>
+          <p:cNvPr id="7" name="对象 6">
+            <a:extLst>
+              <a:ext uri="{FF2B5EF4-FFF2-40B4-BE49-F238E27FC236}">
+                <a16:creationId xmlns:a16="http://schemas.microsoft.com/office/drawing/2014/main" id="{5231F30E-7743-C0EF-A28A-69AACB5819D7}"/>
+              </a:ext>
+            </a:extLst>
+          </p:cNvPr>
+          <p:cNvGraphicFramePr>
+            <a:graphicFrameLocks noChangeAspect="1"/>
+          </p:cNvGraphicFramePr>
+          <p:nvPr>
+            <p:extLst>
+              <p:ext uri="{D42A27DB-BD31-4B8C-83A1-F6EECF244321}">
+                <p14:modId xmlns:p14="http://schemas.microsoft.com/office/powerpoint/2010/main" val="1419636998"/>
+              </p:ext>
+            </p:extLst>
+          </p:nvPr>
+        </p:nvGraphicFramePr>
+        <p:xfrm>
+          <a:off x="6814350" y="2359662"/>
+          <a:ext cx="1714500" cy="530225"/>
+        </p:xfrm>
+        <a:graphic>
+          <a:graphicData uri="http://schemas.openxmlformats.org/presentationml/2006/ole">
+            <mc:AlternateContent xmlns:mc="http://schemas.openxmlformats.org/markup-compatibility/2006">
+              <mc:Choice xmlns:v="urn:schemas-microsoft-com:vml" Requires="v">
+                <p:oleObj name="AxMath" r:id="rId4" imgW="857160" imgH="264600" progId="Equation.AxMath">
+                  <p:embed/>
+                </p:oleObj>
+              </mc:Choice>
+              <mc:Fallback>
+                <p:oleObj name="AxMath" r:id="rId4" imgW="857160" imgH="264600" progId="Equation.AxMath">
+                  <p:embed/>
+                  <p:pic>
+                    <p:nvPicPr>
+                      <p:cNvPr id="11" name="对象 10">
+                        <a:extLst>
+                          <a:ext uri="{FF2B5EF4-FFF2-40B4-BE49-F238E27FC236}">
+                            <a16:creationId xmlns:a16="http://schemas.microsoft.com/office/drawing/2014/main" id="{AA7E014A-2A2A-CE78-90FA-8AA8DF4326E9}"/>
+                          </a:ext>
+                        </a:extLst>
+                      </p:cNvPr>
+                      <p:cNvPicPr/>
+                      <p:nvPr/>
+                    </p:nvPicPr>
+                    <p:blipFill>
+                      <a:blip r:embed="rId5"/>
+                      <a:stretch>
+                        <a:fillRect/>
+                      </a:stretch>
+                    </p:blipFill>
+                    <p:spPr>
+                      <a:xfrm>
+                        <a:off x="6814350" y="2359662"/>
+                        <a:ext cx="1714500" cy="530225"/>
+                      </a:xfrm>
+                      <a:prstGeom prst="rect">
+                        <a:avLst/>
+                      </a:prstGeom>
+                    </p:spPr>
+                  </p:pic>
+                </p:oleObj>
+              </mc:Fallback>
+            </mc:AlternateContent>
+          </a:graphicData>
+        </a:graphic>
+      </p:graphicFrame>
+      <p:graphicFrame>
+        <p:nvGraphicFramePr>
+          <p:cNvPr id="8" name="对象 7">
+            <a:extLst>
+              <a:ext uri="{FF2B5EF4-FFF2-40B4-BE49-F238E27FC236}">
+                <a16:creationId xmlns:a16="http://schemas.microsoft.com/office/drawing/2014/main" id="{1179BB57-C69E-11D6-28BF-BABF5DE0B780}"/>
+              </a:ext>
+            </a:extLst>
+          </p:cNvPr>
+          <p:cNvGraphicFramePr>
+            <a:graphicFrameLocks noChangeAspect="1"/>
+          </p:cNvGraphicFramePr>
+          <p:nvPr>
+            <p:extLst>
+              <p:ext uri="{D42A27DB-BD31-4B8C-83A1-F6EECF244321}">
+                <p14:modId xmlns:p14="http://schemas.microsoft.com/office/powerpoint/2010/main" val="2904814291"/>
+              </p:ext>
+            </p:extLst>
+          </p:nvPr>
+        </p:nvGraphicFramePr>
+        <p:xfrm>
+          <a:off x="3301489" y="4945564"/>
+          <a:ext cx="2238375" cy="847725"/>
+        </p:xfrm>
+        <a:graphic>
+          <a:graphicData uri="http://schemas.openxmlformats.org/presentationml/2006/ole">
+            <mc:AlternateContent xmlns:mc="http://schemas.openxmlformats.org/markup-compatibility/2006">
+              <mc:Choice xmlns:v="urn:schemas-microsoft-com:vml" Requires="v">
+                <p:oleObj name="AxMath" r:id="rId6" imgW="1119600" imgH="423360" progId="Equation.AxMath">
+                  <p:embed/>
+                </p:oleObj>
+              </mc:Choice>
+              <mc:Fallback>
+                <p:oleObj name="AxMath" r:id="rId6" imgW="1119600" imgH="423360" progId="Equation.AxMath">
+                  <p:embed/>
+                  <p:pic>
+                    <p:nvPicPr>
+                      <p:cNvPr id="13" name="对象 12">
+                        <a:extLst>
+                          <a:ext uri="{FF2B5EF4-FFF2-40B4-BE49-F238E27FC236}">
+                            <a16:creationId xmlns:a16="http://schemas.microsoft.com/office/drawing/2014/main" id="{939D48DE-7B2D-3AFC-75F5-D09AE430632B}"/>
+                          </a:ext>
+                        </a:extLst>
+                      </p:cNvPr>
+                      <p:cNvPicPr/>
+                      <p:nvPr/>
+                    </p:nvPicPr>
+                    <p:blipFill>
+                      <a:blip r:embed="rId7"/>
+                      <a:stretch>
+                        <a:fillRect/>
+                      </a:stretch>
+                    </p:blipFill>
+                    <p:spPr>
+                      <a:xfrm>
+                        <a:off x="3301489" y="4945564"/>
+                        <a:ext cx="2238375" cy="847725"/>
+                      </a:xfrm>
+                      <a:prstGeom prst="rect">
+                        <a:avLst/>
+                      </a:prstGeom>
+                    </p:spPr>
+                  </p:pic>
+                </p:oleObj>
+              </mc:Fallback>
+            </mc:AlternateContent>
+          </a:graphicData>
+        </a:graphic>
+      </p:graphicFrame>
+      <p:sp>
+        <p:nvSpPr>
+          <p:cNvPr id="10" name="矩形 9">
+            <a:extLst>
+              <a:ext uri="{FF2B5EF4-FFF2-40B4-BE49-F238E27FC236}">
+                <a16:creationId xmlns:a16="http://schemas.microsoft.com/office/drawing/2014/main" id="{F8F463D8-7C0E-BB91-E167-E68F3D32C201}"/>
+              </a:ext>
+            </a:extLst>
+          </p:cNvPr>
+          <p:cNvSpPr/>
+          <p:nvPr/>
+        </p:nvSpPr>
+        <p:spPr>
+          <a:xfrm>
+            <a:off x="1734426" y="5142304"/>
+            <a:ext cx="1641507" cy="400110"/>
+          </a:xfrm>
+          <a:prstGeom prst="rect">
+            <a:avLst/>
+          </a:prstGeom>
+        </p:spPr>
+        <p:txBody>
+          <a:bodyPr wrap="square">
+            <a:spAutoFit/>
+          </a:bodyPr>
+          <a:lstStyle/>
+          <a:p>
+            <a:pPr algn="ctr" fontAlgn="auto">
+              <a:spcAft>
+                <a:spcPts val="0"/>
+              </a:spcAft>
+            </a:pPr>
+            <a:r>
+              <a:rPr lang="zh-CN" altLang="en-US" sz="2000" b="1" dirty="0">
+                <a:latin typeface="微软雅黑" panose="020B0503020204020204" pitchFamily="34" charset="-122"/>
+                <a:ea typeface="微软雅黑" panose="020B0503020204020204" pitchFamily="34" charset="-122"/>
+              </a:rPr>
+              <a:t>线性拟合</a:t>
+            </a:r>
+          </a:p>
+        </p:txBody>
+      </p:sp>
+      <p:grpSp>
+        <p:nvGrpSpPr>
+          <p:cNvPr id="12" name="组合 11">
+            <a:extLst>
+              <a:ext uri="{FF2B5EF4-FFF2-40B4-BE49-F238E27FC236}">
+                <a16:creationId xmlns:a16="http://schemas.microsoft.com/office/drawing/2014/main" id="{C81CD3A9-6D82-34B6-4F84-DA11E8405DE3}"/>
+              </a:ext>
+            </a:extLst>
+          </p:cNvPr>
+          <p:cNvGrpSpPr/>
+          <p:nvPr/>
+        </p:nvGrpSpPr>
+        <p:grpSpPr>
+          <a:xfrm>
+            <a:off x="2403859" y="4283596"/>
+            <a:ext cx="4483581" cy="422412"/>
+            <a:chOff x="-316526" y="2495410"/>
+            <a:chExt cx="4483581" cy="422412"/>
+          </a:xfrm>
+        </p:grpSpPr>
+        <p:sp>
+          <p:nvSpPr>
+            <p:cNvPr id="13" name="矩形 12">
+              <a:extLst>
+                <a:ext uri="{FF2B5EF4-FFF2-40B4-BE49-F238E27FC236}">
+                  <a16:creationId xmlns:a16="http://schemas.microsoft.com/office/drawing/2014/main" id="{2F95F0C8-82FD-2A89-9CB4-4BC4675804AC}"/>
+                </a:ext>
+              </a:extLst>
+            </p:cNvPr>
+            <p:cNvSpPr/>
+            <p:nvPr/>
+          </p:nvSpPr>
+          <p:spPr>
+            <a:xfrm>
+              <a:off x="-316526" y="2495410"/>
+              <a:ext cx="4483581" cy="400110"/>
+            </a:xfrm>
+            <a:prstGeom prst="rect">
+              <a:avLst/>
+            </a:prstGeom>
+          </p:spPr>
+          <p:txBody>
+            <a:bodyPr wrap="square">
+              <a:spAutoFit/>
+            </a:bodyPr>
+            <a:lstStyle/>
+            <a:p>
+              <a:pPr algn="ctr" fontAlgn="auto">
+                <a:spcAft>
+                  <a:spcPts val="0"/>
+                </a:spcAft>
+              </a:pPr>
+              <a:r>
+                <a:rPr lang="zh-CN" altLang="en-US" sz="2000" b="1" dirty="0">
+                  <a:solidFill>
+                    <a:schemeClr val="tx1"/>
+                  </a:solidFill>
+                  <a:latin typeface="微软雅黑" panose="020B0503020204020204" pitchFamily="34" charset="-122"/>
+                  <a:ea typeface="微软雅黑" panose="020B0503020204020204" pitchFamily="34" charset="-122"/>
+                  <a:sym typeface="+mn-ea"/>
+                </a:rPr>
+                <a:t>短弧看作线性，将航迹压缩到时刻</a:t>
+              </a:r>
+              <a:endParaRPr lang="zh-CN" altLang="en-US" sz="2000" b="1" i="1" dirty="0">
+                <a:latin typeface="Times New Roman" panose="02020603050405020304" pitchFamily="18" charset="0"/>
+                <a:ea typeface="微软雅黑" panose="020B0503020204020204" pitchFamily="34" charset="-122"/>
+                <a:cs typeface="Times New Roman" panose="02020603050405020304" pitchFamily="18" charset="0"/>
+              </a:endParaRPr>
+            </a:p>
+          </p:txBody>
+        </p:sp>
+        <p:graphicFrame>
+          <p:nvGraphicFramePr>
+            <p:cNvPr id="14" name="对象 13">
+              <a:extLst>
+                <a:ext uri="{FF2B5EF4-FFF2-40B4-BE49-F238E27FC236}">
+                  <a16:creationId xmlns:a16="http://schemas.microsoft.com/office/drawing/2014/main" id="{C7790786-CA48-4A6A-95FA-8F4CB844D1A0}"/>
+                </a:ext>
+              </a:extLst>
+            </p:cNvPr>
+            <p:cNvGraphicFramePr>
+              <a:graphicFrameLocks noChangeAspect="1"/>
+            </p:cNvGraphicFramePr>
+            <p:nvPr>
+              <p:extLst>
+                <p:ext uri="{D42A27DB-BD31-4B8C-83A1-F6EECF244321}">
+                  <p14:modId xmlns:p14="http://schemas.microsoft.com/office/powerpoint/2010/main" val="4192997491"/>
+                </p:ext>
+              </p:extLst>
+            </p:nvPr>
+          </p:nvGraphicFramePr>
+          <p:xfrm>
+            <a:off x="3874220" y="2539997"/>
+            <a:ext cx="209550" cy="377825"/>
+          </p:xfrm>
+          <a:graphic>
+            <a:graphicData uri="http://schemas.openxmlformats.org/presentationml/2006/ole">
+              <mc:AlternateContent xmlns:mc="http://schemas.openxmlformats.org/markup-compatibility/2006">
+                <mc:Choice xmlns:v="urn:schemas-microsoft-com:vml" Requires="v">
+                  <p:oleObj name="AxMath" r:id="rId8" imgW="105480" imgH="189000" progId="Equation.AxMath">
+                    <p:embed/>
+                  </p:oleObj>
+                </mc:Choice>
+                <mc:Fallback>
+                  <p:oleObj name="AxMath" r:id="rId8" imgW="105480" imgH="189000" progId="Equation.AxMath">
+                    <p:embed/>
+                    <p:pic>
+                      <p:nvPicPr>
+                        <p:cNvPr id="45" name="对象 44">
+                          <a:extLst>
+                            <a:ext uri="{FF2B5EF4-FFF2-40B4-BE49-F238E27FC236}">
+                              <a16:creationId xmlns:a16="http://schemas.microsoft.com/office/drawing/2014/main" id="{C7CD5FA2-C895-8933-95F6-B1EB427316E8}"/>
+                            </a:ext>
+                          </a:extLst>
+                        </p:cNvPr>
+                        <p:cNvPicPr/>
+                        <p:nvPr/>
+                      </p:nvPicPr>
+                      <p:blipFill>
+                        <a:blip r:embed="rId9"/>
+                        <a:stretch>
+                          <a:fillRect/>
+                        </a:stretch>
+                      </p:blipFill>
+                      <p:spPr>
+                        <a:xfrm>
+                          <a:off x="3874220" y="2539997"/>
+                          <a:ext cx="209550" cy="377825"/>
+                        </a:xfrm>
+                        <a:prstGeom prst="rect">
+                          <a:avLst/>
+                        </a:prstGeom>
+                      </p:spPr>
+                    </p:pic>
+                  </p:oleObj>
+                </mc:Fallback>
+              </mc:AlternateContent>
+            </a:graphicData>
+          </a:graphic>
+        </p:graphicFrame>
+      </p:grpSp>
+      <p:graphicFrame>
+        <p:nvGraphicFramePr>
+          <p:cNvPr id="15" name="对象 14">
+            <a:extLst>
+              <a:ext uri="{FF2B5EF4-FFF2-40B4-BE49-F238E27FC236}">
+                <a16:creationId xmlns:a16="http://schemas.microsoft.com/office/drawing/2014/main" id="{94FC8241-4F89-8615-DBB7-3198A27C3D89}"/>
+              </a:ext>
+            </a:extLst>
+          </p:cNvPr>
+          <p:cNvGraphicFramePr>
+            <a:graphicFrameLocks noChangeAspect="1"/>
+          </p:cNvGraphicFramePr>
+          <p:nvPr>
+            <p:extLst>
+              <p:ext uri="{D42A27DB-BD31-4B8C-83A1-F6EECF244321}">
+                <p14:modId xmlns:p14="http://schemas.microsoft.com/office/powerpoint/2010/main" val="1243903142"/>
+              </p:ext>
+            </p:extLst>
+          </p:nvPr>
+        </p:nvGraphicFramePr>
+        <p:xfrm>
+          <a:off x="2664155" y="3394660"/>
+          <a:ext cx="4276725" cy="415925"/>
+        </p:xfrm>
+        <a:graphic>
+          <a:graphicData uri="http://schemas.openxmlformats.org/presentationml/2006/ole">
+            <mc:AlternateContent xmlns:mc="http://schemas.openxmlformats.org/markup-compatibility/2006">
+              <mc:Choice xmlns:v="urn:schemas-microsoft-com:vml" Requires="v">
+                <p:oleObj name="AxMath" r:id="rId10" imgW="2137680" imgH="207360" progId="Equation.AxMath">
+                  <p:embed/>
+                </p:oleObj>
+              </mc:Choice>
+              <mc:Fallback>
+                <p:oleObj name="AxMath" r:id="rId10" imgW="2137680" imgH="207360" progId="Equation.AxMath">
+                  <p:embed/>
+                  <p:pic>
+                    <p:nvPicPr>
+                      <p:cNvPr id="47" name="对象 46">
+                        <a:extLst>
+                          <a:ext uri="{FF2B5EF4-FFF2-40B4-BE49-F238E27FC236}">
+                            <a16:creationId xmlns:a16="http://schemas.microsoft.com/office/drawing/2014/main" id="{60FFA52C-63D1-7013-17F6-2A9AD20D029E}"/>
+                          </a:ext>
+                        </a:extLst>
+                      </p:cNvPr>
+                      <p:cNvPicPr/>
+                      <p:nvPr/>
+                    </p:nvPicPr>
+                    <p:blipFill>
+                      <a:blip r:embed="rId11"/>
+                      <a:stretch>
+                        <a:fillRect/>
+                      </a:stretch>
+                    </p:blipFill>
+                    <p:spPr>
+                      <a:xfrm>
+                        <a:off x="2664155" y="3394660"/>
+                        <a:ext cx="4276725" cy="415925"/>
+                      </a:xfrm>
+                      <a:prstGeom prst="rect">
+                        <a:avLst/>
+                      </a:prstGeom>
+                    </p:spPr>
+                  </p:pic>
+                </p:oleObj>
+              </mc:Fallback>
+            </mc:AlternateContent>
+          </a:graphicData>
+        </a:graphic>
+      </p:graphicFrame>
+      <p:sp>
+        <p:nvSpPr>
+          <p:cNvPr id="16" name="矩形 15">
+            <a:extLst>
+              <a:ext uri="{FF2B5EF4-FFF2-40B4-BE49-F238E27FC236}">
+                <a16:creationId xmlns:a16="http://schemas.microsoft.com/office/drawing/2014/main" id="{6FDD907D-A604-8829-901B-C9DDB4FCDE5B}"/>
+              </a:ext>
+            </a:extLst>
+          </p:cNvPr>
+          <p:cNvSpPr/>
+          <p:nvPr/>
+        </p:nvSpPr>
+        <p:spPr>
+          <a:xfrm>
+            <a:off x="1315348" y="3352209"/>
+            <a:ext cx="1346489" cy="461665"/>
+          </a:xfrm>
+          <a:prstGeom prst="rect">
+            <a:avLst/>
+          </a:prstGeom>
+        </p:spPr>
+        <p:txBody>
+          <a:bodyPr wrap="square">
+            <a:spAutoFit/>
+          </a:bodyPr>
+          <a:lstStyle/>
+          <a:p>
+            <a:pPr algn="ctr" fontAlgn="auto">
+              <a:spcAft>
+                <a:spcPts val="0"/>
+              </a:spcAft>
+            </a:pPr>
+            <a:r>
+              <a:rPr lang="zh-CN" altLang="en-US" sz="2400" b="1" dirty="0">
+                <a:solidFill>
+                  <a:schemeClr val="tx1"/>
+                </a:solidFill>
+                <a:latin typeface="微软雅黑" panose="020B0503020204020204" pitchFamily="34" charset="-122"/>
+                <a:ea typeface="微软雅黑" panose="020B0503020204020204" pitchFamily="34" charset="-122"/>
+                <a:sym typeface="+mn-ea"/>
+              </a:rPr>
+              <a:t>观测量</a:t>
+            </a:r>
+            <a:endParaRPr lang="zh-CN" altLang="en-US" sz="2400" b="1" i="1" dirty="0">
+              <a:latin typeface="Times New Roman" panose="02020603050405020304" pitchFamily="18" charset="0"/>
+              <a:ea typeface="微软雅黑" panose="020B0503020204020204" pitchFamily="34" charset="-122"/>
+              <a:cs typeface="Times New Roman" panose="02020603050405020304" pitchFamily="18" charset="0"/>
+            </a:endParaRPr>
+          </a:p>
+        </p:txBody>
+      </p:sp>
+      <p:sp>
+        <p:nvSpPr>
+          <p:cNvPr id="17" name="矩形 16">
+            <a:extLst>
+              <a:ext uri="{FF2B5EF4-FFF2-40B4-BE49-F238E27FC236}">
+                <a16:creationId xmlns:a16="http://schemas.microsoft.com/office/drawing/2014/main" id="{7D1F8014-5EA3-C835-B393-43B482EB8E20}"/>
+              </a:ext>
+            </a:extLst>
+          </p:cNvPr>
+          <p:cNvSpPr/>
+          <p:nvPr/>
+        </p:nvSpPr>
+        <p:spPr>
+          <a:xfrm>
+            <a:off x="571360" y="4358422"/>
+            <a:ext cx="2090477" cy="461665"/>
+          </a:xfrm>
+          <a:prstGeom prst="rect">
+            <a:avLst/>
+          </a:prstGeom>
+        </p:spPr>
+        <p:txBody>
+          <a:bodyPr wrap="square">
+            <a:spAutoFit/>
+          </a:bodyPr>
+          <a:lstStyle/>
+          <a:p>
+            <a:pPr algn="ctr" fontAlgn="auto">
+              <a:spcAft>
+                <a:spcPts val="0"/>
+              </a:spcAft>
+            </a:pPr>
+            <a:r>
+              <a:rPr lang="zh-CN" altLang="en-US" sz="2400" b="1" dirty="0">
+                <a:solidFill>
+                  <a:srgbClr val="FF0000"/>
+                </a:solidFill>
+                <a:latin typeface="Times New Roman" panose="02020603050405020304" pitchFamily="18" charset="0"/>
+                <a:ea typeface="微软雅黑" panose="020B0503020204020204" pitchFamily="34" charset="-122"/>
+                <a:cs typeface="Times New Roman" panose="02020603050405020304" pitchFamily="18" charset="0"/>
+              </a:rPr>
+              <a:t>为什么可以？</a:t>
+            </a:r>
+          </a:p>
+        </p:txBody>
+      </p:sp>
+      <p:pic>
+        <p:nvPicPr>
+          <p:cNvPr id="19" name="图片 18">
+            <a:extLst>
+              <a:ext uri="{FF2B5EF4-FFF2-40B4-BE49-F238E27FC236}">
+                <a16:creationId xmlns:a16="http://schemas.microsoft.com/office/drawing/2014/main" id="{6F070E4B-58EA-6AD8-56B4-EEA8892246D4}"/>
+              </a:ext>
+            </a:extLst>
+          </p:cNvPr>
+          <p:cNvPicPr>
+            <a:picLocks noChangeAspect="1"/>
+          </p:cNvPicPr>
+          <p:nvPr/>
+        </p:nvPicPr>
+        <p:blipFill rotWithShape="1">
+          <a:blip r:embed="rId12"/>
+          <a:srcRect l="29867" t="-1" r="29851" b="80447"/>
+          <a:stretch/>
+        </p:blipFill>
+        <p:spPr>
+          <a:xfrm>
+            <a:off x="7417841" y="3438162"/>
+            <a:ext cx="4476649" cy="2280224"/>
+          </a:xfrm>
+          <a:prstGeom prst="rect">
+            <a:avLst/>
+          </a:prstGeom>
+        </p:spPr>
+      </p:pic>
     </p:spTree>
     <p:extLst>
       <p:ext uri="{BB962C8B-B14F-4D97-AF65-F5344CB8AC3E}">
-        <p14:creationId xmlns:p14="http://schemas.microsoft.com/office/powerpoint/2010/main" val="2986996060"/>
+        <p14:creationId xmlns:p14="http://schemas.microsoft.com/office/powerpoint/2010/main" val="3948232093"/>
       </p:ext>
     </p:extLst>
   </p:cSld>
@@ -24588,6 +27394,92 @@
       </p:transition>
     </mc:Fallback>
   </mc:AlternateContent>
+  <p:timing>
+    <p:tnLst>
+      <p:par>
+        <p:cTn id="1" dur="indefinite" restart="never" nodeType="tmRoot">
+          <p:childTnLst>
+            <p:seq concurrent="1" nextAc="seek">
+              <p:cTn id="2" dur="indefinite" nodeType="mainSeq">
+                <p:childTnLst>
+                  <p:par>
+                    <p:cTn id="3" fill="hold">
+                      <p:stCondLst>
+                        <p:cond delay="indefinite"/>
+                      </p:stCondLst>
+                      <p:childTnLst>
+                        <p:par>
+                          <p:cTn id="4" fill="hold">
+                            <p:stCondLst>
+                              <p:cond delay="0"/>
+                            </p:stCondLst>
+                            <p:childTnLst>
+                              <p:par>
+                                <p:cTn id="5" presetID="10" presetClass="entr" presetSubtype="0" fill="hold" grpId="0" nodeType="clickEffect">
+                                  <p:stCondLst>
+                                    <p:cond delay="0"/>
+                                  </p:stCondLst>
+                                  <p:childTnLst>
+                                    <p:set>
+                                      <p:cBhvr>
+                                        <p:cTn id="6" dur="1" fill="hold">
+                                          <p:stCondLst>
+                                            <p:cond delay="0"/>
+                                          </p:stCondLst>
+                                        </p:cTn>
+                                        <p:tgtEl>
+                                          <p:spTgt spid="17"/>
+                                        </p:tgtEl>
+                                        <p:attrNameLst>
+                                          <p:attrName>style.visibility</p:attrName>
+                                        </p:attrNameLst>
+                                      </p:cBhvr>
+                                      <p:to>
+                                        <p:strVal val="visible"/>
+                                      </p:to>
+                                    </p:set>
+                                    <p:animEffect transition="in" filter="fade">
+                                      <p:cBhvr>
+                                        <p:cTn id="7" dur="500"/>
+                                        <p:tgtEl>
+                                          <p:spTgt spid="17"/>
+                                        </p:tgtEl>
+                                      </p:cBhvr>
+                                    </p:animEffect>
+                                  </p:childTnLst>
+                                </p:cTn>
+                              </p:par>
+                            </p:childTnLst>
+                          </p:cTn>
+                        </p:par>
+                      </p:childTnLst>
+                    </p:cTn>
+                  </p:par>
+                </p:childTnLst>
+              </p:cTn>
+              <p:prevCondLst>
+                <p:cond evt="onPrev" delay="0">
+                  <p:tgtEl>
+                    <p:sldTgt/>
+                  </p:tgtEl>
+                </p:cond>
+              </p:prevCondLst>
+              <p:nextCondLst>
+                <p:cond evt="onNext" delay="0">
+                  <p:tgtEl>
+                    <p:sldTgt/>
+                  </p:tgtEl>
+                </p:cond>
+              </p:nextCondLst>
+            </p:seq>
+          </p:childTnLst>
+        </p:cTn>
+      </p:par>
+    </p:tnLst>
+    <p:bldLst>
+      <p:bldP spid="17" grpId="0"/>
+    </p:bldLst>
+  </p:timing>
 </p:sld>
 </file>
 

--- a/12 初轨确定和精密定轨原理.pptx
+++ b/12 初轨确定和精密定轨原理.pptx
@@ -237,7 +237,7 @@
           <a:p>
             <a:fld id="{26DDD1A4-63E9-4C41-BD0C-A6576214358F}" type="datetimeFigureOut">
               <a:rPr kumimoji="1" lang="zh-CN" altLang="en-US" smtClean="0"/>
-              <a:t>2024/3/27</a:t>
+              <a:t>2024/4/1</a:t>
             </a:fld>
             <a:endParaRPr kumimoji="1" lang="zh-CN" altLang="en-US"/>
           </a:p>
@@ -831,7 +831,7 @@
           <a:p>
             <a:fld id="{8664C608-40B1-4030-A28D-5B74BC98ADCE}" type="datetimeFigureOut">
               <a:rPr lang="en-US" smtClean="0"/>
-              <a:t>3/27/2024</a:t>
+              <a:t>4/1/2024</a:t>
             </a:fld>
             <a:endParaRPr lang="en-US" dirty="0"/>
           </a:p>
@@ -2980,8 +2980,8 @@
           </a:graphicData>
         </a:graphic>
       </p:graphicFrame>
-      <mc:AlternateContent xmlns:mc="http://schemas.openxmlformats.org/markup-compatibility/2006">
-        <mc:Choice xmlns:a14="http://schemas.microsoft.com/office/drawing/2010/main" Requires="a14">
+      <mc:AlternateContent xmlns:mc="http://schemas.openxmlformats.org/markup-compatibility/2006" xmlns:a14="http://schemas.microsoft.com/office/drawing/2010/main">
+        <mc:Choice Requires="a14">
           <p:sp>
             <p:nvSpPr>
               <p:cNvPr id="18" name="TextBox 3">
@@ -3315,7 +3315,7 @@
             </p:txBody>
           </p:sp>
         </mc:Choice>
-        <mc:Fallback>
+        <mc:Fallback xmlns="">
           <p:sp>
             <p:nvSpPr>
               <p:cNvPr id="18" name="TextBox 3">
@@ -15409,7 +15409,23 @@
                 <a:ea typeface="微软雅黑" panose="020B0503020204020204" pitchFamily="34" charset="-122"/>
                 <a:sym typeface="+mn-ea"/>
               </a:rPr>
-              <a:t>给出定轨结果的方位角、高度角残差；</a:t>
+              <a:t>给出定轨结果的方位角、高度角残差</a:t>
+            </a:r>
+            <a:r>
+              <a:rPr lang="en-US" altLang="zh-CN" sz="2000" b="1">
+                <a:latin typeface="微软雅黑" panose="020B0503020204020204" pitchFamily="34" charset="-122"/>
+                <a:ea typeface="微软雅黑" panose="020B0503020204020204" pitchFamily="34" charset="-122"/>
+                <a:sym typeface="+mn-ea"/>
+              </a:rPr>
+              <a:t>RMS</a:t>
+            </a:r>
+            <a:r>
+              <a:rPr lang="zh-CN" altLang="en-US" sz="2000" b="1">
+                <a:latin typeface="微软雅黑" panose="020B0503020204020204" pitchFamily="34" charset="-122"/>
+                <a:ea typeface="微软雅黑" panose="020B0503020204020204" pitchFamily="34" charset="-122"/>
+                <a:sym typeface="+mn-ea"/>
+              </a:rPr>
+              <a:t>；</a:t>
             </a:r>
             <a:endParaRPr lang="en-US" altLang="zh-CN" sz="2000" b="1" dirty="0">
               <a:latin typeface="微软雅黑" panose="020B0503020204020204" pitchFamily="34" charset="-122"/>

--- a/12 初轨确定和精密定轨原理.pptx
+++ b/12 初轨确定和精密定轨原理.pptx
@@ -237,7 +237,7 @@
           <a:p>
             <a:fld id="{26DDD1A4-63E9-4C41-BD0C-A6576214358F}" type="datetimeFigureOut">
               <a:rPr kumimoji="1" lang="zh-CN" altLang="en-US" smtClean="0"/>
-              <a:t>2024/4/1</a:t>
+              <a:t>2024/11/15</a:t>
             </a:fld>
             <a:endParaRPr kumimoji="1" lang="zh-CN" altLang="en-US"/>
           </a:p>
@@ -831,7 +831,7 @@
           <a:p>
             <a:fld id="{8664C608-40B1-4030-A28D-5B74BC98ADCE}" type="datetimeFigureOut">
               <a:rPr lang="en-US" smtClean="0"/>
-              <a:t>4/1/2024</a:t>
+              <a:t>11/15/2024</a:t>
             </a:fld>
             <a:endParaRPr lang="en-US" dirty="0"/>
           </a:p>
@@ -3402,6 +3402,73 @@
           </a:p>
         </p:txBody>
       </p:sp>
+      <p:sp>
+        <p:nvSpPr>
+          <p:cNvPr id="4" name="矩形 3">
+            <a:extLst>
+              <a:ext uri="{FF2B5EF4-FFF2-40B4-BE49-F238E27FC236}">
+                <a16:creationId xmlns:a16="http://schemas.microsoft.com/office/drawing/2014/main" id="{1D944E67-1C65-F334-ED5E-0CA182B18A71}"/>
+              </a:ext>
+            </a:extLst>
+          </p:cNvPr>
+          <p:cNvSpPr/>
+          <p:nvPr/>
+        </p:nvSpPr>
+        <p:spPr>
+          <a:xfrm>
+            <a:off x="7238782" y="6274608"/>
+            <a:ext cx="1440985" cy="307777"/>
+          </a:xfrm>
+          <a:prstGeom prst="rect">
+            <a:avLst/>
+          </a:prstGeom>
+        </p:spPr>
+        <p:txBody>
+          <a:bodyPr wrap="square">
+            <a:spAutoFit/>
+          </a:bodyPr>
+          <a:lstStyle/>
+          <a:p>
+            <a:pPr algn="ctr" fontAlgn="auto">
+              <a:spcAft>
+                <a:spcPts val="0"/>
+              </a:spcAft>
+            </a:pPr>
+            <a:r>
+              <a:rPr lang="zh-CN" altLang="en-US" sz="1400" b="1" dirty="0">
+                <a:latin typeface="微软雅黑" panose="020B0503020204020204" pitchFamily="34" charset="-122"/>
+                <a:ea typeface="微软雅黑" panose="020B0503020204020204" pitchFamily="34" charset="-122"/>
+              </a:rPr>
+              <a:t>第</a:t>
+            </a:r>
+            <a:r>
+              <a:rPr lang="en-US" altLang="zh-CN" sz="1400" b="1" dirty="0">
+                <a:latin typeface="微软雅黑" panose="020B0503020204020204" pitchFamily="34" charset="-122"/>
+                <a:ea typeface="微软雅黑" panose="020B0503020204020204" pitchFamily="34" charset="-122"/>
+              </a:rPr>
+              <a:t>15</a:t>
+            </a:r>
+            <a:r>
+              <a:rPr lang="zh-CN" altLang="en-US" sz="1400" b="1" dirty="0">
+                <a:latin typeface="微软雅黑" panose="020B0503020204020204" pitchFamily="34" charset="-122"/>
+                <a:ea typeface="微软雅黑" panose="020B0503020204020204" pitchFamily="34" charset="-122"/>
+              </a:rPr>
+              <a:t>节课见</a:t>
+            </a:r>
+            <a:r>
+              <a:rPr lang="en-US" altLang="zh-CN" sz="1400" b="1" dirty="0">
+                <a:latin typeface="微软雅黑" panose="020B0503020204020204" pitchFamily="34" charset="-122"/>
+                <a:ea typeface="微软雅黑" panose="020B0503020204020204" pitchFamily="34" charset="-122"/>
+              </a:rPr>
+              <a:t>~</a:t>
+            </a:r>
+            <a:endParaRPr lang="zh-CN" sz="1400" b="1" dirty="0">
+              <a:latin typeface="微软雅黑" panose="020B0503020204020204" pitchFamily="34" charset="-122"/>
+              <a:ea typeface="微软雅黑" panose="020B0503020204020204" pitchFamily="34" charset="-122"/>
+            </a:endParaRPr>
+          </a:p>
+        </p:txBody>
+      </p:sp>
     </p:spTree>
     <p:extLst>
       <p:ext uri="{BB962C8B-B14F-4D97-AF65-F5344CB8AC3E}">
@@ -3635,6 +3702,41 @@
                                   </p:childTnLst>
                                 </p:cTn>
                               </p:par>
+                              <p:par>
+                                <p:cTn id="20" presetID="10" presetClass="entr" presetSubtype="0" fill="hold" grpId="0" nodeType="withEffect">
+                                  <p:stCondLst>
+                                    <p:cond delay="0"/>
+                                  </p:stCondLst>
+                                  <p:childTnLst>
+                                    <p:set>
+                                      <p:cBhvr>
+                                        <p:cTn id="21" dur="1" fill="hold">
+                                          <p:stCondLst>
+                                            <p:cond delay="0"/>
+                                          </p:stCondLst>
+                                        </p:cTn>
+                                        <p:tgtEl>
+                                          <p:spTgt spid="4"/>
+                                        </p:tgtEl>
+                                        <p:attrNameLst>
+                                          <p:attrName>style.visibility</p:attrName>
+                                        </p:attrNameLst>
+                                      </p:cBhvr>
+                                      <p:to>
+                                        <p:strVal val="visible"/>
+                                      </p:to>
+                                    </p:set>
+                                    <p:animEffect transition="in" filter="fade">
+                                      <p:cBhvr>
+                                        <p:cTn id="22" dur="500"/>
+                                        <p:tgtEl>
+                                          <p:spTgt spid="4"/>
+                                        </p:tgtEl>
+                                      </p:cBhvr>
+                                    </p:animEffect>
+                                  </p:childTnLst>
+                                </p:cTn>
+                              </p:par>
                             </p:childTnLst>
                           </p:cTn>
                         </p:par>
@@ -3664,6 +3766,7 @@
     </p:tnLst>
     <p:bldLst>
       <p:bldP spid="18" grpId="0"/>
+      <p:bldP spid="4" grpId="0"/>
     </p:bldLst>
   </p:timing>
 </p:sld>
@@ -12357,6 +12460,41 @@
                                   </p:childTnLst>
                                 </p:cTn>
                               </p:par>
+                              <p:par>
+                                <p:cTn id="37" presetID="10" presetClass="entr" presetSubtype="0" fill="hold" grpId="0" nodeType="withEffect">
+                                  <p:stCondLst>
+                                    <p:cond delay="0"/>
+                                  </p:stCondLst>
+                                  <p:childTnLst>
+                                    <p:set>
+                                      <p:cBhvr>
+                                        <p:cTn id="38" dur="1" fill="hold">
+                                          <p:stCondLst>
+                                            <p:cond delay="0"/>
+                                          </p:stCondLst>
+                                        </p:cTn>
+                                        <p:tgtEl>
+                                          <p:spTgt spid="6"/>
+                                        </p:tgtEl>
+                                        <p:attrNameLst>
+                                          <p:attrName>style.visibility</p:attrName>
+                                        </p:attrNameLst>
+                                      </p:cBhvr>
+                                      <p:to>
+                                        <p:strVal val="visible"/>
+                                      </p:to>
+                                    </p:set>
+                                    <p:animEffect transition="in" filter="fade">
+                                      <p:cBhvr>
+                                        <p:cTn id="39" dur="500"/>
+                                        <p:tgtEl>
+                                          <p:spTgt spid="6"/>
+                                        </p:tgtEl>
+                                      </p:cBhvr>
+                                    </p:animEffect>
+                                  </p:childTnLst>
+                                </p:cTn>
+                              </p:par>
                             </p:childTnLst>
                           </p:cTn>
                         </p:par>
@@ -12387,6 +12525,7 @@
     <p:bldLst>
       <p:bldP spid="16" grpId="0"/>
       <p:bldP spid="17" grpId="0"/>
+      <p:bldP spid="6" grpId="0"/>
     </p:bldLst>
   </p:timing>
 </p:sld>
@@ -17814,6 +17953,36 @@
           <a:chExt cx="0" cy="0"/>
         </a:xfrm>
       </p:grpSpPr>
+      <p:pic>
+        <p:nvPicPr>
+          <p:cNvPr id="14" name="图片 13">
+            <a:extLst>
+              <a:ext uri="{FF2B5EF4-FFF2-40B4-BE49-F238E27FC236}">
+                <a16:creationId xmlns:a16="http://schemas.microsoft.com/office/drawing/2014/main" id="{B098A805-628F-BAC2-0E7A-156587566F50}"/>
+              </a:ext>
+            </a:extLst>
+          </p:cNvPr>
+          <p:cNvPicPr>
+            <a:picLocks noChangeAspect="1"/>
+          </p:cNvPicPr>
+          <p:nvPr/>
+        </p:nvPicPr>
+        <p:blipFill>
+          <a:blip r:embed="rId2"/>
+          <a:stretch>
+            <a:fillRect/>
+          </a:stretch>
+        </p:blipFill>
+        <p:spPr>
+          <a:xfrm>
+            <a:off x="4129707" y="948702"/>
+            <a:ext cx="1623537" cy="1591781"/>
+          </a:xfrm>
+          <a:prstGeom prst="rect">
+            <a:avLst/>
+          </a:prstGeom>
+        </p:spPr>
+      </p:pic>
       <p:sp>
         <p:nvSpPr>
           <p:cNvPr id="28" name="矩形: 圆角 27">
@@ -18142,12 +18311,12 @@
           <a:graphicData uri="http://schemas.openxmlformats.org/presentationml/2006/ole">
             <mc:AlternateContent xmlns:mc="http://schemas.openxmlformats.org/markup-compatibility/2006">
               <mc:Choice xmlns:v="urn:schemas-microsoft-com:vml" Requires="v">
-                <p:oleObj name="AxMath" r:id="rId2" imgW="618480" imgH="190440" progId="Equation.AxMath">
+                <p:oleObj name="AxMath" r:id="rId3" imgW="618480" imgH="190440" progId="Equation.AxMath">
                   <p:embed/>
                 </p:oleObj>
               </mc:Choice>
               <mc:Fallback>
-                <p:oleObj name="AxMath" r:id="rId2" imgW="618480" imgH="190440" progId="Equation.AxMath">
+                <p:oleObj name="AxMath" r:id="rId3" imgW="618480" imgH="190440" progId="Equation.AxMath">
                   <p:embed/>
                   <p:pic>
                     <p:nvPicPr>
@@ -18156,7 +18325,7 @@
                       <p:nvPr/>
                     </p:nvPicPr>
                     <p:blipFill>
-                      <a:blip r:embed="rId3"/>
+                      <a:blip r:embed="rId4"/>
                       <a:stretch>
                         <a:fillRect/>
                       </a:stretch>
@@ -18205,12 +18374,12 @@
           <a:graphicData uri="http://schemas.openxmlformats.org/presentationml/2006/ole">
             <mc:AlternateContent xmlns:mc="http://schemas.openxmlformats.org/markup-compatibility/2006">
               <mc:Choice xmlns:v="urn:schemas-microsoft-com:vml" Requires="v">
-                <p:oleObj name="AxMath" r:id="rId4" imgW="907200" imgH="196560" progId="Equation.AxMath">
+                <p:oleObj name="AxMath" r:id="rId5" imgW="907200" imgH="196560" progId="Equation.AxMath">
                   <p:embed/>
                 </p:oleObj>
               </mc:Choice>
               <mc:Fallback>
-                <p:oleObj name="AxMath" r:id="rId4" imgW="907200" imgH="196560" progId="Equation.AxMath">
+                <p:oleObj name="AxMath" r:id="rId5" imgW="907200" imgH="196560" progId="Equation.AxMath">
                   <p:embed/>
                   <p:pic>
                     <p:nvPicPr>
@@ -18225,7 +18394,7 @@
                       <p:nvPr/>
                     </p:nvPicPr>
                     <p:blipFill>
-                      <a:blip r:embed="rId5"/>
+                      <a:blip r:embed="rId6"/>
                       <a:stretch>
                         <a:fillRect/>
                       </a:stretch>
@@ -18358,12 +18527,12 @@
           <a:graphicData uri="http://schemas.openxmlformats.org/presentationml/2006/ole">
             <mc:AlternateContent xmlns:mc="http://schemas.openxmlformats.org/markup-compatibility/2006">
               <mc:Choice xmlns:v="urn:schemas-microsoft-com:vml" Requires="v">
-                <p:oleObj name="AxMath" r:id="rId6" imgW="1163160" imgH="227880" progId="Equation.AxMath">
+                <p:oleObj name="AxMath" r:id="rId7" imgW="1163160" imgH="227880" progId="Equation.AxMath">
                   <p:embed/>
                 </p:oleObj>
               </mc:Choice>
               <mc:Fallback>
-                <p:oleObj name="AxMath" r:id="rId6" imgW="1163160" imgH="227880" progId="Equation.AxMath">
+                <p:oleObj name="AxMath" r:id="rId7" imgW="1163160" imgH="227880" progId="Equation.AxMath">
                   <p:embed/>
                   <p:pic>
                     <p:nvPicPr>
@@ -18372,7 +18541,7 @@
                       <p:nvPr/>
                     </p:nvPicPr>
                     <p:blipFill>
-                      <a:blip r:embed="rId7"/>
+                      <a:blip r:embed="rId8"/>
                       <a:stretch>
                         <a:fillRect/>
                       </a:stretch>
@@ -18421,12 +18590,12 @@
           <a:graphicData uri="http://schemas.openxmlformats.org/presentationml/2006/ole">
             <mc:AlternateContent xmlns:mc="http://schemas.openxmlformats.org/markup-compatibility/2006">
               <mc:Choice xmlns:v="urn:schemas-microsoft-com:vml" Requires="v">
-                <p:oleObj name="AxMath" r:id="rId8" imgW="2868120" imgH="550080" progId="Equation.AxMath">
+                <p:oleObj name="AxMath" r:id="rId9" imgW="2868120" imgH="550080" progId="Equation.AxMath">
                   <p:embed/>
                 </p:oleObj>
               </mc:Choice>
               <mc:Fallback>
-                <p:oleObj name="AxMath" r:id="rId8" imgW="2868120" imgH="550080" progId="Equation.AxMath">
+                <p:oleObj name="AxMath" r:id="rId9" imgW="2868120" imgH="550080" progId="Equation.AxMath">
                   <p:embed/>
                   <p:pic>
                     <p:nvPicPr>
@@ -18435,7 +18604,7 @@
                       <p:nvPr/>
                     </p:nvPicPr>
                     <p:blipFill>
-                      <a:blip r:embed="rId9"/>
+                      <a:blip r:embed="rId10"/>
                       <a:stretch>
                         <a:fillRect/>
                       </a:stretch>
@@ -18526,12 +18695,12 @@
           <a:graphicData uri="http://schemas.openxmlformats.org/presentationml/2006/ole">
             <mc:AlternateContent xmlns:mc="http://schemas.openxmlformats.org/markup-compatibility/2006">
               <mc:Choice xmlns:v="urn:schemas-microsoft-com:vml" Requires="v">
-                <p:oleObj name="AxMath" r:id="rId10" imgW="2239200" imgH="550080" progId="Equation.AxMath">
+                <p:oleObj name="AxMath" r:id="rId11" imgW="2239200" imgH="550080" progId="Equation.AxMath">
                   <p:embed/>
                 </p:oleObj>
               </mc:Choice>
               <mc:Fallback>
-                <p:oleObj name="AxMath" r:id="rId10" imgW="2239200" imgH="550080" progId="Equation.AxMath">
+                <p:oleObj name="AxMath" r:id="rId11" imgW="2239200" imgH="550080" progId="Equation.AxMath">
                   <p:embed/>
                   <p:pic>
                     <p:nvPicPr>
@@ -18546,7 +18715,7 @@
                       <p:nvPr/>
                     </p:nvPicPr>
                     <p:blipFill>
-                      <a:blip r:embed="rId11"/>
+                      <a:blip r:embed="rId12"/>
                       <a:stretch>
                         <a:fillRect/>
                       </a:stretch>
@@ -18771,12 +18940,12 @@
           <a:graphicData uri="http://schemas.openxmlformats.org/presentationml/2006/ole">
             <mc:AlternateContent xmlns:mc="http://schemas.openxmlformats.org/markup-compatibility/2006">
               <mc:Choice xmlns:v="urn:schemas-microsoft-com:vml" Requires="v">
-                <p:oleObj name="AxMath" r:id="rId12" imgW="2193480" imgH="239040" progId="Equation.AxMath">
+                <p:oleObj name="AxMath" r:id="rId13" imgW="2193480" imgH="239040" progId="Equation.AxMath">
                   <p:embed/>
                 </p:oleObj>
               </mc:Choice>
               <mc:Fallback>
-                <p:oleObj name="AxMath" r:id="rId12" imgW="2193480" imgH="239040" progId="Equation.AxMath">
+                <p:oleObj name="AxMath" r:id="rId13" imgW="2193480" imgH="239040" progId="Equation.AxMath">
                   <p:embed/>
                   <p:pic>
                     <p:nvPicPr>
@@ -18791,7 +18960,7 @@
                       <p:nvPr/>
                     </p:nvPicPr>
                     <p:blipFill>
-                      <a:blip r:embed="rId13"/>
+                      <a:blip r:embed="rId14"/>
                       <a:stretch>
                         <a:fillRect/>
                       </a:stretch>
@@ -18840,12 +19009,12 @@
           <a:graphicData uri="http://schemas.openxmlformats.org/presentationml/2006/ole">
             <mc:AlternateContent xmlns:mc="http://schemas.openxmlformats.org/markup-compatibility/2006">
               <mc:Choice xmlns:v="urn:schemas-microsoft-com:vml" Requires="v">
-                <p:oleObj name="AxMath" r:id="rId14" imgW="1119960" imgH="730080" progId="Equation.AxMath">
+                <p:oleObj name="AxMath" r:id="rId15" imgW="1119960" imgH="730080" progId="Equation.AxMath">
                   <p:embed/>
                 </p:oleObj>
               </mc:Choice>
               <mc:Fallback>
-                <p:oleObj name="AxMath" r:id="rId14" imgW="1119960" imgH="730080" progId="Equation.AxMath">
+                <p:oleObj name="AxMath" r:id="rId15" imgW="1119960" imgH="730080" progId="Equation.AxMath">
                   <p:embed/>
                   <p:pic>
                     <p:nvPicPr>
@@ -18860,7 +19029,7 @@
                       <p:nvPr/>
                     </p:nvPicPr>
                     <p:blipFill>
-                      <a:blip r:embed="rId15"/>
+                      <a:blip r:embed="rId16"/>
                       <a:stretch>
                         <a:fillRect/>
                       </a:stretch>
@@ -18976,12 +19145,12 @@
           <a:graphicData uri="http://schemas.openxmlformats.org/presentationml/2006/ole">
             <mc:AlternateContent xmlns:mc="http://schemas.openxmlformats.org/markup-compatibility/2006">
               <mc:Choice xmlns:v="urn:schemas-microsoft-com:vml" Requires="v">
-                <p:oleObj name="AxMath" r:id="rId16" imgW="528480" imgH="199800" progId="Equation.AxMath">
+                <p:oleObj name="AxMath" r:id="rId17" imgW="528480" imgH="199800" progId="Equation.AxMath">
                   <p:embed/>
                 </p:oleObj>
               </mc:Choice>
               <mc:Fallback>
-                <p:oleObj name="AxMath" r:id="rId16" imgW="528480" imgH="199800" progId="Equation.AxMath">
+                <p:oleObj name="AxMath" r:id="rId17" imgW="528480" imgH="199800" progId="Equation.AxMath">
                   <p:embed/>
                   <p:pic>
                     <p:nvPicPr>
@@ -18996,7 +19165,7 @@
                       <p:nvPr/>
                     </p:nvPicPr>
                     <p:blipFill>
-                      <a:blip r:embed="rId17"/>
+                      <a:blip r:embed="rId18"/>
                       <a:stretch>
                         <a:fillRect/>
                       </a:stretch>
@@ -19045,12 +19214,12 @@
           <a:graphicData uri="http://schemas.openxmlformats.org/presentationml/2006/ole">
             <mc:AlternateContent xmlns:mc="http://schemas.openxmlformats.org/markup-compatibility/2006">
               <mc:Choice xmlns:v="urn:schemas-microsoft-com:vml" Requires="v">
-                <p:oleObj name="AxMath" r:id="rId18" imgW="1913040" imgH="230040" progId="Equation.AxMath">
+                <p:oleObj name="AxMath" r:id="rId19" imgW="1913040" imgH="230040" progId="Equation.AxMath">
                   <p:embed/>
                 </p:oleObj>
               </mc:Choice>
               <mc:Fallback>
-                <p:oleObj name="AxMath" r:id="rId18" imgW="1913040" imgH="230040" progId="Equation.AxMath">
+                <p:oleObj name="AxMath" r:id="rId19" imgW="1913040" imgH="230040" progId="Equation.AxMath">
                   <p:embed/>
                   <p:pic>
                     <p:nvPicPr>
@@ -19065,7 +19234,7 @@
                       <p:nvPr/>
                     </p:nvPicPr>
                     <p:blipFill>
-                      <a:blip r:embed="rId19"/>
+                      <a:blip r:embed="rId20"/>
                       <a:stretch>
                         <a:fillRect/>
                       </a:stretch>
@@ -19268,10 +19437,10 @@
           <p:nvPr/>
         </p:nvPicPr>
         <p:blipFill>
-          <a:blip r:embed="rId20">
+          <a:blip r:embed="rId21">
             <a:extLst>
               <a:ext uri="{96DAC541-7B7A-43D3-8B79-37D633B846F1}">
-                <asvg:svgBlip xmlns:asvg="http://schemas.microsoft.com/office/drawing/2016/SVG/main" r:embed="rId21"/>
+                <asvg:svgBlip xmlns:asvg="http://schemas.microsoft.com/office/drawing/2016/SVG/main" r:embed="rId22"/>
               </a:ext>
             </a:extLst>
           </a:blip>
@@ -22839,7 +23008,7 @@
           <p:nvPr>
             <p:extLst>
               <p:ext uri="{D42A27DB-BD31-4B8C-83A1-F6EECF244321}">
-                <p14:modId xmlns:p14="http://schemas.microsoft.com/office/powerpoint/2010/main" val="12760136"/>
+                <p14:modId xmlns:p14="http://schemas.microsoft.com/office/powerpoint/2010/main" val="332716723"/>
               </p:ext>
             </p:extLst>
           </p:nvPr>
